--- a/assignment3/期末展示.pptx
+++ b/assignment3/期末展示.pptx
@@ -5,40 +5,40 @@
     <p:sldMasterId id="2147483648" r:id="rId1"/>
   </p:sldMasterIdLst>
   <p:notesMasterIdLst>
-    <p:notesMasterId r:id="rId5"/>
+    <p:notesMasterId r:id="rId28"/>
   </p:notesMasterIdLst>
   <p:sldIdLst>
-    <p:sldId id="277" r:id="rId3"/>
-    <p:sldId id="280" r:id="rId4"/>
-    <p:sldId id="281" r:id="rId6"/>
-    <p:sldId id="297" r:id="rId7"/>
-    <p:sldId id="318" r:id="rId8"/>
-    <p:sldId id="319" r:id="rId9"/>
-    <p:sldId id="320" r:id="rId10"/>
-    <p:sldId id="321" r:id="rId11"/>
-    <p:sldId id="322" r:id="rId12"/>
-    <p:sldId id="323" r:id="rId13"/>
-    <p:sldId id="324" r:id="rId14"/>
-    <p:sldId id="285" r:id="rId15"/>
-    <p:sldId id="298" r:id="rId16"/>
-    <p:sldId id="308" r:id="rId17"/>
-    <p:sldId id="309" r:id="rId18"/>
-    <p:sldId id="310" r:id="rId19"/>
-    <p:sldId id="313" r:id="rId20"/>
-    <p:sldId id="325" r:id="rId21"/>
-    <p:sldId id="344" r:id="rId22"/>
-    <p:sldId id="345" r:id="rId23"/>
-    <p:sldId id="346" r:id="rId24"/>
-    <p:sldId id="347" r:id="rId25"/>
-    <p:sldId id="348" r:id="rId26"/>
-    <p:sldId id="311" r:id="rId27"/>
-    <p:sldId id="326" r:id="rId28"/>
-    <p:sldId id="279" r:id="rId29"/>
+    <p:sldId id="277" r:id="rId2"/>
+    <p:sldId id="280" r:id="rId3"/>
+    <p:sldId id="281" r:id="rId4"/>
+    <p:sldId id="297" r:id="rId5"/>
+    <p:sldId id="318" r:id="rId6"/>
+    <p:sldId id="319" r:id="rId7"/>
+    <p:sldId id="320" r:id="rId8"/>
+    <p:sldId id="321" r:id="rId9"/>
+    <p:sldId id="322" r:id="rId10"/>
+    <p:sldId id="323" r:id="rId11"/>
+    <p:sldId id="324" r:id="rId12"/>
+    <p:sldId id="285" r:id="rId13"/>
+    <p:sldId id="298" r:id="rId14"/>
+    <p:sldId id="308" r:id="rId15"/>
+    <p:sldId id="309" r:id="rId16"/>
+    <p:sldId id="310" r:id="rId17"/>
+    <p:sldId id="313" r:id="rId18"/>
+    <p:sldId id="325" r:id="rId19"/>
+    <p:sldId id="344" r:id="rId20"/>
+    <p:sldId id="345" r:id="rId21"/>
+    <p:sldId id="346" r:id="rId22"/>
+    <p:sldId id="347" r:id="rId23"/>
+    <p:sldId id="348" r:id="rId24"/>
+    <p:sldId id="311" r:id="rId25"/>
+    <p:sldId id="326" r:id="rId26"/>
+    <p:sldId id="279" r:id="rId27"/>
   </p:sldIdLst>
   <p:sldSz cx="12192000" cy="6858000"/>
   <p:notesSz cx="6858000" cy="9144000"/>
   <p:custDataLst>
-    <p:tags r:id="rId33"/>
+    <p:tags r:id="rId29"/>
   </p:custDataLst>
   <p:defaultTextStyle>
     <a:defPPr>
@@ -135,6 +135,22 @@
       </a:defRPr>
     </a:lvl9pPr>
   </p:defaultTextStyle>
+  <p:extLst>
+    <p:ext uri="{EFAFB233-063F-42B5-8137-9DF3F51BA10A}">
+      <p15:sldGuideLst xmlns:p15="http://schemas.microsoft.com/office/powerpoint/2012/main">
+        <p15:guide id="1" pos="551">
+          <p15:clr>
+            <a:srgbClr val="A4A3A4"/>
+          </p15:clr>
+        </p15:guide>
+        <p15:guide id="2" orient="horz" pos="2171">
+          <p15:clr>
+            <a:srgbClr val="A4A3A4"/>
+          </p15:clr>
+        </p15:guide>
+      </p15:sldGuideLst>
+    </p:ext>
+  </p:extLst>
 </p:presentation>
 </file>
 
@@ -220,6 +236,7 @@
           <a:p>
             <a:fld id="{112FEECB-D083-4523-B10F-023CE357BB11}" type="datetimeFigureOut">
               <a:rPr lang="zh-CN" altLang="en-US" smtClean="0"/>
+              <a:t>2023/6/15</a:t>
             </a:fld>
             <a:endParaRPr lang="zh-CN" altLang="en-US"/>
           </a:p>
@@ -286,7 +303,6 @@
               <a:rPr lang="zh-CN" altLang="en-US"/>
               <a:t>单击此处编辑母版文本样式</a:t>
             </a:r>
-            <a:endParaRPr lang="zh-CN" altLang="en-US"/>
           </a:p>
           <a:p>
             <a:pPr lvl="1"/>
@@ -294,7 +310,6 @@
               <a:rPr lang="zh-CN" altLang="en-US"/>
               <a:t>二级</a:t>
             </a:r>
-            <a:endParaRPr lang="zh-CN" altLang="en-US"/>
           </a:p>
           <a:p>
             <a:pPr lvl="2"/>
@@ -302,7 +317,6 @@
               <a:rPr lang="zh-CN" altLang="en-US"/>
               <a:t>三级</a:t>
             </a:r>
-            <a:endParaRPr lang="zh-CN" altLang="en-US"/>
           </a:p>
           <a:p>
             <a:pPr lvl="3"/>
@@ -310,7 +324,6 @@
               <a:rPr lang="zh-CN" altLang="en-US"/>
               <a:t>四级</a:t>
             </a:r>
-            <a:endParaRPr lang="zh-CN" altLang="en-US"/>
           </a:p>
           <a:p>
             <a:pPr lvl="4"/>
@@ -318,7 +331,6 @@
               <a:rPr lang="zh-CN" altLang="en-US"/>
               <a:t>五级</a:t>
             </a:r>
-            <a:endParaRPr lang="zh-CN" altLang="en-US"/>
           </a:p>
         </p:txBody>
       </p:sp>
@@ -382,6 +394,7 @@
           <a:p>
             <a:fld id="{1097FAFE-CDAF-403B-A73D-03F099EBF44E}" type="slidenum">
               <a:rPr lang="zh-CN" altLang="en-US" smtClean="0"/>
+              <a:t>‹#›</a:t>
             </a:fld>
             <a:endParaRPr lang="zh-CN" altLang="en-US"/>
           </a:p>
@@ -583,6 +596,7 @@
                 <a:ea typeface="等线" panose="02010600030101010101" charset="-122"/>
                 <a:cs typeface="+mn-cs"/>
               </a:rPr>
+              <a:t>2</a:t>
             </a:fld>
             <a:endParaRPr kumimoji="0" lang="zh-CN" altLang="en-US" sz="1200" b="0" i="0" u="none" strike="noStrike" kern="1200" cap="none" spc="0" normalizeH="0" baseline="0" noProof="0">
               <a:ln>
@@ -610,7 +624,7 @@
 </file>
 
 <file path=ppt/slideLayouts/slideLayout1.xml><?xml version="1.0" encoding="utf-8"?>
-<p:sldLayout xmlns:a="http://schemas.openxmlformats.org/drawingml/2006/main" xmlns:r="http://schemas.openxmlformats.org/officeDocument/2006/relationships" xmlns:p="http://schemas.openxmlformats.org/presentationml/2006/main" preserve="1" userDrawn="1" matchingName="爱设计-1">
+<p:sldLayout xmlns:a="http://schemas.openxmlformats.org/drawingml/2006/main" xmlns:r="http://schemas.openxmlformats.org/officeDocument/2006/relationships" xmlns:p="http://schemas.openxmlformats.org/presentationml/2006/main" matchingName="爱设计-1" preserve="1" userDrawn="1">
   <p:cSld name="自定义版式">
     <p:spTree>
       <p:nvGrpSpPr>
@@ -1122,25 +1136,6 @@
               </a:rPr>
               <a:t>期末展示</a:t>
             </a:r>
-            <a:endParaRPr kumimoji="0" lang="zh-CN" altLang="en-US" sz="6600" b="0" i="0" u="none" strike="noStrike" kern="1200" cap="none" spc="0" normalizeH="0" baseline="0" noProof="0" dirty="0">
-              <a:ln>
-                <a:solidFill>
-                  <a:prstClr val="black">
-                    <a:lumMod val="75000"/>
-                    <a:lumOff val="25000"/>
-                  </a:prstClr>
-                </a:solidFill>
-              </a:ln>
-              <a:solidFill>
-                <a:prstClr val="black"/>
-              </a:solidFill>
-              <a:effectLst/>
-              <a:uLnTx/>
-              <a:uFillTx/>
-              <a:latin typeface="字由文艺黑" panose="00020600040101010101" pitchFamily="18" charset="-122"/>
-              <a:ea typeface="字由文艺黑" panose="00020600040101010101" pitchFamily="18" charset="-122"/>
-              <a:cs typeface="+mn-cs"/>
-            </a:endParaRPr>
           </a:p>
         </p:txBody>
       </p:sp>
@@ -1298,13 +1293,13 @@
           <p:nvPr/>
         </p:nvPicPr>
         <p:blipFill>
-          <a:blip r:embed="rId1" cstate="print">
+          <a:blip r:embed="rId3" cstate="print">
             <a:extLst>
               <a:ext uri="{28A0092B-C50C-407E-A947-70E740481C1C}">
                 <a14:useLocalDpi xmlns:a14="http://schemas.microsoft.com/office/drawing/2010/main" val="0"/>
               </a:ext>
               <a:ext uri="{96DAC541-7B7A-43D3-8B79-37D633B846F1}">
-                <asvg:svgBlip xmlns:asvg="http://schemas.microsoft.com/office/drawing/2016/SVG/main" r:embed="rId2"/>
+                <asvg:svgBlip xmlns:asvg="http://schemas.microsoft.com/office/drawing/2016/SVG/main" r:embed="rId4"/>
               </a:ext>
             </a:extLst>
           </a:blip>
@@ -1536,7 +1531,7 @@
       </p:sp>
     </p:spTree>
     <p:custDataLst>
-      <p:tags r:id="rId3"/>
+      <p:tags r:id="rId1"/>
     </p:custDataLst>
   </p:cSld>
   <p:clrMapOvr>
@@ -1653,20 +1648,6 @@
               </a:rPr>
               <a:t>接口示例</a:t>
             </a:r>
-            <a:endParaRPr kumimoji="0" lang="zh-CN" altLang="en-US" sz="3200" b="0" i="0" u="none" strike="noStrike" kern="1200" cap="none" spc="0" normalizeH="0" baseline="0" noProof="0" dirty="0">
-              <a:ln>
-                <a:noFill/>
-              </a:ln>
-              <a:solidFill>
-                <a:srgbClr val="33C16B"/>
-              </a:solidFill>
-              <a:effectLst/>
-              <a:uLnTx/>
-              <a:uFillTx/>
-              <a:latin typeface="OPPOSans H"/>
-              <a:ea typeface="+mj-ea"/>
-              <a:cs typeface="+mn-cs"/>
-            </a:endParaRPr>
           </a:p>
         </p:txBody>
       </p:sp>
@@ -1717,7 +1698,7 @@
           <p:nvPr/>
         </p:nvPicPr>
         <p:blipFill>
-          <a:blip r:embed="rId1"/>
+          <a:blip r:embed="rId3"/>
           <a:stretch>
             <a:fillRect/>
           </a:stretch>
@@ -1732,9 +1713,48 @@
           </a:prstGeom>
         </p:spPr>
       </p:pic>
+      <p:pic>
+        <p:nvPicPr>
+          <p:cNvPr id="2" name="图形 1">
+            <a:extLst>
+              <a:ext uri="{FF2B5EF4-FFF2-40B4-BE49-F238E27FC236}">
+                <a16:creationId xmlns:a16="http://schemas.microsoft.com/office/drawing/2014/main" id="{E9EA0C52-4024-B91B-82A0-8F44D115D170}"/>
+              </a:ext>
+            </a:extLst>
+          </p:cNvPr>
+          <p:cNvPicPr>
+            <a:picLocks noChangeAspect="1"/>
+          </p:cNvPicPr>
+          <p:nvPr/>
+        </p:nvPicPr>
+        <p:blipFill>
+          <a:blip r:embed="rId4" cstate="print">
+            <a:extLst>
+              <a:ext uri="{28A0092B-C50C-407E-A947-70E740481C1C}">
+                <a14:useLocalDpi xmlns:a14="http://schemas.microsoft.com/office/drawing/2010/main" val="0"/>
+              </a:ext>
+              <a:ext uri="{96DAC541-7B7A-43D3-8B79-37D633B846F1}">
+                <asvg:svgBlip xmlns:asvg="http://schemas.microsoft.com/office/drawing/2016/SVG/main" r:embed="rId5"/>
+              </a:ext>
+            </a:extLst>
+          </a:blip>
+          <a:stretch>
+            <a:fillRect/>
+          </a:stretch>
+        </p:blipFill>
+        <p:spPr>
+          <a:xfrm>
+            <a:off x="10723900" y="0"/>
+            <a:ext cx="1468100" cy="1468100"/>
+          </a:xfrm>
+          <a:prstGeom prst="rect">
+            <a:avLst/>
+          </a:prstGeom>
+        </p:spPr>
+      </p:pic>
     </p:spTree>
     <p:custDataLst>
-      <p:tags r:id="rId2"/>
+      <p:tags r:id="rId1"/>
     </p:custDataLst>
   </p:cSld>
   <p:clrMapOvr>
@@ -1851,20 +1871,6 @@
               </a:rPr>
               <a:t>接口示例</a:t>
             </a:r>
-            <a:endParaRPr kumimoji="0" lang="zh-CN" altLang="en-US" sz="3200" b="0" i="0" u="none" strike="noStrike" kern="1200" cap="none" spc="0" normalizeH="0" baseline="0" noProof="0" dirty="0">
-              <a:ln>
-                <a:noFill/>
-              </a:ln>
-              <a:solidFill>
-                <a:srgbClr val="33C16B"/>
-              </a:solidFill>
-              <a:effectLst/>
-              <a:uLnTx/>
-              <a:uFillTx/>
-              <a:latin typeface="OPPOSans H"/>
-              <a:ea typeface="+mj-ea"/>
-              <a:cs typeface="+mn-cs"/>
-            </a:endParaRPr>
           </a:p>
         </p:txBody>
       </p:sp>
@@ -1960,19 +1966,6 @@
               </a:rPr>
               <a:t>查询当前用户日程列表操作流程</a:t>
             </a:r>
-            <a:endParaRPr kumimoji="0" lang="zh-CN" altLang="en-US" sz="1800" b="1" i="0" u="none" strike="noStrike" kern="1200" cap="none" spc="0" normalizeH="0" baseline="0" noProof="0">
-              <a:ln>
-                <a:noFill/>
-              </a:ln>
-              <a:solidFill>
-                <a:prstClr val="black"/>
-              </a:solidFill>
-              <a:effectLst/>
-              <a:uLnTx/>
-              <a:uFillTx/>
-              <a:latin typeface="OPPOSans L"/>
-              <a:cs typeface="+mn-cs"/>
-            </a:endParaRPr>
           </a:p>
           <a:p>
             <a:pPr marL="0" marR="0" lvl="0" indent="0" algn="l" defTabSz="914400" rtl="0" eaLnBrk="1" fontAlgn="auto" latinLnBrk="0" hangingPunct="1">
@@ -2038,19 +2031,6 @@
               </a:rPr>
               <a:t>1. 用户登陆后获取到userID</a:t>
             </a:r>
-            <a:endParaRPr kumimoji="0" lang="zh-CN" altLang="en-US" sz="1800" b="0" i="0" u="none" strike="noStrike" kern="1200" cap="none" spc="0" normalizeH="0" baseline="0" noProof="0">
-              <a:ln>
-                <a:noFill/>
-              </a:ln>
-              <a:solidFill>
-                <a:prstClr val="black"/>
-              </a:solidFill>
-              <a:effectLst/>
-              <a:uLnTx/>
-              <a:uFillTx/>
-              <a:latin typeface="OPPOSans L"/>
-              <a:cs typeface="+mn-cs"/>
-            </a:endParaRPr>
           </a:p>
           <a:p>
             <a:pPr marL="0" marR="0" lvl="0" indent="0" algn="l" defTabSz="914400" rtl="0" eaLnBrk="1" fontAlgn="auto" latinLnBrk="0" hangingPunct="1">
@@ -2116,19 +2096,6 @@
               </a:rPr>
               <a:t>2. 调用`ScheduleUtil.getScheduleList(userID: String):List&lt;Schedule&gt;`接口</a:t>
             </a:r>
-            <a:endParaRPr kumimoji="0" lang="zh-CN" altLang="en-US" sz="1800" b="0" i="0" u="none" strike="noStrike" kern="1200" cap="none" spc="0" normalizeH="0" baseline="0" noProof="0">
-              <a:ln>
-                <a:noFill/>
-              </a:ln>
-              <a:solidFill>
-                <a:prstClr val="black"/>
-              </a:solidFill>
-              <a:effectLst/>
-              <a:uLnTx/>
-              <a:uFillTx/>
-              <a:latin typeface="OPPOSans L"/>
-              <a:cs typeface="+mn-cs"/>
-            </a:endParaRPr>
           </a:p>
           <a:p>
             <a:pPr marL="0" marR="0" lvl="0" indent="0" algn="l" defTabSz="914400" rtl="0" eaLnBrk="1" fontAlgn="auto" latinLnBrk="0" hangingPunct="1">
@@ -2194,19 +2161,6 @@
               </a:rPr>
               <a:t>3. 得到调用结果，返回给前端绘制日程列表</a:t>
             </a:r>
-            <a:endParaRPr kumimoji="0" lang="zh-CN" altLang="en-US" sz="1800" b="0" i="0" u="none" strike="noStrike" kern="1200" cap="none" spc="0" normalizeH="0" baseline="0" noProof="0">
-              <a:ln>
-                <a:noFill/>
-              </a:ln>
-              <a:solidFill>
-                <a:prstClr val="black"/>
-              </a:solidFill>
-              <a:effectLst/>
-              <a:uLnTx/>
-              <a:uFillTx/>
-              <a:latin typeface="OPPOSans L"/>
-              <a:cs typeface="+mn-cs"/>
-            </a:endParaRPr>
           </a:p>
         </p:txBody>
       </p:sp>
@@ -2219,7 +2173,7 @@
           <p:nvPr/>
         </p:nvPicPr>
         <p:blipFill>
-          <a:blip r:embed="rId1"/>
+          <a:blip r:embed="rId3"/>
           <a:stretch>
             <a:fillRect/>
           </a:stretch>
@@ -2234,9 +2188,48 @@
           </a:prstGeom>
         </p:spPr>
       </p:pic>
+      <p:pic>
+        <p:nvPicPr>
+          <p:cNvPr id="2" name="图形 1">
+            <a:extLst>
+              <a:ext uri="{FF2B5EF4-FFF2-40B4-BE49-F238E27FC236}">
+                <a16:creationId xmlns:a16="http://schemas.microsoft.com/office/drawing/2014/main" id="{C9755CC2-DEC7-36D4-7C7E-0C7EEA4190FA}"/>
+              </a:ext>
+            </a:extLst>
+          </p:cNvPr>
+          <p:cNvPicPr>
+            <a:picLocks noChangeAspect="1"/>
+          </p:cNvPicPr>
+          <p:nvPr/>
+        </p:nvPicPr>
+        <p:blipFill>
+          <a:blip r:embed="rId4" cstate="print">
+            <a:extLst>
+              <a:ext uri="{28A0092B-C50C-407E-A947-70E740481C1C}">
+                <a14:useLocalDpi xmlns:a14="http://schemas.microsoft.com/office/drawing/2010/main" val="0"/>
+              </a:ext>
+              <a:ext uri="{96DAC541-7B7A-43D3-8B79-37D633B846F1}">
+                <asvg:svgBlip xmlns:asvg="http://schemas.microsoft.com/office/drawing/2016/SVG/main" r:embed="rId5"/>
+              </a:ext>
+            </a:extLst>
+          </a:blip>
+          <a:stretch>
+            <a:fillRect/>
+          </a:stretch>
+        </p:blipFill>
+        <p:spPr>
+          <a:xfrm>
+            <a:off x="10723900" y="0"/>
+            <a:ext cx="1468100" cy="1468100"/>
+          </a:xfrm>
+          <a:prstGeom prst="rect">
+            <a:avLst/>
+          </a:prstGeom>
+        </p:spPr>
+      </p:pic>
     </p:spTree>
     <p:custDataLst>
-      <p:tags r:id="rId2"/>
+      <p:tags r:id="rId1"/>
     </p:custDataLst>
   </p:cSld>
   <p:clrMapOvr>
@@ -2368,18 +2361,6 @@
               </a:rPr>
               <a:t>设计机制</a:t>
             </a:r>
-            <a:endParaRPr lang="zh-CN" altLang="en-US" sz="10560" dirty="0">
-              <a:ln w="10477">
-                <a:solidFill>
-                  <a:schemeClr val="tx1">
-                    <a:lumMod val="75000"/>
-                    <a:lumOff val="25000"/>
-                  </a:schemeClr>
-                </a:solidFill>
-              </a:ln>
-              <a:latin typeface="字由文艺黑" panose="00020600040101010101" pitchFamily="18" charset="-122"/>
-              <a:ea typeface="字由文艺黑" panose="00020600040101010101" pitchFamily="18" charset="-122"/>
-            </a:endParaRPr>
           </a:p>
         </p:txBody>
       </p:sp>
@@ -2392,7 +2373,7 @@
           <p:nvPr/>
         </p:nvPicPr>
         <p:blipFill>
-          <a:blip r:embed="rId1" cstate="print">
+          <a:blip r:embed="rId4" cstate="print">
             <a:extLst>
               <a:ext uri="{28A0092B-C50C-407E-A947-70E740481C1C}">
                 <a14:useLocalDpi xmlns:a14="http://schemas.microsoft.com/office/drawing/2010/main" val="0"/>
@@ -2659,7 +2640,7 @@
           <p:nvPr/>
         </p:nvPicPr>
         <p:blipFill>
-          <a:blip r:embed="rId3"/>
+          <a:blip r:embed="rId5"/>
           <a:stretch>
             <a:fillRect/>
           </a:stretch>
@@ -2676,7 +2657,7 @@
       </p:pic>
     </p:spTree>
     <p:custDataLst>
-      <p:tags r:id="rId4"/>
+      <p:tags r:id="rId1"/>
     </p:custDataLst>
   </p:cSld>
   <p:clrMapOvr>
@@ -2746,10 +2727,6 @@
               </a:rPr>
               <a:t>数据持久机制</a:t>
             </a:r>
-            <a:endParaRPr lang="zh-CN" altLang="en-US" sz="3200" dirty="0">
-              <a:latin typeface="+mj-ea"/>
-              <a:ea typeface="+mj-ea"/>
-            </a:endParaRPr>
           </a:p>
         </p:txBody>
       </p:sp>
@@ -2810,22 +2787,6 @@
               </a:rPr>
               <a:t>Data Persistence</a:t>
             </a:r>
-            <a:endParaRPr kumimoji="0" lang="en-US" altLang="zh-CN" b="0" i="0" u="none" strike="noStrike" kern="1200" cap="none" spc="0" normalizeH="0" baseline="0" noProof="0" dirty="0">
-              <a:ln>
-                <a:noFill/>
-              </a:ln>
-              <a:solidFill>
-                <a:schemeClr val="tx1">
-                  <a:lumMod val="75000"/>
-                  <a:lumOff val="25000"/>
-                </a:schemeClr>
-              </a:solidFill>
-              <a:effectLst/>
-              <a:uLnTx/>
-              <a:uFillTx/>
-              <a:latin typeface="+mn-ea"/>
-              <a:cs typeface="OPPOSans M" panose="00020600040101010101" pitchFamily="18" charset="-122"/>
-            </a:endParaRPr>
           </a:p>
         </p:txBody>
       </p:sp>
@@ -2933,17 +2894,6 @@
               </a:rPr>
               <a:t>分析</a:t>
             </a:r>
-            <a:endParaRPr kumimoji="0" lang="zh-CN" altLang="en-US" sz="2400" i="0" u="none" strike="noStrike" kern="1200" cap="none" spc="0" normalizeH="0" baseline="0" noProof="0" dirty="0">
-              <a:ln>
-                <a:noFill/>
-              </a:ln>
-              <a:uLnTx/>
-              <a:uFillTx/>
-              <a:latin typeface="OPPOSans H" panose="00020600040101010101" pitchFamily="18" charset="-122"/>
-              <a:ea typeface="OPPOSans H" panose="00020600040101010101" pitchFamily="18" charset="-122"/>
-              <a:cs typeface="OPPOSans H" panose="00020600040101010101" pitchFamily="18" charset="-122"/>
-              <a:sym typeface="Arial" panose="020B0604020202020204" pitchFamily="34" charset="0"/>
-            </a:endParaRPr>
           </a:p>
         </p:txBody>
       </p:sp>
@@ -3008,11 +2958,6 @@
               </a:rPr>
               <a:t>数据量指数级上升</a:t>
             </a:r>
-            <a:endParaRPr lang="zh-CN" altLang="en-US" dirty="0">
-              <a:latin typeface="+mn-ea"/>
-              <a:cs typeface="OPPOSans R" panose="00020600040101010101" pitchFamily="18" charset="-122"/>
-              <a:sym typeface="Arial" panose="020B0604020202020204" pitchFamily="34" charset="0"/>
-            </a:endParaRPr>
           </a:p>
         </p:txBody>
       </p:sp>
@@ -3063,7 +3008,7 @@
           <p:nvPr/>
         </p:nvPicPr>
         <p:blipFill>
-          <a:blip r:embed="rId1" cstate="print">
+          <a:blip r:embed="rId3" cstate="print">
             <a:extLst>
               <a:ext uri="{28A0092B-C50C-407E-A947-70E740481C1C}">
                 <a14:useLocalDpi xmlns:a14="http://schemas.microsoft.com/office/drawing/2010/main" val="0"/>
@@ -3093,7 +3038,7 @@
           <p:nvPr/>
         </p:nvPicPr>
         <p:blipFill>
-          <a:blip r:embed="rId2">
+          <a:blip r:embed="rId4">
             <a:extLst>
               <a:ext uri="{28A0092B-C50C-407E-A947-70E740481C1C}">
                 <a14:useLocalDpi xmlns:a14="http://schemas.microsoft.com/office/drawing/2010/main" val="0"/>
@@ -3248,7 +3193,7 @@
       </p:sp>
     </p:spTree>
     <p:custDataLst>
-      <p:tags r:id="rId3"/>
+      <p:tags r:id="rId1"/>
     </p:custDataLst>
   </p:cSld>
   <p:clrMapOvr>
@@ -3344,20 +3289,6 @@
               </a:rPr>
               <a:t>数据持久机制</a:t>
             </a:r>
-            <a:endParaRPr kumimoji="0" lang="zh-CN" altLang="en-US" sz="3200" b="0" i="0" u="none" strike="noStrike" kern="1200" cap="none" spc="0" normalizeH="0" baseline="0" noProof="0" dirty="0">
-              <a:ln>
-                <a:noFill/>
-              </a:ln>
-              <a:solidFill>
-                <a:prstClr val="black"/>
-              </a:solidFill>
-              <a:effectLst/>
-              <a:uLnTx/>
-              <a:uFillTx/>
-              <a:latin typeface="+mj-ea"/>
-              <a:ea typeface="OPPOSans H"/>
-              <a:cs typeface="+mn-cs"/>
-            </a:endParaRPr>
           </a:p>
         </p:txBody>
       </p:sp>
@@ -3418,22 +3349,6 @@
               </a:rPr>
               <a:t>Data Persistence</a:t>
             </a:r>
-            <a:endParaRPr kumimoji="0" lang="en-US" altLang="zh-CN" sz="1800" b="0" i="0" u="none" strike="noStrike" kern="1200" cap="none" spc="0" normalizeH="0" baseline="0" noProof="0" dirty="0">
-              <a:ln>
-                <a:noFill/>
-              </a:ln>
-              <a:solidFill>
-                <a:prstClr val="black">
-                  <a:lumMod val="75000"/>
-                  <a:lumOff val="25000"/>
-                </a:prstClr>
-              </a:solidFill>
-              <a:effectLst/>
-              <a:uLnTx/>
-              <a:uFillTx/>
-              <a:latin typeface="OPPOSans L"/>
-              <a:cs typeface="OPPOSans M" panose="00020600040101010101" pitchFamily="18" charset="-122"/>
-            </a:endParaRPr>
           </a:p>
         </p:txBody>
       </p:sp>
@@ -3658,20 +3573,6 @@
               </a:rPr>
               <a:t>允许应用程序将数据从内存中持久化到物理存储介质中，以便在需要时进行读取和修改。</a:t>
             </a:r>
-            <a:endParaRPr kumimoji="0" lang="zh-CN" altLang="en-US" sz="1800" b="0" i="0" u="none" strike="noStrike" kern="1200" cap="none" spc="0" normalizeH="0" baseline="0" noProof="0" dirty="0">
-              <a:ln>
-                <a:noFill/>
-              </a:ln>
-              <a:solidFill>
-                <a:prstClr val="black"/>
-              </a:solidFill>
-              <a:effectLst/>
-              <a:uLnTx/>
-              <a:uFillTx/>
-              <a:latin typeface="OPPOSans L"/>
-              <a:cs typeface="OPPOSans R" panose="00020600040101010101" pitchFamily="18" charset="-122"/>
-              <a:sym typeface="Arial" panose="020B0604020202020204" pitchFamily="34" charset="0"/>
-            </a:endParaRPr>
           </a:p>
         </p:txBody>
       </p:sp>
@@ -3722,7 +3623,7 @@
           <p:nvPr/>
         </p:nvPicPr>
         <p:blipFill>
-          <a:blip r:embed="rId1" cstate="print">
+          <a:blip r:embed="rId3" cstate="print">
             <a:extLst>
               <a:ext uri="{28A0092B-C50C-407E-A947-70E740481C1C}">
                 <a14:useLocalDpi xmlns:a14="http://schemas.microsoft.com/office/drawing/2010/main" val="0"/>
@@ -3991,7 +3892,7 @@
           <p:nvPr/>
         </p:nvPicPr>
         <p:blipFill>
-          <a:blip r:embed="rId2"/>
+          <a:blip r:embed="rId4"/>
           <a:stretch>
             <a:fillRect/>
           </a:stretch>
@@ -4008,7 +3909,7 @@
       </p:pic>
     </p:spTree>
     <p:custDataLst>
-      <p:tags r:id="rId3"/>
+      <p:tags r:id="rId1"/>
     </p:custDataLst>
   </p:cSld>
   <p:clrMapOvr>
@@ -4104,20 +4005,6 @@
               </a:rPr>
               <a:t>数据持久机制</a:t>
             </a:r>
-            <a:endParaRPr kumimoji="0" lang="zh-CN" altLang="en-US" sz="3200" b="0" i="0" u="none" strike="noStrike" kern="1200" cap="none" spc="0" normalizeH="0" baseline="0" noProof="0" dirty="0">
-              <a:ln>
-                <a:noFill/>
-              </a:ln>
-              <a:solidFill>
-                <a:prstClr val="black"/>
-              </a:solidFill>
-              <a:effectLst/>
-              <a:uLnTx/>
-              <a:uFillTx/>
-              <a:latin typeface="+mj-ea"/>
-              <a:ea typeface="OPPOSans H"/>
-              <a:cs typeface="+mn-cs"/>
-            </a:endParaRPr>
           </a:p>
         </p:txBody>
       </p:sp>
@@ -4178,22 +4065,6 @@
               </a:rPr>
               <a:t>Data Persistence</a:t>
             </a:r>
-            <a:endParaRPr kumimoji="0" lang="en-US" altLang="zh-CN" sz="1800" b="0" i="0" u="none" strike="noStrike" kern="1200" cap="none" spc="0" normalizeH="0" baseline="0" noProof="0" dirty="0">
-              <a:ln>
-                <a:noFill/>
-              </a:ln>
-              <a:solidFill>
-                <a:prstClr val="black">
-                  <a:lumMod val="75000"/>
-                  <a:lumOff val="25000"/>
-                </a:prstClr>
-              </a:solidFill>
-              <a:effectLst/>
-              <a:uLnTx/>
-              <a:uFillTx/>
-              <a:latin typeface="OPPOSans L"/>
-              <a:cs typeface="OPPOSans M" panose="00020600040101010101" pitchFamily="18" charset="-122"/>
-            </a:endParaRPr>
           </a:p>
         </p:txBody>
       </p:sp>
@@ -4244,7 +4115,7 @@
           <p:nvPr/>
         </p:nvPicPr>
         <p:blipFill>
-          <a:blip r:embed="rId1"/>
+          <a:blip r:embed="rId3"/>
           <a:stretch>
             <a:fillRect/>
           </a:stretch>
@@ -4772,7 +4643,7 @@
           <p:nvPr/>
         </p:nvPicPr>
         <p:blipFill>
-          <a:blip r:embed="rId2" cstate="print">
+          <a:blip r:embed="rId4" cstate="print">
             <a:extLst>
               <a:ext uri="{28A0092B-C50C-407E-A947-70E740481C1C}">
                 <a14:useLocalDpi xmlns:a14="http://schemas.microsoft.com/office/drawing/2010/main" val="0"/>
@@ -4795,7 +4666,7 @@
       </p:pic>
     </p:spTree>
     <p:custDataLst>
-      <p:tags r:id="rId3"/>
+      <p:tags r:id="rId1"/>
     </p:custDataLst>
   </p:cSld>
   <p:clrMapOvr>
@@ -4891,20 +4762,6 @@
               </a:rPr>
               <a:t>好友私聊机制</a:t>
             </a:r>
-            <a:endParaRPr kumimoji="0" lang="zh-CN" altLang="en-US" sz="3200" b="0" i="0" u="none" strike="noStrike" kern="1200" cap="none" spc="0" normalizeH="0" baseline="0" noProof="0" dirty="0">
-              <a:ln>
-                <a:noFill/>
-              </a:ln>
-              <a:solidFill>
-                <a:prstClr val="black"/>
-              </a:solidFill>
-              <a:effectLst/>
-              <a:uLnTx/>
-              <a:uFillTx/>
-              <a:latin typeface="+mj-ea"/>
-              <a:ea typeface="OPPOSans H"/>
-              <a:cs typeface="+mn-cs"/>
-            </a:endParaRPr>
           </a:p>
         </p:txBody>
       </p:sp>
@@ -4965,22 +4822,6 @@
               </a:rPr>
               <a:t>Real time communication</a:t>
             </a:r>
-            <a:endParaRPr kumimoji="0" lang="en-US" altLang="zh-CN" sz="1800" b="0" i="0" u="none" strike="noStrike" kern="1200" cap="none" spc="0" normalizeH="0" baseline="0" noProof="0" dirty="0">
-              <a:ln>
-                <a:noFill/>
-              </a:ln>
-              <a:solidFill>
-                <a:prstClr val="black">
-                  <a:lumMod val="75000"/>
-                  <a:lumOff val="25000"/>
-                </a:prstClr>
-              </a:solidFill>
-              <a:effectLst/>
-              <a:uLnTx/>
-              <a:uFillTx/>
-              <a:latin typeface="OPPOSans L"/>
-              <a:cs typeface="OPPOSans M" panose="00020600040101010101" pitchFamily="18" charset="-122"/>
-            </a:endParaRPr>
           </a:p>
         </p:txBody>
       </p:sp>
@@ -5354,7 +5195,7 @@
           <p:nvPr/>
         </p:nvPicPr>
         <p:blipFill>
-          <a:blip r:embed="rId1" cstate="print">
+          <a:blip r:embed="rId3" cstate="print">
             <a:extLst>
               <a:ext uri="{28A0092B-C50C-407E-A947-70E740481C1C}">
                 <a14:useLocalDpi xmlns:a14="http://schemas.microsoft.com/office/drawing/2010/main" val="0"/>
@@ -5384,7 +5225,7 @@
           <p:nvPr/>
         </p:nvPicPr>
         <p:blipFill>
-          <a:blip r:embed="rId2"/>
+          <a:blip r:embed="rId4"/>
           <a:stretch>
             <a:fillRect/>
           </a:stretch>
@@ -5432,13 +5273,12 @@
               <a:rPr lang="zh-CN" altLang="en-US" dirty="0"/>
               <a:t>无谓请求，浪费带宽，效率低下</a:t>
             </a:r>
-            <a:endParaRPr lang="zh-CN" altLang="en-US" dirty="0"/>
           </a:p>
         </p:txBody>
       </p:sp>
     </p:spTree>
     <p:custDataLst>
-      <p:tags r:id="rId3"/>
+      <p:tags r:id="rId1"/>
     </p:custDataLst>
   </p:cSld>
   <p:clrMapOvr>
@@ -5488,7 +5328,7 @@
           <p:nvPr/>
         </p:nvPicPr>
         <p:blipFill>
-          <a:blip r:embed="rId1"/>
+          <a:blip r:embed="rId3"/>
           <a:stretch>
             <a:fillRect/>
           </a:stretch>
@@ -5641,8 +5481,8 @@
           </p:nvSpPr>
           <p:spPr>
             <a:xfrm>
-              <a:off x="5196884" y="1456841"/>
-              <a:ext cx="1613146" cy="554433"/>
+              <a:off x="5196883" y="1456841"/>
+              <a:ext cx="1830081" cy="554433"/>
             </a:xfrm>
             <a:prstGeom prst="rect">
               <a:avLst/>
@@ -5713,7 +5553,7 @@
           <p:nvPr/>
         </p:nvPicPr>
         <p:blipFill>
-          <a:blip r:embed="rId2" cstate="print">
+          <a:blip r:embed="rId4" cstate="print">
             <a:extLst>
               <a:ext uri="{28A0092B-C50C-407E-A947-70E740481C1C}">
                 <a14:useLocalDpi xmlns:a14="http://schemas.microsoft.com/office/drawing/2010/main" val="0"/>
@@ -5830,7 +5670,6 @@
               <a:rPr lang="zh-CN" altLang="en-US" dirty="0"/>
               <a:t>建立连接、进行双向通信、保持连接和关闭连接</a:t>
             </a:r>
-            <a:endParaRPr lang="zh-CN" altLang="en-US" dirty="0"/>
           </a:p>
         </p:txBody>
       </p:sp>
@@ -5889,20 +5728,6 @@
               </a:rPr>
               <a:t>好友私聊机制</a:t>
             </a:r>
-            <a:endParaRPr kumimoji="0" lang="zh-CN" altLang="en-US" sz="3200" b="0" i="0" u="none" strike="noStrike" kern="1200" cap="none" spc="0" normalizeH="0" baseline="0" noProof="0" dirty="0">
-              <a:ln>
-                <a:noFill/>
-              </a:ln>
-              <a:solidFill>
-                <a:prstClr val="black"/>
-              </a:solidFill>
-              <a:effectLst/>
-              <a:uLnTx/>
-              <a:uFillTx/>
-              <a:latin typeface="+mj-ea"/>
-              <a:ea typeface="OPPOSans H"/>
-              <a:cs typeface="+mn-cs"/>
-            </a:endParaRPr>
           </a:p>
         </p:txBody>
       </p:sp>
@@ -5963,28 +5788,12 @@
               </a:rPr>
               <a:t>Real time communication</a:t>
             </a:r>
-            <a:endParaRPr kumimoji="0" lang="en-US" altLang="zh-CN" sz="1800" b="0" i="0" u="none" strike="noStrike" kern="1200" cap="none" spc="0" normalizeH="0" baseline="0" noProof="0" dirty="0">
-              <a:ln>
-                <a:noFill/>
-              </a:ln>
-              <a:solidFill>
-                <a:prstClr val="black">
-                  <a:lumMod val="75000"/>
-                  <a:lumOff val="25000"/>
-                </a:prstClr>
-              </a:solidFill>
-              <a:effectLst/>
-              <a:uLnTx/>
-              <a:uFillTx/>
-              <a:latin typeface="OPPOSans L"/>
-              <a:cs typeface="OPPOSans M" panose="00020600040101010101" pitchFamily="18" charset="-122"/>
-            </a:endParaRPr>
           </a:p>
         </p:txBody>
       </p:sp>
     </p:spTree>
     <p:custDataLst>
-      <p:tags r:id="rId3"/>
+      <p:tags r:id="rId1"/>
     </p:custDataLst>
   </p:cSld>
   <p:clrMapOvr>
@@ -6063,175 +5872,84 @@
           </a:fontRef>
         </p:style>
       </p:cxnSp>
-      <p:grpSp>
-        <p:nvGrpSpPr>
-          <p:cNvPr id="19" name="组合 18"/>
-          <p:cNvGrpSpPr/>
-          <p:nvPr/>
-        </p:nvGrpSpPr>
-        <p:grpSpPr>
+      <p:sp>
+        <p:nvSpPr>
+          <p:cNvPr id="6" name="爱设计-4"/>
+          <p:cNvSpPr/>
+          <p:nvPr/>
+        </p:nvSpPr>
+        <p:spPr>
           <a:xfrm>
             <a:off x="0" y="1421399"/>
-            <a:ext cx="12191999" cy="589875"/>
-            <a:chOff x="0" y="1421399"/>
-            <a:chExt cx="12191999" cy="589875"/>
-          </a:xfrm>
-        </p:grpSpPr>
-        <p:sp>
-          <p:nvSpPr>
-            <p:cNvPr id="6" name="爱设计-4"/>
-            <p:cNvSpPr/>
-            <p:nvPr/>
-          </p:nvSpPr>
-          <p:spPr>
-            <a:xfrm>
-              <a:off x="0" y="1421399"/>
-              <a:ext cx="12191999" cy="554433"/>
-            </a:xfrm>
-            <a:prstGeom prst="roundRect">
-              <a:avLst>
-                <a:gd name="adj" fmla="val 4605"/>
-              </a:avLst>
-            </a:prstGeom>
-            <a:solidFill>
-              <a:schemeClr val="bg1">
-                <a:lumMod val="95000"/>
-              </a:schemeClr>
-            </a:solidFill>
-            <a:ln>
-              <a:noFill/>
-            </a:ln>
-            <a:effectLst/>
-          </p:spPr>
-          <p:style>
-            <a:lnRef idx="2">
-              <a:schemeClr val="accent1">
-                <a:shade val="50000"/>
-              </a:schemeClr>
-            </a:lnRef>
-            <a:fillRef idx="1">
-              <a:schemeClr val="accent1"/>
-            </a:fillRef>
-            <a:effectRef idx="0">
-              <a:schemeClr val="accent1"/>
-            </a:effectRef>
-            <a:fontRef idx="minor">
-              <a:schemeClr val="lt1"/>
-            </a:fontRef>
-          </p:style>
-          <p:txBody>
-            <a:bodyPr rtlCol="0" anchor="ctr"/>
-            <a:lstStyle/>
-            <a:p>
-              <a:pPr marL="0" marR="0" lvl="0" indent="0" algn="ctr" defTabSz="914400" rtl="0" eaLnBrk="1" fontAlgn="auto" latinLnBrk="0" hangingPunct="1">
-                <a:lnSpc>
-                  <a:spcPct val="100000"/>
-                </a:lnSpc>
-                <a:spcBef>
-                  <a:spcPts val="0"/>
-                </a:spcBef>
-                <a:spcAft>
-                  <a:spcPts val="0"/>
-                </a:spcAft>
-                <a:buClrTx/>
-                <a:buSzTx/>
-                <a:buFontTx/>
-                <a:buNone/>
-                <a:defRPr/>
-              </a:pPr>
-              <a:endParaRPr kumimoji="0" lang="zh-CN" altLang="en-US" sz="1800" b="0" i="0" u="none" strike="noStrike" kern="1200" cap="none" spc="0" normalizeH="0" baseline="0" noProof="0" dirty="0">
-                <a:ln>
-                  <a:noFill/>
-                </a:ln>
-                <a:solidFill>
-                  <a:prstClr val="white"/>
-                </a:solidFill>
-                <a:effectLst/>
-                <a:uLnTx/>
-                <a:uFillTx/>
-                <a:latin typeface="OPPOSans L"/>
-                <a:cs typeface="+mn-cs"/>
-              </a:endParaRPr>
-            </a:p>
-          </p:txBody>
-        </p:sp>
-        <p:sp>
-          <p:nvSpPr>
-            <p:cNvPr id="7" name="爱设计-5"/>
-            <p:cNvSpPr txBox="1"/>
-            <p:nvPr/>
-          </p:nvSpPr>
-          <p:spPr>
-            <a:xfrm>
-              <a:off x="5196884" y="1456841"/>
-              <a:ext cx="1613146" cy="554433"/>
-            </a:xfrm>
-            <a:prstGeom prst="rect">
-              <a:avLst/>
-            </a:prstGeom>
+            <a:ext cx="12191999" cy="554433"/>
+          </a:xfrm>
+          <a:prstGeom prst="roundRect">
+            <a:avLst>
+              <a:gd name="adj" fmla="val 4605"/>
+            </a:avLst>
+          </a:prstGeom>
+          <a:solidFill>
+            <a:schemeClr val="bg1">
+              <a:lumMod val="95000"/>
+            </a:schemeClr>
+          </a:solidFill>
+          <a:ln>
             <a:noFill/>
-            <a:ln>
-              <a:noFill/>
-            </a:ln>
-            <a:effectLst/>
-          </p:spPr>
-          <p:txBody>
-            <a:bodyPr wrap="square" lIns="64008" tIns="32004" rIns="64008" bIns="32004" anchor="ctr" anchorCtr="0">
-              <a:noAutofit/>
-            </a:bodyPr>
-            <a:lstStyle/>
-            <a:p>
-              <a:pPr marL="0" marR="0" lvl="0" indent="0" algn="l" defTabSz="913765" rtl="0" eaLnBrk="1" fontAlgn="auto" latinLnBrk="0" hangingPunct="1">
-                <a:lnSpc>
-                  <a:spcPct val="100000"/>
-                </a:lnSpc>
-                <a:spcBef>
-                  <a:spcPts val="0"/>
-                </a:spcBef>
-                <a:spcAft>
-                  <a:spcPts val="0"/>
-                </a:spcAft>
-                <a:buClrTx/>
-                <a:buSzPct val="25000"/>
-                <a:buFontTx/>
-                <a:buNone/>
-                <a:defRPr/>
-              </a:pPr>
-              <a:r>
-                <a:rPr kumimoji="0" lang="en-US" altLang="zh-CN" sz="2400" b="0" i="0" u="none" strike="noStrike" kern="1200" cap="none" spc="0" normalizeH="0" baseline="0" noProof="0" dirty="0">
-                  <a:ln>
-                    <a:noFill/>
-                  </a:ln>
-                  <a:solidFill>
-                    <a:srgbClr val="000000"/>
-                  </a:solidFill>
-                  <a:effectLst/>
-                  <a:uLnTx/>
-                  <a:uFillTx/>
-                  <a:latin typeface="PingFang SC" panose="020B0300000000000000" charset="-122"/>
-                  <a:cs typeface="+mn-cs"/>
-                </a:rPr>
-                <a:t>WebSocket</a:t>
-              </a:r>
-              <a:endParaRPr kumimoji="0" lang="zh-CN" altLang="en-US" sz="2400" b="0" i="0" u="none" strike="noStrike" kern="1200" cap="none" spc="0" normalizeH="0" baseline="0" noProof="0" dirty="0">
-                <a:ln>
-                  <a:noFill/>
-                </a:ln>
-                <a:solidFill>
-                  <a:prstClr val="black"/>
-                </a:solidFill>
-                <a:effectLst/>
-                <a:uLnTx/>
-                <a:uFillTx/>
-                <a:latin typeface="OPPOSans H" panose="00020600040101010101" pitchFamily="18" charset="-122"/>
-                <a:ea typeface="OPPOSans H" panose="00020600040101010101" pitchFamily="18" charset="-122"/>
-                <a:cs typeface="OPPOSans H" panose="00020600040101010101" pitchFamily="18" charset="-122"/>
-                <a:sym typeface="Arial" panose="020B0604020202020204" pitchFamily="34" charset="0"/>
-              </a:endParaRPr>
-            </a:p>
-          </p:txBody>
-        </p:sp>
-      </p:grpSp>
+          </a:ln>
+          <a:effectLst/>
+        </p:spPr>
+        <p:style>
+          <a:lnRef idx="2">
+            <a:schemeClr val="accent1">
+              <a:shade val="50000"/>
+            </a:schemeClr>
+          </a:lnRef>
+          <a:fillRef idx="1">
+            <a:schemeClr val="accent1"/>
+          </a:fillRef>
+          <a:effectRef idx="0">
+            <a:schemeClr val="accent1"/>
+          </a:effectRef>
+          <a:fontRef idx="minor">
+            <a:schemeClr val="lt1"/>
+          </a:fontRef>
+        </p:style>
+        <p:txBody>
+          <a:bodyPr rtlCol="0" anchor="ctr"/>
+          <a:lstStyle/>
+          <a:p>
+            <a:pPr marL="0" marR="0" lvl="0" indent="0" algn="ctr" defTabSz="914400" rtl="0" eaLnBrk="1" fontAlgn="auto" latinLnBrk="0" hangingPunct="1">
+              <a:lnSpc>
+                <a:spcPct val="100000"/>
+              </a:lnSpc>
+              <a:spcBef>
+                <a:spcPts val="0"/>
+              </a:spcBef>
+              <a:spcAft>
+                <a:spcPts val="0"/>
+              </a:spcAft>
+              <a:buClrTx/>
+              <a:buSzTx/>
+              <a:buFontTx/>
+              <a:buNone/>
+              <a:defRPr/>
+            </a:pPr>
+            <a:endParaRPr kumimoji="0" lang="zh-CN" altLang="en-US" sz="1800" b="0" i="0" u="none" strike="noStrike" kern="1200" cap="none" spc="0" normalizeH="0" baseline="0" noProof="0" dirty="0">
+              <a:ln>
+                <a:noFill/>
+              </a:ln>
+              <a:solidFill>
+                <a:prstClr val="white"/>
+              </a:solidFill>
+              <a:effectLst/>
+              <a:uLnTx/>
+              <a:uFillTx/>
+              <a:latin typeface="OPPOSans L"/>
+              <a:cs typeface="+mn-cs"/>
+            </a:endParaRPr>
+          </a:p>
+        </p:txBody>
+      </p:sp>
       <p:pic>
         <p:nvPicPr>
           <p:cNvPr id="8" name="图形 7"/>
@@ -6241,7 +5959,7 @@
           <p:nvPr/>
         </p:nvPicPr>
         <p:blipFill>
-          <a:blip r:embed="rId1" cstate="print">
+          <a:blip r:embed="rId3" cstate="print">
             <a:extLst>
               <a:ext uri="{28A0092B-C50C-407E-A947-70E740481C1C}">
                 <a14:useLocalDpi xmlns:a14="http://schemas.microsoft.com/office/drawing/2010/main" val="0"/>
@@ -6358,13 +6076,6 @@
               </a:rPr>
               <a:t>主要消息类型</a:t>
             </a:r>
-            <a:endParaRPr lang="zh-CN" altLang="en-US" sz="2400" b="0" i="0" dirty="0">
-              <a:solidFill>
-                <a:srgbClr val="333333"/>
-              </a:solidFill>
-              <a:effectLst/>
-              <a:latin typeface="-apple-system"/>
-            </a:endParaRPr>
           </a:p>
           <a:p>
             <a:pPr algn="l">
@@ -6419,6 +6130,19 @@
               </a:rPr>
               <a:t>（分片消息代表此消息是一个某个消息中的一部分，想想大文件分片）</a:t>
             </a:r>
+          </a:p>
+          <a:p>
+            <a:pPr algn="l">
+              <a:buFont typeface="+mj-lt"/>
+              <a:buAutoNum type="arabicPeriod"/>
+            </a:pPr>
+            <a:r>
+              <a:rPr lang="zh-CN" altLang="en-US" sz="2000" b="1" i="0" dirty="0">
+                <a:effectLst/>
+                <a:latin typeface="-apple-system"/>
+              </a:rPr>
+              <a:t>连接关闭消息</a:t>
+            </a:r>
             <a:endParaRPr lang="zh-CN" altLang="en-US" sz="2000" b="0" i="0" dirty="0">
               <a:effectLst/>
               <a:latin typeface="-apple-system"/>
@@ -6430,11 +6154,18 @@
               <a:buAutoNum type="arabicPeriod"/>
             </a:pPr>
             <a:r>
+              <a:rPr lang="en-US" altLang="zh-CN" sz="2000" b="1" i="0" dirty="0">
+                <a:effectLst/>
+                <a:latin typeface="-apple-system"/>
+              </a:rPr>
+              <a:t>PING </a:t>
+            </a:r>
+            <a:r>
               <a:rPr lang="zh-CN" altLang="en-US" sz="2000" b="1" i="0" dirty="0">
                 <a:effectLst/>
                 <a:latin typeface="-apple-system"/>
               </a:rPr>
-              <a:t>连接关闭消息</a:t>
+              <a:t>消息</a:t>
             </a:r>
             <a:endParaRPr lang="zh-CN" altLang="en-US" sz="2000" b="0" i="0" dirty="0">
               <a:effectLst/>
@@ -6451,7 +6182,7 @@
                 <a:effectLst/>
                 <a:latin typeface="-apple-system"/>
               </a:rPr>
-              <a:t>PING </a:t>
+              <a:t>PONG </a:t>
             </a:r>
             <a:r>
               <a:rPr lang="zh-CN" altLang="en-US" sz="2000" b="1" i="0" dirty="0">
@@ -6460,30 +6191,6 @@
               </a:rPr>
               <a:t>消息</a:t>
             </a:r>
-            <a:endParaRPr lang="zh-CN" altLang="en-US" sz="2000" b="0" i="0" dirty="0">
-              <a:effectLst/>
-              <a:latin typeface="-apple-system"/>
-            </a:endParaRPr>
-          </a:p>
-          <a:p>
-            <a:pPr algn="l">
-              <a:buFont typeface="+mj-lt"/>
-              <a:buAutoNum type="arabicPeriod"/>
-            </a:pPr>
-            <a:r>
-              <a:rPr lang="en-US" altLang="zh-CN" sz="2000" b="1" i="0" dirty="0">
-                <a:effectLst/>
-                <a:latin typeface="-apple-system"/>
-              </a:rPr>
-              <a:t>PONG </a:t>
-            </a:r>
-            <a:r>
-              <a:rPr lang="zh-CN" altLang="en-US" sz="2000" b="1" i="0" dirty="0">
-                <a:effectLst/>
-                <a:latin typeface="-apple-system"/>
-              </a:rPr>
-              <a:t>消息</a:t>
-            </a:r>
             <a:r>
               <a:rPr lang="zh-CN" altLang="en-US" sz="2000" b="0" i="0" dirty="0">
                 <a:effectLst/>
@@ -6519,10 +6226,6 @@
               </a:rPr>
               <a:t>）</a:t>
             </a:r>
-            <a:endParaRPr lang="zh-CN" altLang="en-US" sz="2000" b="0" i="0" dirty="0">
-              <a:effectLst/>
-              <a:latin typeface="-apple-system"/>
-            </a:endParaRPr>
           </a:p>
         </p:txBody>
       </p:sp>
@@ -6581,20 +6284,6 @@
               </a:rPr>
               <a:t>好友私聊机制</a:t>
             </a:r>
-            <a:endParaRPr kumimoji="0" lang="zh-CN" altLang="en-US" sz="3200" b="0" i="0" u="none" strike="noStrike" kern="1200" cap="none" spc="0" normalizeH="0" baseline="0" noProof="0" dirty="0">
-              <a:ln>
-                <a:noFill/>
-              </a:ln>
-              <a:solidFill>
-                <a:prstClr val="black"/>
-              </a:solidFill>
-              <a:effectLst/>
-              <a:uLnTx/>
-              <a:uFillTx/>
-              <a:latin typeface="+mj-ea"/>
-              <a:ea typeface="OPPOSans H"/>
-              <a:cs typeface="+mn-cs"/>
-            </a:endParaRPr>
           </a:p>
         </p:txBody>
       </p:sp>
@@ -6655,22 +6344,6 @@
               </a:rPr>
               <a:t>Real time communication</a:t>
             </a:r>
-            <a:endParaRPr kumimoji="0" lang="en-US" altLang="zh-CN" sz="1800" b="0" i="0" u="none" strike="noStrike" kern="1200" cap="none" spc="0" normalizeH="0" baseline="0" noProof="0" dirty="0">
-              <a:ln>
-                <a:noFill/>
-              </a:ln>
-              <a:solidFill>
-                <a:prstClr val="black">
-                  <a:lumMod val="75000"/>
-                  <a:lumOff val="25000"/>
-                </a:prstClr>
-              </a:solidFill>
-              <a:effectLst/>
-              <a:uLnTx/>
-              <a:uFillTx/>
-              <a:latin typeface="OPPOSans L"/>
-              <a:cs typeface="OPPOSans M" panose="00020600040101010101" pitchFamily="18" charset="-122"/>
-            </a:endParaRPr>
           </a:p>
         </p:txBody>
       </p:sp>
@@ -6730,10 +6403,6 @@
               </a:rPr>
               <a:t>ebSocket</a:t>
             </a:r>
-            <a:endParaRPr lang="en-US" altLang="zh-CN" sz="2000" i="0" dirty="0">
-              <a:effectLst/>
-              <a:latin typeface="+mj-lt"/>
-            </a:endParaRPr>
           </a:p>
           <a:p>
             <a:endParaRPr kumimoji="0" lang="en-US" altLang="zh-CN" sz="1800" b="0" i="0" u="none" strike="noStrike" cap="none" normalizeH="0" baseline="0" dirty="0">
@@ -6894,9 +6563,85 @@
           </a:p>
         </p:txBody>
       </p:sp>
+      <p:sp>
+        <p:nvSpPr>
+          <p:cNvPr id="3" name="爱设计-5">
+            <a:extLst>
+              <a:ext uri="{FF2B5EF4-FFF2-40B4-BE49-F238E27FC236}">
+                <a16:creationId xmlns:a16="http://schemas.microsoft.com/office/drawing/2014/main" id="{9C5D0CBF-35F6-002B-8C7E-8D5E26CCA8B8}"/>
+              </a:ext>
+            </a:extLst>
+          </p:cNvPr>
+          <p:cNvSpPr txBox="1"/>
+          <p:nvPr/>
+        </p:nvSpPr>
+        <p:spPr>
+          <a:xfrm>
+            <a:off x="5196883" y="1456841"/>
+            <a:ext cx="1830081" cy="554433"/>
+          </a:xfrm>
+          <a:prstGeom prst="rect">
+            <a:avLst/>
+          </a:prstGeom>
+          <a:noFill/>
+          <a:ln>
+            <a:noFill/>
+          </a:ln>
+          <a:effectLst/>
+        </p:spPr>
+        <p:txBody>
+          <a:bodyPr wrap="square" lIns="64008" tIns="32004" rIns="64008" bIns="32004" anchor="ctr" anchorCtr="0">
+            <a:noAutofit/>
+          </a:bodyPr>
+          <a:lstStyle/>
+          <a:p>
+            <a:pPr marL="0" marR="0" lvl="0" indent="0" algn="l" defTabSz="913765" rtl="0" eaLnBrk="1" fontAlgn="auto" latinLnBrk="0" hangingPunct="1">
+              <a:lnSpc>
+                <a:spcPct val="100000"/>
+              </a:lnSpc>
+              <a:spcBef>
+                <a:spcPts val="0"/>
+              </a:spcBef>
+              <a:spcAft>
+                <a:spcPts val="0"/>
+              </a:spcAft>
+              <a:buClrTx/>
+              <a:buSzPct val="25000"/>
+              <a:buFontTx/>
+              <a:buNone/>
+              <a:defRPr/>
+            </a:pPr>
+            <a:r>
+              <a:rPr lang="en-US" altLang="zh-CN" sz="2400" i="0" dirty="0">
+                <a:solidFill>
+                  <a:srgbClr val="000000"/>
+                </a:solidFill>
+                <a:effectLst/>
+                <a:latin typeface="PingFang SC" panose="020B0300000000000000" charset="-122"/>
+              </a:rPr>
+              <a:t>WebSocket</a:t>
+            </a:r>
+            <a:endParaRPr kumimoji="0" lang="zh-CN" altLang="en-US" sz="2400" i="0" u="none" strike="noStrike" kern="1200" cap="none" spc="0" normalizeH="0" baseline="0" noProof="0" dirty="0">
+              <a:ln>
+                <a:noFill/>
+              </a:ln>
+              <a:solidFill>
+                <a:prstClr val="black"/>
+              </a:solidFill>
+              <a:effectLst/>
+              <a:uLnTx/>
+              <a:uFillTx/>
+              <a:latin typeface="OPPOSans H" panose="00020600040101010101" pitchFamily="18" charset="-122"/>
+              <a:ea typeface="OPPOSans H" panose="00020600040101010101" pitchFamily="18" charset="-122"/>
+              <a:cs typeface="OPPOSans H" panose="00020600040101010101" pitchFamily="18" charset="-122"/>
+              <a:sym typeface="Arial" panose="020B0604020202020204" pitchFamily="34" charset="0"/>
+            </a:endParaRPr>
+          </a:p>
+        </p:txBody>
+      </p:sp>
     </p:spTree>
     <p:custDataLst>
-      <p:tags r:id="rId2"/>
+      <p:tags r:id="rId1"/>
     </p:custDataLst>
   </p:cSld>
   <p:clrMapOvr>
@@ -6984,7 +6729,7 @@
           <p:nvPr/>
         </p:nvPicPr>
         <p:blipFill>
-          <a:blip r:embed="rId1" cstate="print">
+          <a:blip r:embed="rId4" cstate="print">
             <a:extLst>
               <a:ext uri="{28A0092B-C50C-407E-A947-70E740481C1C}">
                 <a14:useLocalDpi xmlns:a14="http://schemas.microsoft.com/office/drawing/2010/main" val="0"/>
@@ -7119,22 +6864,6 @@
               </a:rPr>
               <a:t>用例实现</a:t>
             </a:r>
-            <a:endParaRPr kumimoji="0" lang="zh-CN" altLang="en-US" sz="10560" b="0" i="0" u="none" strike="noStrike" kern="1200" cap="none" spc="0" normalizeH="0" baseline="0" noProof="0" dirty="0">
-              <a:ln w="10477">
-                <a:solidFill>
-                  <a:prstClr val="black">
-                    <a:lumMod val="75000"/>
-                    <a:lumOff val="25000"/>
-                  </a:prstClr>
-                </a:solidFill>
-              </a:ln>
-              <a:effectLst/>
-              <a:uLnTx/>
-              <a:uFillTx/>
-              <a:latin typeface="字由文艺黑" panose="00020600040101010101" pitchFamily="18" charset="-122"/>
-              <a:ea typeface="字由文艺黑" panose="00020600040101010101" pitchFamily="18" charset="-122"/>
-              <a:cs typeface="+mn-cs"/>
-            </a:endParaRPr>
           </a:p>
         </p:txBody>
       </p:sp>
@@ -7385,7 +7114,7 @@
       </p:sp>
     </p:spTree>
     <p:custDataLst>
-      <p:tags r:id="rId3"/>
+      <p:tags r:id="rId1"/>
     </p:custDataLst>
   </p:cSld>
   <p:clrMapOvr>
@@ -7484,20 +7213,6 @@
               </a:rPr>
               <a:t>目录</a:t>
             </a:r>
-            <a:endParaRPr kumimoji="0" lang="zh-CN" altLang="en-US" sz="7200" b="0" i="0" u="none" strike="noStrike" kern="1200" cap="none" spc="0" normalizeH="0" baseline="0" noProof="0" dirty="0">
-              <a:ln>
-                <a:noFill/>
-              </a:ln>
-              <a:solidFill>
-                <a:prstClr val="black"/>
-              </a:solidFill>
-              <a:effectLst/>
-              <a:uLnTx/>
-              <a:uFillTx/>
-              <a:latin typeface="字由文艺黑" panose="00020600040101010101" pitchFamily="18" charset="-122"/>
-              <a:ea typeface="字由文艺黑" panose="00020600040101010101" pitchFamily="18" charset="-122"/>
-              <a:cs typeface="+mn-cs"/>
-            </a:endParaRPr>
           </a:p>
         </p:txBody>
       </p:sp>
@@ -8485,13 +8200,13 @@
           <p:nvPr/>
         </p:nvPicPr>
         <p:blipFill>
-          <a:blip r:embed="rId1" cstate="print">
+          <a:blip r:embed="rId4" cstate="print">
             <a:extLst>
               <a:ext uri="{28A0092B-C50C-407E-A947-70E740481C1C}">
                 <a14:useLocalDpi xmlns:a14="http://schemas.microsoft.com/office/drawing/2010/main" val="0"/>
               </a:ext>
               <a:ext uri="{96DAC541-7B7A-43D3-8B79-37D633B846F1}">
-                <asvg:svgBlip xmlns:asvg="http://schemas.microsoft.com/office/drawing/2016/SVG/main" r:embed="rId2"/>
+                <asvg:svgBlip xmlns:asvg="http://schemas.microsoft.com/office/drawing/2016/SVG/main" r:embed="rId5"/>
               </a:ext>
             </a:extLst>
           </a:blip>
@@ -8549,7 +8264,7 @@
       </p:cxnSp>
     </p:spTree>
     <p:custDataLst>
-      <p:tags r:id="rId3"/>
+      <p:tags r:id="rId1"/>
     </p:custDataLst>
   </p:cSld>
   <p:clrMapOvr>
@@ -8637,7 +8352,7 @@
           <p:nvPr/>
         </p:nvPicPr>
         <p:blipFill>
-          <a:blip r:embed="rId1" cstate="print">
+          <a:blip r:embed="rId3" cstate="print">
             <a:extLst>
               <a:ext uri="{28A0092B-C50C-407E-A947-70E740481C1C}">
                 <a14:useLocalDpi xmlns:a14="http://schemas.microsoft.com/office/drawing/2010/main" val="0"/>
@@ -8678,6 +8393,7 @@
           <a:bodyPr wrap="square">
             <a:spAutoFit/>
           </a:bodyPr>
+          <a:lstStyle/>
           <a:p>
             <a:r>
               <a:rPr lang="zh-CN" altLang="en-US" sz="3200" dirty="0">
@@ -8715,21 +8431,6 @@
               </a:rPr>
               <a:t>系统图</a:t>
             </a:r>
-            <a:endParaRPr lang="zh-CN" altLang="en-US" sz="3200" dirty="0">
-              <a:ln/>
-              <a:solidFill>
-                <a:schemeClr val="accent1"/>
-              </a:solidFill>
-              <a:effectLst>
-                <a:outerShdw blurRad="38100" dist="25400" dir="5400000" algn="ctr" rotWithShape="0">
-                  <a:srgbClr val="6E747A">
-                    <a:alpha val="43000"/>
-                  </a:srgbClr>
-                </a:outerShdw>
-              </a:effectLst>
-              <a:latin typeface="+mj-ea"/>
-              <a:ea typeface="+mj-ea"/>
-            </a:endParaRPr>
           </a:p>
         </p:txBody>
       </p:sp>
@@ -8742,7 +8443,7 @@
           <p:nvPr/>
         </p:nvPicPr>
         <p:blipFill>
-          <a:blip r:embed="rId2">
+          <a:blip r:embed="rId4">
             <a:extLst>
               <a:ext uri="{28A0092B-C50C-407E-A947-70E740481C1C}">
                 <a14:useLocalDpi xmlns:a14="http://schemas.microsoft.com/office/drawing/2010/main" val="0"/>
@@ -8765,7 +8466,7 @@
       </p:pic>
     </p:spTree>
     <p:custDataLst>
-      <p:tags r:id="rId3"/>
+      <p:tags r:id="rId1"/>
     </p:custDataLst>
   </p:cSld>
   <p:clrMapOvr>
@@ -8853,7 +8554,7 @@
           <p:nvPr/>
         </p:nvPicPr>
         <p:blipFill>
-          <a:blip r:embed="rId1" cstate="print">
+          <a:blip r:embed="rId3" cstate="print">
             <a:extLst>
               <a:ext uri="{28A0092B-C50C-407E-A947-70E740481C1C}">
                 <a14:useLocalDpi xmlns:a14="http://schemas.microsoft.com/office/drawing/2010/main" val="0"/>
@@ -8894,6 +8595,7 @@
           <a:bodyPr wrap="square">
             <a:spAutoFit/>
           </a:bodyPr>
+          <a:lstStyle/>
           <a:p>
             <a:r>
               <a:rPr lang="zh-CN" altLang="en-US" sz="3200" dirty="0">
@@ -8931,21 +8633,6 @@
               </a:rPr>
               <a:t>序列图</a:t>
             </a:r>
-            <a:endParaRPr lang="zh-CN" altLang="en-US" sz="3200" dirty="0">
-              <a:ln/>
-              <a:solidFill>
-                <a:schemeClr val="accent1"/>
-              </a:solidFill>
-              <a:effectLst>
-                <a:outerShdw blurRad="38100" dist="25400" dir="5400000" algn="ctr" rotWithShape="0">
-                  <a:srgbClr val="6E747A">
-                    <a:alpha val="43000"/>
-                  </a:srgbClr>
-                </a:outerShdw>
-              </a:effectLst>
-              <a:latin typeface="+mj-ea"/>
-              <a:ea typeface="+mj-ea"/>
-            </a:endParaRPr>
           </a:p>
         </p:txBody>
       </p:sp>
@@ -8958,7 +8645,7 @@
           <p:nvPr/>
         </p:nvPicPr>
         <p:blipFill>
-          <a:blip r:embed="rId2">
+          <a:blip r:embed="rId4">
             <a:extLst>
               <a:ext uri="{28A0092B-C50C-407E-A947-70E740481C1C}">
                 <a14:useLocalDpi xmlns:a14="http://schemas.microsoft.com/office/drawing/2010/main" val="0"/>
@@ -8981,7 +8668,7 @@
       </p:pic>
     </p:spTree>
     <p:custDataLst>
-      <p:tags r:id="rId3"/>
+      <p:tags r:id="rId1"/>
     </p:custDataLst>
   </p:cSld>
   <p:clrMapOvr>
@@ -9069,7 +8756,7 @@
           <p:nvPr/>
         </p:nvPicPr>
         <p:blipFill>
-          <a:blip r:embed="rId1" cstate="print">
+          <a:blip r:embed="rId3" cstate="print">
             <a:extLst>
               <a:ext uri="{28A0092B-C50C-407E-A947-70E740481C1C}">
                 <a14:useLocalDpi xmlns:a14="http://schemas.microsoft.com/office/drawing/2010/main" val="0"/>
@@ -9110,6 +8797,7 @@
           <a:bodyPr wrap="square">
             <a:spAutoFit/>
           </a:bodyPr>
+          <a:lstStyle/>
           <a:p>
             <a:r>
               <a:rPr lang="zh-CN" altLang="en-US" sz="3200" dirty="0">
@@ -9147,21 +8835,6 @@
               </a:rPr>
               <a:t>系统图</a:t>
             </a:r>
-            <a:endParaRPr lang="zh-CN" altLang="en-US" sz="3200" dirty="0">
-              <a:ln/>
-              <a:solidFill>
-                <a:schemeClr val="accent1"/>
-              </a:solidFill>
-              <a:effectLst>
-                <a:outerShdw blurRad="38100" dist="25400" dir="5400000" algn="ctr" rotWithShape="0">
-                  <a:srgbClr val="6E747A">
-                    <a:alpha val="43000"/>
-                  </a:srgbClr>
-                </a:outerShdw>
-              </a:effectLst>
-              <a:latin typeface="+mj-ea"/>
-              <a:ea typeface="+mj-ea"/>
-            </a:endParaRPr>
           </a:p>
         </p:txBody>
       </p:sp>
@@ -9174,7 +8847,7 @@
           <p:nvPr/>
         </p:nvPicPr>
         <p:blipFill>
-          <a:blip r:embed="rId2">
+          <a:blip r:embed="rId4">
             <a:extLst>
               <a:ext uri="{28A0092B-C50C-407E-A947-70E740481C1C}">
                 <a14:useLocalDpi xmlns:a14="http://schemas.microsoft.com/office/drawing/2010/main" val="0"/>
@@ -9197,7 +8870,7 @@
       </p:pic>
     </p:spTree>
     <p:custDataLst>
-      <p:tags r:id="rId3"/>
+      <p:tags r:id="rId1"/>
     </p:custDataLst>
   </p:cSld>
   <p:clrMapOvr>
@@ -9285,7 +8958,7 @@
           <p:nvPr/>
         </p:nvPicPr>
         <p:blipFill>
-          <a:blip r:embed="rId1" cstate="print">
+          <a:blip r:embed="rId3" cstate="print">
             <a:extLst>
               <a:ext uri="{28A0092B-C50C-407E-A947-70E740481C1C}">
                 <a14:useLocalDpi xmlns:a14="http://schemas.microsoft.com/office/drawing/2010/main" val="0"/>
@@ -9326,6 +8999,7 @@
           <a:bodyPr wrap="square">
             <a:spAutoFit/>
           </a:bodyPr>
+          <a:lstStyle/>
           <a:p>
             <a:r>
               <a:rPr lang="zh-CN" altLang="en-US" sz="3200" dirty="0">
@@ -9361,20 +9035,6 @@
               </a:rPr>
               <a:t>序列图</a:t>
             </a:r>
-            <a:endParaRPr lang="zh-CN" altLang="en-US" sz="3200" dirty="0">
-              <a:solidFill>
-                <a:schemeClr val="accent1"/>
-              </a:solidFill>
-              <a:effectLst>
-                <a:outerShdw blurRad="38100" dist="25400" dir="5400000" algn="ctr" rotWithShape="0">
-                  <a:srgbClr val="6E747A">
-                    <a:alpha val="43000"/>
-                  </a:srgbClr>
-                </a:outerShdw>
-              </a:effectLst>
-              <a:latin typeface="+mj-ea"/>
-              <a:ea typeface="+mj-ea"/>
-            </a:endParaRPr>
           </a:p>
         </p:txBody>
       </p:sp>
@@ -9387,7 +9047,7 @@
           <p:nvPr/>
         </p:nvPicPr>
         <p:blipFill>
-          <a:blip r:embed="rId2">
+          <a:blip r:embed="rId4">
             <a:extLst>
               <a:ext uri="{28A0092B-C50C-407E-A947-70E740481C1C}">
                 <a14:useLocalDpi xmlns:a14="http://schemas.microsoft.com/office/drawing/2010/main" val="0"/>
@@ -9410,7 +9070,7 @@
       </p:pic>
     </p:spTree>
     <p:custDataLst>
-      <p:tags r:id="rId3"/>
+      <p:tags r:id="rId1"/>
     </p:custDataLst>
   </p:cSld>
   <p:clrMapOvr>
@@ -9571,25 +9231,6 @@
               </a:rPr>
               <a:t>原型进展</a:t>
             </a:r>
-            <a:endParaRPr kumimoji="0" lang="zh-CN" altLang="en-US" sz="10560" b="0" i="0" u="none" strike="noStrike" kern="1200" cap="none" spc="0" normalizeH="0" baseline="0" noProof="0" dirty="0">
-              <a:ln w="10477">
-                <a:solidFill>
-                  <a:prstClr val="black">
-                    <a:lumMod val="75000"/>
-                    <a:lumOff val="25000"/>
-                  </a:prstClr>
-                </a:solidFill>
-              </a:ln>
-              <a:solidFill>
-                <a:prstClr val="black"/>
-              </a:solidFill>
-              <a:effectLst/>
-              <a:uLnTx/>
-              <a:uFillTx/>
-              <a:latin typeface="字由文艺黑" panose="00020600040101010101" pitchFamily="18" charset="-122"/>
-              <a:ea typeface="字由文艺黑" panose="00020600040101010101" pitchFamily="18" charset="-122"/>
-              <a:cs typeface="+mn-cs"/>
-            </a:endParaRPr>
           </a:p>
         </p:txBody>
       </p:sp>
@@ -9602,7 +9243,7 @@
           <p:nvPr/>
         </p:nvPicPr>
         <p:blipFill>
-          <a:blip r:embed="rId1" cstate="print">
+          <a:blip r:embed="rId4" cstate="print">
             <a:extLst>
               <a:ext uri="{28A0092B-C50C-407E-A947-70E740481C1C}">
                 <a14:useLocalDpi xmlns:a14="http://schemas.microsoft.com/office/drawing/2010/main" val="0"/>
@@ -9673,8 +9314,8 @@
         </p:nvSpPr>
         <p:spPr>
           <a:xfrm>
-            <a:off x="4095504" y="2790420"/>
-            <a:ext cx="4000987" cy="590931"/>
+            <a:off x="3742376" y="2815716"/>
+            <a:ext cx="4707248" cy="590931"/>
           </a:xfrm>
           <a:prstGeom prst="rect">
             <a:avLst/>
@@ -9866,7 +9507,16 @@
               <a:defRPr/>
             </a:pPr>
             <a:r>
-              <a:rPr kumimoji="0" lang="en-US" altLang="zh-CN" sz="3600" b="0" i="0" u="none" strike="noStrike" kern="1200" cap="none" spc="0" normalizeH="0" baseline="0" noProof="0" dirty="0">
+              <a:rPr lang="en-US" altLang="zh-CN" sz="3600" dirty="0">
+                <a:solidFill>
+                  <a:prstClr val="black"/>
+                </a:solidFill>
+                <a:latin typeface="OPPOSans L"/>
+              </a:rPr>
+              <a:t>p</a:t>
+            </a:r>
+            <a:r>
+              <a:rPr kumimoji="0" lang="en-US" altLang="zh-CN" sz="3600" b="0" i="0" u="none" strike="noStrike" kern="1200" cap="none" spc="0" normalizeH="0" baseline="0" noProof="0" dirty="0" err="1">
                 <a:ln>
                   <a:noFill/>
                 </a:ln>
@@ -9879,7 +9529,48 @@
                 <a:latin typeface="OPPOSans L"/>
                 <a:cs typeface="+mn-cs"/>
               </a:rPr>
-              <a:t>progress</a:t>
+              <a:t>rogress</a:t>
+            </a:r>
+            <a:r>
+              <a:rPr kumimoji="0" lang="en-US" altLang="zh-CN" sz="3600" b="0" i="0" u="none" strike="noStrike" kern="1200" cap="none" spc="0" normalizeH="0" baseline="0" noProof="0" dirty="0">
+                <a:ln>
+                  <a:noFill/>
+                </a:ln>
+                <a:solidFill>
+                  <a:prstClr val="black"/>
+                </a:solidFill>
+                <a:effectLst/>
+                <a:uLnTx/>
+                <a:uFillTx/>
+                <a:latin typeface="OPPOSans L"/>
+                <a:cs typeface="+mn-cs"/>
+              </a:rPr>
+              <a:t> </a:t>
+            </a:r>
+            <a:r>
+              <a:rPr lang="en-US" altLang="zh-CN" sz="3600" dirty="0">
+                <a:solidFill>
+                  <a:prstClr val="black"/>
+                </a:solidFill>
+                <a:latin typeface="OPPOSans L"/>
+              </a:rPr>
+              <a:t>on </a:t>
+            </a:r>
+            <a:r>
+              <a:rPr kumimoji="0" lang="en-US" altLang="zh-CN" sz="3600" b="0" i="0" u="none" strike="noStrike" kern="1200" cap="none" spc="0" normalizeH="0" baseline="0" noProof="0" dirty="0">
+                <a:ln>
+                  <a:noFill/>
+                </a:ln>
+                <a:solidFill>
+                  <a:prstClr val="black"/>
+                </a:solidFill>
+                <a:effectLst/>
+                <a:uLnTx/>
+                <a:uFillTx/>
+                <a:latin typeface="OPPOSans L"/>
+                <a:cs typeface="+mn-cs"/>
+              </a:rPr>
+              <a:t>prototyping</a:t>
             </a:r>
             <a:endParaRPr kumimoji="0" lang="zh-CN" altLang="en-US" sz="3200" b="0" i="0" u="none" strike="noStrike" kern="1200" cap="none" spc="0" normalizeH="0" baseline="0" noProof="0" dirty="0">
               <a:ln>
@@ -9899,7 +9590,7 @@
       </p:sp>
     </p:spTree>
     <p:custDataLst>
-      <p:tags r:id="rId3"/>
+      <p:tags r:id="rId1"/>
     </p:custDataLst>
   </p:cSld>
   <p:clrMapOvr>
@@ -10038,25 +9729,6 @@
               </a:rPr>
               <a:t>界面更新</a:t>
             </a:r>
-            <a:endParaRPr kumimoji="0" lang="zh-CN" altLang="en-US" sz="3200" b="0" i="0" u="none" strike="noStrike" kern="1200" cap="none" spc="0" normalizeH="0" baseline="0" noProof="0" dirty="0">
-              <a:ln w="10477">
-                <a:solidFill>
-                  <a:prstClr val="black">
-                    <a:lumMod val="75000"/>
-                    <a:lumOff val="25000"/>
-                  </a:prstClr>
-                </a:solidFill>
-              </a:ln>
-              <a:solidFill>
-                <a:prstClr val="black"/>
-              </a:solidFill>
-              <a:effectLst/>
-              <a:uLnTx/>
-              <a:uFillTx/>
-              <a:latin typeface="字由文艺黑" panose="00020600040101010101" pitchFamily="18" charset="-122"/>
-              <a:ea typeface="字由文艺黑" panose="00020600040101010101" pitchFamily="18" charset="-122"/>
-              <a:cs typeface="+mn-cs"/>
-            </a:endParaRPr>
           </a:p>
         </p:txBody>
       </p:sp>
@@ -10069,7 +9741,7 @@
           <p:nvPr/>
         </p:nvPicPr>
         <p:blipFill>
-          <a:blip r:embed="rId1" cstate="print">
+          <a:blip r:embed="rId3" cstate="print">
             <a:extLst>
               <a:ext uri="{28A0092B-C50C-407E-A947-70E740481C1C}">
                 <a14:useLocalDpi xmlns:a14="http://schemas.microsoft.com/office/drawing/2010/main" val="0"/>
@@ -10151,7 +9823,7 @@
             <p:nvPr/>
           </p:nvPicPr>
           <p:blipFill>
-            <a:blip r:embed="rId2"/>
+            <a:blip r:embed="rId4"/>
             <a:stretch>
               <a:fillRect/>
             </a:stretch>
@@ -10175,7 +9847,7 @@
             <p:nvPr/>
           </p:nvPicPr>
           <p:blipFill>
-            <a:blip r:embed="rId3"/>
+            <a:blip r:embed="rId5"/>
             <a:stretch>
               <a:fillRect/>
             </a:stretch>
@@ -10199,7 +9871,7 @@
             <p:nvPr/>
           </p:nvPicPr>
           <p:blipFill>
-            <a:blip r:embed="rId4"/>
+            <a:blip r:embed="rId6"/>
             <a:stretch>
               <a:fillRect/>
             </a:stretch>
@@ -10223,7 +9895,7 @@
             <p:nvPr/>
           </p:nvPicPr>
           <p:blipFill>
-            <a:blip r:embed="rId5"/>
+            <a:blip r:embed="rId7"/>
             <a:stretch>
               <a:fillRect/>
             </a:stretch>
@@ -10241,7 +9913,7 @@
       </p:grpSp>
     </p:spTree>
     <p:custDataLst>
-      <p:tags r:id="rId6"/>
+      <p:tags r:id="rId1"/>
     </p:custDataLst>
   </p:cSld>
   <p:clrMapOvr>
@@ -10291,7 +9963,7 @@
           <p:nvPr/>
         </p:nvPicPr>
         <p:blipFill>
-          <a:blip r:embed="rId1" cstate="print">
+          <a:blip r:embed="rId4" cstate="print">
             <a:extLst>
               <a:ext uri="{28A0092B-C50C-407E-A947-70E740481C1C}">
                 <a14:useLocalDpi xmlns:a14="http://schemas.microsoft.com/office/drawing/2010/main" val="0"/>
@@ -10506,25 +10178,6 @@
                 </a:rPr>
                 <a:t>感谢您的观看</a:t>
               </a:r>
-              <a:endParaRPr kumimoji="0" lang="zh-CN" altLang="en-US" sz="10560" b="0" i="0" u="none" strike="noStrike" kern="1200" cap="none" spc="0" normalizeH="0" baseline="0" noProof="0" dirty="0">
-                <a:ln w="11430">
-                  <a:solidFill>
-                    <a:prstClr val="black">
-                      <a:lumMod val="75000"/>
-                      <a:lumOff val="25000"/>
-                    </a:prstClr>
-                  </a:solidFill>
-                </a:ln>
-                <a:solidFill>
-                  <a:prstClr val="black"/>
-                </a:solidFill>
-                <a:effectLst/>
-                <a:uLnTx/>
-                <a:uFillTx/>
-                <a:latin typeface="字由文艺黑" panose="00020600040101010101" pitchFamily="18" charset="-122"/>
-                <a:ea typeface="字由文艺黑" panose="00020600040101010101" pitchFamily="18" charset="-122"/>
-                <a:cs typeface="+mn-cs"/>
-              </a:endParaRPr>
             </a:p>
           </p:txBody>
         </p:sp>
@@ -10608,7 +10261,7 @@
           <p:nvPr/>
         </p:nvPicPr>
         <p:blipFill>
-          <a:blip r:embed="rId3" cstate="print">
+          <a:blip r:embed="rId5" cstate="print">
             <a:extLst>
               <a:ext uri="{28A0092B-C50C-407E-A947-70E740481C1C}">
                 <a14:useLocalDpi xmlns:a14="http://schemas.microsoft.com/office/drawing/2010/main" val="0"/>
@@ -10631,7 +10284,7 @@
       </p:pic>
     </p:spTree>
     <p:custDataLst>
-      <p:tags r:id="rId4"/>
+      <p:tags r:id="rId1"/>
     </p:custDataLst>
   </p:cSld>
   <p:clrMapOvr>
@@ -10806,25 +10459,6 @@
                 </a:rPr>
                 <a:t>架构完善</a:t>
               </a:r>
-              <a:endParaRPr kumimoji="0" lang="zh-CN" altLang="en-US" sz="10560" b="0" i="0" u="none" strike="noStrike" kern="1200" cap="none" spc="0" normalizeH="0" baseline="0" noProof="0" dirty="0">
-                <a:ln w="10477">
-                  <a:solidFill>
-                    <a:prstClr val="black">
-                      <a:lumMod val="75000"/>
-                      <a:lumOff val="25000"/>
-                    </a:prstClr>
-                  </a:solidFill>
-                </a:ln>
-                <a:solidFill>
-                  <a:prstClr val="black"/>
-                </a:solidFill>
-                <a:effectLst/>
-                <a:uLnTx/>
-                <a:uFillTx/>
-                <a:latin typeface="字由文艺黑" panose="00020600040101010101" pitchFamily="18" charset="-122"/>
-                <a:ea typeface="字由文艺黑" panose="00020600040101010101" pitchFamily="18" charset="-122"/>
-                <a:cs typeface="+mn-cs"/>
-              </a:endParaRPr>
             </a:p>
           </p:txBody>
         </p:sp>
@@ -10834,7 +10468,7 @@
             <p:cNvSpPr txBox="1"/>
             <p:nvPr>
               <p:custDataLst>
-                <p:tags r:id="rId1"/>
+                <p:tags r:id="rId2"/>
               </p:custDataLst>
             </p:nvPr>
           </p:nvSpPr>
@@ -11116,13 +10750,13 @@
           <p:nvPr/>
         </p:nvPicPr>
         <p:blipFill>
-          <a:blip r:embed="rId2" cstate="print">
+          <a:blip r:embed="rId4" cstate="print">
             <a:extLst>
               <a:ext uri="{28A0092B-C50C-407E-A947-70E740481C1C}">
                 <a14:useLocalDpi xmlns:a14="http://schemas.microsoft.com/office/drawing/2010/main" val="0"/>
               </a:ext>
               <a:ext uri="{96DAC541-7B7A-43D3-8B79-37D633B846F1}">
-                <asvg:svgBlip xmlns:asvg="http://schemas.microsoft.com/office/drawing/2016/SVG/main" r:embed="rId3"/>
+                <asvg:svgBlip xmlns:asvg="http://schemas.microsoft.com/office/drawing/2016/SVG/main" r:embed="rId5"/>
               </a:ext>
             </a:extLst>
           </a:blip>
@@ -11142,7 +10776,7 @@
       </p:pic>
     </p:spTree>
     <p:custDataLst>
-      <p:tags r:id="rId4"/>
+      <p:tags r:id="rId1"/>
     </p:custDataLst>
   </p:cSld>
   <p:clrMapOvr>
@@ -11238,20 +10872,6 @@
               </a:rPr>
               <a:t>架构改进</a:t>
             </a:r>
-            <a:endParaRPr kumimoji="0" lang="zh-CN" altLang="en-US" sz="3200" b="0" i="0" u="none" strike="noStrike" kern="1200" cap="none" spc="0" normalizeH="0" baseline="0" noProof="0" dirty="0">
-              <a:ln>
-                <a:noFill/>
-              </a:ln>
-              <a:solidFill>
-                <a:srgbClr val="33C16B"/>
-              </a:solidFill>
-              <a:effectLst/>
-              <a:uLnTx/>
-              <a:uFillTx/>
-              <a:latin typeface="OPPOSans H"/>
-              <a:ea typeface="+mj-ea"/>
-              <a:cs typeface="+mn-cs"/>
-            </a:endParaRPr>
           </a:p>
         </p:txBody>
       </p:sp>
@@ -11302,7 +10922,7 @@
           <p:nvPr/>
         </p:nvPicPr>
         <p:blipFill>
-          <a:blip r:embed="rId1"/>
+          <a:blip r:embed="rId3"/>
           <a:stretch>
             <a:fillRect/>
           </a:stretch>
@@ -11387,19 +11007,6 @@
               </a:rPr>
               <a:t>移除了应用逻辑层中的控制层，由界面层直接调用子系统实现的接口</a:t>
             </a:r>
-            <a:endParaRPr kumimoji="0" lang="zh-CN" altLang="en-US" sz="1800" b="1" i="0" u="none" strike="noStrike" kern="1200" cap="none" spc="0" normalizeH="0" baseline="0" noProof="0">
-              <a:ln>
-                <a:noFill/>
-              </a:ln>
-              <a:solidFill>
-                <a:prstClr val="black"/>
-              </a:solidFill>
-              <a:effectLst/>
-              <a:uLnTx/>
-              <a:uFillTx/>
-              <a:latin typeface="OPPOSans L"/>
-              <a:cs typeface="+mn-cs"/>
-            </a:endParaRPr>
           </a:p>
           <a:p>
             <a:pPr marL="0" marR="0" lvl="0" indent="0" algn="l" defTabSz="914400" rtl="0" eaLnBrk="1" fontAlgn="auto" latinLnBrk="0" hangingPunct="1">
@@ -11482,19 +11089,6 @@
               </a:rPr>
               <a:t>个，分别是：</a:t>
             </a:r>
-            <a:endParaRPr kumimoji="0" lang="zh-CN" altLang="en-US" sz="1800" b="1" i="0" u="none" strike="noStrike" kern="1200" cap="none" spc="0" normalizeH="0" baseline="0" noProof="0">
-              <a:ln>
-                <a:noFill/>
-              </a:ln>
-              <a:solidFill>
-                <a:prstClr val="black"/>
-              </a:solidFill>
-              <a:effectLst/>
-              <a:uLnTx/>
-              <a:uFillTx/>
-              <a:latin typeface="OPPOSans L"/>
-              <a:cs typeface="+mn-cs"/>
-            </a:endParaRPr>
           </a:p>
           <a:p>
             <a:pPr marL="0" marR="0" lvl="0" indent="0" algn="l" defTabSz="914400" rtl="0" eaLnBrk="1" fontAlgn="auto" latinLnBrk="0" hangingPunct="1">
@@ -11545,19 +11139,6 @@
               </a:rPr>
               <a:t>用户管理子系统</a:t>
             </a:r>
-            <a:endParaRPr kumimoji="0" lang="zh-CN" altLang="en-US" sz="1800" b="1" i="0" u="none" strike="noStrike" kern="1200" cap="none" spc="0" normalizeH="0" baseline="0" noProof="0">
-              <a:ln>
-                <a:noFill/>
-              </a:ln>
-              <a:solidFill>
-                <a:prstClr val="black"/>
-              </a:solidFill>
-              <a:effectLst/>
-              <a:uLnTx/>
-              <a:uFillTx/>
-              <a:latin typeface="OPPOSans L"/>
-              <a:cs typeface="+mn-cs"/>
-            </a:endParaRPr>
           </a:p>
           <a:p>
             <a:pPr marL="0" marR="0" lvl="0" indent="0" algn="l" defTabSz="914400" rtl="0" eaLnBrk="1" fontAlgn="auto" latinLnBrk="0" hangingPunct="1">
@@ -11624,19 +11205,6 @@
               </a:rPr>
               <a:t>日程管理子系统</a:t>
             </a:r>
-            <a:endParaRPr kumimoji="0" lang="zh-CN" altLang="en-US" sz="1800" b="1" i="0" u="none" strike="noStrike" kern="1200" cap="none" spc="0" normalizeH="0" baseline="0" noProof="0">
-              <a:ln>
-                <a:noFill/>
-              </a:ln>
-              <a:solidFill>
-                <a:prstClr val="black"/>
-              </a:solidFill>
-              <a:effectLst/>
-              <a:uLnTx/>
-              <a:uFillTx/>
-              <a:latin typeface="OPPOSans L"/>
-              <a:cs typeface="+mn-cs"/>
-            </a:endParaRPr>
           </a:p>
           <a:p>
             <a:pPr marL="0" marR="0" lvl="0" indent="0" algn="l" defTabSz="914400" rtl="0" eaLnBrk="1" fontAlgn="auto" latinLnBrk="0" hangingPunct="1">
@@ -11703,19 +11271,6 @@
               </a:rPr>
               <a:t>专注子系统</a:t>
             </a:r>
-            <a:endParaRPr kumimoji="0" lang="zh-CN" altLang="en-US" sz="1800" b="1" i="0" u="none" strike="noStrike" kern="1200" cap="none" spc="0" normalizeH="0" baseline="0" noProof="0">
-              <a:ln>
-                <a:noFill/>
-              </a:ln>
-              <a:solidFill>
-                <a:prstClr val="black"/>
-              </a:solidFill>
-              <a:effectLst/>
-              <a:uLnTx/>
-              <a:uFillTx/>
-              <a:latin typeface="OPPOSans L"/>
-              <a:cs typeface="+mn-cs"/>
-            </a:endParaRPr>
           </a:p>
           <a:p>
             <a:pPr marL="0" marR="0" lvl="0" indent="0" algn="l" defTabSz="914400" rtl="0" eaLnBrk="1" fontAlgn="auto" latinLnBrk="0" hangingPunct="1">
@@ -11782,19 +11337,6 @@
               </a:rPr>
               <a:t>交流圈子系统</a:t>
             </a:r>
-            <a:endParaRPr kumimoji="0" lang="zh-CN" altLang="en-US" sz="1800" b="1" i="0" u="none" strike="noStrike" kern="1200" cap="none" spc="0" normalizeH="0" baseline="0" noProof="0">
-              <a:ln>
-                <a:noFill/>
-              </a:ln>
-              <a:solidFill>
-                <a:prstClr val="black"/>
-              </a:solidFill>
-              <a:effectLst/>
-              <a:uLnTx/>
-              <a:uFillTx/>
-              <a:latin typeface="OPPOSans L"/>
-              <a:cs typeface="+mn-cs"/>
-            </a:endParaRPr>
           </a:p>
           <a:p>
             <a:pPr marL="0" marR="0" lvl="0" indent="0" algn="l" defTabSz="914400" rtl="0" eaLnBrk="1" fontAlgn="auto" latinLnBrk="0" hangingPunct="1">
@@ -11845,25 +11387,12 @@
               </a:rPr>
               <a:t> </a:t>
             </a:r>
-            <a:endParaRPr kumimoji="0" lang="en-US" altLang="zh-CN" sz="1800" b="1" i="0" u="none" strike="noStrike" kern="1200" cap="none" spc="0" normalizeH="0" baseline="0" noProof="0">
-              <a:ln>
-                <a:noFill/>
-              </a:ln>
-              <a:solidFill>
-                <a:prstClr val="black"/>
-              </a:solidFill>
-              <a:effectLst/>
-              <a:uLnTx/>
-              <a:uFillTx/>
-              <a:latin typeface="OPPOSans L"/>
-              <a:cs typeface="+mn-cs"/>
-            </a:endParaRPr>
           </a:p>
         </p:txBody>
       </p:sp>
     </p:spTree>
     <p:custDataLst>
-      <p:tags r:id="rId2"/>
+      <p:tags r:id="rId1"/>
     </p:custDataLst>
   </p:cSld>
   <p:clrMapOvr>
@@ -11984,24 +11513,6 @@
               </a:rPr>
               <a:t>系统架构</a:t>
             </a:r>
-            <a:endParaRPr kumimoji="0" lang="zh-CN" altLang="en-US" sz="3200" b="0" i="0" u="none" strike="noStrike" kern="1200" cap="none" spc="0" normalizeH="0" baseline="0" noProof="0" dirty="0">
-              <a:ln/>
-              <a:solidFill>
-                <a:schemeClr val="accent1"/>
-              </a:solidFill>
-              <a:effectLst>
-                <a:outerShdw blurRad="38100" dist="25400" dir="5400000" algn="ctr" rotWithShape="0">
-                  <a:srgbClr val="6E747A">
-                    <a:alpha val="43000"/>
-                  </a:srgbClr>
-                </a:outerShdw>
-              </a:effectLst>
-              <a:uLnTx/>
-              <a:uFillTx/>
-              <a:latin typeface="OPPOSans H"/>
-              <a:ea typeface="+mj-ea"/>
-              <a:cs typeface="+mn-cs"/>
-            </a:endParaRPr>
           </a:p>
         </p:txBody>
       </p:sp>
@@ -12052,7 +11563,7 @@
           <p:nvPr/>
         </p:nvPicPr>
         <p:blipFill>
-          <a:blip r:embed="rId1"/>
+          <a:blip r:embed="rId3"/>
           <a:stretch>
             <a:fillRect/>
           </a:stretch>
@@ -12121,19 +11632,6 @@
               </a:rPr>
               <a:t>我们采用C/S架构设计，客户端使用`Android SDK`相关api绘制界面，应用逻辑层中四个子系统，调用`Android SDK`相关api进行逻辑操作，比如禁用通知，音频播放等功能。</a:t>
             </a:r>
-            <a:endParaRPr kumimoji="0" lang="zh-CN" altLang="en-US" sz="1800" b="1" i="0" u="none" strike="noStrike" kern="1200" cap="none" spc="0" normalizeH="0" baseline="0" noProof="0">
-              <a:ln>
-                <a:noFill/>
-              </a:ln>
-              <a:solidFill>
-                <a:prstClr val="black"/>
-              </a:solidFill>
-              <a:effectLst/>
-              <a:uLnTx/>
-              <a:uFillTx/>
-              <a:latin typeface="OPPOSans L"/>
-              <a:cs typeface="+mn-cs"/>
-            </a:endParaRPr>
           </a:p>
           <a:p>
             <a:pPr marL="0" marR="0" lvl="0" indent="0" algn="l" defTabSz="914400" rtl="0" eaLnBrk="1" fontAlgn="auto" latinLnBrk="0" hangingPunct="1">
@@ -12199,25 +11697,12 @@
               </a:rPr>
               <a:t>服务器端通过`Spring Boot`框架部署`Rest Api`与客户端进行通信，通过开源框架`MyBatis`封装`JDBC`，进行数据库的访问与写入。同时，通用服务层使用`Log4j`进行日志输出，使用`Redis`提供数据缓存服务，满足高并发数据库查询需求。</a:t>
             </a:r>
-            <a:endParaRPr kumimoji="0" lang="zh-CN" altLang="en-US" sz="1800" b="1" i="0" u="none" strike="noStrike" kern="1200" cap="none" spc="0" normalizeH="0" baseline="0" noProof="0">
-              <a:ln>
-                <a:noFill/>
-              </a:ln>
-              <a:solidFill>
-                <a:prstClr val="black"/>
-              </a:solidFill>
-              <a:effectLst/>
-              <a:uLnTx/>
-              <a:uFillTx/>
-              <a:latin typeface="OPPOSans L"/>
-              <a:cs typeface="+mn-cs"/>
-            </a:endParaRPr>
           </a:p>
         </p:txBody>
       </p:sp>
     </p:spTree>
     <p:custDataLst>
-      <p:tags r:id="rId2"/>
+      <p:tags r:id="rId1"/>
     </p:custDataLst>
   </p:cSld>
   <p:clrMapOvr>
@@ -12334,20 +11819,6 @@
               </a:rPr>
               <a:t>与接口</a:t>
             </a:r>
-            <a:endParaRPr kumimoji="0" lang="zh-CN" altLang="en-US" sz="3200" b="0" i="0" u="none" strike="noStrike" kern="1200" cap="none" spc="0" normalizeH="0" baseline="0" noProof="0" dirty="0">
-              <a:ln>
-                <a:noFill/>
-              </a:ln>
-              <a:solidFill>
-                <a:srgbClr val="33C16B"/>
-              </a:solidFill>
-              <a:effectLst/>
-              <a:uLnTx/>
-              <a:uFillTx/>
-              <a:latin typeface="OPPOSans H"/>
-              <a:ea typeface="+mj-ea"/>
-              <a:cs typeface="+mn-cs"/>
-            </a:endParaRPr>
           </a:p>
         </p:txBody>
       </p:sp>
@@ -12475,19 +11946,6 @@
               </a:rPr>
               <a:t>协议进行通信，以专注子系统为例，接口如下：</a:t>
             </a:r>
-            <a:endParaRPr kumimoji="0" lang="zh-CN" altLang="en-US" sz="1800" b="0" i="0" u="none" strike="noStrike" kern="1200" cap="none" spc="0" normalizeH="0" baseline="0" noProof="0">
-              <a:ln>
-                <a:noFill/>
-              </a:ln>
-              <a:solidFill>
-                <a:prstClr val="black"/>
-              </a:solidFill>
-              <a:effectLst/>
-              <a:uLnTx/>
-              <a:uFillTx/>
-              <a:latin typeface="OPPOSans L"/>
-              <a:cs typeface="+mn-cs"/>
-            </a:endParaRPr>
           </a:p>
         </p:txBody>
       </p:sp>
@@ -12500,7 +11958,7 @@
           <p:nvPr/>
         </p:nvPicPr>
         <p:blipFill>
-          <a:blip r:embed="rId1"/>
+          <a:blip r:embed="rId3"/>
           <a:stretch>
             <a:fillRect/>
           </a:stretch>
@@ -12515,9 +11973,48 @@
           </a:prstGeom>
         </p:spPr>
       </p:pic>
+      <p:pic>
+        <p:nvPicPr>
+          <p:cNvPr id="4" name="图形 3">
+            <a:extLst>
+              <a:ext uri="{FF2B5EF4-FFF2-40B4-BE49-F238E27FC236}">
+                <a16:creationId xmlns:a16="http://schemas.microsoft.com/office/drawing/2014/main" id="{9BE50720-9335-C157-E920-9B60452C5ED7}"/>
+              </a:ext>
+            </a:extLst>
+          </p:cNvPr>
+          <p:cNvPicPr>
+            <a:picLocks noChangeAspect="1"/>
+          </p:cNvPicPr>
+          <p:nvPr/>
+        </p:nvPicPr>
+        <p:blipFill>
+          <a:blip r:embed="rId4" cstate="print">
+            <a:extLst>
+              <a:ext uri="{28A0092B-C50C-407E-A947-70E740481C1C}">
+                <a14:useLocalDpi xmlns:a14="http://schemas.microsoft.com/office/drawing/2010/main" val="0"/>
+              </a:ext>
+              <a:ext uri="{96DAC541-7B7A-43D3-8B79-37D633B846F1}">
+                <asvg:svgBlip xmlns:asvg="http://schemas.microsoft.com/office/drawing/2016/SVG/main" r:embed="rId5"/>
+              </a:ext>
+            </a:extLst>
+          </a:blip>
+          <a:stretch>
+            <a:fillRect/>
+          </a:stretch>
+        </p:blipFill>
+        <p:spPr>
+          <a:xfrm>
+            <a:off x="10723900" y="0"/>
+            <a:ext cx="1468100" cy="1468100"/>
+          </a:xfrm>
+          <a:prstGeom prst="rect">
+            <a:avLst/>
+          </a:prstGeom>
+        </p:spPr>
+      </p:pic>
     </p:spTree>
     <p:custDataLst>
-      <p:tags r:id="rId2"/>
+      <p:tags r:id="rId1"/>
     </p:custDataLst>
   </p:cSld>
   <p:clrMapOvr>
@@ -12634,20 +12131,6 @@
               </a:rPr>
               <a:t>接口示例</a:t>
             </a:r>
-            <a:endParaRPr kumimoji="0" lang="zh-CN" altLang="en-US" sz="3200" b="0" i="0" u="none" strike="noStrike" kern="1200" cap="none" spc="0" normalizeH="0" baseline="0" noProof="0" dirty="0">
-              <a:ln>
-                <a:noFill/>
-              </a:ln>
-              <a:solidFill>
-                <a:srgbClr val="33C16B"/>
-              </a:solidFill>
-              <a:effectLst/>
-              <a:uLnTx/>
-              <a:uFillTx/>
-              <a:latin typeface="OPPOSans H"/>
-              <a:ea typeface="+mj-ea"/>
-              <a:cs typeface="+mn-cs"/>
-            </a:endParaRPr>
           </a:p>
         </p:txBody>
       </p:sp>
@@ -12698,7 +12181,7 @@
           <p:nvPr/>
         </p:nvPicPr>
         <p:blipFill>
-          <a:blip r:embed="rId1"/>
+          <a:blip r:embed="rId3"/>
           <a:stretch>
             <a:fillRect/>
           </a:stretch>
@@ -12713,9 +12196,48 @@
           </a:prstGeom>
         </p:spPr>
       </p:pic>
+      <p:pic>
+        <p:nvPicPr>
+          <p:cNvPr id="2" name="图形 1">
+            <a:extLst>
+              <a:ext uri="{FF2B5EF4-FFF2-40B4-BE49-F238E27FC236}">
+                <a16:creationId xmlns:a16="http://schemas.microsoft.com/office/drawing/2014/main" id="{241BB3DF-3911-6781-A3DD-555093100611}"/>
+              </a:ext>
+            </a:extLst>
+          </p:cNvPr>
+          <p:cNvPicPr>
+            <a:picLocks noChangeAspect="1"/>
+          </p:cNvPicPr>
+          <p:nvPr/>
+        </p:nvPicPr>
+        <p:blipFill>
+          <a:blip r:embed="rId4" cstate="print">
+            <a:extLst>
+              <a:ext uri="{28A0092B-C50C-407E-A947-70E740481C1C}">
+                <a14:useLocalDpi xmlns:a14="http://schemas.microsoft.com/office/drawing/2010/main" val="0"/>
+              </a:ext>
+              <a:ext uri="{96DAC541-7B7A-43D3-8B79-37D633B846F1}">
+                <asvg:svgBlip xmlns:asvg="http://schemas.microsoft.com/office/drawing/2016/SVG/main" r:embed="rId5"/>
+              </a:ext>
+            </a:extLst>
+          </a:blip>
+          <a:stretch>
+            <a:fillRect/>
+          </a:stretch>
+        </p:blipFill>
+        <p:spPr>
+          <a:xfrm>
+            <a:off x="10723900" y="0"/>
+            <a:ext cx="1468100" cy="1468100"/>
+          </a:xfrm>
+          <a:prstGeom prst="rect">
+            <a:avLst/>
+          </a:prstGeom>
+        </p:spPr>
+      </p:pic>
     </p:spTree>
     <p:custDataLst>
-      <p:tags r:id="rId2"/>
+      <p:tags r:id="rId1"/>
     </p:custDataLst>
   </p:cSld>
   <p:clrMapOvr>
@@ -12832,20 +12354,6 @@
               </a:rPr>
               <a:t>接口示例</a:t>
             </a:r>
-            <a:endParaRPr kumimoji="0" lang="zh-CN" altLang="en-US" sz="3200" b="0" i="0" u="none" strike="noStrike" kern="1200" cap="none" spc="0" normalizeH="0" baseline="0" noProof="0" dirty="0">
-              <a:ln>
-                <a:noFill/>
-              </a:ln>
-              <a:solidFill>
-                <a:srgbClr val="33C16B"/>
-              </a:solidFill>
-              <a:effectLst/>
-              <a:uLnTx/>
-              <a:uFillTx/>
-              <a:latin typeface="OPPOSans H"/>
-              <a:ea typeface="+mj-ea"/>
-              <a:cs typeface="+mn-cs"/>
-            </a:endParaRPr>
           </a:p>
         </p:txBody>
       </p:sp>
@@ -12896,7 +12404,7 @@
           <p:nvPr/>
         </p:nvPicPr>
         <p:blipFill>
-          <a:blip r:embed="rId1"/>
+          <a:blip r:embed="rId3"/>
           <a:stretch>
             <a:fillRect/>
           </a:stretch>
@@ -12911,9 +12419,48 @@
           </a:prstGeom>
         </p:spPr>
       </p:pic>
+      <p:pic>
+        <p:nvPicPr>
+          <p:cNvPr id="2" name="图形 1">
+            <a:extLst>
+              <a:ext uri="{FF2B5EF4-FFF2-40B4-BE49-F238E27FC236}">
+                <a16:creationId xmlns:a16="http://schemas.microsoft.com/office/drawing/2014/main" id="{863F1457-31C4-862C-44EF-E0D734E7D644}"/>
+              </a:ext>
+            </a:extLst>
+          </p:cNvPr>
+          <p:cNvPicPr>
+            <a:picLocks noChangeAspect="1"/>
+          </p:cNvPicPr>
+          <p:nvPr/>
+        </p:nvPicPr>
+        <p:blipFill>
+          <a:blip r:embed="rId4" cstate="print">
+            <a:extLst>
+              <a:ext uri="{28A0092B-C50C-407E-A947-70E740481C1C}">
+                <a14:useLocalDpi xmlns:a14="http://schemas.microsoft.com/office/drawing/2010/main" val="0"/>
+              </a:ext>
+              <a:ext uri="{96DAC541-7B7A-43D3-8B79-37D633B846F1}">
+                <asvg:svgBlip xmlns:asvg="http://schemas.microsoft.com/office/drawing/2016/SVG/main" r:embed="rId5"/>
+              </a:ext>
+            </a:extLst>
+          </a:blip>
+          <a:stretch>
+            <a:fillRect/>
+          </a:stretch>
+        </p:blipFill>
+        <p:spPr>
+          <a:xfrm>
+            <a:off x="10723900" y="0"/>
+            <a:ext cx="1468100" cy="1468100"/>
+          </a:xfrm>
+          <a:prstGeom prst="rect">
+            <a:avLst/>
+          </a:prstGeom>
+        </p:spPr>
+      </p:pic>
     </p:spTree>
     <p:custDataLst>
-      <p:tags r:id="rId2"/>
+      <p:tags r:id="rId1"/>
     </p:custDataLst>
   </p:cSld>
   <p:clrMapOvr>
@@ -13030,20 +12577,6 @@
               </a:rPr>
               <a:t>接口示例</a:t>
             </a:r>
-            <a:endParaRPr kumimoji="0" lang="zh-CN" altLang="en-US" sz="3200" b="0" i="0" u="none" strike="noStrike" kern="1200" cap="none" spc="0" normalizeH="0" baseline="0" noProof="0" dirty="0">
-              <a:ln>
-                <a:noFill/>
-              </a:ln>
-              <a:solidFill>
-                <a:srgbClr val="33C16B"/>
-              </a:solidFill>
-              <a:effectLst/>
-              <a:uLnTx/>
-              <a:uFillTx/>
-              <a:latin typeface="OPPOSans H"/>
-              <a:ea typeface="+mj-ea"/>
-              <a:cs typeface="+mn-cs"/>
-            </a:endParaRPr>
           </a:p>
         </p:txBody>
       </p:sp>
@@ -13094,7 +12627,7 @@
           <p:nvPr/>
         </p:nvPicPr>
         <p:blipFill>
-          <a:blip r:embed="rId1"/>
+          <a:blip r:embed="rId3"/>
           <a:stretch>
             <a:fillRect/>
           </a:stretch>
@@ -13109,9 +12642,48 @@
           </a:prstGeom>
         </p:spPr>
       </p:pic>
+      <p:pic>
+        <p:nvPicPr>
+          <p:cNvPr id="4" name="图形 3">
+            <a:extLst>
+              <a:ext uri="{FF2B5EF4-FFF2-40B4-BE49-F238E27FC236}">
+                <a16:creationId xmlns:a16="http://schemas.microsoft.com/office/drawing/2014/main" id="{6BA8499B-00BF-6DC4-9220-EA9346A1E77B}"/>
+              </a:ext>
+            </a:extLst>
+          </p:cNvPr>
+          <p:cNvPicPr>
+            <a:picLocks noChangeAspect="1"/>
+          </p:cNvPicPr>
+          <p:nvPr/>
+        </p:nvPicPr>
+        <p:blipFill>
+          <a:blip r:embed="rId4" cstate="print">
+            <a:extLst>
+              <a:ext uri="{28A0092B-C50C-407E-A947-70E740481C1C}">
+                <a14:useLocalDpi xmlns:a14="http://schemas.microsoft.com/office/drawing/2010/main" val="0"/>
+              </a:ext>
+              <a:ext uri="{96DAC541-7B7A-43D3-8B79-37D633B846F1}">
+                <asvg:svgBlip xmlns:asvg="http://schemas.microsoft.com/office/drawing/2016/SVG/main" r:embed="rId5"/>
+              </a:ext>
+            </a:extLst>
+          </a:blip>
+          <a:stretch>
+            <a:fillRect/>
+          </a:stretch>
+        </p:blipFill>
+        <p:spPr>
+          <a:xfrm>
+            <a:off x="10723900" y="0"/>
+            <a:ext cx="1468100" cy="1468100"/>
+          </a:xfrm>
+          <a:prstGeom prst="rect">
+            <a:avLst/>
+          </a:prstGeom>
+        </p:spPr>
+      </p:pic>
     </p:spTree>
     <p:custDataLst>
-      <p:tags r:id="rId2"/>
+      <p:tags r:id="rId1"/>
     </p:custDataLst>
   </p:cSld>
   <p:clrMapOvr>
@@ -13121,31 +12693,43 @@
 </file>
 
 <file path=ppt/tags/tag1.xml><?xml version="1.0" encoding="utf-8"?>
-<p:tagLst xmlns:p="http://schemas.openxmlformats.org/presentationml/2006/main">
-  <p:tag name="ISLIDE.ICON" val="#893193;#893189;#893182;#893186;"/>
+<p:tagLst xmlns:a="http://schemas.openxmlformats.org/drawingml/2006/main" xmlns:r="http://schemas.openxmlformats.org/officeDocument/2006/relationships" xmlns:p="http://schemas.openxmlformats.org/presentationml/2006/main">
+  <p:tag name="ISLIDE.GUIDESSETTING" val="{&quot;Id&quot;:&quot;GuidesStyle_Normal&quot;,&quot;Name&quot;:&quot;GuidesStyle_Normal&quot;,&quot;Kind&quot;:&quot;System&quot;,&quot;OldGuidesSetting&quot;:{&quot;HeaderHeight&quot;:15.0,&quot;FooterHeight&quot;:9.0,&quot;SideMargin&quot;:5.5,&quot;TopMargin&quot;:0.0,&quot;BottomMargin&quot;:0.0,&quot;IntervalMargin&quot;:1.5}}"/>
 </p:tagLst>
 </file>
 
 <file path=ppt/tags/tag10.xml><?xml version="1.0" encoding="utf-8"?>
-<p:tagLst xmlns:p="http://schemas.openxmlformats.org/presentationml/2006/main">
+<p:tagLst xmlns:a="http://schemas.openxmlformats.org/drawingml/2006/main" xmlns:r="http://schemas.openxmlformats.org/officeDocument/2006/relationships" xmlns:p="http://schemas.openxmlformats.org/presentationml/2006/main">
   <p:tag name="ISLIDE.ICON" val="#893193;#893189;#893182;#893186;"/>
 </p:tagLst>
 </file>
 
 <file path=ppt/tags/tag11.xml><?xml version="1.0" encoding="utf-8"?>
-<p:tagLst xmlns:p="http://schemas.openxmlformats.org/presentationml/2006/main">
+<p:tagLst xmlns:a="http://schemas.openxmlformats.org/drawingml/2006/main" xmlns:r="http://schemas.openxmlformats.org/officeDocument/2006/relationships" xmlns:p="http://schemas.openxmlformats.org/presentationml/2006/main">
   <p:tag name="ISLIDE.ICON" val="#893193;#893189;#893182;#893186;"/>
 </p:tagLst>
 </file>
 
 <file path=ppt/tags/tag12.xml><?xml version="1.0" encoding="utf-8"?>
-<p:tagLst xmlns:p="http://schemas.openxmlformats.org/presentationml/2006/main">
+<p:tagLst xmlns:a="http://schemas.openxmlformats.org/drawingml/2006/main" xmlns:r="http://schemas.openxmlformats.org/officeDocument/2006/relationships" xmlns:p="http://schemas.openxmlformats.org/presentationml/2006/main">
   <p:tag name="ISLIDE.ICON" val="#893193;#893189;#893182;#893186;"/>
 </p:tagLst>
 </file>
 
 <file path=ppt/tags/tag13.xml><?xml version="1.0" encoding="utf-8"?>
-<p:tagLst xmlns:p="http://schemas.openxmlformats.org/presentationml/2006/main">
+<p:tagLst xmlns:a="http://schemas.openxmlformats.org/drawingml/2006/main" xmlns:r="http://schemas.openxmlformats.org/officeDocument/2006/relationships" xmlns:p="http://schemas.openxmlformats.org/presentationml/2006/main">
+  <p:tag name="ISLIDE.ICON" val="#893193;#893189;#893182;#893186;"/>
+</p:tagLst>
+</file>
+
+<file path=ppt/tags/tag14.xml><?xml version="1.0" encoding="utf-8"?>
+<p:tagLst xmlns:a="http://schemas.openxmlformats.org/drawingml/2006/main" xmlns:r="http://schemas.openxmlformats.org/officeDocument/2006/relationships" xmlns:p="http://schemas.openxmlformats.org/presentationml/2006/main">
+  <p:tag name="ISLIDE.ICON" val="#893193;#893189;#893182;#893186;"/>
+</p:tagLst>
+</file>
+
+<file path=ppt/tags/tag15.xml><?xml version="1.0" encoding="utf-8"?>
+<p:tagLst xmlns:a="http://schemas.openxmlformats.org/drawingml/2006/main" xmlns:r="http://schemas.openxmlformats.org/officeDocument/2006/relationships" xmlns:p="http://schemas.openxmlformats.org/presentationml/2006/main">
   <p:tag name="Z_ZOOM_35" val="1"/>
   <p:tag name="Z_HASTEXT" val="1"/>
   <p:tag name="Z_LEFT" val="336.8007"/>
@@ -13183,56 +12767,56 @@
 </p:tagLst>
 </file>
 
-<file path=ppt/tags/tag14.xml><?xml version="1.0" encoding="utf-8"?>
-<p:tagLst xmlns:p="http://schemas.openxmlformats.org/presentationml/2006/main">
-  <p:tag name="ISLIDE.ICON" val="#893193;#893189;#893182;#893186;"/>
-</p:tagLst>
-</file>
-
-<file path=ppt/tags/tag15.xml><?xml version="1.0" encoding="utf-8"?>
-<p:tagLst xmlns:p="http://schemas.openxmlformats.org/presentationml/2006/main">
-  <p:tag name="ISLIDE.ICON" val="#893193;#893189;#893182;#893186;"/>
-</p:tagLst>
-</file>
-
 <file path=ppt/tags/tag16.xml><?xml version="1.0" encoding="utf-8"?>
-<p:tagLst xmlns:p="http://schemas.openxmlformats.org/presentationml/2006/main">
+<p:tagLst xmlns:a="http://schemas.openxmlformats.org/drawingml/2006/main" xmlns:r="http://schemas.openxmlformats.org/officeDocument/2006/relationships" xmlns:p="http://schemas.openxmlformats.org/presentationml/2006/main">
   <p:tag name="ISLIDE.ICON" val="#893193;#893189;#893182;#893186;"/>
 </p:tagLst>
 </file>
 
 <file path=ppt/tags/tag17.xml><?xml version="1.0" encoding="utf-8"?>
-<p:tagLst xmlns:p="http://schemas.openxmlformats.org/presentationml/2006/main">
+<p:tagLst xmlns:a="http://schemas.openxmlformats.org/drawingml/2006/main" xmlns:r="http://schemas.openxmlformats.org/officeDocument/2006/relationships" xmlns:p="http://schemas.openxmlformats.org/presentationml/2006/main">
   <p:tag name="ISLIDE.ICON" val="#893193;#893189;#893182;#893186;"/>
 </p:tagLst>
 </file>
 
 <file path=ppt/tags/tag18.xml><?xml version="1.0" encoding="utf-8"?>
-<p:tagLst xmlns:p="http://schemas.openxmlformats.org/presentationml/2006/main">
+<p:tagLst xmlns:a="http://schemas.openxmlformats.org/drawingml/2006/main" xmlns:r="http://schemas.openxmlformats.org/officeDocument/2006/relationships" xmlns:p="http://schemas.openxmlformats.org/presentationml/2006/main">
   <p:tag name="ISLIDE.ICON" val="#893193;#893189;#893182;#893186;"/>
 </p:tagLst>
 </file>
 
 <file path=ppt/tags/tag19.xml><?xml version="1.0" encoding="utf-8"?>
-<p:tagLst xmlns:p="http://schemas.openxmlformats.org/presentationml/2006/main">
+<p:tagLst xmlns:a="http://schemas.openxmlformats.org/drawingml/2006/main" xmlns:r="http://schemas.openxmlformats.org/officeDocument/2006/relationships" xmlns:p="http://schemas.openxmlformats.org/presentationml/2006/main">
   <p:tag name="ISLIDE.ICON" val="#893193;#893189;#893182;#893186;"/>
 </p:tagLst>
 </file>
 
 <file path=ppt/tags/tag2.xml><?xml version="1.0" encoding="utf-8"?>
-<p:tagLst xmlns:p="http://schemas.openxmlformats.org/presentationml/2006/main">
+<p:tagLst xmlns:a="http://schemas.openxmlformats.org/drawingml/2006/main" xmlns:r="http://schemas.openxmlformats.org/officeDocument/2006/relationships" xmlns:p="http://schemas.openxmlformats.org/presentationml/2006/main">
   <p:tag name="ISLIDE.ICON" val="#893193;#893189;#893182;#893186;"/>
 </p:tagLst>
 </file>
 
 <file path=ppt/tags/tag20.xml><?xml version="1.0" encoding="utf-8"?>
-<p:tagLst xmlns:p="http://schemas.openxmlformats.org/presentationml/2006/main">
+<p:tagLst xmlns:a="http://schemas.openxmlformats.org/drawingml/2006/main" xmlns:r="http://schemas.openxmlformats.org/officeDocument/2006/relationships" xmlns:p="http://schemas.openxmlformats.org/presentationml/2006/main">
   <p:tag name="ISLIDE.ICON" val="#893193;#893189;#893182;#893186;"/>
 </p:tagLst>
 </file>
 
 <file path=ppt/tags/tag21.xml><?xml version="1.0" encoding="utf-8"?>
-<p:tagLst xmlns:p="http://schemas.openxmlformats.org/presentationml/2006/main">
+<p:tagLst xmlns:a="http://schemas.openxmlformats.org/drawingml/2006/main" xmlns:r="http://schemas.openxmlformats.org/officeDocument/2006/relationships" xmlns:p="http://schemas.openxmlformats.org/presentationml/2006/main">
+  <p:tag name="ISLIDE.ICON" val="#893193;#893189;#893182;#893186;"/>
+</p:tagLst>
+</file>
+
+<file path=ppt/tags/tag22.xml><?xml version="1.0" encoding="utf-8"?>
+<p:tagLst xmlns:a="http://schemas.openxmlformats.org/drawingml/2006/main" xmlns:r="http://schemas.openxmlformats.org/officeDocument/2006/relationships" xmlns:p="http://schemas.openxmlformats.org/presentationml/2006/main">
+  <p:tag name="ISLIDE.ICON" val="#893193;#893189;#893182;#893186;"/>
+</p:tagLst>
+</file>
+
+<file path=ppt/tags/tag23.xml><?xml version="1.0" encoding="utf-8"?>
+<p:tagLst xmlns:a="http://schemas.openxmlformats.org/drawingml/2006/main" xmlns:r="http://schemas.openxmlformats.org/officeDocument/2006/relationships" xmlns:p="http://schemas.openxmlformats.org/presentationml/2006/main">
   <p:tag name="Z_ZOOM_35" val="1"/>
   <p:tag name="Z_HASTEXT" val="1"/>
   <p:tag name="Z_LEFT" val="336.8007"/>
@@ -13270,38 +12854,38 @@
 </p:tagLst>
 </file>
 
-<file path=ppt/tags/tag22.xml><?xml version="1.0" encoding="utf-8"?>
-<p:tagLst xmlns:p="http://schemas.openxmlformats.org/presentationml/2006/main">
-  <p:tag name="ISLIDE.ICON" val="#893193;#893189;#893182;#893186;"/>
-</p:tagLst>
-</file>
-
-<file path=ppt/tags/tag23.xml><?xml version="1.0" encoding="utf-8"?>
-<p:tagLst xmlns:p="http://schemas.openxmlformats.org/presentationml/2006/main">
-  <p:tag name="ISLIDE.ICON" val="#893193;#893189;#893182;#893186;"/>
-</p:tagLst>
-</file>
-
 <file path=ppt/tags/tag24.xml><?xml version="1.0" encoding="utf-8"?>
-<p:tagLst xmlns:p="http://schemas.openxmlformats.org/presentationml/2006/main">
+<p:tagLst xmlns:a="http://schemas.openxmlformats.org/drawingml/2006/main" xmlns:r="http://schemas.openxmlformats.org/officeDocument/2006/relationships" xmlns:p="http://schemas.openxmlformats.org/presentationml/2006/main">
   <p:tag name="ISLIDE.ICON" val="#893193;#893189;#893182;#893186;"/>
 </p:tagLst>
 </file>
 
 <file path=ppt/tags/tag25.xml><?xml version="1.0" encoding="utf-8"?>
-<p:tagLst xmlns:p="http://schemas.openxmlformats.org/presentationml/2006/main">
+<p:tagLst xmlns:a="http://schemas.openxmlformats.org/drawingml/2006/main" xmlns:r="http://schemas.openxmlformats.org/officeDocument/2006/relationships" xmlns:p="http://schemas.openxmlformats.org/presentationml/2006/main">
   <p:tag name="ISLIDE.ICON" val="#893193;#893189;#893182;#893186;"/>
 </p:tagLst>
 </file>
 
 <file path=ppt/tags/tag26.xml><?xml version="1.0" encoding="utf-8"?>
-<p:tagLst xmlns:p="http://schemas.openxmlformats.org/presentationml/2006/main">
+<p:tagLst xmlns:a="http://schemas.openxmlformats.org/drawingml/2006/main" xmlns:r="http://schemas.openxmlformats.org/officeDocument/2006/relationships" xmlns:p="http://schemas.openxmlformats.org/presentationml/2006/main">
   <p:tag name="ISLIDE.ICON" val="#893193;#893189;#893182;#893186;"/>
 </p:tagLst>
 </file>
 
 <file path=ppt/tags/tag27.xml><?xml version="1.0" encoding="utf-8"?>
-<p:tagLst xmlns:p="http://schemas.openxmlformats.org/presentationml/2006/main">
+<p:tagLst xmlns:a="http://schemas.openxmlformats.org/drawingml/2006/main" xmlns:r="http://schemas.openxmlformats.org/officeDocument/2006/relationships" xmlns:p="http://schemas.openxmlformats.org/presentationml/2006/main">
+  <p:tag name="ISLIDE.ICON" val="#893193;#893189;#893182;#893186;"/>
+</p:tagLst>
+</file>
+
+<file path=ppt/tags/tag28.xml><?xml version="1.0" encoding="utf-8"?>
+<p:tagLst xmlns:a="http://schemas.openxmlformats.org/drawingml/2006/main" xmlns:r="http://schemas.openxmlformats.org/officeDocument/2006/relationships" xmlns:p="http://schemas.openxmlformats.org/presentationml/2006/main">
+  <p:tag name="ISLIDE.ICON" val="#893193;#893189;#893182;#893186;"/>
+</p:tagLst>
+</file>
+
+<file path=ppt/tags/tag29.xml><?xml version="1.0" encoding="utf-8"?>
+<p:tagLst xmlns:a="http://schemas.openxmlformats.org/drawingml/2006/main" xmlns:r="http://schemas.openxmlformats.org/officeDocument/2006/relationships" xmlns:p="http://schemas.openxmlformats.org/presentationml/2006/main">
   <p:tag name="Z_ZOOM_35" val="1"/>
   <p:tag name="Z_HASTEXT" val="1"/>
   <p:tag name="Z_LEFT" val="336.8007"/>
@@ -13339,20 +12923,58 @@
 </p:tagLst>
 </file>
 
-<file path=ppt/tags/tag28.xml><?xml version="1.0" encoding="utf-8"?>
-<p:tagLst xmlns:p="http://schemas.openxmlformats.org/presentationml/2006/main">
+<file path=ppt/tags/tag3.xml><?xml version="1.0" encoding="utf-8"?>
+<p:tagLst xmlns:a="http://schemas.openxmlformats.org/drawingml/2006/main" xmlns:r="http://schemas.openxmlformats.org/officeDocument/2006/relationships" xmlns:p="http://schemas.openxmlformats.org/presentationml/2006/main">
   <p:tag name="ISLIDE.ICON" val="#893193;#893189;#893182;#893186;"/>
 </p:tagLst>
 </file>
 
-<file path=ppt/tags/tag29.xml><?xml version="1.0" encoding="utf-8"?>
-<p:tagLst xmlns:p="http://schemas.openxmlformats.org/presentationml/2006/main">
+<file path=ppt/tags/tag30.xml><?xml version="1.0" encoding="utf-8"?>
+<p:tagLst xmlns:a="http://schemas.openxmlformats.org/drawingml/2006/main" xmlns:r="http://schemas.openxmlformats.org/officeDocument/2006/relationships" xmlns:p="http://schemas.openxmlformats.org/presentationml/2006/main">
   <p:tag name="ISLIDE.ICON" val="#893193;#893189;#893182;#893186;"/>
 </p:tagLst>
 </file>
 
-<file path=ppt/tags/tag3.xml><?xml version="1.0" encoding="utf-8"?>
-<p:tagLst xmlns:p="http://schemas.openxmlformats.org/presentationml/2006/main">
+<file path=ppt/tags/tag31.xml><?xml version="1.0" encoding="utf-8"?>
+<p:tagLst xmlns:a="http://schemas.openxmlformats.org/drawingml/2006/main" xmlns:r="http://schemas.openxmlformats.org/officeDocument/2006/relationships" xmlns:p="http://schemas.openxmlformats.org/presentationml/2006/main">
+  <p:tag name="ISLIDE.ICON" val="#893193;#893189;#893182;#893186;"/>
+</p:tagLst>
+</file>
+
+<file path=ppt/tags/tag32.xml><?xml version="1.0" encoding="utf-8"?>
+<p:tagLst xmlns:a="http://schemas.openxmlformats.org/drawingml/2006/main" xmlns:r="http://schemas.openxmlformats.org/officeDocument/2006/relationships" xmlns:p="http://schemas.openxmlformats.org/presentationml/2006/main">
+  <p:tag name="Z_ZOOM_2025" val="1"/>
+  <p:tag name="Z_HASTEXT" val="1"/>
+  <p:tag name="Z_LEFT" val="193.5971"/>
+  <p:tag name="Z_TOP" val="97.39111"/>
+  <p:tag name="Z_WIDTH" val="98.49016"/>
+  <p:tag name="Z_HEIGHT" val="59.38795"/>
+  <p:tag name="Z_LINEWEIGHT" val="0.9"/>
+  <p:tag name="Z_FONTCOLOR" val="System.__ComObject"/>
+  <p:tag name="Z_FONTNAME" val="字由文艺黑"/>
+  <p:tag name="Z_FONTNAMEASCII" val="字由文艺黑"/>
+  <p:tag name="Z_NAMECOMPLEXSCRIPT" val="+mn-cs"/>
+  <p:tag name="Z_NAMEFAREAST" val="字由文艺黑"/>
+  <p:tag name="Z_FONTBOLD" val="msoFalse"/>
+  <p:tag name="Z_FONTSIZE" val="16"/>
+  <p:tag name="Z_FONTUNDERLINE" val="msoFalse"/>
+  <p:tag name="Z_FONTITALIC" val="msoFalse"/>
+  <p:tag name="Z_TEXTALIGNMENT" val="ppAlignCenter"/>
+  <p:tag name="Z_SPACEBEFORE" val="0"/>
+  <p:tag name="Z_SPACEWITHIN" val="1"/>
+  <p:tag name="Z_SPACEAFTER" val="0"/>
+  <p:tag name="Z_LINERULEBEFORE" val="msoTrue"/>
+</p:tagLst>
+</file>
+
+<file path=ppt/tags/tag4.xml><?xml version="1.0" encoding="utf-8"?>
+<p:tagLst xmlns:a="http://schemas.openxmlformats.org/drawingml/2006/main" xmlns:r="http://schemas.openxmlformats.org/officeDocument/2006/relationships" xmlns:p="http://schemas.openxmlformats.org/presentationml/2006/main">
+  <p:tag name="ISLIDE.ICON" val="#893193;#893189;#893182;#893186;"/>
+</p:tagLst>
+</file>
+
+<file path=ppt/tags/tag5.xml><?xml version="1.0" encoding="utf-8"?>
+<p:tagLst xmlns:a="http://schemas.openxmlformats.org/drawingml/2006/main" xmlns:r="http://schemas.openxmlformats.org/officeDocument/2006/relationships" xmlns:p="http://schemas.openxmlformats.org/presentationml/2006/main">
   <p:tag name="Z_ZOOM_35" val="1"/>
   <p:tag name="Z_HASTEXT" val="1"/>
   <p:tag name="Z_LEFT" val="336.8007"/>
@@ -13390,76 +13012,26 @@
 </p:tagLst>
 </file>
 
-<file path=ppt/tags/tag30.xml><?xml version="1.0" encoding="utf-8"?>
-<p:tagLst xmlns:p="http://schemas.openxmlformats.org/presentationml/2006/main">
-  <p:tag name="Z_ZOOM_2025" val="1"/>
-  <p:tag name="Z_HASTEXT" val="1"/>
-  <p:tag name="Z_LEFT" val="193.5971"/>
-  <p:tag name="Z_TOP" val="97.39111"/>
-  <p:tag name="Z_WIDTH" val="98.49016"/>
-  <p:tag name="Z_HEIGHT" val="59.38795"/>
-  <p:tag name="Z_LINEWEIGHT" val="0.9"/>
-  <p:tag name="Z_FONTCOLOR" val="System.__ComObject"/>
-  <p:tag name="Z_FONTNAME" val="字由文艺黑"/>
-  <p:tag name="Z_FONTNAMEASCII" val="字由文艺黑"/>
-  <p:tag name="Z_NAMECOMPLEXSCRIPT" val="+mn-cs"/>
-  <p:tag name="Z_NAMEFAREAST" val="字由文艺黑"/>
-  <p:tag name="Z_FONTBOLD" val="msoFalse"/>
-  <p:tag name="Z_FONTSIZE" val="16"/>
-  <p:tag name="Z_FONTUNDERLINE" val="msoFalse"/>
-  <p:tag name="Z_FONTITALIC" val="msoFalse"/>
-  <p:tag name="Z_TEXTALIGNMENT" val="ppAlignCenter"/>
-  <p:tag name="Z_SPACEBEFORE" val="0"/>
-  <p:tag name="Z_SPACEWITHIN" val="1"/>
-  <p:tag name="Z_SPACEAFTER" val="0"/>
-  <p:tag name="Z_LINERULEBEFORE" val="msoTrue"/>
-</p:tagLst>
-</file>
-
-<file path=ppt/tags/tag31.xml><?xml version="1.0" encoding="utf-8"?>
-<p:tagLst xmlns:p="http://schemas.openxmlformats.org/presentationml/2006/main">
-  <p:tag name="ISLIDE.ICON" val="#893193;#893189;#893182;#893186;"/>
-</p:tagLst>
-</file>
-
-<file path=ppt/tags/tag32.xml><?xml version="1.0" encoding="utf-8"?>
-<p:tagLst xmlns:p="http://schemas.openxmlformats.org/presentationml/2006/main">
-  <p:tag name="ISLIDE.GUIDESSETTING" val="{&quot;Id&quot;:&quot;GuidesStyle_Normal&quot;,&quot;Name&quot;:&quot;GuidesStyle_Normal&quot;,&quot;Kind&quot;:&quot;System&quot;,&quot;OldGuidesSetting&quot;:{&quot;HeaderHeight&quot;:15.0,&quot;FooterHeight&quot;:9.0,&quot;SideMargin&quot;:5.5,&quot;TopMargin&quot;:0.0,&quot;BottomMargin&quot;:0.0,&quot;IntervalMargin&quot;:1.5}}"/>
-</p:tagLst>
-</file>
-
-<file path=ppt/tags/tag4.xml><?xml version="1.0" encoding="utf-8"?>
-<p:tagLst xmlns:p="http://schemas.openxmlformats.org/presentationml/2006/main">
-  <p:tag name="ISLIDE.ICON" val="#893193;#893189;#893182;#893186;"/>
-</p:tagLst>
-</file>
-
-<file path=ppt/tags/tag5.xml><?xml version="1.0" encoding="utf-8"?>
-<p:tagLst xmlns:p="http://schemas.openxmlformats.org/presentationml/2006/main">
-  <p:tag name="ISLIDE.ICON" val="#893193;#893189;#893182;#893186;"/>
-</p:tagLst>
-</file>
-
 <file path=ppt/tags/tag6.xml><?xml version="1.0" encoding="utf-8"?>
-<p:tagLst xmlns:p="http://schemas.openxmlformats.org/presentationml/2006/main">
+<p:tagLst xmlns:a="http://schemas.openxmlformats.org/drawingml/2006/main" xmlns:r="http://schemas.openxmlformats.org/officeDocument/2006/relationships" xmlns:p="http://schemas.openxmlformats.org/presentationml/2006/main">
   <p:tag name="ISLIDE.ICON" val="#893193;#893189;#893182;#893186;"/>
 </p:tagLst>
 </file>
 
 <file path=ppt/tags/tag7.xml><?xml version="1.0" encoding="utf-8"?>
-<p:tagLst xmlns:p="http://schemas.openxmlformats.org/presentationml/2006/main">
+<p:tagLst xmlns:a="http://schemas.openxmlformats.org/drawingml/2006/main" xmlns:r="http://schemas.openxmlformats.org/officeDocument/2006/relationships" xmlns:p="http://schemas.openxmlformats.org/presentationml/2006/main">
   <p:tag name="ISLIDE.ICON" val="#893193;#893189;#893182;#893186;"/>
 </p:tagLst>
 </file>
 
 <file path=ppt/tags/tag8.xml><?xml version="1.0" encoding="utf-8"?>
-<p:tagLst xmlns:p="http://schemas.openxmlformats.org/presentationml/2006/main">
+<p:tagLst xmlns:a="http://schemas.openxmlformats.org/drawingml/2006/main" xmlns:r="http://schemas.openxmlformats.org/officeDocument/2006/relationships" xmlns:p="http://schemas.openxmlformats.org/presentationml/2006/main">
   <p:tag name="ISLIDE.ICON" val="#893193;#893189;#893182;#893186;"/>
 </p:tagLst>
 </file>
 
 <file path=ppt/tags/tag9.xml><?xml version="1.0" encoding="utf-8"?>
-<p:tagLst xmlns:p="http://schemas.openxmlformats.org/presentationml/2006/main">
+<p:tagLst xmlns:a="http://schemas.openxmlformats.org/drawingml/2006/main" xmlns:r="http://schemas.openxmlformats.org/officeDocument/2006/relationships" xmlns:p="http://schemas.openxmlformats.org/presentationml/2006/main">
   <p:tag name="ISLIDE.ICON" val="#893193;#893189;#893182;#893186;"/>
 </p:tagLst>
 </file>
@@ -13655,6 +13227,8 @@
       </a:bgFillStyleLst>
     </a:fmtScheme>
   </a:themeElements>
+  <a:objectDefaults/>
+  <a:extraClrSchemeLst/>
   <a:extLst>
     <a:ext uri="{05A4C25C-085E-4340-85A3-A5531E510DB2}">
       <thm15:themeFamily xmlns:thm15="http://schemas.microsoft.com/office/thememl/2012/main" name="Office Theme" id="{62F939B6-93AF-4DB8-9C6B-D6C7DFDC589F}" vid="{4A3C46E8-61CC-4603-A589-7422A47A8E4A}"/>
@@ -13914,6 +13488,8 @@
       </a:bgFillStyleLst>
     </a:fmtScheme>
   </a:themeElements>
+  <a:objectDefaults/>
+  <a:extraClrSchemeLst/>
   <a:extLst>
     <a:ext uri="{05A4C25C-085E-4340-85A3-A5531E510DB2}">
       <thm15:themeFamily xmlns:thm15="http://schemas.microsoft.com/office/thememl/2012/main" name="Office Theme" id="{62F939B6-93AF-4DB8-9C6B-D6C7DFDC589F}" vid="{4A3C46E8-61CC-4603-A589-7422A47A8E4A}"/>

--- a/assignment3/期末展示.pptx
+++ b/assignment3/期末展示.pptx
@@ -616,6 +616,90 @@
         </p:txBody>
       </p:sp>
     </p:spTree>
+  </p:cSld>
+  <p:clrMapOvr>
+    <a:masterClrMapping/>
+  </p:clrMapOvr>
+</p:notes>
+</file>
+
+<file path=ppt/notesSlides/notesSlide2.xml><?xml version="1.0" encoding="utf-8"?>
+<p:notes xmlns:a="http://schemas.openxmlformats.org/drawingml/2006/main" xmlns:r="http://schemas.openxmlformats.org/officeDocument/2006/relationships" xmlns:p="http://schemas.openxmlformats.org/presentationml/2006/main">
+  <p:cSld>
+    <p:spTree>
+      <p:nvGrpSpPr>
+        <p:cNvPr id="1" name=""/>
+        <p:cNvGrpSpPr/>
+        <p:nvPr/>
+      </p:nvGrpSpPr>
+      <p:grpSpPr>
+        <a:xfrm>
+          <a:off x="0" y="0"/>
+          <a:ext cx="0" cy="0"/>
+          <a:chOff x="0" y="0"/>
+          <a:chExt cx="0" cy="0"/>
+        </a:xfrm>
+      </p:grpSpPr>
+      <p:sp>
+        <p:nvSpPr>
+          <p:cNvPr id="2" name="幻灯片图像占位符 1"/>
+          <p:cNvSpPr>
+            <a:spLocks noGrp="1" noRot="1" noChangeAspect="1"/>
+          </p:cNvSpPr>
+          <p:nvPr>
+            <p:ph type="sldImg"/>
+          </p:nvPr>
+        </p:nvSpPr>
+        <p:spPr/>
+      </p:sp>
+      <p:sp>
+        <p:nvSpPr>
+          <p:cNvPr id="3" name="备注占位符 2"/>
+          <p:cNvSpPr>
+            <a:spLocks noGrp="1"/>
+          </p:cNvSpPr>
+          <p:nvPr>
+            <p:ph type="body" idx="1"/>
+          </p:nvPr>
+        </p:nvSpPr>
+        <p:spPr/>
+        <p:txBody>
+          <a:bodyPr/>
+          <a:lstStyle/>
+          <a:p>
+            <a:endParaRPr lang="zh-CN" altLang="en-US" dirty="0"/>
+          </a:p>
+        </p:txBody>
+      </p:sp>
+      <p:sp>
+        <p:nvSpPr>
+          <p:cNvPr id="4" name="灯片编号占位符 3"/>
+          <p:cNvSpPr>
+            <a:spLocks noGrp="1"/>
+          </p:cNvSpPr>
+          <p:nvPr>
+            <p:ph type="sldNum" sz="quarter" idx="5"/>
+          </p:nvPr>
+        </p:nvSpPr>
+        <p:spPr/>
+        <p:txBody>
+          <a:bodyPr/>
+          <a:lstStyle/>
+          <a:p>
+            <a:fld id="{1097FAFE-CDAF-403B-A73D-03F099EBF44E}" type="slidenum">
+              <a:rPr lang="zh-CN" altLang="en-US" smtClean="0"/>
+              <a:t>25</a:t>
+            </a:fld>
+            <a:endParaRPr lang="zh-CN" altLang="en-US"/>
+          </a:p>
+        </p:txBody>
+      </p:sp>
+    </p:spTree>
+    <p:extLst>
+      <p:ext uri="{BB962C8B-B14F-4D97-AF65-F5344CB8AC3E}">
+        <p14:creationId xmlns:p14="http://schemas.microsoft.com/office/powerpoint/2010/main" val="3829338372"/>
+      </p:ext>
+    </p:extLst>
   </p:cSld>
   <p:clrMapOvr>
     <a:masterClrMapping/>
@@ -9741,7 +9825,7 @@
           <p:nvPr/>
         </p:nvPicPr>
         <p:blipFill>
-          <a:blip r:embed="rId3" cstate="print">
+          <a:blip r:embed="rId4" cstate="print">
             <a:extLst>
               <a:ext uri="{28A0092B-C50C-407E-A947-70E740481C1C}">
                 <a14:useLocalDpi xmlns:a14="http://schemas.microsoft.com/office/drawing/2010/main" val="0"/>
@@ -9802,36 +9886,282 @@
       </p:cxnSp>
       <p:grpSp>
         <p:nvGrpSpPr>
-          <p:cNvPr id="13" name="组合 12"/>
+          <p:cNvPr id="25" name="组合 24">
+            <a:extLst>
+              <a:ext uri="{FF2B5EF4-FFF2-40B4-BE49-F238E27FC236}">
+                <a16:creationId xmlns:a16="http://schemas.microsoft.com/office/drawing/2014/main" id="{DC57436E-FE4A-34C5-996D-B3C7775DEAB3}"/>
+              </a:ext>
+            </a:extLst>
+          </p:cNvPr>
           <p:cNvGrpSpPr/>
           <p:nvPr/>
         </p:nvGrpSpPr>
         <p:grpSpPr>
           <a:xfrm>
-            <a:off x="921960" y="1340093"/>
-            <a:ext cx="10310960" cy="4818871"/>
-            <a:chOff x="751771" y="1439760"/>
-            <a:chExt cx="8781437" cy="4186935"/>
+            <a:off x="660400" y="1443054"/>
+            <a:ext cx="19503452" cy="4879447"/>
+            <a:chOff x="-8960633" y="1304202"/>
+            <a:chExt cx="19503452" cy="4879447"/>
           </a:xfrm>
         </p:grpSpPr>
+        <p:grpSp>
+          <p:nvGrpSpPr>
+            <p:cNvPr id="19" name="组合 18">
+              <a:extLst>
+                <a:ext uri="{FF2B5EF4-FFF2-40B4-BE49-F238E27FC236}">
+                  <a16:creationId xmlns:a16="http://schemas.microsoft.com/office/drawing/2014/main" id="{D8363DF4-5C15-438D-DCED-BDCF9E3DFA2D}"/>
+                </a:ext>
+              </a:extLst>
+            </p:cNvPr>
+            <p:cNvGrpSpPr/>
+            <p:nvPr/>
+          </p:nvGrpSpPr>
+          <p:grpSpPr>
+            <a:xfrm>
+              <a:off x="-8960633" y="1304202"/>
+              <a:ext cx="14671105" cy="4879447"/>
+              <a:chOff x="-8960633" y="1304202"/>
+              <a:chExt cx="14671105" cy="4879447"/>
+            </a:xfrm>
+          </p:grpSpPr>
+          <p:grpSp>
+            <p:nvGrpSpPr>
+              <p:cNvPr id="13" name="组合 12"/>
+              <p:cNvGrpSpPr/>
+              <p:nvPr/>
+            </p:nvGrpSpPr>
+            <p:grpSpPr>
+              <a:xfrm>
+                <a:off x="921960" y="1372710"/>
+                <a:ext cx="4788512" cy="4786253"/>
+                <a:chOff x="751771" y="1468100"/>
+                <a:chExt cx="4078187" cy="4158595"/>
+              </a:xfrm>
+            </p:grpSpPr>
+            <p:pic>
+              <p:nvPicPr>
+                <p:cNvPr id="5" name="图片 4"/>
+                <p:cNvPicPr>
+                  <a:picLocks noChangeAspect="1"/>
+                </p:cNvPicPr>
+                <p:nvPr/>
+              </p:nvPicPr>
+              <p:blipFill>
+                <a:blip r:embed="rId5"/>
+                <a:stretch>
+                  <a:fillRect/>
+                </a:stretch>
+              </p:blipFill>
+              <p:spPr>
+                <a:xfrm>
+                  <a:off x="751771" y="1468100"/>
+                  <a:ext cx="1912738" cy="4140705"/>
+                </a:xfrm>
+                <a:prstGeom prst="rect">
+                  <a:avLst/>
+                </a:prstGeom>
+              </p:spPr>
+            </p:pic>
+            <p:pic>
+              <p:nvPicPr>
+                <p:cNvPr id="8" name="图片 7"/>
+                <p:cNvPicPr>
+                  <a:picLocks noChangeAspect="1"/>
+                </p:cNvPicPr>
+                <p:nvPr/>
+              </p:nvPicPr>
+              <p:blipFill>
+                <a:blip r:embed="rId6"/>
+                <a:stretch>
+                  <a:fillRect/>
+                </a:stretch>
+              </p:blipFill>
+              <p:spPr>
+                <a:xfrm>
+                  <a:off x="2917219" y="1468100"/>
+                  <a:ext cx="1912739" cy="4158595"/>
+                </a:xfrm>
+                <a:prstGeom prst="rect">
+                  <a:avLst/>
+                </a:prstGeom>
+              </p:spPr>
+            </p:pic>
+          </p:grpSp>
+          <p:pic>
+            <p:nvPicPr>
+              <p:cNvPr id="9" name="图片 8">
+                <a:extLst>
+                  <a:ext uri="{FF2B5EF4-FFF2-40B4-BE49-F238E27FC236}">
+                    <a16:creationId xmlns:a16="http://schemas.microsoft.com/office/drawing/2014/main" id="{47392811-CD44-1FD7-31F6-8ACFF43F1555}"/>
+                  </a:ext>
+                </a:extLst>
+              </p:cNvPr>
+              <p:cNvPicPr>
+                <a:picLocks noChangeAspect="1"/>
+              </p:cNvPicPr>
+              <p:nvPr/>
+            </p:nvPicPr>
+            <p:blipFill>
+              <a:blip r:embed="rId7">
+                <a:extLst>
+                  <a:ext uri="{28A0092B-C50C-407E-A947-70E740481C1C}">
+                    <a14:useLocalDpi xmlns:a14="http://schemas.microsoft.com/office/drawing/2010/main" val="0"/>
+                  </a:ext>
+                </a:extLst>
+              </a:blip>
+              <a:stretch>
+                <a:fillRect/>
+              </a:stretch>
+            </p:blipFill>
+            <p:spPr>
+              <a:xfrm>
+                <a:off x="-8960633" y="1304202"/>
+                <a:ext cx="2245895" cy="4862400"/>
+              </a:xfrm>
+              <a:prstGeom prst="rect">
+                <a:avLst/>
+              </a:prstGeom>
+            </p:spPr>
+          </p:pic>
+          <p:pic>
+            <p:nvPicPr>
+              <p:cNvPr id="14" name="图片 13">
+                <a:extLst>
+                  <a:ext uri="{FF2B5EF4-FFF2-40B4-BE49-F238E27FC236}">
+                    <a16:creationId xmlns:a16="http://schemas.microsoft.com/office/drawing/2014/main" id="{718ACCD0-260D-EBC8-10A5-015FB2C70F3C}"/>
+                  </a:ext>
+                </a:extLst>
+              </p:cNvPr>
+              <p:cNvPicPr>
+                <a:picLocks noChangeAspect="1"/>
+              </p:cNvPicPr>
+              <p:nvPr/>
+            </p:nvPicPr>
+            <p:blipFill>
+              <a:blip r:embed="rId8">
+                <a:extLst>
+                  <a:ext uri="{28A0092B-C50C-407E-A947-70E740481C1C}">
+                    <a14:useLocalDpi xmlns:a14="http://schemas.microsoft.com/office/drawing/2010/main" val="0"/>
+                  </a:ext>
+                </a:extLst>
+              </a:blip>
+              <a:stretch>
+                <a:fillRect/>
+              </a:stretch>
+            </p:blipFill>
+            <p:spPr>
+              <a:xfrm>
+                <a:off x="-6395166" y="1340093"/>
+                <a:ext cx="2245894" cy="4843556"/>
+              </a:xfrm>
+              <a:prstGeom prst="rect">
+                <a:avLst/>
+              </a:prstGeom>
+            </p:spPr>
+          </p:pic>
+          <p:pic>
+            <p:nvPicPr>
+              <p:cNvPr id="16" name="图片 15">
+                <a:extLst>
+                  <a:ext uri="{FF2B5EF4-FFF2-40B4-BE49-F238E27FC236}">
+                    <a16:creationId xmlns:a16="http://schemas.microsoft.com/office/drawing/2014/main" id="{31B7296B-46C9-ED2F-44BC-FC8B19C85D0A}"/>
+                  </a:ext>
+                </a:extLst>
+              </p:cNvPr>
+              <p:cNvPicPr>
+                <a:picLocks noChangeAspect="1"/>
+              </p:cNvPicPr>
+              <p:nvPr/>
+            </p:nvPicPr>
+            <p:blipFill>
+              <a:blip r:embed="rId9">
+                <a:extLst>
+                  <a:ext uri="{28A0092B-C50C-407E-A947-70E740481C1C}">
+                    <a14:useLocalDpi xmlns:a14="http://schemas.microsoft.com/office/drawing/2010/main" val="0"/>
+                  </a:ext>
+                </a:extLst>
+              </a:blip>
+              <a:stretch>
+                <a:fillRect/>
+              </a:stretch>
+            </p:blipFill>
+            <p:spPr>
+              <a:xfrm>
+                <a:off x="-1442619" y="1372711"/>
+                <a:ext cx="2212311" cy="4749554"/>
+              </a:xfrm>
+              <a:prstGeom prst="rect">
+                <a:avLst/>
+              </a:prstGeom>
+            </p:spPr>
+          </p:pic>
+          <p:pic>
+            <p:nvPicPr>
+              <p:cNvPr id="18" name="图片 17">
+                <a:extLst>
+                  <a:ext uri="{FF2B5EF4-FFF2-40B4-BE49-F238E27FC236}">
+                    <a16:creationId xmlns:a16="http://schemas.microsoft.com/office/drawing/2014/main" id="{4795E4C0-F80D-865C-FF19-1CECA15299A5}"/>
+                  </a:ext>
+                </a:extLst>
+              </p:cNvPr>
+              <p:cNvPicPr>
+                <a:picLocks noChangeAspect="1"/>
+              </p:cNvPicPr>
+              <p:nvPr/>
+            </p:nvPicPr>
+            <p:blipFill>
+              <a:blip r:embed="rId10">
+                <a:extLst>
+                  <a:ext uri="{28A0092B-C50C-407E-A947-70E740481C1C}">
+                    <a14:useLocalDpi xmlns:a14="http://schemas.microsoft.com/office/drawing/2010/main" val="0"/>
+                  </a:ext>
+                </a:extLst>
+              </a:blip>
+              <a:stretch>
+                <a:fillRect/>
+              </a:stretch>
+            </p:blipFill>
+            <p:spPr>
+              <a:xfrm>
+                <a:off x="-3875373" y="1356401"/>
+                <a:ext cx="2223956" cy="4802563"/>
+              </a:xfrm>
+              <a:prstGeom prst="rect">
+                <a:avLst/>
+              </a:prstGeom>
+            </p:spPr>
+          </p:pic>
+        </p:grpSp>
         <p:pic>
           <p:nvPicPr>
-            <p:cNvPr id="5" name="图片 4"/>
+            <p:cNvPr id="22" name="图片 21">
+              <a:extLst>
+                <a:ext uri="{FF2B5EF4-FFF2-40B4-BE49-F238E27FC236}">
+                  <a16:creationId xmlns:a16="http://schemas.microsoft.com/office/drawing/2014/main" id="{794C9CD6-D01A-00B9-20D3-68E24165D7B7}"/>
+                </a:ext>
+              </a:extLst>
+            </p:cNvPr>
             <p:cNvPicPr>
               <a:picLocks noChangeAspect="1"/>
             </p:cNvPicPr>
             <p:nvPr/>
           </p:nvPicPr>
           <p:blipFill>
-            <a:blip r:embed="rId4"/>
+            <a:blip r:embed="rId11">
+              <a:extLst>
+                <a:ext uri="{28A0092B-C50C-407E-A947-70E740481C1C}">
+                  <a14:useLocalDpi xmlns:a14="http://schemas.microsoft.com/office/drawing/2010/main" val="0"/>
+                </a:ext>
+              </a:extLst>
+            </a:blip>
             <a:stretch>
               <a:fillRect/>
             </a:stretch>
           </p:blipFill>
           <p:spPr>
             <a:xfrm>
-              <a:off x="751771" y="1468100"/>
-              <a:ext cx="1912738" cy="4140705"/>
+              <a:off x="8399078" y="1372710"/>
+              <a:ext cx="2143741" cy="4641553"/>
             </a:xfrm>
             <a:prstGeom prst="rect">
               <a:avLst/>
@@ -9840,70 +10170,34 @@
         </p:pic>
         <p:pic>
           <p:nvPicPr>
-            <p:cNvPr id="8" name="图片 7"/>
+            <p:cNvPr id="24" name="图片 23">
+              <a:extLst>
+                <a:ext uri="{FF2B5EF4-FFF2-40B4-BE49-F238E27FC236}">
+                  <a16:creationId xmlns:a16="http://schemas.microsoft.com/office/drawing/2014/main" id="{D161518E-C4A8-ABB9-AAB3-2F5FDDB2EFDE}"/>
+                </a:ext>
+              </a:extLst>
+            </p:cNvPr>
             <p:cNvPicPr>
               <a:picLocks noChangeAspect="1"/>
             </p:cNvPicPr>
             <p:nvPr/>
           </p:nvPicPr>
           <p:blipFill>
-            <a:blip r:embed="rId5"/>
+            <a:blip r:embed="rId12">
+              <a:extLst>
+                <a:ext uri="{28A0092B-C50C-407E-A947-70E740481C1C}">
+                  <a14:useLocalDpi xmlns:a14="http://schemas.microsoft.com/office/drawing/2010/main" val="0"/>
+                </a:ext>
+              </a:extLst>
+            </a:blip>
             <a:stretch>
               <a:fillRect/>
             </a:stretch>
           </p:blipFill>
           <p:spPr>
             <a:xfrm>
-              <a:off x="3056995" y="1468100"/>
-              <a:ext cx="1912739" cy="4158595"/>
-            </a:xfrm>
-            <a:prstGeom prst="rect">
-              <a:avLst/>
-            </a:prstGeom>
-          </p:spPr>
-        </p:pic>
-        <p:pic>
-          <p:nvPicPr>
-            <p:cNvPr id="10" name="图片 9"/>
-            <p:cNvPicPr>
-              <a:picLocks noChangeAspect="1"/>
-            </p:cNvPicPr>
-            <p:nvPr/>
-          </p:nvPicPr>
-          <p:blipFill>
-            <a:blip r:embed="rId6"/>
-            <a:stretch>
-              <a:fillRect/>
-            </a:stretch>
-          </p:blipFill>
-          <p:spPr>
-            <a:xfrm>
-              <a:off x="7612239" y="1453929"/>
-              <a:ext cx="1920969" cy="4140878"/>
-            </a:xfrm>
-            <a:prstGeom prst="rect">
-              <a:avLst/>
-            </a:prstGeom>
-          </p:spPr>
-        </p:pic>
-        <p:pic>
-          <p:nvPicPr>
-            <p:cNvPr id="12" name="图片 11"/>
-            <p:cNvPicPr>
-              <a:picLocks noChangeAspect="1"/>
-            </p:cNvPicPr>
-            <p:nvPr/>
-          </p:nvPicPr>
-          <p:blipFill>
-            <a:blip r:embed="rId7"/>
-            <a:stretch>
-              <a:fillRect/>
-            </a:stretch>
-          </p:blipFill>
-          <p:spPr>
-            <a:xfrm>
-              <a:off x="5346859" y="1439760"/>
-              <a:ext cx="1912739" cy="4169218"/>
+              <a:off x="5951116" y="1352536"/>
+              <a:ext cx="2207318" cy="4785837"/>
             </a:xfrm>
             <a:prstGeom prst="rect">
               <a:avLst/>
@@ -9919,6 +10213,79 @@
   <p:clrMapOvr>
     <a:masterClrMapping/>
   </p:clrMapOvr>
+  <p:timing>
+    <p:tnLst>
+      <p:par>
+        <p:cTn id="1" dur="indefinite" restart="never" nodeType="tmRoot">
+          <p:childTnLst>
+            <p:seq concurrent="1" nextAc="seek">
+              <p:cTn id="2" dur="indefinite" nodeType="mainSeq">
+                <p:childTnLst>
+                  <p:par>
+                    <p:cTn id="3" fill="hold">
+                      <p:stCondLst>
+                        <p:cond delay="indefinite"/>
+                        <p:cond evt="onBegin" delay="0">
+                          <p:tn val="2"/>
+                        </p:cond>
+                      </p:stCondLst>
+                      <p:childTnLst>
+                        <p:par>
+                          <p:cTn id="4" fill="hold">
+                            <p:stCondLst>
+                              <p:cond delay="0"/>
+                            </p:stCondLst>
+                            <p:childTnLst>
+                              <p:par>
+                                <p:cTn id="5" presetID="35" presetClass="path" presetSubtype="0" repeatCount="indefinite" fill="hold" nodeType="withEffect">
+                                  <p:stCondLst>
+                                    <p:cond delay="500"/>
+                                  </p:stCondLst>
+                                  <p:childTnLst>
+                                    <p:animMotion origin="layout" path="M -0.29154 0.00533 L -0.76368 0.00533 " pathEditMode="relative" rAng="0" ptsTypes="AA">
+                                      <p:cBhvr>
+                                        <p:cTn id="6" dur="3000" fill="hold"/>
+                                        <p:tgtEl>
+                                          <p:spTgt spid="25"/>
+                                        </p:tgtEl>
+                                        <p:attrNameLst>
+                                          <p:attrName>ppt_x</p:attrName>
+                                          <p:attrName>ppt_y</p:attrName>
+                                        </p:attrNameLst>
+                                      </p:cBhvr>
+                                      <p:rCtr x="-23607" y="0"/>
+                                    </p:animMotion>
+                                  </p:childTnLst>
+                                </p:cTn>
+                              </p:par>
+                            </p:childTnLst>
+                          </p:cTn>
+                        </p:par>
+                      </p:childTnLst>
+                    </p:cTn>
+                  </p:par>
+                </p:childTnLst>
+              </p:cTn>
+              <p:prevCondLst>
+                <p:cond evt="onPrev" delay="0">
+                  <p:tgtEl>
+                    <p:sldTgt/>
+                  </p:tgtEl>
+                </p:cond>
+              </p:prevCondLst>
+              <p:nextCondLst>
+                <p:cond evt="onNext" delay="0">
+                  <p:tgtEl>
+                    <p:sldTgt/>
+                  </p:tgtEl>
+                </p:cond>
+              </p:nextCondLst>
+            </p:seq>
+          </p:childTnLst>
+        </p:cTn>
+      </p:par>
+    </p:tnLst>
+  </p:timing>
 </p:sld>
 </file>
 

--- a/assignment3/期末展示.pptx
+++ b/assignment3/期末展示.pptx
@@ -5,7 +5,7 @@
     <p:sldMasterId id="2147483648" r:id="rId1"/>
   </p:sldMasterIdLst>
   <p:notesMasterIdLst>
-    <p:notesMasterId r:id="rId28"/>
+    <p:notesMasterId r:id="rId29"/>
   </p:notesMasterIdLst>
   <p:sldIdLst>
     <p:sldId id="277" r:id="rId2"/>
@@ -32,13 +32,14 @@
     <p:sldId id="347" r:id="rId23"/>
     <p:sldId id="348" r:id="rId24"/>
     <p:sldId id="311" r:id="rId25"/>
-    <p:sldId id="326" r:id="rId26"/>
-    <p:sldId id="279" r:id="rId27"/>
+    <p:sldId id="349" r:id="rId26"/>
+    <p:sldId id="326" r:id="rId27"/>
+    <p:sldId id="279" r:id="rId28"/>
   </p:sldIdLst>
   <p:sldSz cx="12192000" cy="6858000"/>
   <p:notesSz cx="6858000" cy="9144000"/>
   <p:custDataLst>
-    <p:tags r:id="rId29"/>
+    <p:tags r:id="rId30"/>
   </p:custDataLst>
   <p:defaultTextStyle>
     <a:defPPr>
@@ -686,9 +687,153 @@
           <a:bodyPr/>
           <a:lstStyle/>
           <a:p>
+            <a:pPr marL="0" marR="0" lvl="0" indent="0" algn="r" defTabSz="914400" rtl="0" eaLnBrk="1" fontAlgn="auto" latinLnBrk="0" hangingPunct="1">
+              <a:lnSpc>
+                <a:spcPct val="100000"/>
+              </a:lnSpc>
+              <a:spcBef>
+                <a:spcPts val="0"/>
+              </a:spcBef>
+              <a:spcAft>
+                <a:spcPts val="0"/>
+              </a:spcAft>
+              <a:buClrTx/>
+              <a:buSzTx/>
+              <a:buFontTx/>
+              <a:buNone/>
+              <a:tabLst/>
+              <a:defRPr/>
+            </a:pPr>
+            <a:fld id="{1097FAFE-CDAF-403B-A73D-03F099EBF44E}" type="slidenum">
+              <a:rPr kumimoji="0" lang="zh-CN" altLang="en-US" sz="1200" b="0" i="0" u="none" strike="noStrike" kern="1200" cap="none" spc="0" normalizeH="0" baseline="0" noProof="0" smtClean="0">
+                <a:ln>
+                  <a:noFill/>
+                </a:ln>
+                <a:solidFill>
+                  <a:prstClr val="black"/>
+                </a:solidFill>
+                <a:effectLst/>
+                <a:uLnTx/>
+                <a:uFillTx/>
+                <a:latin typeface="等线"/>
+                <a:ea typeface="等线" panose="02010600030101010101" pitchFamily="2" charset="-122"/>
+                <a:cs typeface="+mn-cs"/>
+              </a:rPr>
+              <a:pPr marL="0" marR="0" lvl="0" indent="0" algn="r" defTabSz="914400" rtl="0" eaLnBrk="1" fontAlgn="auto" latinLnBrk="0" hangingPunct="1">
+                <a:lnSpc>
+                  <a:spcPct val="100000"/>
+                </a:lnSpc>
+                <a:spcBef>
+                  <a:spcPts val="0"/>
+                </a:spcBef>
+                <a:spcAft>
+                  <a:spcPts val="0"/>
+                </a:spcAft>
+                <a:buClrTx/>
+                <a:buSzTx/>
+                <a:buFontTx/>
+                <a:buNone/>
+                <a:tabLst/>
+                <a:defRPr/>
+              </a:pPr>
+              <a:t>25</a:t>
+            </a:fld>
+            <a:endParaRPr kumimoji="0" lang="zh-CN" altLang="en-US" sz="1200" b="0" i="0" u="none" strike="noStrike" kern="1200" cap="none" spc="0" normalizeH="0" baseline="0" noProof="0">
+              <a:ln>
+                <a:noFill/>
+              </a:ln>
+              <a:solidFill>
+                <a:prstClr val="black"/>
+              </a:solidFill>
+              <a:effectLst/>
+              <a:uLnTx/>
+              <a:uFillTx/>
+              <a:latin typeface="等线"/>
+              <a:ea typeface="等线" panose="02010600030101010101" pitchFamily="2" charset="-122"/>
+              <a:cs typeface="+mn-cs"/>
+            </a:endParaRPr>
+          </a:p>
+        </p:txBody>
+      </p:sp>
+    </p:spTree>
+    <p:extLst>
+      <p:ext uri="{BB962C8B-B14F-4D97-AF65-F5344CB8AC3E}">
+        <p14:creationId xmlns:p14="http://schemas.microsoft.com/office/powerpoint/2010/main" val="1720899906"/>
+      </p:ext>
+    </p:extLst>
+  </p:cSld>
+  <p:clrMapOvr>
+    <a:masterClrMapping/>
+  </p:clrMapOvr>
+</p:notes>
+</file>
+
+<file path=ppt/notesSlides/notesSlide3.xml><?xml version="1.0" encoding="utf-8"?>
+<p:notes xmlns:a="http://schemas.openxmlformats.org/drawingml/2006/main" xmlns:r="http://schemas.openxmlformats.org/officeDocument/2006/relationships" xmlns:p="http://schemas.openxmlformats.org/presentationml/2006/main">
+  <p:cSld>
+    <p:spTree>
+      <p:nvGrpSpPr>
+        <p:cNvPr id="1" name=""/>
+        <p:cNvGrpSpPr/>
+        <p:nvPr/>
+      </p:nvGrpSpPr>
+      <p:grpSpPr>
+        <a:xfrm>
+          <a:off x="0" y="0"/>
+          <a:ext cx="0" cy="0"/>
+          <a:chOff x="0" y="0"/>
+          <a:chExt cx="0" cy="0"/>
+        </a:xfrm>
+      </p:grpSpPr>
+      <p:sp>
+        <p:nvSpPr>
+          <p:cNvPr id="2" name="幻灯片图像占位符 1"/>
+          <p:cNvSpPr>
+            <a:spLocks noGrp="1" noRot="1" noChangeAspect="1"/>
+          </p:cNvSpPr>
+          <p:nvPr>
+            <p:ph type="sldImg"/>
+          </p:nvPr>
+        </p:nvSpPr>
+        <p:spPr/>
+      </p:sp>
+      <p:sp>
+        <p:nvSpPr>
+          <p:cNvPr id="3" name="备注占位符 2"/>
+          <p:cNvSpPr>
+            <a:spLocks noGrp="1"/>
+          </p:cNvSpPr>
+          <p:nvPr>
+            <p:ph type="body" idx="1"/>
+          </p:nvPr>
+        </p:nvSpPr>
+        <p:spPr/>
+        <p:txBody>
+          <a:bodyPr/>
+          <a:lstStyle/>
+          <a:p>
+            <a:endParaRPr lang="zh-CN" altLang="en-US" dirty="0"/>
+          </a:p>
+        </p:txBody>
+      </p:sp>
+      <p:sp>
+        <p:nvSpPr>
+          <p:cNvPr id="4" name="灯片编号占位符 3"/>
+          <p:cNvSpPr>
+            <a:spLocks noGrp="1"/>
+          </p:cNvSpPr>
+          <p:nvPr>
+            <p:ph type="sldNum" sz="quarter" idx="5"/>
+          </p:nvPr>
+        </p:nvSpPr>
+        <p:spPr/>
+        <p:txBody>
+          <a:bodyPr/>
+          <a:lstStyle/>
+          <a:p>
             <a:fld id="{1097FAFE-CDAF-403B-A73D-03F099EBF44E}" type="slidenum">
               <a:rPr lang="zh-CN" altLang="en-US" smtClean="0"/>
-              <a:t>25</a:t>
+              <a:t>26</a:t>
             </a:fld>
             <a:endParaRPr lang="zh-CN" altLang="en-US"/>
           </a:p>
@@ -8161,24 +8306,18 @@
                   <a:defRPr/>
                 </a:pPr>
                 <a:r>
-                  <a:rPr kumimoji="0" lang="zh-CN" altLang="en-US" sz="3600" b="0" i="0" u="none" strike="noStrike" kern="1200" cap="none" spc="0" normalizeH="0" baseline="0" noProof="0" dirty="0">
-                    <a:ln>
-                      <a:noFill/>
-                    </a:ln>
+                  <a:rPr lang="zh-CN" altLang="en-US" sz="3600" dirty="0">
                     <a:solidFill>
                       <a:prstClr val="black">
                         <a:lumMod val="75000"/>
                         <a:lumOff val="25000"/>
                       </a:prstClr>
                     </a:solidFill>
-                    <a:effectLst/>
-                    <a:uLnTx/>
-                    <a:uFillTx/>
                     <a:latin typeface="字由文艺黑" panose="00020600040101010101" pitchFamily="18" charset="-122"/>
                     <a:ea typeface="字由文艺黑" panose="00020600040101010101" pitchFamily="18" charset="-122"/>
                     <a:cs typeface="OPPOSans M" panose="00020600040101010101" pitchFamily="18" charset="-122"/>
                   </a:rPr>
-                  <a:t>原型进展</a:t>
+                  <a:t>界面展示</a:t>
                 </a:r>
                 <a:endParaRPr kumimoji="0" lang="zh-CN" altLang="en-US" sz="3600" b="0" i="0" u="none" strike="noStrike" kern="1200" cap="none" spc="0" normalizeH="0" baseline="0" noProof="0" dirty="0">
                   <a:ln>
@@ -9294,7 +9433,7 @@
               <a:t>04.</a:t>
             </a:r>
             <a:r>
-              <a:rPr kumimoji="0" lang="zh-CN" altLang="en-US" sz="10560" b="0" i="0" u="none" strike="noStrike" kern="1200" cap="none" spc="0" normalizeH="0" baseline="0" noProof="0" dirty="0">
+              <a:rPr lang="zh-CN" altLang="en-US" sz="10560" dirty="0">
                 <a:ln w="10477">
                   <a:solidFill>
                     <a:prstClr val="black">
@@ -9306,15 +9445,30 @@
                 <a:solidFill>
                   <a:prstClr val="black"/>
                 </a:solidFill>
-                <a:effectLst/>
-                <a:uLnTx/>
-                <a:uFillTx/>
                 <a:latin typeface="字由文艺黑" panose="00020600040101010101" pitchFamily="18" charset="-122"/>
                 <a:ea typeface="字由文艺黑" panose="00020600040101010101" pitchFamily="18" charset="-122"/>
-                <a:cs typeface="+mn-cs"/>
-              </a:rPr>
-              <a:t>原型进展</a:t>
-            </a:r>
+              </a:rPr>
+              <a:t>界面展示</a:t>
+            </a:r>
+            <a:endParaRPr kumimoji="0" lang="zh-CN" altLang="en-US" sz="10560" b="0" i="0" u="none" strike="noStrike" kern="1200" cap="none" spc="0" normalizeH="0" baseline="0" noProof="0" dirty="0">
+              <a:ln w="10477">
+                <a:solidFill>
+                  <a:prstClr val="black">
+                    <a:lumMod val="75000"/>
+                    <a:lumOff val="25000"/>
+                  </a:prstClr>
+                </a:solidFill>
+              </a:ln>
+              <a:solidFill>
+                <a:prstClr val="black"/>
+              </a:solidFill>
+              <a:effectLst/>
+              <a:uLnTx/>
+              <a:uFillTx/>
+              <a:latin typeface="字由文艺黑" panose="00020600040101010101" pitchFamily="18" charset="-122"/>
+              <a:ea typeface="字由文艺黑" panose="00020600040101010101" pitchFamily="18" charset="-122"/>
+              <a:cs typeface="+mn-cs"/>
+            </a:endParaRPr>
           </a:p>
         </p:txBody>
       </p:sp>
@@ -9399,7 +9553,7 @@
         <p:spPr>
           <a:xfrm>
             <a:off x="3742376" y="2815716"/>
-            <a:ext cx="4707248" cy="590931"/>
+            <a:ext cx="4707248" cy="535531"/>
           </a:xfrm>
           <a:prstGeom prst="rect">
             <a:avLst/>
@@ -9591,16 +9745,7 @@
               <a:defRPr/>
             </a:pPr>
             <a:r>
-              <a:rPr lang="en-US" altLang="zh-CN" sz="3600" dirty="0">
-                <a:solidFill>
-                  <a:prstClr val="black"/>
-                </a:solidFill>
-                <a:latin typeface="OPPOSans L"/>
-              </a:rPr>
-              <a:t>p</a:t>
-            </a:r>
-            <a:r>
-              <a:rPr kumimoji="0" lang="en-US" altLang="zh-CN" sz="3600" b="0" i="0" u="none" strike="noStrike" kern="1200" cap="none" spc="0" normalizeH="0" baseline="0" noProof="0" dirty="0" err="1">
+              <a:rPr kumimoji="0" lang="en-US" altLang="zh-CN" sz="3200" b="0" i="0" u="none" strike="noStrike" kern="1200" cap="none" spc="0" normalizeH="0" baseline="0" noProof="0" dirty="0">
                 <a:ln>
                   <a:noFill/>
                 </a:ln>
@@ -9613,48 +9758,7 @@
                 <a:latin typeface="OPPOSans L"/>
                 <a:cs typeface="+mn-cs"/>
               </a:rPr>
-              <a:t>rogress</a:t>
-            </a:r>
-            <a:r>
-              <a:rPr kumimoji="0" lang="en-US" altLang="zh-CN" sz="3600" b="0" i="0" u="none" strike="noStrike" kern="1200" cap="none" spc="0" normalizeH="0" baseline="0" noProof="0" dirty="0">
-                <a:ln>
-                  <a:noFill/>
-                </a:ln>
-                <a:solidFill>
-                  <a:prstClr val="black"/>
-                </a:solidFill>
-                <a:effectLst/>
-                <a:uLnTx/>
-                <a:uFillTx/>
-                <a:latin typeface="OPPOSans L"/>
-                <a:cs typeface="+mn-cs"/>
-              </a:rPr>
-              <a:t> </a:t>
-            </a:r>
-            <a:r>
-              <a:rPr lang="en-US" altLang="zh-CN" sz="3600" dirty="0">
-                <a:solidFill>
-                  <a:prstClr val="black"/>
-                </a:solidFill>
-                <a:latin typeface="OPPOSans L"/>
-              </a:rPr>
-              <a:t>on </a:t>
-            </a:r>
-            <a:r>
-              <a:rPr kumimoji="0" lang="en-US" altLang="zh-CN" sz="3600" b="0" i="0" u="none" strike="noStrike" kern="1200" cap="none" spc="0" normalizeH="0" baseline="0" noProof="0" dirty="0">
-                <a:ln>
-                  <a:noFill/>
-                </a:ln>
-                <a:solidFill>
-                  <a:prstClr val="black"/>
-                </a:solidFill>
-                <a:effectLst/>
-                <a:uLnTx/>
-                <a:uFillTx/>
-                <a:latin typeface="OPPOSans L"/>
-                <a:cs typeface="+mn-cs"/>
-              </a:rPr>
-              <a:t>prototyping</a:t>
+              <a:t>Interface display</a:t>
             </a:r>
             <a:endParaRPr kumimoji="0" lang="zh-CN" altLang="en-US" sz="3200" b="0" i="0" u="none" strike="noStrike" kern="1200" cap="none" spc="0" normalizeH="0" baseline="0" noProof="0" dirty="0">
               <a:ln>
@@ -9775,6 +9879,320 @@
           </a:bodyPr>
           <a:lstStyle/>
           <a:p>
+            <a:pPr marL="0" marR="0" lvl="0" indent="0" algn="l" defTabSz="914400" rtl="0" eaLnBrk="1" fontAlgn="auto" latinLnBrk="0" hangingPunct="1">
+              <a:lnSpc>
+                <a:spcPct val="100000"/>
+              </a:lnSpc>
+              <a:spcBef>
+                <a:spcPts val="0"/>
+              </a:spcBef>
+              <a:spcAft>
+                <a:spcPts val="0"/>
+              </a:spcAft>
+              <a:buClrTx/>
+              <a:buSzTx/>
+              <a:buFontTx/>
+              <a:buNone/>
+              <a:tabLst/>
+              <a:defRPr/>
+            </a:pPr>
+            <a:r>
+              <a:rPr kumimoji="0" lang="zh-CN" altLang="en-US" sz="3200" b="0" i="0" u="none" strike="noStrike" kern="1200" cap="none" spc="0" normalizeH="0" baseline="0" noProof="0" dirty="0">
+                <a:ln w="10477">
+                  <a:solidFill>
+                    <a:prstClr val="black">
+                      <a:lumMod val="75000"/>
+                      <a:lumOff val="25000"/>
+                    </a:prstClr>
+                  </a:solidFill>
+                </a:ln>
+                <a:solidFill>
+                  <a:prstClr val="black"/>
+                </a:solidFill>
+                <a:effectLst/>
+                <a:uLnTx/>
+                <a:uFillTx/>
+                <a:latin typeface="字由文艺黑" panose="00020600040101010101" pitchFamily="18" charset="-122"/>
+                <a:ea typeface="字由文艺黑" panose="00020600040101010101" pitchFamily="18" charset="-122"/>
+                <a:cs typeface="+mn-cs"/>
+              </a:rPr>
+              <a:t>界面更新</a:t>
+            </a:r>
+          </a:p>
+        </p:txBody>
+      </p:sp>
+      <p:pic>
+        <p:nvPicPr>
+          <p:cNvPr id="2" name="图形 1"/>
+          <p:cNvPicPr>
+            <a:picLocks noChangeAspect="1"/>
+          </p:cNvPicPr>
+          <p:nvPr/>
+        </p:nvPicPr>
+        <p:blipFill>
+          <a:blip r:embed="rId4" cstate="print">
+            <a:extLst>
+              <a:ext uri="{28A0092B-C50C-407E-A947-70E740481C1C}">
+                <a14:useLocalDpi xmlns:a14="http://schemas.microsoft.com/office/drawing/2010/main" val="0"/>
+              </a:ext>
+            </a:extLst>
+          </a:blip>
+          <a:stretch>
+            <a:fillRect/>
+          </a:stretch>
+        </p:blipFill>
+        <p:spPr>
+          <a:xfrm>
+            <a:off x="10723900" y="0"/>
+            <a:ext cx="1468100" cy="1468100"/>
+          </a:xfrm>
+          <a:prstGeom prst="rect">
+            <a:avLst/>
+          </a:prstGeom>
+        </p:spPr>
+      </p:pic>
+      <p:cxnSp>
+        <p:nvCxnSpPr>
+          <p:cNvPr id="3" name="爱设计-3"/>
+          <p:cNvCxnSpPr/>
+          <p:nvPr/>
+        </p:nvCxnSpPr>
+        <p:spPr>
+          <a:xfrm>
+            <a:off x="660400" y="6501195"/>
+            <a:ext cx="10814415" cy="0"/>
+          </a:xfrm>
+          <a:prstGeom prst="line">
+            <a:avLst/>
+          </a:prstGeom>
+          <a:ln w="19050">
+            <a:solidFill>
+              <a:schemeClr val="tx1">
+                <a:lumMod val="75000"/>
+                <a:lumOff val="25000"/>
+              </a:schemeClr>
+            </a:solidFill>
+          </a:ln>
+        </p:spPr>
+        <p:style>
+          <a:lnRef idx="1">
+            <a:schemeClr val="accent1"/>
+          </a:lnRef>
+          <a:fillRef idx="0">
+            <a:schemeClr val="accent1"/>
+          </a:fillRef>
+          <a:effectRef idx="0">
+            <a:schemeClr val="accent1"/>
+          </a:effectRef>
+          <a:fontRef idx="minor">
+            <a:schemeClr val="tx1"/>
+          </a:fontRef>
+        </p:style>
+      </p:cxnSp>
+      <p:pic>
+        <p:nvPicPr>
+          <p:cNvPr id="5" name="图片 4"/>
+          <p:cNvPicPr>
+            <a:picLocks noChangeAspect="1"/>
+          </p:cNvPicPr>
+          <p:nvPr/>
+        </p:nvPicPr>
+        <p:blipFill>
+          <a:blip r:embed="rId5"/>
+          <a:stretch>
+            <a:fillRect/>
+          </a:stretch>
+        </p:blipFill>
+        <p:spPr>
+          <a:xfrm>
+            <a:off x="3998170" y="1581488"/>
+            <a:ext cx="2296680" cy="4873433"/>
+          </a:xfrm>
+          <a:prstGeom prst="rect">
+            <a:avLst/>
+          </a:prstGeom>
+        </p:spPr>
+      </p:pic>
+      <p:pic>
+        <p:nvPicPr>
+          <p:cNvPr id="14" name="图片 13">
+            <a:extLst>
+              <a:ext uri="{FF2B5EF4-FFF2-40B4-BE49-F238E27FC236}">
+                <a16:creationId xmlns:a16="http://schemas.microsoft.com/office/drawing/2014/main" id="{718ACCD0-260D-EBC8-10A5-015FB2C70F3C}"/>
+              </a:ext>
+            </a:extLst>
+          </p:cNvPr>
+          <p:cNvPicPr>
+            <a:picLocks noChangeAspect="1"/>
+          </p:cNvPicPr>
+          <p:nvPr/>
+        </p:nvPicPr>
+        <p:blipFill>
+          <a:blip r:embed="rId6">
+            <a:extLst>
+              <a:ext uri="{28A0092B-C50C-407E-A947-70E740481C1C}">
+                <a14:useLocalDpi xmlns:a14="http://schemas.microsoft.com/office/drawing/2010/main" val="0"/>
+              </a:ext>
+            </a:extLst>
+          </a:blip>
+          <a:stretch>
+            <a:fillRect/>
+          </a:stretch>
+        </p:blipFill>
+        <p:spPr>
+          <a:xfrm>
+            <a:off x="1511632" y="1592520"/>
+            <a:ext cx="2245894" cy="4843556"/>
+          </a:xfrm>
+          <a:prstGeom prst="rect">
+            <a:avLst/>
+          </a:prstGeom>
+        </p:spPr>
+      </p:pic>
+      <p:pic>
+        <p:nvPicPr>
+          <p:cNvPr id="18" name="图片 17">
+            <a:extLst>
+              <a:ext uri="{FF2B5EF4-FFF2-40B4-BE49-F238E27FC236}">
+                <a16:creationId xmlns:a16="http://schemas.microsoft.com/office/drawing/2014/main" id="{4795E4C0-F80D-865C-FF19-1CECA15299A5}"/>
+              </a:ext>
+            </a:extLst>
+          </p:cNvPr>
+          <p:cNvPicPr>
+            <a:picLocks noChangeAspect="1"/>
+          </p:cNvPicPr>
+          <p:nvPr/>
+        </p:nvPicPr>
+        <p:blipFill>
+          <a:blip r:embed="rId7">
+            <a:extLst>
+              <a:ext uri="{28A0092B-C50C-407E-A947-70E740481C1C}">
+                <a14:useLocalDpi xmlns:a14="http://schemas.microsoft.com/office/drawing/2010/main" val="0"/>
+              </a:ext>
+            </a:extLst>
+          </a:blip>
+          <a:stretch>
+            <a:fillRect/>
+          </a:stretch>
+        </p:blipFill>
+        <p:spPr>
+          <a:xfrm>
+            <a:off x="6441230" y="1583368"/>
+            <a:ext cx="2267432" cy="4896448"/>
+          </a:xfrm>
+          <a:prstGeom prst="rect">
+            <a:avLst/>
+          </a:prstGeom>
+        </p:spPr>
+      </p:pic>
+    </p:spTree>
+    <p:custDataLst>
+      <p:tags r:id="rId1"/>
+    </p:custDataLst>
+    <p:extLst>
+      <p:ext uri="{BB962C8B-B14F-4D97-AF65-F5344CB8AC3E}">
+        <p14:creationId xmlns:p14="http://schemas.microsoft.com/office/powerpoint/2010/main" val="4179317140"/>
+      </p:ext>
+    </p:extLst>
+  </p:cSld>
+  <p:clrMapOvr>
+    <a:masterClrMapping/>
+  </p:clrMapOvr>
+</p:sld>
+</file>
+
+<file path=ppt/slides/slide26.xml><?xml version="1.0" encoding="utf-8"?>
+<p:sld xmlns:a="http://schemas.openxmlformats.org/drawingml/2006/main" xmlns:r="http://schemas.openxmlformats.org/officeDocument/2006/relationships" xmlns:p="http://schemas.openxmlformats.org/presentationml/2006/main">
+  <p:cSld>
+    <p:bg>
+      <p:bgPr>
+        <a:pattFill prst="lgGrid">
+          <a:fgClr>
+            <a:schemeClr val="bg1">
+              <a:lumMod val="95000"/>
+            </a:schemeClr>
+          </a:fgClr>
+          <a:bgClr>
+            <a:schemeClr val="bg1"/>
+          </a:bgClr>
+        </a:pattFill>
+        <a:effectLst/>
+      </p:bgPr>
+    </p:bg>
+    <p:spTree>
+      <p:nvGrpSpPr>
+        <p:cNvPr id="1" name=""/>
+        <p:cNvGrpSpPr/>
+        <p:nvPr/>
+      </p:nvGrpSpPr>
+      <p:grpSpPr>
+        <a:xfrm>
+          <a:off x="0" y="0"/>
+          <a:ext cx="0" cy="0"/>
+          <a:chOff x="0" y="0"/>
+          <a:chExt cx="0" cy="0"/>
+        </a:xfrm>
+      </p:grpSpPr>
+      <p:cxnSp>
+        <p:nvCxnSpPr>
+          <p:cNvPr id="20" name="爱设计-6"/>
+          <p:cNvCxnSpPr/>
+          <p:nvPr/>
+        </p:nvCxnSpPr>
+        <p:spPr>
+          <a:xfrm>
+            <a:off x="1737360" y="535499"/>
+            <a:ext cx="7559040" cy="0"/>
+          </a:xfrm>
+          <a:prstGeom prst="line">
+            <a:avLst/>
+          </a:prstGeom>
+          <a:ln>
+            <a:solidFill>
+              <a:schemeClr val="tx1">
+                <a:lumMod val="75000"/>
+                <a:lumOff val="25000"/>
+              </a:schemeClr>
+            </a:solidFill>
+          </a:ln>
+        </p:spPr>
+        <p:style>
+          <a:lnRef idx="1">
+            <a:schemeClr val="accent1"/>
+          </a:lnRef>
+          <a:fillRef idx="0">
+            <a:schemeClr val="accent1"/>
+          </a:fillRef>
+          <a:effectRef idx="0">
+            <a:schemeClr val="accent1"/>
+          </a:effectRef>
+          <a:fontRef idx="minor">
+            <a:schemeClr val="tx1"/>
+          </a:fontRef>
+        </p:style>
+      </p:cxnSp>
+      <p:sp>
+        <p:nvSpPr>
+          <p:cNvPr id="33" name="爱设计-10-1"/>
+          <p:cNvSpPr txBox="1"/>
+          <p:nvPr/>
+        </p:nvSpPr>
+        <p:spPr>
+          <a:xfrm>
+            <a:off x="819471" y="719427"/>
+            <a:ext cx="2086289" cy="584775"/>
+          </a:xfrm>
+          <a:prstGeom prst="rect">
+            <a:avLst/>
+          </a:prstGeom>
+          <a:noFill/>
+        </p:spPr>
+        <p:txBody>
+          <a:bodyPr wrap="square">
+            <a:spAutoFit/>
+          </a:bodyPr>
+          <a:lstStyle/>
+          <a:p>
             <a:pPr marL="0" marR="0" lvl="0" indent="0" defTabSz="914400" rtl="0" eaLnBrk="1" fontAlgn="auto" latinLnBrk="0" hangingPunct="1">
               <a:lnSpc>
                 <a:spcPct val="100000"/>
@@ -9884,327 +10302,138 @@
           </a:fontRef>
         </p:style>
       </p:cxnSp>
-      <p:grpSp>
-        <p:nvGrpSpPr>
-          <p:cNvPr id="25" name="组合 24">
+      <p:pic>
+        <p:nvPicPr>
+          <p:cNvPr id="8" name="图片 7"/>
+          <p:cNvPicPr>
+            <a:picLocks noChangeAspect="1"/>
+          </p:cNvPicPr>
+          <p:nvPr/>
+        </p:nvPicPr>
+        <p:blipFill>
+          <a:blip r:embed="rId5"/>
+          <a:stretch>
+            <a:fillRect/>
+          </a:stretch>
+        </p:blipFill>
+        <p:spPr>
+          <a:xfrm>
+            <a:off x="1225410" y="1530545"/>
+            <a:ext cx="2245894" cy="4786253"/>
+          </a:xfrm>
+          <a:prstGeom prst="rect">
+            <a:avLst/>
+          </a:prstGeom>
+        </p:spPr>
+      </p:pic>
+      <p:pic>
+        <p:nvPicPr>
+          <p:cNvPr id="9" name="图片 8">
             <a:extLst>
               <a:ext uri="{FF2B5EF4-FFF2-40B4-BE49-F238E27FC236}">
-                <a16:creationId xmlns:a16="http://schemas.microsoft.com/office/drawing/2014/main" id="{DC57436E-FE4A-34C5-996D-B3C7775DEAB3}"/>
+                <a16:creationId xmlns:a16="http://schemas.microsoft.com/office/drawing/2014/main" id="{47392811-CD44-1FD7-31F6-8ACFF43F1555}"/>
               </a:ext>
             </a:extLst>
           </p:cNvPr>
-          <p:cNvGrpSpPr/>
-          <p:nvPr/>
-        </p:nvGrpSpPr>
-        <p:grpSpPr>
-          <a:xfrm>
-            <a:off x="660400" y="1443054"/>
-            <a:ext cx="19503452" cy="4879447"/>
-            <a:chOff x="-8960633" y="1304202"/>
-            <a:chExt cx="19503452" cy="4879447"/>
-          </a:xfrm>
-        </p:grpSpPr>
-        <p:grpSp>
-          <p:nvGrpSpPr>
-            <p:cNvPr id="19" name="组合 18">
-              <a:extLst>
-                <a:ext uri="{FF2B5EF4-FFF2-40B4-BE49-F238E27FC236}">
-                  <a16:creationId xmlns:a16="http://schemas.microsoft.com/office/drawing/2014/main" id="{D8363DF4-5C15-438D-DCED-BDCF9E3DFA2D}"/>
-                </a:ext>
-              </a:extLst>
-            </p:cNvPr>
-            <p:cNvGrpSpPr/>
-            <p:nvPr/>
-          </p:nvGrpSpPr>
-          <p:grpSpPr>
-            <a:xfrm>
-              <a:off x="-8960633" y="1304202"/>
-              <a:ext cx="14671105" cy="4879447"/>
-              <a:chOff x="-8960633" y="1304202"/>
-              <a:chExt cx="14671105" cy="4879447"/>
-            </a:xfrm>
-          </p:grpSpPr>
-          <p:grpSp>
-            <p:nvGrpSpPr>
-              <p:cNvPr id="13" name="组合 12"/>
-              <p:cNvGrpSpPr/>
-              <p:nvPr/>
-            </p:nvGrpSpPr>
-            <p:grpSpPr>
-              <a:xfrm>
-                <a:off x="921960" y="1372710"/>
-                <a:ext cx="4788512" cy="4786253"/>
-                <a:chOff x="751771" y="1468100"/>
-                <a:chExt cx="4078187" cy="4158595"/>
-              </a:xfrm>
-            </p:grpSpPr>
-            <p:pic>
-              <p:nvPicPr>
-                <p:cNvPr id="5" name="图片 4"/>
-                <p:cNvPicPr>
-                  <a:picLocks noChangeAspect="1"/>
-                </p:cNvPicPr>
-                <p:nvPr/>
-              </p:nvPicPr>
-              <p:blipFill>
-                <a:blip r:embed="rId5"/>
-                <a:stretch>
-                  <a:fillRect/>
-                </a:stretch>
-              </p:blipFill>
-              <p:spPr>
-                <a:xfrm>
-                  <a:off x="751771" y="1468100"/>
-                  <a:ext cx="1912738" cy="4140705"/>
-                </a:xfrm>
-                <a:prstGeom prst="rect">
-                  <a:avLst/>
-                </a:prstGeom>
-              </p:spPr>
-            </p:pic>
-            <p:pic>
-              <p:nvPicPr>
-                <p:cNvPr id="8" name="图片 7"/>
-                <p:cNvPicPr>
-                  <a:picLocks noChangeAspect="1"/>
-                </p:cNvPicPr>
-                <p:nvPr/>
-              </p:nvPicPr>
-              <p:blipFill>
-                <a:blip r:embed="rId6"/>
-                <a:stretch>
-                  <a:fillRect/>
-                </a:stretch>
-              </p:blipFill>
-              <p:spPr>
-                <a:xfrm>
-                  <a:off x="2917219" y="1468100"/>
-                  <a:ext cx="1912739" cy="4158595"/>
-                </a:xfrm>
-                <a:prstGeom prst="rect">
-                  <a:avLst/>
-                </a:prstGeom>
-              </p:spPr>
-            </p:pic>
-          </p:grpSp>
-          <p:pic>
-            <p:nvPicPr>
-              <p:cNvPr id="9" name="图片 8">
-                <a:extLst>
-                  <a:ext uri="{FF2B5EF4-FFF2-40B4-BE49-F238E27FC236}">
-                    <a16:creationId xmlns:a16="http://schemas.microsoft.com/office/drawing/2014/main" id="{47392811-CD44-1FD7-31F6-8ACFF43F1555}"/>
-                  </a:ext>
-                </a:extLst>
-              </p:cNvPr>
-              <p:cNvPicPr>
-                <a:picLocks noChangeAspect="1"/>
-              </p:cNvPicPr>
-              <p:nvPr/>
-            </p:nvPicPr>
-            <p:blipFill>
-              <a:blip r:embed="rId7">
-                <a:extLst>
-                  <a:ext uri="{28A0092B-C50C-407E-A947-70E740481C1C}">
-                    <a14:useLocalDpi xmlns:a14="http://schemas.microsoft.com/office/drawing/2010/main" val="0"/>
-                  </a:ext>
-                </a:extLst>
-              </a:blip>
-              <a:stretch>
-                <a:fillRect/>
-              </a:stretch>
-            </p:blipFill>
-            <p:spPr>
-              <a:xfrm>
-                <a:off x="-8960633" y="1304202"/>
-                <a:ext cx="2245895" cy="4862400"/>
-              </a:xfrm>
-              <a:prstGeom prst="rect">
-                <a:avLst/>
-              </a:prstGeom>
-            </p:spPr>
-          </p:pic>
-          <p:pic>
-            <p:nvPicPr>
-              <p:cNvPr id="14" name="图片 13">
-                <a:extLst>
-                  <a:ext uri="{FF2B5EF4-FFF2-40B4-BE49-F238E27FC236}">
-                    <a16:creationId xmlns:a16="http://schemas.microsoft.com/office/drawing/2014/main" id="{718ACCD0-260D-EBC8-10A5-015FB2C70F3C}"/>
-                  </a:ext>
-                </a:extLst>
-              </p:cNvPr>
-              <p:cNvPicPr>
-                <a:picLocks noChangeAspect="1"/>
-              </p:cNvPicPr>
-              <p:nvPr/>
-            </p:nvPicPr>
-            <p:blipFill>
-              <a:blip r:embed="rId8">
-                <a:extLst>
-                  <a:ext uri="{28A0092B-C50C-407E-A947-70E740481C1C}">
-                    <a14:useLocalDpi xmlns:a14="http://schemas.microsoft.com/office/drawing/2010/main" val="0"/>
-                  </a:ext>
-                </a:extLst>
-              </a:blip>
-              <a:stretch>
-                <a:fillRect/>
-              </a:stretch>
-            </p:blipFill>
-            <p:spPr>
-              <a:xfrm>
-                <a:off x="-6395166" y="1340093"/>
-                <a:ext cx="2245894" cy="4843556"/>
-              </a:xfrm>
-              <a:prstGeom prst="rect">
-                <a:avLst/>
-              </a:prstGeom>
-            </p:spPr>
-          </p:pic>
-          <p:pic>
-            <p:nvPicPr>
-              <p:cNvPr id="16" name="图片 15">
-                <a:extLst>
-                  <a:ext uri="{FF2B5EF4-FFF2-40B4-BE49-F238E27FC236}">
-                    <a16:creationId xmlns:a16="http://schemas.microsoft.com/office/drawing/2014/main" id="{31B7296B-46C9-ED2F-44BC-FC8B19C85D0A}"/>
-                  </a:ext>
-                </a:extLst>
-              </p:cNvPr>
-              <p:cNvPicPr>
-                <a:picLocks noChangeAspect="1"/>
-              </p:cNvPicPr>
-              <p:nvPr/>
-            </p:nvPicPr>
-            <p:blipFill>
-              <a:blip r:embed="rId9">
-                <a:extLst>
-                  <a:ext uri="{28A0092B-C50C-407E-A947-70E740481C1C}">
-                    <a14:useLocalDpi xmlns:a14="http://schemas.microsoft.com/office/drawing/2010/main" val="0"/>
-                  </a:ext>
-                </a:extLst>
-              </a:blip>
-              <a:stretch>
-                <a:fillRect/>
-              </a:stretch>
-            </p:blipFill>
-            <p:spPr>
-              <a:xfrm>
-                <a:off x="-1442619" y="1372711"/>
-                <a:ext cx="2212311" cy="4749554"/>
-              </a:xfrm>
-              <a:prstGeom prst="rect">
-                <a:avLst/>
-              </a:prstGeom>
-            </p:spPr>
-          </p:pic>
-          <p:pic>
-            <p:nvPicPr>
-              <p:cNvPr id="18" name="图片 17">
-                <a:extLst>
-                  <a:ext uri="{FF2B5EF4-FFF2-40B4-BE49-F238E27FC236}">
-                    <a16:creationId xmlns:a16="http://schemas.microsoft.com/office/drawing/2014/main" id="{4795E4C0-F80D-865C-FF19-1CECA15299A5}"/>
-                  </a:ext>
-                </a:extLst>
-              </p:cNvPr>
-              <p:cNvPicPr>
-                <a:picLocks noChangeAspect="1"/>
-              </p:cNvPicPr>
-              <p:nvPr/>
-            </p:nvPicPr>
-            <p:blipFill>
-              <a:blip r:embed="rId10">
-                <a:extLst>
-                  <a:ext uri="{28A0092B-C50C-407E-A947-70E740481C1C}">
-                    <a14:useLocalDpi xmlns:a14="http://schemas.microsoft.com/office/drawing/2010/main" val="0"/>
-                  </a:ext>
-                </a:extLst>
-              </a:blip>
-              <a:stretch>
-                <a:fillRect/>
-              </a:stretch>
-            </p:blipFill>
-            <p:spPr>
-              <a:xfrm>
-                <a:off x="-3875373" y="1356401"/>
-                <a:ext cx="2223956" cy="4802563"/>
-              </a:xfrm>
-              <a:prstGeom prst="rect">
-                <a:avLst/>
-              </a:prstGeom>
-            </p:spPr>
-          </p:pic>
-        </p:grpSp>
-        <p:pic>
-          <p:nvPicPr>
-            <p:cNvPr id="22" name="图片 21">
-              <a:extLst>
-                <a:ext uri="{FF2B5EF4-FFF2-40B4-BE49-F238E27FC236}">
-                  <a16:creationId xmlns:a16="http://schemas.microsoft.com/office/drawing/2014/main" id="{794C9CD6-D01A-00B9-20D3-68E24165D7B7}"/>
-                </a:ext>
-              </a:extLst>
-            </p:cNvPr>
-            <p:cNvPicPr>
-              <a:picLocks noChangeAspect="1"/>
-            </p:cNvPicPr>
-            <p:nvPr/>
-          </p:nvPicPr>
-          <p:blipFill>
-            <a:blip r:embed="rId11">
-              <a:extLst>
-                <a:ext uri="{28A0092B-C50C-407E-A947-70E740481C1C}">
-                  <a14:useLocalDpi xmlns:a14="http://schemas.microsoft.com/office/drawing/2010/main" val="0"/>
-                </a:ext>
-              </a:extLst>
-            </a:blip>
-            <a:stretch>
-              <a:fillRect/>
-            </a:stretch>
-          </p:blipFill>
-          <p:spPr>
-            <a:xfrm>
-              <a:off x="8399078" y="1372710"/>
-              <a:ext cx="2143741" cy="4641553"/>
-            </a:xfrm>
-            <a:prstGeom prst="rect">
-              <a:avLst/>
-            </a:prstGeom>
-          </p:spPr>
-        </p:pic>
-        <p:pic>
-          <p:nvPicPr>
-            <p:cNvPr id="24" name="图片 23">
-              <a:extLst>
-                <a:ext uri="{FF2B5EF4-FFF2-40B4-BE49-F238E27FC236}">
-                  <a16:creationId xmlns:a16="http://schemas.microsoft.com/office/drawing/2014/main" id="{D161518E-C4A8-ABB9-AAB3-2F5FDDB2EFDE}"/>
-                </a:ext>
-              </a:extLst>
-            </p:cNvPr>
-            <p:cNvPicPr>
-              <a:picLocks noChangeAspect="1"/>
-            </p:cNvPicPr>
-            <p:nvPr/>
-          </p:nvPicPr>
-          <p:blipFill>
-            <a:blip r:embed="rId12">
-              <a:extLst>
-                <a:ext uri="{28A0092B-C50C-407E-A947-70E740481C1C}">
-                  <a14:useLocalDpi xmlns:a14="http://schemas.microsoft.com/office/drawing/2010/main" val="0"/>
-                </a:ext>
-              </a:extLst>
-            </a:blip>
-            <a:stretch>
-              <a:fillRect/>
-            </a:stretch>
-          </p:blipFill>
-          <p:spPr>
-            <a:xfrm>
-              <a:off x="5951116" y="1352536"/>
-              <a:ext cx="2207318" cy="4785837"/>
-            </a:xfrm>
-            <a:prstGeom prst="rect">
-              <a:avLst/>
-            </a:prstGeom>
-          </p:spPr>
-        </p:pic>
-      </p:grpSp>
+          <p:cNvPicPr>
+            <a:picLocks noChangeAspect="1"/>
+          </p:cNvPicPr>
+          <p:nvPr/>
+        </p:nvPicPr>
+        <p:blipFill>
+          <a:blip r:embed="rId6">
+            <a:extLst>
+              <a:ext uri="{28A0092B-C50C-407E-A947-70E740481C1C}">
+                <a14:useLocalDpi xmlns:a14="http://schemas.microsoft.com/office/drawing/2010/main" val="0"/>
+              </a:ext>
+            </a:extLst>
+          </a:blip>
+          <a:stretch>
+            <a:fillRect/>
+          </a:stretch>
+        </p:blipFill>
+        <p:spPr>
+          <a:xfrm>
+            <a:off x="3850105" y="1546597"/>
+            <a:ext cx="2245895" cy="4770200"/>
+          </a:xfrm>
+          <a:prstGeom prst="rect">
+            <a:avLst/>
+          </a:prstGeom>
+        </p:spPr>
+      </p:pic>
+      <p:pic>
+        <p:nvPicPr>
+          <p:cNvPr id="22" name="图片 21">
+            <a:extLst>
+              <a:ext uri="{FF2B5EF4-FFF2-40B4-BE49-F238E27FC236}">
+                <a16:creationId xmlns:a16="http://schemas.microsoft.com/office/drawing/2014/main" id="{794C9CD6-D01A-00B9-20D3-68E24165D7B7}"/>
+              </a:ext>
+            </a:extLst>
+          </p:cNvPr>
+          <p:cNvPicPr>
+            <a:picLocks noChangeAspect="1"/>
+          </p:cNvPicPr>
+          <p:nvPr/>
+        </p:nvPicPr>
+        <p:blipFill>
+          <a:blip r:embed="rId7">
+            <a:extLst>
+              <a:ext uri="{28A0092B-C50C-407E-A947-70E740481C1C}">
+                <a14:useLocalDpi xmlns:a14="http://schemas.microsoft.com/office/drawing/2010/main" val="0"/>
+              </a:ext>
+            </a:extLst>
+          </a:blip>
+          <a:stretch>
+            <a:fillRect/>
+          </a:stretch>
+        </p:blipFill>
+        <p:spPr>
+          <a:xfrm>
+            <a:off x="8991600" y="1546181"/>
+            <a:ext cx="2210572" cy="4786253"/>
+          </a:xfrm>
+          <a:prstGeom prst="rect">
+            <a:avLst/>
+          </a:prstGeom>
+        </p:spPr>
+      </p:pic>
+      <p:pic>
+        <p:nvPicPr>
+          <p:cNvPr id="24" name="图片 23">
+            <a:extLst>
+              <a:ext uri="{FF2B5EF4-FFF2-40B4-BE49-F238E27FC236}">
+                <a16:creationId xmlns:a16="http://schemas.microsoft.com/office/drawing/2014/main" id="{D161518E-C4A8-ABB9-AAB3-2F5FDDB2EFDE}"/>
+              </a:ext>
+            </a:extLst>
+          </p:cNvPr>
+          <p:cNvPicPr>
+            <a:picLocks noChangeAspect="1"/>
+          </p:cNvPicPr>
+          <p:nvPr/>
+        </p:nvPicPr>
+        <p:blipFill>
+          <a:blip r:embed="rId8">
+            <a:extLst>
+              <a:ext uri="{28A0092B-C50C-407E-A947-70E740481C1C}">
+                <a14:useLocalDpi xmlns:a14="http://schemas.microsoft.com/office/drawing/2010/main" val="0"/>
+              </a:ext>
+            </a:extLst>
+          </a:blip>
+          <a:stretch>
+            <a:fillRect/>
+          </a:stretch>
+        </p:blipFill>
+        <p:spPr>
+          <a:xfrm>
+            <a:off x="6366904" y="1546597"/>
+            <a:ext cx="2207318" cy="4785837"/>
+          </a:xfrm>
+          <a:prstGeom prst="rect">
+            <a:avLst/>
+          </a:prstGeom>
+        </p:spPr>
+      </p:pic>
     </p:spTree>
     <p:custDataLst>
       <p:tags r:id="rId1"/>
@@ -10213,83 +10442,10 @@
   <p:clrMapOvr>
     <a:masterClrMapping/>
   </p:clrMapOvr>
-  <p:timing>
-    <p:tnLst>
-      <p:par>
-        <p:cTn id="1" dur="indefinite" restart="never" nodeType="tmRoot">
-          <p:childTnLst>
-            <p:seq concurrent="1" nextAc="seek">
-              <p:cTn id="2" dur="indefinite" nodeType="mainSeq">
-                <p:childTnLst>
-                  <p:par>
-                    <p:cTn id="3" fill="hold">
-                      <p:stCondLst>
-                        <p:cond delay="indefinite"/>
-                        <p:cond evt="onBegin" delay="0">
-                          <p:tn val="2"/>
-                        </p:cond>
-                      </p:stCondLst>
-                      <p:childTnLst>
-                        <p:par>
-                          <p:cTn id="4" fill="hold">
-                            <p:stCondLst>
-                              <p:cond delay="0"/>
-                            </p:stCondLst>
-                            <p:childTnLst>
-                              <p:par>
-                                <p:cTn id="5" presetID="35" presetClass="path" presetSubtype="0" repeatCount="indefinite" fill="hold" nodeType="withEffect">
-                                  <p:stCondLst>
-                                    <p:cond delay="500"/>
-                                  </p:stCondLst>
-                                  <p:childTnLst>
-                                    <p:animMotion origin="layout" path="M -0.29154 0.00533 L -0.76368 0.00533 " pathEditMode="relative" rAng="0" ptsTypes="AA">
-                                      <p:cBhvr>
-                                        <p:cTn id="6" dur="3000" fill="hold"/>
-                                        <p:tgtEl>
-                                          <p:spTgt spid="25"/>
-                                        </p:tgtEl>
-                                        <p:attrNameLst>
-                                          <p:attrName>ppt_x</p:attrName>
-                                          <p:attrName>ppt_y</p:attrName>
-                                        </p:attrNameLst>
-                                      </p:cBhvr>
-                                      <p:rCtr x="-23607" y="0"/>
-                                    </p:animMotion>
-                                  </p:childTnLst>
-                                </p:cTn>
-                              </p:par>
-                            </p:childTnLst>
-                          </p:cTn>
-                        </p:par>
-                      </p:childTnLst>
-                    </p:cTn>
-                  </p:par>
-                </p:childTnLst>
-              </p:cTn>
-              <p:prevCondLst>
-                <p:cond evt="onPrev" delay="0">
-                  <p:tgtEl>
-                    <p:sldTgt/>
-                  </p:tgtEl>
-                </p:cond>
-              </p:prevCondLst>
-              <p:nextCondLst>
-                <p:cond evt="onNext" delay="0">
-                  <p:tgtEl>
-                    <p:sldTgt/>
-                  </p:tgtEl>
-                </p:cond>
-              </p:nextCondLst>
-            </p:seq>
-          </p:childTnLst>
-        </p:cTn>
-      </p:par>
-    </p:tnLst>
-  </p:timing>
 </p:sld>
 </file>
 
-<file path=ppt/slides/slide26.xml><?xml version="1.0" encoding="utf-8"?>
+<file path=ppt/slides/slide27.xml><?xml version="1.0" encoding="utf-8"?>
 <p:sld xmlns:a="http://schemas.openxmlformats.org/drawingml/2006/main" xmlns:r="http://schemas.openxmlformats.org/officeDocument/2006/relationships" xmlns:p="http://schemas.openxmlformats.org/presentationml/2006/main">
   <p:cSld>
     <p:bg>
@@ -13309,6 +13465,12 @@
 </file>
 
 <file path=ppt/tags/tag32.xml><?xml version="1.0" encoding="utf-8"?>
+<p:tagLst xmlns:a="http://schemas.openxmlformats.org/drawingml/2006/main" xmlns:r="http://schemas.openxmlformats.org/officeDocument/2006/relationships" xmlns:p="http://schemas.openxmlformats.org/presentationml/2006/main">
+  <p:tag name="ISLIDE.ICON" val="#893193;#893189;#893182;#893186;"/>
+</p:tagLst>
+</file>
+
+<file path=ppt/tags/tag33.xml><?xml version="1.0" encoding="utf-8"?>
 <p:tagLst xmlns:a="http://schemas.openxmlformats.org/drawingml/2006/main" xmlns:r="http://schemas.openxmlformats.org/officeDocument/2006/relationships" xmlns:p="http://schemas.openxmlformats.org/presentationml/2006/main">
   <p:tag name="Z_ZOOM_2025" val="1"/>
   <p:tag name="Z_HASTEXT" val="1"/>

--- a/assignment3/期末展示.pptx
+++ b/assignment3/期末展示.pptx
@@ -5,41 +5,42 @@
     <p:sldMasterId id="2147483648" r:id="rId1"/>
   </p:sldMasterIdLst>
   <p:notesMasterIdLst>
-    <p:notesMasterId r:id="rId29"/>
+    <p:notesMasterId r:id="rId5"/>
   </p:notesMasterIdLst>
   <p:sldIdLst>
-    <p:sldId id="277" r:id="rId2"/>
-    <p:sldId id="280" r:id="rId3"/>
-    <p:sldId id="281" r:id="rId4"/>
-    <p:sldId id="297" r:id="rId5"/>
-    <p:sldId id="318" r:id="rId6"/>
-    <p:sldId id="319" r:id="rId7"/>
-    <p:sldId id="320" r:id="rId8"/>
-    <p:sldId id="321" r:id="rId9"/>
-    <p:sldId id="322" r:id="rId10"/>
-    <p:sldId id="323" r:id="rId11"/>
-    <p:sldId id="324" r:id="rId12"/>
-    <p:sldId id="285" r:id="rId13"/>
-    <p:sldId id="298" r:id="rId14"/>
-    <p:sldId id="308" r:id="rId15"/>
-    <p:sldId id="309" r:id="rId16"/>
-    <p:sldId id="310" r:id="rId17"/>
-    <p:sldId id="313" r:id="rId18"/>
-    <p:sldId id="325" r:id="rId19"/>
-    <p:sldId id="344" r:id="rId20"/>
-    <p:sldId id="345" r:id="rId21"/>
-    <p:sldId id="346" r:id="rId22"/>
-    <p:sldId id="347" r:id="rId23"/>
-    <p:sldId id="348" r:id="rId24"/>
-    <p:sldId id="311" r:id="rId25"/>
-    <p:sldId id="349" r:id="rId26"/>
-    <p:sldId id="326" r:id="rId27"/>
-    <p:sldId id="279" r:id="rId28"/>
+    <p:sldId id="277" r:id="rId3"/>
+    <p:sldId id="280" r:id="rId4"/>
+    <p:sldId id="281" r:id="rId6"/>
+    <p:sldId id="353" r:id="rId7"/>
+    <p:sldId id="297" r:id="rId8"/>
+    <p:sldId id="318" r:id="rId9"/>
+    <p:sldId id="319" r:id="rId10"/>
+    <p:sldId id="320" r:id="rId11"/>
+    <p:sldId id="321" r:id="rId12"/>
+    <p:sldId id="322" r:id="rId13"/>
+    <p:sldId id="323" r:id="rId14"/>
+    <p:sldId id="324" r:id="rId15"/>
+    <p:sldId id="285" r:id="rId16"/>
+    <p:sldId id="298" r:id="rId17"/>
+    <p:sldId id="308" r:id="rId18"/>
+    <p:sldId id="309" r:id="rId19"/>
+    <p:sldId id="310" r:id="rId20"/>
+    <p:sldId id="313" r:id="rId21"/>
+    <p:sldId id="325" r:id="rId22"/>
+    <p:sldId id="344" r:id="rId23"/>
+    <p:sldId id="345" r:id="rId24"/>
+    <p:sldId id="346" r:id="rId25"/>
+    <p:sldId id="347" r:id="rId26"/>
+    <p:sldId id="348" r:id="rId27"/>
+    <p:sldId id="311" r:id="rId28"/>
+    <p:sldId id="349" r:id="rId29"/>
+    <p:sldId id="326" r:id="rId30"/>
+    <p:sldId id="279" r:id="rId31"/>
   </p:sldIdLst>
   <p:sldSz cx="12192000" cy="6858000"/>
   <p:notesSz cx="6858000" cy="9144000"/>
   <p:custDataLst>
-    <p:tags r:id="rId30"/>
+    <p:tags r:id="rId35"/>
   </p:custDataLst>
   <p:defaultTextStyle>
     <a:defPPr>
@@ -136,22 +137,6 @@
       </a:defRPr>
     </a:lvl9pPr>
   </p:defaultTextStyle>
-  <p:extLst>
-    <p:ext uri="{EFAFB233-063F-42B5-8137-9DF3F51BA10A}">
-      <p15:sldGuideLst xmlns:p15="http://schemas.microsoft.com/office/powerpoint/2012/main">
-        <p15:guide id="1" pos="551">
-          <p15:clr>
-            <a:srgbClr val="A4A3A4"/>
-          </p15:clr>
-        </p15:guide>
-        <p15:guide id="2" orient="horz" pos="2171">
-          <p15:clr>
-            <a:srgbClr val="A4A3A4"/>
-          </p15:clr>
-        </p15:guide>
-      </p15:sldGuideLst>
-    </p:ext>
-  </p:extLst>
 </p:presentation>
 </file>
 
@@ -237,7 +222,6 @@
           <a:p>
             <a:fld id="{112FEECB-D083-4523-B10F-023CE357BB11}" type="datetimeFigureOut">
               <a:rPr lang="zh-CN" altLang="en-US" smtClean="0"/>
-              <a:t>2023/6/15</a:t>
             </a:fld>
             <a:endParaRPr lang="zh-CN" altLang="en-US"/>
           </a:p>
@@ -304,6 +288,7 @@
               <a:rPr lang="zh-CN" altLang="en-US"/>
               <a:t>单击此处编辑母版文本样式</a:t>
             </a:r>
+            <a:endParaRPr lang="zh-CN" altLang="en-US"/>
           </a:p>
           <a:p>
             <a:pPr lvl="1"/>
@@ -311,6 +296,7 @@
               <a:rPr lang="zh-CN" altLang="en-US"/>
               <a:t>二级</a:t>
             </a:r>
+            <a:endParaRPr lang="zh-CN" altLang="en-US"/>
           </a:p>
           <a:p>
             <a:pPr lvl="2"/>
@@ -318,6 +304,7 @@
               <a:rPr lang="zh-CN" altLang="en-US"/>
               <a:t>三级</a:t>
             </a:r>
+            <a:endParaRPr lang="zh-CN" altLang="en-US"/>
           </a:p>
           <a:p>
             <a:pPr lvl="3"/>
@@ -325,6 +312,7 @@
               <a:rPr lang="zh-CN" altLang="en-US"/>
               <a:t>四级</a:t>
             </a:r>
+            <a:endParaRPr lang="zh-CN" altLang="en-US"/>
           </a:p>
           <a:p>
             <a:pPr lvl="4"/>
@@ -332,6 +320,7 @@
               <a:rPr lang="zh-CN" altLang="en-US"/>
               <a:t>五级</a:t>
             </a:r>
+            <a:endParaRPr lang="zh-CN" altLang="en-US"/>
           </a:p>
         </p:txBody>
       </p:sp>
@@ -395,7 +384,6 @@
           <a:p>
             <a:fld id="{1097FAFE-CDAF-403B-A73D-03F099EBF44E}" type="slidenum">
               <a:rPr lang="zh-CN" altLang="en-US" smtClean="0"/>
-              <a:t>‹#›</a:t>
             </a:fld>
             <a:endParaRPr lang="zh-CN" altLang="en-US"/>
           </a:p>
@@ -597,7 +585,6 @@
                 <a:ea typeface="等线" panose="02010600030101010101" charset="-122"/>
                 <a:cs typeface="+mn-cs"/>
               </a:rPr>
-              <a:t>2</a:t>
             </a:fld>
             <a:endParaRPr kumimoji="0" lang="zh-CN" altLang="en-US" sz="1200" b="0" i="0" u="none" strike="noStrike" kern="1200" cap="none" spc="0" normalizeH="0" baseline="0" noProof="0">
               <a:ln>
@@ -701,7 +688,6 @@
               <a:buSzTx/>
               <a:buFontTx/>
               <a:buNone/>
-              <a:tabLst/>
               <a:defRPr/>
             </a:pPr>
             <a:fld id="{1097FAFE-CDAF-403B-A73D-03F099EBF44E}" type="slidenum">
@@ -715,28 +701,10 @@
                 <a:effectLst/>
                 <a:uLnTx/>
                 <a:uFillTx/>
-                <a:latin typeface="等线"/>
-                <a:ea typeface="等线" panose="02010600030101010101" pitchFamily="2" charset="-122"/>
+                <a:latin typeface="等线" panose="02010600030101010101" charset="-122"/>
+                <a:ea typeface="等线" panose="02010600030101010101" charset="-122"/>
                 <a:cs typeface="+mn-cs"/>
               </a:rPr>
-              <a:pPr marL="0" marR="0" lvl="0" indent="0" algn="r" defTabSz="914400" rtl="0" eaLnBrk="1" fontAlgn="auto" latinLnBrk="0" hangingPunct="1">
-                <a:lnSpc>
-                  <a:spcPct val="100000"/>
-                </a:lnSpc>
-                <a:spcBef>
-                  <a:spcPts val="0"/>
-                </a:spcBef>
-                <a:spcAft>
-                  <a:spcPts val="0"/>
-                </a:spcAft>
-                <a:buClrTx/>
-                <a:buSzTx/>
-                <a:buFontTx/>
-                <a:buNone/>
-                <a:tabLst/>
-                <a:defRPr/>
-              </a:pPr>
-              <a:t>25</a:t>
             </a:fld>
             <a:endParaRPr kumimoji="0" lang="zh-CN" altLang="en-US" sz="1200" b="0" i="0" u="none" strike="noStrike" kern="1200" cap="none" spc="0" normalizeH="0" baseline="0" noProof="0">
               <a:ln>
@@ -748,19 +716,14 @@
               <a:effectLst/>
               <a:uLnTx/>
               <a:uFillTx/>
-              <a:latin typeface="等线"/>
-              <a:ea typeface="等线" panose="02010600030101010101" pitchFamily="2" charset="-122"/>
+              <a:latin typeface="等线" panose="02010600030101010101" charset="-122"/>
+              <a:ea typeface="等线" panose="02010600030101010101" charset="-122"/>
               <a:cs typeface="+mn-cs"/>
             </a:endParaRPr>
           </a:p>
         </p:txBody>
       </p:sp>
     </p:spTree>
-    <p:extLst>
-      <p:ext uri="{BB962C8B-B14F-4D97-AF65-F5344CB8AC3E}">
-        <p14:creationId xmlns:p14="http://schemas.microsoft.com/office/powerpoint/2010/main" val="1720899906"/>
-      </p:ext>
-    </p:extLst>
   </p:cSld>
   <p:clrMapOvr>
     <a:masterClrMapping/>
@@ -833,18 +796,12 @@
           <a:p>
             <a:fld id="{1097FAFE-CDAF-403B-A73D-03F099EBF44E}" type="slidenum">
               <a:rPr lang="zh-CN" altLang="en-US" smtClean="0"/>
-              <a:t>26</a:t>
             </a:fld>
             <a:endParaRPr lang="zh-CN" altLang="en-US"/>
           </a:p>
         </p:txBody>
       </p:sp>
     </p:spTree>
-    <p:extLst>
-      <p:ext uri="{BB962C8B-B14F-4D97-AF65-F5344CB8AC3E}">
-        <p14:creationId xmlns:p14="http://schemas.microsoft.com/office/powerpoint/2010/main" val="3829338372"/>
-      </p:ext>
-    </p:extLst>
   </p:cSld>
   <p:clrMapOvr>
     <a:masterClrMapping/>
@@ -853,7 +810,7 @@
 </file>
 
 <file path=ppt/slideLayouts/slideLayout1.xml><?xml version="1.0" encoding="utf-8"?>
-<p:sldLayout xmlns:a="http://schemas.openxmlformats.org/drawingml/2006/main" xmlns:r="http://schemas.openxmlformats.org/officeDocument/2006/relationships" xmlns:p="http://schemas.openxmlformats.org/presentationml/2006/main" matchingName="爱设计-1" preserve="1" userDrawn="1">
+<p:sldLayout xmlns:a="http://schemas.openxmlformats.org/drawingml/2006/main" xmlns:r="http://schemas.openxmlformats.org/officeDocument/2006/relationships" xmlns:p="http://schemas.openxmlformats.org/presentationml/2006/main" preserve="1" userDrawn="1" matchingName="爱设计-1">
   <p:cSld name="自定义版式">
     <p:spTree>
       <p:nvGrpSpPr>
@@ -1365,6 +1322,25 @@
               </a:rPr>
               <a:t>期末展示</a:t>
             </a:r>
+            <a:endParaRPr kumimoji="0" lang="zh-CN" altLang="en-US" sz="6600" b="0" i="0" u="none" strike="noStrike" kern="1200" cap="none" spc="0" normalizeH="0" baseline="0" noProof="0" dirty="0">
+              <a:ln>
+                <a:solidFill>
+                  <a:prstClr val="black">
+                    <a:lumMod val="75000"/>
+                    <a:lumOff val="25000"/>
+                  </a:prstClr>
+                </a:solidFill>
+              </a:ln>
+              <a:solidFill>
+                <a:prstClr val="black"/>
+              </a:solidFill>
+              <a:effectLst/>
+              <a:uLnTx/>
+              <a:uFillTx/>
+              <a:latin typeface="字由文艺黑" panose="00020600040101010101" pitchFamily="18" charset="-122"/>
+              <a:ea typeface="字由文艺黑" panose="00020600040101010101" pitchFamily="18" charset="-122"/>
+              <a:cs typeface="+mn-cs"/>
+            </a:endParaRPr>
           </a:p>
         </p:txBody>
       </p:sp>
@@ -1522,13 +1498,13 @@
           <p:nvPr/>
         </p:nvPicPr>
         <p:blipFill>
-          <a:blip r:embed="rId3" cstate="print">
+          <a:blip r:embed="rId1" cstate="print">
             <a:extLst>
               <a:ext uri="{28A0092B-C50C-407E-A947-70E740481C1C}">
                 <a14:useLocalDpi xmlns:a14="http://schemas.microsoft.com/office/drawing/2010/main" val="0"/>
               </a:ext>
               <a:ext uri="{96DAC541-7B7A-43D3-8B79-37D633B846F1}">
-                <asvg:svgBlip xmlns:asvg="http://schemas.microsoft.com/office/drawing/2016/SVG/main" r:embed="rId4"/>
+                <asvg:svgBlip xmlns:asvg="http://schemas.microsoft.com/office/drawing/2016/SVG/main" r:embed="rId2"/>
               </a:ext>
             </a:extLst>
           </a:blip>
@@ -1760,7 +1736,7 @@
       </p:sp>
     </p:spTree>
     <p:custDataLst>
-      <p:tags r:id="rId1"/>
+      <p:tags r:id="rId3"/>
     </p:custDataLst>
   </p:cSld>
   <p:clrMapOvr>
@@ -1841,7 +1817,6 @@
             </a:pPr>
             <a:r>
               <a:rPr kumimoji="0" lang="zh-CN" altLang="en-US" sz="3200" b="0" i="0" u="none" strike="noStrike" kern="1200" cap="none" spc="0" normalizeH="0" baseline="0" noProof="0" dirty="0">
-                <a:ln/>
                 <a:solidFill>
                   <a:schemeClr val="tx1"/>
                 </a:solidFill>
@@ -1877,6 +1852,20 @@
               </a:rPr>
               <a:t>接口示例</a:t>
             </a:r>
+            <a:endParaRPr kumimoji="0" lang="zh-CN" altLang="en-US" sz="3200" b="0" i="0" u="none" strike="noStrike" kern="1200" cap="none" spc="0" normalizeH="0" baseline="0" noProof="0" dirty="0">
+              <a:ln>
+                <a:noFill/>
+              </a:ln>
+              <a:solidFill>
+                <a:srgbClr val="33C16B"/>
+              </a:solidFill>
+              <a:effectLst/>
+              <a:uLnTx/>
+              <a:uFillTx/>
+              <a:latin typeface="OPPOSans H"/>
+              <a:ea typeface="+mj-ea"/>
+              <a:cs typeface="+mn-cs"/>
+            </a:endParaRPr>
           </a:p>
         </p:txBody>
       </p:sp>
@@ -1920,22 +1909,22 @@
       </p:cxnSp>
       <p:pic>
         <p:nvPicPr>
-          <p:cNvPr id="4" name="图片 3"/>
+          <p:cNvPr id="2" name="图片 1"/>
           <p:cNvPicPr>
             <a:picLocks noChangeAspect="1"/>
           </p:cNvPicPr>
           <p:nvPr/>
         </p:nvPicPr>
         <p:blipFill>
-          <a:blip r:embed="rId3"/>
+          <a:blip r:embed="rId1"/>
           <a:stretch>
             <a:fillRect/>
           </a:stretch>
         </p:blipFill>
         <p:spPr>
           <a:xfrm>
-            <a:off x="1039495" y="976630"/>
-            <a:ext cx="10318750" cy="5085080"/>
+            <a:off x="1322705" y="1090930"/>
+            <a:ext cx="9665335" cy="5099685"/>
           </a:xfrm>
           <a:prstGeom prst="rect">
             <a:avLst/>
@@ -1944,26 +1933,17 @@
       </p:pic>
       <p:pic>
         <p:nvPicPr>
-          <p:cNvPr id="2" name="图形 1">
-            <a:extLst>
-              <a:ext uri="{FF2B5EF4-FFF2-40B4-BE49-F238E27FC236}">
-                <a16:creationId xmlns:a16="http://schemas.microsoft.com/office/drawing/2014/main" id="{E9EA0C52-4024-B91B-82A0-8F44D115D170}"/>
-              </a:ext>
-            </a:extLst>
-          </p:cNvPr>
+          <p:cNvPr id="4" name="图形 3"/>
           <p:cNvPicPr>
             <a:picLocks noChangeAspect="1"/>
           </p:cNvPicPr>
           <p:nvPr/>
         </p:nvPicPr>
         <p:blipFill>
-          <a:blip r:embed="rId4" cstate="print">
+          <a:blip r:embed="rId2" cstate="print">
             <a:extLst>
               <a:ext uri="{28A0092B-C50C-407E-A947-70E740481C1C}">
                 <a14:useLocalDpi xmlns:a14="http://schemas.microsoft.com/office/drawing/2010/main" val="0"/>
-              </a:ext>
-              <a:ext uri="{96DAC541-7B7A-43D3-8B79-37D633B846F1}">
-                <asvg:svgBlip xmlns:asvg="http://schemas.microsoft.com/office/drawing/2016/SVG/main" r:embed="rId5"/>
               </a:ext>
             </a:extLst>
           </a:blip>
@@ -1983,7 +1963,7 @@
       </p:pic>
     </p:spTree>
     <p:custDataLst>
-      <p:tags r:id="rId1"/>
+      <p:tags r:id="rId3"/>
     </p:custDataLst>
   </p:cSld>
   <p:clrMapOvr>
@@ -2064,7 +2044,6 @@
             </a:pPr>
             <a:r>
               <a:rPr kumimoji="0" lang="zh-CN" altLang="en-US" sz="3200" b="0" i="0" u="none" strike="noStrike" kern="1200" cap="none" spc="0" normalizeH="0" baseline="0" noProof="0" dirty="0">
-                <a:ln/>
                 <a:solidFill>
                   <a:schemeClr val="tx1"/>
                 </a:solidFill>
@@ -2100,6 +2079,247 @@
               </a:rPr>
               <a:t>接口示例</a:t>
             </a:r>
+            <a:endParaRPr kumimoji="0" lang="zh-CN" altLang="en-US" sz="3200" b="0" i="0" u="none" strike="noStrike" kern="1200" cap="none" spc="0" normalizeH="0" baseline="0" noProof="0" dirty="0">
+              <a:ln>
+                <a:noFill/>
+              </a:ln>
+              <a:solidFill>
+                <a:srgbClr val="33C16B"/>
+              </a:solidFill>
+              <a:effectLst/>
+              <a:uLnTx/>
+              <a:uFillTx/>
+              <a:latin typeface="OPPOSans H"/>
+              <a:ea typeface="+mj-ea"/>
+              <a:cs typeface="+mn-cs"/>
+            </a:endParaRPr>
+          </a:p>
+        </p:txBody>
+      </p:sp>
+      <p:cxnSp>
+        <p:nvCxnSpPr>
+          <p:cNvPr id="189" name="爱设计-16"/>
+          <p:cNvCxnSpPr/>
+          <p:nvPr/>
+        </p:nvCxnSpPr>
+        <p:spPr>
+          <a:xfrm>
+            <a:off x="660400" y="6390421"/>
+            <a:ext cx="10814415" cy="0"/>
+          </a:xfrm>
+          <a:prstGeom prst="line">
+            <a:avLst/>
+          </a:prstGeom>
+          <a:ln w="19050">
+            <a:solidFill>
+              <a:schemeClr val="tx1">
+                <a:lumMod val="75000"/>
+                <a:lumOff val="25000"/>
+              </a:schemeClr>
+            </a:solidFill>
+          </a:ln>
+        </p:spPr>
+        <p:style>
+          <a:lnRef idx="1">
+            <a:schemeClr val="accent1"/>
+          </a:lnRef>
+          <a:fillRef idx="0">
+            <a:schemeClr val="accent1"/>
+          </a:fillRef>
+          <a:effectRef idx="0">
+            <a:schemeClr val="accent1"/>
+          </a:effectRef>
+          <a:fontRef idx="minor">
+            <a:schemeClr val="tx1"/>
+          </a:fontRef>
+        </p:style>
+      </p:cxnSp>
+      <p:pic>
+        <p:nvPicPr>
+          <p:cNvPr id="4" name="图片 3"/>
+          <p:cNvPicPr>
+            <a:picLocks noChangeAspect="1"/>
+          </p:cNvPicPr>
+          <p:nvPr/>
+        </p:nvPicPr>
+        <p:blipFill>
+          <a:blip r:embed="rId1"/>
+          <a:stretch>
+            <a:fillRect/>
+          </a:stretch>
+        </p:blipFill>
+        <p:spPr>
+          <a:xfrm>
+            <a:off x="1039495" y="976630"/>
+            <a:ext cx="10318750" cy="5085080"/>
+          </a:xfrm>
+          <a:prstGeom prst="rect">
+            <a:avLst/>
+          </a:prstGeom>
+        </p:spPr>
+      </p:pic>
+      <p:pic>
+        <p:nvPicPr>
+          <p:cNvPr id="2" name="图形 1"/>
+          <p:cNvPicPr>
+            <a:picLocks noChangeAspect="1"/>
+          </p:cNvPicPr>
+          <p:nvPr/>
+        </p:nvPicPr>
+        <p:blipFill>
+          <a:blip r:embed="rId2" cstate="print">
+            <a:extLst>
+              <a:ext uri="{28A0092B-C50C-407E-A947-70E740481C1C}">
+                <a14:useLocalDpi xmlns:a14="http://schemas.microsoft.com/office/drawing/2010/main" val="0"/>
+              </a:ext>
+            </a:extLst>
+          </a:blip>
+          <a:stretch>
+            <a:fillRect/>
+          </a:stretch>
+        </p:blipFill>
+        <p:spPr>
+          <a:xfrm>
+            <a:off x="10723900" y="0"/>
+            <a:ext cx="1468100" cy="1468100"/>
+          </a:xfrm>
+          <a:prstGeom prst="rect">
+            <a:avLst/>
+          </a:prstGeom>
+        </p:spPr>
+      </p:pic>
+    </p:spTree>
+    <p:custDataLst>
+      <p:tags r:id="rId3"/>
+    </p:custDataLst>
+  </p:cSld>
+  <p:clrMapOvr>
+    <a:masterClrMapping/>
+  </p:clrMapOvr>
+</p:sld>
+</file>
+
+<file path=ppt/slides/slide12.xml><?xml version="1.0" encoding="utf-8"?>
+<p:sld xmlns:a="http://schemas.openxmlformats.org/drawingml/2006/main" xmlns:r="http://schemas.openxmlformats.org/officeDocument/2006/relationships" xmlns:p="http://schemas.openxmlformats.org/presentationml/2006/main">
+  <p:cSld>
+    <p:bg>
+      <p:bgPr>
+        <a:pattFill prst="lgGrid">
+          <a:fgClr>
+            <a:schemeClr val="bg1">
+              <a:lumMod val="95000"/>
+            </a:schemeClr>
+          </a:fgClr>
+          <a:bgClr>
+            <a:schemeClr val="bg1"/>
+          </a:bgClr>
+        </a:pattFill>
+        <a:effectLst/>
+      </p:bgPr>
+    </p:bg>
+    <p:spTree>
+      <p:nvGrpSpPr>
+        <p:cNvPr id="1" name=""/>
+        <p:cNvGrpSpPr/>
+        <p:nvPr/>
+      </p:nvGrpSpPr>
+      <p:grpSpPr>
+        <a:xfrm>
+          <a:off x="0" y="0"/>
+          <a:ext cx="0" cy="0"/>
+          <a:chOff x="0" y="0"/>
+          <a:chExt cx="0" cy="0"/>
+        </a:xfrm>
+      </p:grpSpPr>
+      <p:sp>
+        <p:nvSpPr>
+          <p:cNvPr id="3" name="爱设计-2"/>
+          <p:cNvSpPr txBox="1"/>
+          <p:nvPr/>
+        </p:nvSpPr>
+        <p:spPr>
+          <a:xfrm>
+            <a:off x="524664" y="393230"/>
+            <a:ext cx="5469903" cy="583565"/>
+          </a:xfrm>
+          <a:prstGeom prst="rect">
+            <a:avLst/>
+          </a:prstGeom>
+          <a:noFill/>
+        </p:spPr>
+        <p:txBody>
+          <a:bodyPr wrap="square">
+            <a:spAutoFit/>
+          </a:bodyPr>
+          <a:lstStyle/>
+          <a:p>
+            <a:pPr marL="0" marR="0" lvl="0" indent="0" algn="l" defTabSz="914400" rtl="0" eaLnBrk="1" fontAlgn="auto" latinLnBrk="0" hangingPunct="1">
+              <a:lnSpc>
+                <a:spcPct val="100000"/>
+              </a:lnSpc>
+              <a:spcBef>
+                <a:spcPts val="0"/>
+              </a:spcBef>
+              <a:spcAft>
+                <a:spcPts val="0"/>
+              </a:spcAft>
+              <a:buClrTx/>
+              <a:buSzTx/>
+              <a:buFontTx/>
+              <a:buNone/>
+              <a:defRPr/>
+            </a:pPr>
+            <a:r>
+              <a:rPr kumimoji="0" lang="zh-CN" altLang="en-US" sz="3200" b="0" i="0" u="none" strike="noStrike" kern="1200" cap="none" spc="0" normalizeH="0" baseline="0" noProof="0" dirty="0">
+                <a:solidFill>
+                  <a:schemeClr val="tx1"/>
+                </a:solidFill>
+                <a:effectLst>
+                  <a:outerShdw blurRad="38100" dist="19050" dir="2700000" algn="tl" rotWithShape="0">
+                    <a:schemeClr val="dk1">
+                      <a:alpha val="40000"/>
+                    </a:schemeClr>
+                  </a:outerShdw>
+                </a:effectLst>
+                <a:uLnTx/>
+                <a:uFillTx/>
+                <a:latin typeface="OPPOSans H"/>
+                <a:ea typeface="+mj-ea"/>
+                <a:cs typeface="+mn-cs"/>
+              </a:rPr>
+              <a:t>日程管理子系统</a:t>
+            </a:r>
+            <a:r>
+              <a:rPr kumimoji="0" lang="zh-CN" altLang="en-US" sz="3200" b="0" i="0" u="none" strike="noStrike" kern="1200" cap="none" spc="0" normalizeH="0" baseline="0" noProof="0" dirty="0">
+                <a:ln>
+                  <a:noFill/>
+                </a:ln>
+                <a:solidFill>
+                  <a:srgbClr val="33C16B"/>
+                </a:solidFill>
+                <a:effectLst/>
+                <a:uLnTx/>
+                <a:uFillTx/>
+                <a:latin typeface="OPPOSans H"/>
+                <a:ea typeface="+mj-ea"/>
+                <a:cs typeface="+mn-cs"/>
+              </a:rPr>
+              <a:t>接口示例</a:t>
+            </a:r>
+            <a:endParaRPr kumimoji="0" lang="zh-CN" altLang="en-US" sz="3200" b="0" i="0" u="none" strike="noStrike" kern="1200" cap="none" spc="0" normalizeH="0" baseline="0" noProof="0" dirty="0">
+              <a:ln>
+                <a:noFill/>
+              </a:ln>
+              <a:solidFill>
+                <a:srgbClr val="33C16B"/>
+              </a:solidFill>
+              <a:effectLst/>
+              <a:uLnTx/>
+              <a:uFillTx/>
+              <a:latin typeface="OPPOSans H"/>
+              <a:ea typeface="+mj-ea"/>
+              <a:cs typeface="+mn-cs"/>
+            </a:endParaRPr>
           </a:p>
         </p:txBody>
       </p:sp>
@@ -2195,6 +2415,19 @@
               </a:rPr>
               <a:t>查询当前用户日程列表操作流程</a:t>
             </a:r>
+            <a:endParaRPr kumimoji="0" lang="zh-CN" altLang="en-US" sz="1800" b="1" i="0" u="none" strike="noStrike" kern="1200" cap="none" spc="0" normalizeH="0" baseline="0" noProof="0">
+              <a:ln>
+                <a:noFill/>
+              </a:ln>
+              <a:solidFill>
+                <a:prstClr val="black"/>
+              </a:solidFill>
+              <a:effectLst/>
+              <a:uLnTx/>
+              <a:uFillTx/>
+              <a:latin typeface="OPPOSans L"/>
+              <a:cs typeface="+mn-cs"/>
+            </a:endParaRPr>
           </a:p>
           <a:p>
             <a:pPr marL="0" marR="0" lvl="0" indent="0" algn="l" defTabSz="914400" rtl="0" eaLnBrk="1" fontAlgn="auto" latinLnBrk="0" hangingPunct="1">
@@ -2260,6 +2493,19 @@
               </a:rPr>
               <a:t>1. 用户登陆后获取到userID</a:t>
             </a:r>
+            <a:endParaRPr kumimoji="0" lang="zh-CN" altLang="en-US" sz="1800" b="0" i="0" u="none" strike="noStrike" kern="1200" cap="none" spc="0" normalizeH="0" baseline="0" noProof="0">
+              <a:ln>
+                <a:noFill/>
+              </a:ln>
+              <a:solidFill>
+                <a:prstClr val="black"/>
+              </a:solidFill>
+              <a:effectLst/>
+              <a:uLnTx/>
+              <a:uFillTx/>
+              <a:latin typeface="OPPOSans L"/>
+              <a:cs typeface="+mn-cs"/>
+            </a:endParaRPr>
           </a:p>
           <a:p>
             <a:pPr marL="0" marR="0" lvl="0" indent="0" algn="l" defTabSz="914400" rtl="0" eaLnBrk="1" fontAlgn="auto" latinLnBrk="0" hangingPunct="1">
@@ -2325,6 +2571,19 @@
               </a:rPr>
               <a:t>2. 调用`ScheduleUtil.getScheduleList(userID: String):List&lt;Schedule&gt;`接口</a:t>
             </a:r>
+            <a:endParaRPr kumimoji="0" lang="zh-CN" altLang="en-US" sz="1800" b="0" i="0" u="none" strike="noStrike" kern="1200" cap="none" spc="0" normalizeH="0" baseline="0" noProof="0">
+              <a:ln>
+                <a:noFill/>
+              </a:ln>
+              <a:solidFill>
+                <a:prstClr val="black"/>
+              </a:solidFill>
+              <a:effectLst/>
+              <a:uLnTx/>
+              <a:uFillTx/>
+              <a:latin typeface="OPPOSans L"/>
+              <a:cs typeface="+mn-cs"/>
+            </a:endParaRPr>
           </a:p>
           <a:p>
             <a:pPr marL="0" marR="0" lvl="0" indent="0" algn="l" defTabSz="914400" rtl="0" eaLnBrk="1" fontAlgn="auto" latinLnBrk="0" hangingPunct="1">
@@ -2390,6 +2649,19 @@
               </a:rPr>
               <a:t>3. 得到调用结果，返回给前端绘制日程列表</a:t>
             </a:r>
+            <a:endParaRPr kumimoji="0" lang="zh-CN" altLang="en-US" sz="1800" b="0" i="0" u="none" strike="noStrike" kern="1200" cap="none" spc="0" normalizeH="0" baseline="0" noProof="0">
+              <a:ln>
+                <a:noFill/>
+              </a:ln>
+              <a:solidFill>
+                <a:prstClr val="black"/>
+              </a:solidFill>
+              <a:effectLst/>
+              <a:uLnTx/>
+              <a:uFillTx/>
+              <a:latin typeface="OPPOSans L"/>
+              <a:cs typeface="+mn-cs"/>
+            </a:endParaRPr>
           </a:p>
         </p:txBody>
       </p:sp>
@@ -2402,7 +2674,7 @@
           <p:nvPr/>
         </p:nvPicPr>
         <p:blipFill>
-          <a:blip r:embed="rId3"/>
+          <a:blip r:embed="rId1"/>
           <a:stretch>
             <a:fillRect/>
           </a:stretch>
@@ -2417,182 +2689,6 @@
           </a:prstGeom>
         </p:spPr>
       </p:pic>
-      <p:pic>
-        <p:nvPicPr>
-          <p:cNvPr id="2" name="图形 1">
-            <a:extLst>
-              <a:ext uri="{FF2B5EF4-FFF2-40B4-BE49-F238E27FC236}">
-                <a16:creationId xmlns:a16="http://schemas.microsoft.com/office/drawing/2014/main" id="{C9755CC2-DEC7-36D4-7C7E-0C7EEA4190FA}"/>
-              </a:ext>
-            </a:extLst>
-          </p:cNvPr>
-          <p:cNvPicPr>
-            <a:picLocks noChangeAspect="1"/>
-          </p:cNvPicPr>
-          <p:nvPr/>
-        </p:nvPicPr>
-        <p:blipFill>
-          <a:blip r:embed="rId4" cstate="print">
-            <a:extLst>
-              <a:ext uri="{28A0092B-C50C-407E-A947-70E740481C1C}">
-                <a14:useLocalDpi xmlns:a14="http://schemas.microsoft.com/office/drawing/2010/main" val="0"/>
-              </a:ext>
-              <a:ext uri="{96DAC541-7B7A-43D3-8B79-37D633B846F1}">
-                <asvg:svgBlip xmlns:asvg="http://schemas.microsoft.com/office/drawing/2016/SVG/main" r:embed="rId5"/>
-              </a:ext>
-            </a:extLst>
-          </a:blip>
-          <a:stretch>
-            <a:fillRect/>
-          </a:stretch>
-        </p:blipFill>
-        <p:spPr>
-          <a:xfrm>
-            <a:off x="10723900" y="0"/>
-            <a:ext cx="1468100" cy="1468100"/>
-          </a:xfrm>
-          <a:prstGeom prst="rect">
-            <a:avLst/>
-          </a:prstGeom>
-        </p:spPr>
-      </p:pic>
-    </p:spTree>
-    <p:custDataLst>
-      <p:tags r:id="rId1"/>
-    </p:custDataLst>
-  </p:cSld>
-  <p:clrMapOvr>
-    <a:masterClrMapping/>
-  </p:clrMapOvr>
-</p:sld>
-</file>
-
-<file path=ppt/slides/slide12.xml><?xml version="1.0" encoding="utf-8"?>
-<p:sld xmlns:a="http://schemas.openxmlformats.org/drawingml/2006/main" xmlns:r="http://schemas.openxmlformats.org/officeDocument/2006/relationships" xmlns:p="http://schemas.openxmlformats.org/presentationml/2006/main">
-  <p:cSld>
-    <p:bg>
-      <p:bgPr>
-        <a:pattFill prst="lgGrid">
-          <a:fgClr>
-            <a:schemeClr val="bg1">
-              <a:lumMod val="95000"/>
-            </a:schemeClr>
-          </a:fgClr>
-          <a:bgClr>
-            <a:schemeClr val="bg1"/>
-          </a:bgClr>
-        </a:pattFill>
-        <a:effectLst/>
-      </p:bgPr>
-    </p:bg>
-    <p:spTree>
-      <p:nvGrpSpPr>
-        <p:cNvPr id="1" name=""/>
-        <p:cNvGrpSpPr/>
-        <p:nvPr/>
-      </p:nvGrpSpPr>
-      <p:grpSpPr>
-        <a:xfrm>
-          <a:off x="0" y="0"/>
-          <a:ext cx="0" cy="0"/>
-          <a:chOff x="0" y="0"/>
-          <a:chExt cx="0" cy="0"/>
-        </a:xfrm>
-      </p:grpSpPr>
-      <p:cxnSp>
-        <p:nvCxnSpPr>
-          <p:cNvPr id="20" name="爱设计-6"/>
-          <p:cNvCxnSpPr/>
-          <p:nvPr/>
-        </p:nvCxnSpPr>
-        <p:spPr>
-          <a:xfrm>
-            <a:off x="1737360" y="535499"/>
-            <a:ext cx="7559040" cy="0"/>
-          </a:xfrm>
-          <a:prstGeom prst="line">
-            <a:avLst/>
-          </a:prstGeom>
-          <a:ln>
-            <a:solidFill>
-              <a:schemeClr val="tx1">
-                <a:lumMod val="75000"/>
-                <a:lumOff val="25000"/>
-              </a:schemeClr>
-            </a:solidFill>
-          </a:ln>
-        </p:spPr>
-        <p:style>
-          <a:lnRef idx="1">
-            <a:schemeClr val="accent1"/>
-          </a:lnRef>
-          <a:fillRef idx="0">
-            <a:schemeClr val="accent1"/>
-          </a:fillRef>
-          <a:effectRef idx="0">
-            <a:schemeClr val="accent1"/>
-          </a:effectRef>
-          <a:fontRef idx="minor">
-            <a:schemeClr val="tx1"/>
-          </a:fontRef>
-        </p:style>
-      </p:cxnSp>
-      <p:sp>
-        <p:nvSpPr>
-          <p:cNvPr id="33" name="爱设计-10-1"/>
-          <p:cNvSpPr txBox="1"/>
-          <p:nvPr/>
-        </p:nvSpPr>
-        <p:spPr>
-          <a:xfrm>
-            <a:off x="1073471" y="1245216"/>
-            <a:ext cx="10045058" cy="1726626"/>
-          </a:xfrm>
-          <a:prstGeom prst="rect">
-            <a:avLst/>
-          </a:prstGeom>
-          <a:noFill/>
-        </p:spPr>
-        <p:txBody>
-          <a:bodyPr wrap="square">
-            <a:spAutoFit/>
-          </a:bodyPr>
-          <a:lstStyle/>
-          <a:p>
-            <a:pPr algn="ctr"/>
-            <a:r>
-              <a:rPr lang="en-US" altLang="zh-CN" sz="10560" dirty="0">
-                <a:ln w="10477">
-                  <a:solidFill>
-                    <a:schemeClr val="tx1">
-                      <a:lumMod val="75000"/>
-                      <a:lumOff val="25000"/>
-                    </a:schemeClr>
-                  </a:solidFill>
-                </a:ln>
-                <a:latin typeface="字由文艺黑" panose="00020600040101010101" pitchFamily="18" charset="-122"/>
-                <a:ea typeface="字由文艺黑" panose="00020600040101010101" pitchFamily="18" charset="-122"/>
-              </a:rPr>
-              <a:t>02.</a:t>
-            </a:r>
-            <a:r>
-              <a:rPr lang="zh-CN" altLang="en-US" sz="10560" dirty="0">
-                <a:ln w="10477">
-                  <a:solidFill>
-                    <a:schemeClr val="tx1">
-                      <a:lumMod val="75000"/>
-                      <a:lumOff val="25000"/>
-                    </a:schemeClr>
-                  </a:solidFill>
-                </a:ln>
-                <a:latin typeface="字由文艺黑" panose="00020600040101010101" pitchFamily="18" charset="-122"/>
-                <a:ea typeface="字由文艺黑" panose="00020600040101010101" pitchFamily="18" charset="-122"/>
-              </a:rPr>
-              <a:t>设计机制</a:t>
-            </a:r>
-          </a:p>
-        </p:txBody>
-      </p:sp>
       <p:pic>
         <p:nvPicPr>
           <p:cNvPr id="2" name="图形 1"/>
@@ -2602,7 +2698,7 @@
           <p:nvPr/>
         </p:nvPicPr>
         <p:blipFill>
-          <a:blip r:embed="rId4" cstate="print">
+          <a:blip r:embed="rId2" cstate="print">
             <a:extLst>
               <a:ext uri="{28A0092B-C50C-407E-A947-70E740481C1C}">
                 <a14:useLocalDpi xmlns:a14="http://schemas.microsoft.com/office/drawing/2010/main" val="0"/>
@@ -2623,270 +2719,9 @@
           </a:prstGeom>
         </p:spPr>
       </p:pic>
-      <p:cxnSp>
-        <p:nvCxnSpPr>
-          <p:cNvPr id="3" name="爱设计-3"/>
-          <p:cNvCxnSpPr/>
-          <p:nvPr/>
-        </p:nvCxnSpPr>
-        <p:spPr>
-          <a:xfrm>
-            <a:off x="660400" y="6501195"/>
-            <a:ext cx="10814415" cy="0"/>
-          </a:xfrm>
-          <a:prstGeom prst="line">
-            <a:avLst/>
-          </a:prstGeom>
-          <a:ln w="19050">
-            <a:solidFill>
-              <a:schemeClr val="tx1">
-                <a:lumMod val="75000"/>
-                <a:lumOff val="25000"/>
-              </a:schemeClr>
-            </a:solidFill>
-          </a:ln>
-        </p:spPr>
-        <p:style>
-          <a:lnRef idx="1">
-            <a:schemeClr val="accent1"/>
-          </a:lnRef>
-          <a:fillRef idx="0">
-            <a:schemeClr val="accent1"/>
-          </a:fillRef>
-          <a:effectRef idx="0">
-            <a:schemeClr val="accent1"/>
-          </a:effectRef>
-          <a:fontRef idx="minor">
-            <a:schemeClr val="tx1"/>
-          </a:fontRef>
-        </p:style>
-      </p:cxnSp>
-      <p:sp>
-        <p:nvSpPr>
-          <p:cNvPr id="6" name="爱设计-10-2"/>
-          <p:cNvSpPr txBox="1"/>
-          <p:nvPr>
-            <p:custDataLst>
-              <p:tags r:id="rId2"/>
-            </p:custDataLst>
-          </p:nvPr>
-        </p:nvSpPr>
-        <p:spPr>
-          <a:xfrm>
-            <a:off x="4095504" y="2790420"/>
-            <a:ext cx="4000987" cy="535531"/>
-          </a:xfrm>
-          <a:prstGeom prst="rect">
-            <a:avLst/>
-          </a:prstGeom>
-        </p:spPr>
-        <p:txBody>
-          <a:bodyPr wrap="square">
-            <a:spAutoFit/>
-          </a:bodyPr>
-          <a:lstStyle>
-            <a:lvl1pPr marL="228600" indent="-228600" algn="l" defTabSz="914400" rtl="0" eaLnBrk="1" latinLnBrk="0" hangingPunct="1">
-              <a:lnSpc>
-                <a:spcPct val="90000"/>
-              </a:lnSpc>
-              <a:spcBef>
-                <a:spcPts val="1000"/>
-              </a:spcBef>
-              <a:buFont typeface="Arial" panose="020B0604020202020204" pitchFamily="34" charset="0"/>
-              <a:buChar char="•"/>
-              <a:defRPr sz="1600" kern="1200">
-                <a:solidFill>
-                  <a:schemeClr val="tx1"/>
-                </a:solidFill>
-                <a:latin typeface="+mn-lt"/>
-                <a:ea typeface="+mn-ea"/>
-                <a:cs typeface="+mn-cs"/>
-              </a:defRPr>
-            </a:lvl1pPr>
-            <a:lvl2pPr marL="685800" indent="-228600" algn="l" defTabSz="914400" rtl="0" eaLnBrk="1" latinLnBrk="0" hangingPunct="1">
-              <a:lnSpc>
-                <a:spcPct val="90000"/>
-              </a:lnSpc>
-              <a:spcBef>
-                <a:spcPts val="500"/>
-              </a:spcBef>
-              <a:buFont typeface="Arial" panose="020B0604020202020204" pitchFamily="34" charset="0"/>
-              <a:buChar char="•"/>
-              <a:defRPr sz="1600" kern="1200">
-                <a:solidFill>
-                  <a:schemeClr val="tx1"/>
-                </a:solidFill>
-                <a:latin typeface="+mn-lt"/>
-                <a:ea typeface="+mn-ea"/>
-                <a:cs typeface="+mn-cs"/>
-              </a:defRPr>
-            </a:lvl2pPr>
-            <a:lvl3pPr marL="1143000" indent="-228600" algn="l" defTabSz="914400" rtl="0" eaLnBrk="1" latinLnBrk="0" hangingPunct="1">
-              <a:lnSpc>
-                <a:spcPct val="90000"/>
-              </a:lnSpc>
-              <a:spcBef>
-                <a:spcPts val="500"/>
-              </a:spcBef>
-              <a:buFont typeface="Arial" panose="020B0604020202020204" pitchFamily="34" charset="0"/>
-              <a:buChar char="•"/>
-              <a:defRPr sz="1600" kern="1200">
-                <a:solidFill>
-                  <a:schemeClr val="tx1"/>
-                </a:solidFill>
-                <a:latin typeface="+mn-lt"/>
-                <a:ea typeface="+mn-ea"/>
-                <a:cs typeface="+mn-cs"/>
-              </a:defRPr>
-            </a:lvl3pPr>
-            <a:lvl4pPr marL="1600200" indent="-228600" algn="l" defTabSz="914400" rtl="0" eaLnBrk="1" latinLnBrk="0" hangingPunct="1">
-              <a:lnSpc>
-                <a:spcPct val="90000"/>
-              </a:lnSpc>
-              <a:spcBef>
-                <a:spcPts val="500"/>
-              </a:spcBef>
-              <a:buFont typeface="Arial" panose="020B0604020202020204" pitchFamily="34" charset="0"/>
-              <a:buChar char="•"/>
-              <a:defRPr sz="1600" kern="1200">
-                <a:solidFill>
-                  <a:schemeClr val="tx1"/>
-                </a:solidFill>
-                <a:latin typeface="+mn-lt"/>
-                <a:ea typeface="+mn-ea"/>
-                <a:cs typeface="+mn-cs"/>
-              </a:defRPr>
-            </a:lvl4pPr>
-            <a:lvl5pPr marL="2057400" indent="-228600" algn="l" defTabSz="914400" rtl="0" eaLnBrk="1" latinLnBrk="0" hangingPunct="1">
-              <a:lnSpc>
-                <a:spcPct val="90000"/>
-              </a:lnSpc>
-              <a:spcBef>
-                <a:spcPts val="500"/>
-              </a:spcBef>
-              <a:buFont typeface="Arial" panose="020B0604020202020204" pitchFamily="34" charset="0"/>
-              <a:buChar char="•"/>
-              <a:defRPr sz="1600" kern="1200">
-                <a:solidFill>
-                  <a:schemeClr val="tx1"/>
-                </a:solidFill>
-                <a:latin typeface="+mn-lt"/>
-                <a:ea typeface="+mn-ea"/>
-                <a:cs typeface="+mn-cs"/>
-              </a:defRPr>
-            </a:lvl5pPr>
-            <a:lvl6pPr marL="2514600" indent="-228600" algn="l" defTabSz="914400" rtl="0" eaLnBrk="1" latinLnBrk="0" hangingPunct="1">
-              <a:lnSpc>
-                <a:spcPct val="90000"/>
-              </a:lnSpc>
-              <a:spcBef>
-                <a:spcPts val="500"/>
-              </a:spcBef>
-              <a:buFont typeface="Arial" panose="020B0604020202020204" pitchFamily="34" charset="0"/>
-              <a:buChar char="•"/>
-              <a:defRPr sz="1800" kern="1200">
-                <a:solidFill>
-                  <a:schemeClr val="tx1"/>
-                </a:solidFill>
-                <a:latin typeface="+mn-lt"/>
-                <a:ea typeface="+mn-ea"/>
-                <a:cs typeface="+mn-cs"/>
-              </a:defRPr>
-            </a:lvl6pPr>
-            <a:lvl7pPr marL="2971800" indent="-228600" algn="l" defTabSz="914400" rtl="0" eaLnBrk="1" latinLnBrk="0" hangingPunct="1">
-              <a:lnSpc>
-                <a:spcPct val="90000"/>
-              </a:lnSpc>
-              <a:spcBef>
-                <a:spcPts val="500"/>
-              </a:spcBef>
-              <a:buFont typeface="Arial" panose="020B0604020202020204" pitchFamily="34" charset="0"/>
-              <a:buChar char="•"/>
-              <a:defRPr sz="1800" kern="1200">
-                <a:solidFill>
-                  <a:schemeClr val="tx1"/>
-                </a:solidFill>
-                <a:latin typeface="+mn-lt"/>
-                <a:ea typeface="+mn-ea"/>
-                <a:cs typeface="+mn-cs"/>
-              </a:defRPr>
-            </a:lvl7pPr>
-            <a:lvl8pPr marL="3429000" indent="-228600" algn="l" defTabSz="914400" rtl="0" eaLnBrk="1" latinLnBrk="0" hangingPunct="1">
-              <a:lnSpc>
-                <a:spcPct val="90000"/>
-              </a:lnSpc>
-              <a:spcBef>
-                <a:spcPts val="500"/>
-              </a:spcBef>
-              <a:buFont typeface="Arial" panose="020B0604020202020204" pitchFamily="34" charset="0"/>
-              <a:buChar char="•"/>
-              <a:defRPr sz="1800" kern="1200">
-                <a:solidFill>
-                  <a:schemeClr val="tx1"/>
-                </a:solidFill>
-                <a:latin typeface="+mn-lt"/>
-                <a:ea typeface="+mn-ea"/>
-                <a:cs typeface="+mn-cs"/>
-              </a:defRPr>
-            </a:lvl8pPr>
-            <a:lvl9pPr marL="3886200" indent="-228600" algn="l" defTabSz="914400" rtl="0" eaLnBrk="1" latinLnBrk="0" hangingPunct="1">
-              <a:lnSpc>
-                <a:spcPct val="90000"/>
-              </a:lnSpc>
-              <a:spcBef>
-                <a:spcPts val="500"/>
-              </a:spcBef>
-              <a:buFont typeface="Arial" panose="020B0604020202020204" pitchFamily="34" charset="0"/>
-              <a:buChar char="•"/>
-              <a:defRPr sz="1800" kern="1200">
-                <a:solidFill>
-                  <a:schemeClr val="tx1"/>
-                </a:solidFill>
-                <a:latin typeface="+mn-lt"/>
-                <a:ea typeface="+mn-ea"/>
-                <a:cs typeface="+mn-cs"/>
-              </a:defRPr>
-            </a:lvl9pPr>
-          </a:lstStyle>
-          <a:p>
-            <a:pPr marL="0" indent="0" algn="ctr">
-              <a:buNone/>
-            </a:pPr>
-            <a:r>
-              <a:rPr lang="en-US" altLang="zh-CN" sz="3200" dirty="0"/>
-              <a:t>design mechanism</a:t>
-            </a:r>
-            <a:endParaRPr lang="zh-CN" altLang="en-US" sz="3200" dirty="0"/>
-          </a:p>
-        </p:txBody>
-      </p:sp>
-      <p:pic>
-        <p:nvPicPr>
-          <p:cNvPr id="5" name="图片 4"/>
-          <p:cNvPicPr>
-            <a:picLocks noChangeAspect="1"/>
-          </p:cNvPicPr>
-          <p:nvPr/>
-        </p:nvPicPr>
-        <p:blipFill>
-          <a:blip r:embed="rId5"/>
-          <a:stretch>
-            <a:fillRect/>
-          </a:stretch>
-        </p:blipFill>
-        <p:spPr>
-          <a:xfrm>
-            <a:off x="4734719" y="3319659"/>
-            <a:ext cx="2722561" cy="3172571"/>
-          </a:xfrm>
-          <a:prstGeom prst="rect">
-            <a:avLst/>
-          </a:prstGeom>
-        </p:spPr>
-      </p:pic>
     </p:spTree>
     <p:custDataLst>
-      <p:tags r:id="rId1"/>
+      <p:tags r:id="rId3"/>
     </p:custDataLst>
   </p:cSld>
   <p:clrMapOvr>
@@ -2927,284 +2762,21 @@
           <a:chExt cx="0" cy="0"/>
         </a:xfrm>
       </p:grpSpPr>
-      <p:sp>
-        <p:nvSpPr>
-          <p:cNvPr id="3" name="爱设计-2"/>
-          <p:cNvSpPr txBox="1"/>
-          <p:nvPr/>
-        </p:nvSpPr>
-        <p:spPr>
-          <a:xfrm>
-            <a:off x="533554" y="546265"/>
-            <a:ext cx="5469903" cy="584775"/>
-          </a:xfrm>
-          <a:prstGeom prst="rect">
-            <a:avLst/>
-          </a:prstGeom>
-          <a:noFill/>
-        </p:spPr>
-        <p:txBody>
-          <a:bodyPr wrap="square">
-            <a:spAutoFit/>
-          </a:bodyPr>
-          <a:lstStyle/>
-          <a:p>
-            <a:r>
-              <a:rPr lang="zh-CN" altLang="en-US" sz="3200" dirty="0">
-                <a:latin typeface="+mj-ea"/>
-                <a:ea typeface="+mj-ea"/>
-              </a:rPr>
-              <a:t>数据持久机制</a:t>
-            </a:r>
-          </a:p>
-        </p:txBody>
-      </p:sp>
-      <p:sp>
-        <p:nvSpPr>
-          <p:cNvPr id="2" name="爱设计-3"/>
-          <p:cNvSpPr txBox="1"/>
-          <p:nvPr/>
-        </p:nvSpPr>
-        <p:spPr>
-          <a:xfrm>
-            <a:off x="533554" y="1095598"/>
-            <a:ext cx="3104235" cy="369332"/>
-          </a:xfrm>
-          <a:prstGeom prst="rect">
-            <a:avLst/>
-          </a:prstGeom>
-          <a:noFill/>
-        </p:spPr>
-        <p:txBody>
-          <a:bodyPr wrap="square" rtlCol="0">
-            <a:spAutoFit/>
-          </a:bodyPr>
-          <a:lstStyle/>
-          <a:p>
-            <a:pPr marL="0" marR="0" lvl="0" indent="0" defTabSz="914400" rtl="0" eaLnBrk="1" fontAlgn="auto" latinLnBrk="0" hangingPunct="1">
-              <a:lnSpc>
-                <a:spcPct val="100000"/>
-              </a:lnSpc>
-              <a:spcBef>
-                <a:spcPts val="0"/>
-              </a:spcBef>
-              <a:spcAft>
-                <a:spcPts val="0"/>
-              </a:spcAft>
-              <a:buClrTx/>
-              <a:buSzTx/>
-              <a:buFontTx/>
-              <a:buNone/>
-              <a:defRPr/>
-            </a:pPr>
-            <a:r>
-              <a:rPr kumimoji="0" lang="en-US" altLang="zh-CN" b="0" i="0" u="none" strike="noStrike" kern="1200" cap="none" spc="0" normalizeH="0" baseline="0" noProof="0" dirty="0">
-                <a:ln>
-                  <a:noFill/>
-                </a:ln>
-                <a:solidFill>
-                  <a:schemeClr val="tx1">
-                    <a:lumMod val="75000"/>
-                    <a:lumOff val="25000"/>
-                  </a:schemeClr>
-                </a:solidFill>
-                <a:effectLst/>
-                <a:uLnTx/>
-                <a:uFillTx/>
-                <a:latin typeface="+mn-ea"/>
-                <a:cs typeface="OPPOSans M" panose="00020600040101010101" pitchFamily="18" charset="-122"/>
-              </a:rPr>
-              <a:t>Data Persistence</a:t>
-            </a:r>
-          </a:p>
-        </p:txBody>
-      </p:sp>
-      <p:sp>
-        <p:nvSpPr>
-          <p:cNvPr id="4" name="爱设计-4"/>
-          <p:cNvSpPr/>
-          <p:nvPr/>
-        </p:nvSpPr>
-        <p:spPr>
-          <a:xfrm>
-            <a:off x="505746" y="1627587"/>
-            <a:ext cx="1189785" cy="681272"/>
-          </a:xfrm>
-          <a:prstGeom prst="roundRect">
-            <a:avLst>
-              <a:gd name="adj" fmla="val 4605"/>
-            </a:avLst>
-          </a:prstGeom>
-          <a:solidFill>
-            <a:schemeClr val="bg1">
-              <a:lumMod val="95000"/>
-            </a:schemeClr>
-          </a:solidFill>
-          <a:ln>
-            <a:noFill/>
-          </a:ln>
-          <a:effectLst/>
-        </p:spPr>
-        <p:style>
-          <a:lnRef idx="2">
-            <a:schemeClr val="accent1">
-              <a:shade val="50000"/>
-            </a:schemeClr>
-          </a:lnRef>
-          <a:fillRef idx="1">
-            <a:schemeClr val="accent1"/>
-          </a:fillRef>
-          <a:effectRef idx="0">
-            <a:schemeClr val="accent1"/>
-          </a:effectRef>
-          <a:fontRef idx="minor">
-            <a:schemeClr val="lt1"/>
-          </a:fontRef>
-        </p:style>
-        <p:txBody>
-          <a:bodyPr rtlCol="0" anchor="ctr"/>
-          <a:lstStyle/>
-          <a:p>
-            <a:pPr algn="ctr"/>
-            <a:endParaRPr lang="zh-CN" altLang="en-US" dirty="0"/>
-          </a:p>
-        </p:txBody>
-      </p:sp>
-      <p:sp>
-        <p:nvSpPr>
-          <p:cNvPr id="9" name="爱设计-5"/>
-          <p:cNvSpPr txBox="1"/>
-          <p:nvPr/>
-        </p:nvSpPr>
-        <p:spPr>
-          <a:xfrm>
-            <a:off x="661218" y="1821214"/>
-            <a:ext cx="878840" cy="294017"/>
-          </a:xfrm>
-          <a:prstGeom prst="rect">
-            <a:avLst/>
-          </a:prstGeom>
-          <a:noFill/>
-          <a:ln>
-            <a:noFill/>
-          </a:ln>
-          <a:effectLst/>
-        </p:spPr>
-        <p:txBody>
-          <a:bodyPr wrap="square" lIns="64008" tIns="32004" rIns="64008" bIns="32004" anchor="ctr" anchorCtr="0">
-            <a:noAutofit/>
-          </a:bodyPr>
-          <a:lstStyle/>
-          <a:p>
-            <a:pPr marL="0" marR="0" lvl="0" indent="0" defTabSz="913765" rtl="0" eaLnBrk="1" fontAlgn="auto" latinLnBrk="0" hangingPunct="1">
-              <a:lnSpc>
-                <a:spcPct val="100000"/>
-              </a:lnSpc>
-              <a:spcBef>
-                <a:spcPts val="0"/>
-              </a:spcBef>
-              <a:buClrTx/>
-              <a:buSzPct val="25000"/>
-              <a:buFontTx/>
-              <a:buNone/>
-              <a:defRPr/>
-            </a:pPr>
-            <a:r>
-              <a:rPr kumimoji="0" lang="zh-CN" altLang="en-US" sz="2400" i="0" u="none" strike="noStrike" kern="1200" cap="none" spc="0" normalizeH="0" baseline="0" noProof="0" dirty="0">
-                <a:ln>
-                  <a:noFill/>
-                </a:ln>
-                <a:uLnTx/>
-                <a:uFillTx/>
-                <a:latin typeface="OPPOSans H" panose="00020600040101010101" pitchFamily="18" charset="-122"/>
-                <a:ea typeface="OPPOSans H" panose="00020600040101010101" pitchFamily="18" charset="-122"/>
-                <a:cs typeface="OPPOSans H" panose="00020600040101010101" pitchFamily="18" charset="-122"/>
-                <a:sym typeface="Arial" panose="020B0604020202020204" pitchFamily="34" charset="0"/>
-              </a:rPr>
-              <a:t>分析</a:t>
-            </a:r>
-          </a:p>
-        </p:txBody>
-      </p:sp>
-      <p:sp>
-        <p:nvSpPr>
-          <p:cNvPr id="16" name="爱设计-11"/>
-          <p:cNvSpPr txBox="1"/>
-          <p:nvPr/>
-        </p:nvSpPr>
-        <p:spPr>
-          <a:xfrm>
-            <a:off x="1851003" y="1583120"/>
-            <a:ext cx="3104236" cy="830546"/>
-          </a:xfrm>
-          <a:prstGeom prst="rect">
-            <a:avLst/>
-          </a:prstGeom>
-          <a:noFill/>
-          <a:ln>
-            <a:noFill/>
-          </a:ln>
-          <a:effectLst/>
-        </p:spPr>
-        <p:txBody>
-          <a:bodyPr wrap="square" lIns="64008" tIns="32004" rIns="64008" bIns="32004" anchor="t" anchorCtr="0">
-            <a:noAutofit/>
-          </a:bodyPr>
-          <a:lstStyle/>
-          <a:p>
-            <a:pPr>
-              <a:lnSpc>
-                <a:spcPct val="130000"/>
-              </a:lnSpc>
-              <a:buSzPct val="25000"/>
-            </a:pPr>
-            <a:r>
-              <a:rPr lang="zh-CN" altLang="en-US" dirty="0">
-                <a:latin typeface="+mn-ea"/>
-                <a:cs typeface="OPPOSans R" panose="00020600040101010101" pitchFamily="18" charset="-122"/>
-                <a:sym typeface="Arial" panose="020B0604020202020204" pitchFamily="34" charset="0"/>
-              </a:rPr>
-              <a:t>好友私聊和日程分享功能</a:t>
-            </a:r>
-            <a:endParaRPr lang="en-US" altLang="zh-CN" dirty="0">
-              <a:latin typeface="+mn-ea"/>
-              <a:cs typeface="OPPOSans R" panose="00020600040101010101" pitchFamily="18" charset="-122"/>
-              <a:sym typeface="Arial" panose="020B0604020202020204" pitchFamily="34" charset="0"/>
-            </a:endParaRPr>
-          </a:p>
-          <a:p>
-            <a:pPr>
-              <a:lnSpc>
-                <a:spcPct val="130000"/>
-              </a:lnSpc>
-              <a:buSzPct val="25000"/>
-            </a:pPr>
-            <a:r>
-              <a:rPr lang="zh-CN" altLang="en-US" dirty="0">
-                <a:latin typeface="+mn-ea"/>
-                <a:cs typeface="OPPOSans R" panose="00020600040101010101" pitchFamily="18" charset="-122"/>
-                <a:sym typeface="Arial" panose="020B0604020202020204" pitchFamily="34" charset="0"/>
-              </a:rPr>
-              <a:t>数据量指数级上升</a:t>
-            </a:r>
-          </a:p>
-        </p:txBody>
-      </p:sp>
       <p:cxnSp>
         <p:nvCxnSpPr>
-          <p:cNvPr id="27" name="爱设计-19"/>
+          <p:cNvPr id="20" name="爱设计-6"/>
           <p:cNvCxnSpPr/>
           <p:nvPr/>
         </p:nvCxnSpPr>
         <p:spPr>
           <a:xfrm>
-            <a:off x="660400" y="6390421"/>
-            <a:ext cx="10814415" cy="0"/>
+            <a:off x="1737360" y="535499"/>
+            <a:ext cx="7559040" cy="0"/>
           </a:xfrm>
           <a:prstGeom prst="line">
             <a:avLst/>
           </a:prstGeom>
-          <a:ln w="19050">
+          <a:ln>
             <a:solidFill>
               <a:schemeClr val="tx1">
                 <a:lumMod val="75000"/>
@@ -3228,16 +2800,84 @@
           </a:fontRef>
         </p:style>
       </p:cxnSp>
+      <p:sp>
+        <p:nvSpPr>
+          <p:cNvPr id="33" name="爱设计-10-1"/>
+          <p:cNvSpPr txBox="1"/>
+          <p:nvPr/>
+        </p:nvSpPr>
+        <p:spPr>
+          <a:xfrm>
+            <a:off x="1073471" y="1245216"/>
+            <a:ext cx="10045058" cy="1726626"/>
+          </a:xfrm>
+          <a:prstGeom prst="rect">
+            <a:avLst/>
+          </a:prstGeom>
+          <a:noFill/>
+        </p:spPr>
+        <p:txBody>
+          <a:bodyPr wrap="square">
+            <a:spAutoFit/>
+          </a:bodyPr>
+          <a:lstStyle/>
+          <a:p>
+            <a:pPr algn="ctr"/>
+            <a:r>
+              <a:rPr lang="en-US" altLang="zh-CN" sz="10560" dirty="0">
+                <a:ln w="10477">
+                  <a:solidFill>
+                    <a:schemeClr val="tx1">
+                      <a:lumMod val="75000"/>
+                      <a:lumOff val="25000"/>
+                    </a:schemeClr>
+                  </a:solidFill>
+                </a:ln>
+                <a:latin typeface="字由文艺黑" panose="00020600040101010101" pitchFamily="18" charset="-122"/>
+                <a:ea typeface="字由文艺黑" panose="00020600040101010101" pitchFamily="18" charset="-122"/>
+              </a:rPr>
+              <a:t>02.</a:t>
+            </a:r>
+            <a:r>
+              <a:rPr lang="zh-CN" altLang="en-US" sz="10560" dirty="0">
+                <a:ln w="10477">
+                  <a:solidFill>
+                    <a:schemeClr val="tx1">
+                      <a:lumMod val="75000"/>
+                      <a:lumOff val="25000"/>
+                    </a:schemeClr>
+                  </a:solidFill>
+                </a:ln>
+                <a:latin typeface="字由文艺黑" panose="00020600040101010101" pitchFamily="18" charset="-122"/>
+                <a:ea typeface="字由文艺黑" panose="00020600040101010101" pitchFamily="18" charset="-122"/>
+              </a:rPr>
+              <a:t>设计机制</a:t>
+            </a:r>
+            <a:endParaRPr lang="zh-CN" altLang="en-US" sz="10560" dirty="0">
+              <a:ln w="10477">
+                <a:solidFill>
+                  <a:schemeClr val="tx1">
+                    <a:lumMod val="75000"/>
+                    <a:lumOff val="25000"/>
+                  </a:schemeClr>
+                </a:solidFill>
+              </a:ln>
+              <a:latin typeface="字由文艺黑" panose="00020600040101010101" pitchFamily="18" charset="-122"/>
+              <a:ea typeface="字由文艺黑" panose="00020600040101010101" pitchFamily="18" charset="-122"/>
+            </a:endParaRPr>
+          </a:p>
+        </p:txBody>
+      </p:sp>
       <p:pic>
         <p:nvPicPr>
-          <p:cNvPr id="24" name="图形 23"/>
+          <p:cNvPr id="2" name="图形 1"/>
           <p:cNvPicPr>
             <a:picLocks noChangeAspect="1"/>
           </p:cNvPicPr>
           <p:nvPr/>
         </p:nvPicPr>
         <p:blipFill>
-          <a:blip r:embed="rId3" cstate="print">
+          <a:blip r:embed="rId1" cstate="print">
             <a:extLst>
               <a:ext uri="{28A0092B-C50C-407E-A947-70E740481C1C}">
                 <a14:useLocalDpi xmlns:a14="http://schemas.microsoft.com/office/drawing/2010/main" val="0"/>
@@ -3258,171 +2898,270 @@
           </a:prstGeom>
         </p:spPr>
       </p:pic>
+      <p:cxnSp>
+        <p:nvCxnSpPr>
+          <p:cNvPr id="3" name="爱设计-3"/>
+          <p:cNvCxnSpPr/>
+          <p:nvPr/>
+        </p:nvCxnSpPr>
+        <p:spPr>
+          <a:xfrm>
+            <a:off x="660400" y="6501195"/>
+            <a:ext cx="10814415" cy="0"/>
+          </a:xfrm>
+          <a:prstGeom prst="line">
+            <a:avLst/>
+          </a:prstGeom>
+          <a:ln w="19050">
+            <a:solidFill>
+              <a:schemeClr val="tx1">
+                <a:lumMod val="75000"/>
+                <a:lumOff val="25000"/>
+              </a:schemeClr>
+            </a:solidFill>
+          </a:ln>
+        </p:spPr>
+        <p:style>
+          <a:lnRef idx="1">
+            <a:schemeClr val="accent1"/>
+          </a:lnRef>
+          <a:fillRef idx="0">
+            <a:schemeClr val="accent1"/>
+          </a:fillRef>
+          <a:effectRef idx="0">
+            <a:schemeClr val="accent1"/>
+          </a:effectRef>
+          <a:fontRef idx="minor">
+            <a:schemeClr val="tx1"/>
+          </a:fontRef>
+        </p:style>
+      </p:cxnSp>
+      <p:sp>
+        <p:nvSpPr>
+          <p:cNvPr id="6" name="爱设计-10-2"/>
+          <p:cNvSpPr txBox="1"/>
+          <p:nvPr>
+            <p:custDataLst>
+              <p:tags r:id="rId2"/>
+            </p:custDataLst>
+          </p:nvPr>
+        </p:nvSpPr>
+        <p:spPr>
+          <a:xfrm>
+            <a:off x="4095504" y="2790420"/>
+            <a:ext cx="4000987" cy="535531"/>
+          </a:xfrm>
+          <a:prstGeom prst="rect">
+            <a:avLst/>
+          </a:prstGeom>
+        </p:spPr>
+        <p:txBody>
+          <a:bodyPr wrap="square">
+            <a:spAutoFit/>
+          </a:bodyPr>
+          <a:lstStyle>
+            <a:lvl1pPr marL="228600" indent="-228600" algn="l" defTabSz="914400" rtl="0" eaLnBrk="1" latinLnBrk="0" hangingPunct="1">
+              <a:lnSpc>
+                <a:spcPct val="90000"/>
+              </a:lnSpc>
+              <a:spcBef>
+                <a:spcPts val="1000"/>
+              </a:spcBef>
+              <a:buFont typeface="Arial" panose="020B0604020202020204" pitchFamily="34" charset="0"/>
+              <a:buChar char="•"/>
+              <a:defRPr sz="1600" kern="1200">
+                <a:solidFill>
+                  <a:schemeClr val="tx1"/>
+                </a:solidFill>
+                <a:latin typeface="+mn-lt"/>
+                <a:ea typeface="+mn-ea"/>
+                <a:cs typeface="+mn-cs"/>
+              </a:defRPr>
+            </a:lvl1pPr>
+            <a:lvl2pPr marL="685800" indent="-228600" algn="l" defTabSz="914400" rtl="0" eaLnBrk="1" latinLnBrk="0" hangingPunct="1">
+              <a:lnSpc>
+                <a:spcPct val="90000"/>
+              </a:lnSpc>
+              <a:spcBef>
+                <a:spcPts val="500"/>
+              </a:spcBef>
+              <a:buFont typeface="Arial" panose="020B0604020202020204" pitchFamily="34" charset="0"/>
+              <a:buChar char="•"/>
+              <a:defRPr sz="1600" kern="1200">
+                <a:solidFill>
+                  <a:schemeClr val="tx1"/>
+                </a:solidFill>
+                <a:latin typeface="+mn-lt"/>
+                <a:ea typeface="+mn-ea"/>
+                <a:cs typeface="+mn-cs"/>
+              </a:defRPr>
+            </a:lvl2pPr>
+            <a:lvl3pPr marL="1143000" indent="-228600" algn="l" defTabSz="914400" rtl="0" eaLnBrk="1" latinLnBrk="0" hangingPunct="1">
+              <a:lnSpc>
+                <a:spcPct val="90000"/>
+              </a:lnSpc>
+              <a:spcBef>
+                <a:spcPts val="500"/>
+              </a:spcBef>
+              <a:buFont typeface="Arial" panose="020B0604020202020204" pitchFamily="34" charset="0"/>
+              <a:buChar char="•"/>
+              <a:defRPr sz="1600" kern="1200">
+                <a:solidFill>
+                  <a:schemeClr val="tx1"/>
+                </a:solidFill>
+                <a:latin typeface="+mn-lt"/>
+                <a:ea typeface="+mn-ea"/>
+                <a:cs typeface="+mn-cs"/>
+              </a:defRPr>
+            </a:lvl3pPr>
+            <a:lvl4pPr marL="1600200" indent="-228600" algn="l" defTabSz="914400" rtl="0" eaLnBrk="1" latinLnBrk="0" hangingPunct="1">
+              <a:lnSpc>
+                <a:spcPct val="90000"/>
+              </a:lnSpc>
+              <a:spcBef>
+                <a:spcPts val="500"/>
+              </a:spcBef>
+              <a:buFont typeface="Arial" panose="020B0604020202020204" pitchFamily="34" charset="0"/>
+              <a:buChar char="•"/>
+              <a:defRPr sz="1600" kern="1200">
+                <a:solidFill>
+                  <a:schemeClr val="tx1"/>
+                </a:solidFill>
+                <a:latin typeface="+mn-lt"/>
+                <a:ea typeface="+mn-ea"/>
+                <a:cs typeface="+mn-cs"/>
+              </a:defRPr>
+            </a:lvl4pPr>
+            <a:lvl5pPr marL="2057400" indent="-228600" algn="l" defTabSz="914400" rtl="0" eaLnBrk="1" latinLnBrk="0" hangingPunct="1">
+              <a:lnSpc>
+                <a:spcPct val="90000"/>
+              </a:lnSpc>
+              <a:spcBef>
+                <a:spcPts val="500"/>
+              </a:spcBef>
+              <a:buFont typeface="Arial" panose="020B0604020202020204" pitchFamily="34" charset="0"/>
+              <a:buChar char="•"/>
+              <a:defRPr sz="1600" kern="1200">
+                <a:solidFill>
+                  <a:schemeClr val="tx1"/>
+                </a:solidFill>
+                <a:latin typeface="+mn-lt"/>
+                <a:ea typeface="+mn-ea"/>
+                <a:cs typeface="+mn-cs"/>
+              </a:defRPr>
+            </a:lvl5pPr>
+            <a:lvl6pPr marL="2514600" indent="-228600" algn="l" defTabSz="914400" rtl="0" eaLnBrk="1" latinLnBrk="0" hangingPunct="1">
+              <a:lnSpc>
+                <a:spcPct val="90000"/>
+              </a:lnSpc>
+              <a:spcBef>
+                <a:spcPts val="500"/>
+              </a:spcBef>
+              <a:buFont typeface="Arial" panose="020B0604020202020204" pitchFamily="34" charset="0"/>
+              <a:buChar char="•"/>
+              <a:defRPr sz="1800" kern="1200">
+                <a:solidFill>
+                  <a:schemeClr val="tx1"/>
+                </a:solidFill>
+                <a:latin typeface="+mn-lt"/>
+                <a:ea typeface="+mn-ea"/>
+                <a:cs typeface="+mn-cs"/>
+              </a:defRPr>
+            </a:lvl6pPr>
+            <a:lvl7pPr marL="2971800" indent="-228600" algn="l" defTabSz="914400" rtl="0" eaLnBrk="1" latinLnBrk="0" hangingPunct="1">
+              <a:lnSpc>
+                <a:spcPct val="90000"/>
+              </a:lnSpc>
+              <a:spcBef>
+                <a:spcPts val="500"/>
+              </a:spcBef>
+              <a:buFont typeface="Arial" panose="020B0604020202020204" pitchFamily="34" charset="0"/>
+              <a:buChar char="•"/>
+              <a:defRPr sz="1800" kern="1200">
+                <a:solidFill>
+                  <a:schemeClr val="tx1"/>
+                </a:solidFill>
+                <a:latin typeface="+mn-lt"/>
+                <a:ea typeface="+mn-ea"/>
+                <a:cs typeface="+mn-cs"/>
+              </a:defRPr>
+            </a:lvl7pPr>
+            <a:lvl8pPr marL="3429000" indent="-228600" algn="l" defTabSz="914400" rtl="0" eaLnBrk="1" latinLnBrk="0" hangingPunct="1">
+              <a:lnSpc>
+                <a:spcPct val="90000"/>
+              </a:lnSpc>
+              <a:spcBef>
+                <a:spcPts val="500"/>
+              </a:spcBef>
+              <a:buFont typeface="Arial" panose="020B0604020202020204" pitchFamily="34" charset="0"/>
+              <a:buChar char="•"/>
+              <a:defRPr sz="1800" kern="1200">
+                <a:solidFill>
+                  <a:schemeClr val="tx1"/>
+                </a:solidFill>
+                <a:latin typeface="+mn-lt"/>
+                <a:ea typeface="+mn-ea"/>
+                <a:cs typeface="+mn-cs"/>
+              </a:defRPr>
+            </a:lvl8pPr>
+            <a:lvl9pPr marL="3886200" indent="-228600" algn="l" defTabSz="914400" rtl="0" eaLnBrk="1" latinLnBrk="0" hangingPunct="1">
+              <a:lnSpc>
+                <a:spcPct val="90000"/>
+              </a:lnSpc>
+              <a:spcBef>
+                <a:spcPts val="500"/>
+              </a:spcBef>
+              <a:buFont typeface="Arial" panose="020B0604020202020204" pitchFamily="34" charset="0"/>
+              <a:buChar char="•"/>
+              <a:defRPr sz="1800" kern="1200">
+                <a:solidFill>
+                  <a:schemeClr val="tx1"/>
+                </a:solidFill>
+                <a:latin typeface="+mn-lt"/>
+                <a:ea typeface="+mn-ea"/>
+                <a:cs typeface="+mn-cs"/>
+              </a:defRPr>
+            </a:lvl9pPr>
+          </a:lstStyle>
+          <a:p>
+            <a:pPr marL="0" indent="0" algn="ctr">
+              <a:buNone/>
+            </a:pPr>
+            <a:r>
+              <a:rPr lang="en-US" altLang="zh-CN" sz="3200" dirty="0"/>
+              <a:t>design mechanism</a:t>
+            </a:r>
+            <a:endParaRPr lang="zh-CN" altLang="en-US" sz="3200" dirty="0"/>
+          </a:p>
+        </p:txBody>
+      </p:sp>
       <p:pic>
         <p:nvPicPr>
-          <p:cNvPr id="33" name="图片 32"/>
+          <p:cNvPr id="5" name="图片 4"/>
           <p:cNvPicPr>
             <a:picLocks noChangeAspect="1"/>
           </p:cNvPicPr>
           <p:nvPr/>
         </p:nvPicPr>
         <p:blipFill>
-          <a:blip r:embed="rId4">
-            <a:extLst>
-              <a:ext uri="{28A0092B-C50C-407E-A947-70E740481C1C}">
-                <a14:useLocalDpi xmlns:a14="http://schemas.microsoft.com/office/drawing/2010/main" val="0"/>
-              </a:ext>
-            </a:extLst>
-          </a:blip>
+          <a:blip r:embed="rId3"/>
           <a:stretch>
             <a:fillRect/>
           </a:stretch>
         </p:blipFill>
         <p:spPr>
           <a:xfrm>
-            <a:off x="6461764" y="966828"/>
-            <a:ext cx="4328809" cy="3246607"/>
+            <a:off x="4734719" y="3319659"/>
+            <a:ext cx="2722561" cy="3172571"/>
           </a:xfrm>
           <a:prstGeom prst="rect">
             <a:avLst/>
           </a:prstGeom>
         </p:spPr>
       </p:pic>
-      <p:sp>
-        <p:nvSpPr>
-          <p:cNvPr id="37" name="爱设计-11"/>
-          <p:cNvSpPr txBox="1"/>
-          <p:nvPr/>
-        </p:nvSpPr>
-        <p:spPr>
-          <a:xfrm>
-            <a:off x="1851003" y="2684458"/>
-            <a:ext cx="3104236" cy="1906192"/>
-          </a:xfrm>
-          <a:prstGeom prst="rect">
-            <a:avLst/>
-          </a:prstGeom>
-          <a:noFill/>
-          <a:ln>
-            <a:noFill/>
-          </a:ln>
-          <a:effectLst/>
-        </p:spPr>
-        <p:txBody>
-          <a:bodyPr wrap="square" lIns="64008" tIns="32004" rIns="64008" bIns="32004" anchor="t" anchorCtr="0">
-            <a:noAutofit/>
-          </a:bodyPr>
-          <a:lstStyle/>
-          <a:p>
-            <a:pPr>
-              <a:lnSpc>
-                <a:spcPct val="130000"/>
-              </a:lnSpc>
-              <a:buSzPct val="25000"/>
-            </a:pPr>
-            <a:r>
-              <a:rPr lang="zh-CN" altLang="en-US" dirty="0">
-                <a:latin typeface="+mn-ea"/>
-                <a:cs typeface="OPPOSans R" panose="00020600040101010101" pitchFamily="18" charset="-122"/>
-                <a:sym typeface="Arial" panose="020B0604020202020204" pitchFamily="34" charset="0"/>
-              </a:rPr>
-              <a:t>数据的存取？</a:t>
-            </a:r>
-            <a:endParaRPr lang="en-US" altLang="zh-CN" dirty="0">
-              <a:latin typeface="+mn-ea"/>
-              <a:cs typeface="OPPOSans R" panose="00020600040101010101" pitchFamily="18" charset="-122"/>
-              <a:sym typeface="Arial" panose="020B0604020202020204" pitchFamily="34" charset="0"/>
-            </a:endParaRPr>
-          </a:p>
-          <a:p>
-            <a:pPr>
-              <a:lnSpc>
-                <a:spcPct val="130000"/>
-              </a:lnSpc>
-              <a:buSzPct val="25000"/>
-            </a:pPr>
-            <a:r>
-              <a:rPr lang="zh-CN" altLang="en-US" dirty="0">
-                <a:latin typeface="+mn-ea"/>
-                <a:cs typeface="OPPOSans R" panose="00020600040101010101" pitchFamily="18" charset="-122"/>
-                <a:sym typeface="Arial" panose="020B0604020202020204" pitchFamily="34" charset="0"/>
-              </a:rPr>
-              <a:t>管理？</a:t>
-            </a:r>
-            <a:endParaRPr lang="en-US" altLang="zh-CN" dirty="0">
-              <a:latin typeface="+mn-ea"/>
-              <a:cs typeface="OPPOSans R" panose="00020600040101010101" pitchFamily="18" charset="-122"/>
-              <a:sym typeface="Arial" panose="020B0604020202020204" pitchFamily="34" charset="0"/>
-            </a:endParaRPr>
-          </a:p>
-          <a:p>
-            <a:pPr>
-              <a:lnSpc>
-                <a:spcPct val="130000"/>
-              </a:lnSpc>
-              <a:buSzPct val="25000"/>
-            </a:pPr>
-            <a:r>
-              <a:rPr lang="zh-CN" altLang="en-US" dirty="0">
-                <a:latin typeface="+mn-ea"/>
-                <a:cs typeface="OPPOSans R" panose="00020600040101010101" pitchFamily="18" charset="-122"/>
-                <a:sym typeface="Arial" panose="020B0604020202020204" pitchFamily="34" charset="0"/>
-              </a:rPr>
-              <a:t>安全性和一致性？</a:t>
-            </a:r>
-            <a:endParaRPr lang="en-US" altLang="zh-CN" dirty="0">
-              <a:latin typeface="+mn-ea"/>
-              <a:cs typeface="OPPOSans R" panose="00020600040101010101" pitchFamily="18" charset="-122"/>
-              <a:sym typeface="Arial" panose="020B0604020202020204" pitchFamily="34" charset="0"/>
-            </a:endParaRPr>
-          </a:p>
-          <a:p>
-            <a:pPr>
-              <a:lnSpc>
-                <a:spcPct val="130000"/>
-              </a:lnSpc>
-              <a:buSzPct val="25000"/>
-            </a:pPr>
-            <a:r>
-              <a:rPr lang="zh-CN" altLang="en-US" dirty="0">
-                <a:latin typeface="+mn-ea"/>
-                <a:cs typeface="OPPOSans R" panose="00020600040101010101" pitchFamily="18" charset="-122"/>
-                <a:sym typeface="Arial" panose="020B0604020202020204" pitchFamily="34" charset="0"/>
-              </a:rPr>
-              <a:t>访问方式？</a:t>
-            </a:r>
-            <a:endParaRPr lang="en-US" altLang="zh-CN" dirty="0">
-              <a:latin typeface="+mn-ea"/>
-              <a:cs typeface="OPPOSans R" panose="00020600040101010101" pitchFamily="18" charset="-122"/>
-              <a:sym typeface="Arial" panose="020B0604020202020204" pitchFamily="34" charset="0"/>
-            </a:endParaRPr>
-          </a:p>
-          <a:p>
-            <a:pPr>
-              <a:lnSpc>
-                <a:spcPct val="130000"/>
-              </a:lnSpc>
-              <a:buSzPct val="25000"/>
-            </a:pPr>
-            <a:r>
-              <a:rPr lang="en-US" altLang="zh-CN" dirty="0">
-                <a:latin typeface="+mn-ea"/>
-                <a:cs typeface="OPPOSans R" panose="00020600040101010101" pitchFamily="18" charset="-122"/>
-                <a:sym typeface="Arial" panose="020B0604020202020204" pitchFamily="34" charset="0"/>
-              </a:rPr>
-              <a:t>……</a:t>
-            </a:r>
-            <a:endParaRPr lang="zh-CN" altLang="en-US" dirty="0">
-              <a:latin typeface="+mn-ea"/>
-              <a:cs typeface="OPPOSans R" panose="00020600040101010101" pitchFamily="18" charset="-122"/>
-              <a:sym typeface="Arial" panose="020B0604020202020204" pitchFamily="34" charset="0"/>
-            </a:endParaRPr>
-          </a:p>
-        </p:txBody>
-      </p:sp>
     </p:spTree>
     <p:custDataLst>
-      <p:tags r:id="rId1"/>
+      <p:tags r:id="rId4"/>
     </p:custDataLst>
   </p:cSld>
   <p:clrMapOvr>
@@ -3485,6 +3224,578 @@
           </a:bodyPr>
           <a:lstStyle/>
           <a:p>
+            <a:r>
+              <a:rPr lang="zh-CN" altLang="en-US" sz="3200" dirty="0">
+                <a:latin typeface="+mj-ea"/>
+                <a:ea typeface="+mj-ea"/>
+              </a:rPr>
+              <a:t>数据持久机制</a:t>
+            </a:r>
+            <a:endParaRPr lang="zh-CN" altLang="en-US" sz="3200" dirty="0">
+              <a:latin typeface="+mj-ea"/>
+              <a:ea typeface="+mj-ea"/>
+            </a:endParaRPr>
+          </a:p>
+        </p:txBody>
+      </p:sp>
+      <p:sp>
+        <p:nvSpPr>
+          <p:cNvPr id="2" name="爱设计-3"/>
+          <p:cNvSpPr txBox="1"/>
+          <p:nvPr/>
+        </p:nvSpPr>
+        <p:spPr>
+          <a:xfrm>
+            <a:off x="533554" y="1095598"/>
+            <a:ext cx="3104235" cy="369332"/>
+          </a:xfrm>
+          <a:prstGeom prst="rect">
+            <a:avLst/>
+          </a:prstGeom>
+          <a:noFill/>
+        </p:spPr>
+        <p:txBody>
+          <a:bodyPr wrap="square" rtlCol="0">
+            <a:spAutoFit/>
+          </a:bodyPr>
+          <a:lstStyle/>
+          <a:p>
+            <a:pPr marL="0" marR="0" lvl="0" indent="0" defTabSz="914400" rtl="0" eaLnBrk="1" fontAlgn="auto" latinLnBrk="0" hangingPunct="1">
+              <a:lnSpc>
+                <a:spcPct val="100000"/>
+              </a:lnSpc>
+              <a:spcBef>
+                <a:spcPts val="0"/>
+              </a:spcBef>
+              <a:spcAft>
+                <a:spcPts val="0"/>
+              </a:spcAft>
+              <a:buClrTx/>
+              <a:buSzTx/>
+              <a:buFontTx/>
+              <a:buNone/>
+              <a:defRPr/>
+            </a:pPr>
+            <a:r>
+              <a:rPr kumimoji="0" lang="en-US" altLang="zh-CN" b="0" i="0" u="none" strike="noStrike" kern="1200" cap="none" spc="0" normalizeH="0" baseline="0" noProof="0" dirty="0">
+                <a:ln>
+                  <a:noFill/>
+                </a:ln>
+                <a:solidFill>
+                  <a:schemeClr val="tx1">
+                    <a:lumMod val="75000"/>
+                    <a:lumOff val="25000"/>
+                  </a:schemeClr>
+                </a:solidFill>
+                <a:effectLst/>
+                <a:uLnTx/>
+                <a:uFillTx/>
+                <a:latin typeface="+mn-ea"/>
+                <a:cs typeface="OPPOSans M" panose="00020600040101010101" pitchFamily="18" charset="-122"/>
+              </a:rPr>
+              <a:t>Data Persistence</a:t>
+            </a:r>
+            <a:endParaRPr kumimoji="0" lang="en-US" altLang="zh-CN" b="0" i="0" u="none" strike="noStrike" kern="1200" cap="none" spc="0" normalizeH="0" baseline="0" noProof="0" dirty="0">
+              <a:ln>
+                <a:noFill/>
+              </a:ln>
+              <a:solidFill>
+                <a:schemeClr val="tx1">
+                  <a:lumMod val="75000"/>
+                  <a:lumOff val="25000"/>
+                </a:schemeClr>
+              </a:solidFill>
+              <a:effectLst/>
+              <a:uLnTx/>
+              <a:uFillTx/>
+              <a:latin typeface="+mn-ea"/>
+              <a:cs typeface="OPPOSans M" panose="00020600040101010101" pitchFamily="18" charset="-122"/>
+            </a:endParaRPr>
+          </a:p>
+        </p:txBody>
+      </p:sp>
+      <p:sp>
+        <p:nvSpPr>
+          <p:cNvPr id="4" name="爱设计-4"/>
+          <p:cNvSpPr/>
+          <p:nvPr/>
+        </p:nvSpPr>
+        <p:spPr>
+          <a:xfrm>
+            <a:off x="505746" y="1627587"/>
+            <a:ext cx="1189785" cy="681272"/>
+          </a:xfrm>
+          <a:prstGeom prst="roundRect">
+            <a:avLst>
+              <a:gd name="adj" fmla="val 4605"/>
+            </a:avLst>
+          </a:prstGeom>
+          <a:solidFill>
+            <a:schemeClr val="bg1">
+              <a:lumMod val="95000"/>
+            </a:schemeClr>
+          </a:solidFill>
+          <a:ln>
+            <a:noFill/>
+          </a:ln>
+          <a:effectLst/>
+        </p:spPr>
+        <p:style>
+          <a:lnRef idx="2">
+            <a:schemeClr val="accent1">
+              <a:shade val="50000"/>
+            </a:schemeClr>
+          </a:lnRef>
+          <a:fillRef idx="1">
+            <a:schemeClr val="accent1"/>
+          </a:fillRef>
+          <a:effectRef idx="0">
+            <a:schemeClr val="accent1"/>
+          </a:effectRef>
+          <a:fontRef idx="minor">
+            <a:schemeClr val="lt1"/>
+          </a:fontRef>
+        </p:style>
+        <p:txBody>
+          <a:bodyPr rtlCol="0" anchor="ctr"/>
+          <a:lstStyle/>
+          <a:p>
+            <a:pPr algn="ctr"/>
+            <a:endParaRPr lang="zh-CN" altLang="en-US" dirty="0"/>
+          </a:p>
+        </p:txBody>
+      </p:sp>
+      <p:sp>
+        <p:nvSpPr>
+          <p:cNvPr id="9" name="爱设计-5"/>
+          <p:cNvSpPr txBox="1"/>
+          <p:nvPr/>
+        </p:nvSpPr>
+        <p:spPr>
+          <a:xfrm>
+            <a:off x="661218" y="1821214"/>
+            <a:ext cx="878840" cy="294017"/>
+          </a:xfrm>
+          <a:prstGeom prst="rect">
+            <a:avLst/>
+          </a:prstGeom>
+          <a:noFill/>
+          <a:ln>
+            <a:noFill/>
+          </a:ln>
+          <a:effectLst/>
+        </p:spPr>
+        <p:txBody>
+          <a:bodyPr wrap="square" lIns="64008" tIns="32004" rIns="64008" bIns="32004" anchor="ctr" anchorCtr="0">
+            <a:noAutofit/>
+          </a:bodyPr>
+          <a:lstStyle/>
+          <a:p>
+            <a:pPr marL="0" marR="0" lvl="0" indent="0" defTabSz="913765" rtl="0" eaLnBrk="1" fontAlgn="auto" latinLnBrk="0" hangingPunct="1">
+              <a:lnSpc>
+                <a:spcPct val="100000"/>
+              </a:lnSpc>
+              <a:spcBef>
+                <a:spcPts val="0"/>
+              </a:spcBef>
+              <a:buClrTx/>
+              <a:buSzPct val="25000"/>
+              <a:buFontTx/>
+              <a:buNone/>
+              <a:defRPr/>
+            </a:pPr>
+            <a:r>
+              <a:rPr kumimoji="0" lang="zh-CN" altLang="en-US" sz="2400" i="0" u="none" strike="noStrike" kern="1200" cap="none" spc="0" normalizeH="0" baseline="0" noProof="0" dirty="0">
+                <a:ln>
+                  <a:noFill/>
+                </a:ln>
+                <a:uLnTx/>
+                <a:uFillTx/>
+                <a:latin typeface="OPPOSans H" panose="00020600040101010101" pitchFamily="18" charset="-122"/>
+                <a:ea typeface="OPPOSans H" panose="00020600040101010101" pitchFamily="18" charset="-122"/>
+                <a:cs typeface="OPPOSans H" panose="00020600040101010101" pitchFamily="18" charset="-122"/>
+                <a:sym typeface="Arial" panose="020B0604020202020204" pitchFamily="34" charset="0"/>
+              </a:rPr>
+              <a:t>分析</a:t>
+            </a:r>
+            <a:endParaRPr kumimoji="0" lang="zh-CN" altLang="en-US" sz="2400" i="0" u="none" strike="noStrike" kern="1200" cap="none" spc="0" normalizeH="0" baseline="0" noProof="0" dirty="0">
+              <a:ln>
+                <a:noFill/>
+              </a:ln>
+              <a:uLnTx/>
+              <a:uFillTx/>
+              <a:latin typeface="OPPOSans H" panose="00020600040101010101" pitchFamily="18" charset="-122"/>
+              <a:ea typeface="OPPOSans H" panose="00020600040101010101" pitchFamily="18" charset="-122"/>
+              <a:cs typeface="OPPOSans H" panose="00020600040101010101" pitchFamily="18" charset="-122"/>
+              <a:sym typeface="Arial" panose="020B0604020202020204" pitchFamily="34" charset="0"/>
+            </a:endParaRPr>
+          </a:p>
+        </p:txBody>
+      </p:sp>
+      <p:sp>
+        <p:nvSpPr>
+          <p:cNvPr id="16" name="爱设计-11"/>
+          <p:cNvSpPr txBox="1"/>
+          <p:nvPr/>
+        </p:nvSpPr>
+        <p:spPr>
+          <a:xfrm>
+            <a:off x="1851003" y="1583120"/>
+            <a:ext cx="3104236" cy="830546"/>
+          </a:xfrm>
+          <a:prstGeom prst="rect">
+            <a:avLst/>
+          </a:prstGeom>
+          <a:noFill/>
+          <a:ln>
+            <a:noFill/>
+          </a:ln>
+          <a:effectLst/>
+        </p:spPr>
+        <p:txBody>
+          <a:bodyPr wrap="square" lIns="64008" tIns="32004" rIns="64008" bIns="32004" anchor="t" anchorCtr="0">
+            <a:noAutofit/>
+          </a:bodyPr>
+          <a:lstStyle/>
+          <a:p>
+            <a:pPr>
+              <a:lnSpc>
+                <a:spcPct val="130000"/>
+              </a:lnSpc>
+              <a:buSzPct val="25000"/>
+            </a:pPr>
+            <a:r>
+              <a:rPr lang="zh-CN" altLang="en-US" dirty="0">
+                <a:latin typeface="+mn-ea"/>
+                <a:cs typeface="OPPOSans R" panose="00020600040101010101" pitchFamily="18" charset="-122"/>
+                <a:sym typeface="Arial" panose="020B0604020202020204" pitchFamily="34" charset="0"/>
+              </a:rPr>
+              <a:t>好友私聊和日程分享功能</a:t>
+            </a:r>
+            <a:endParaRPr lang="en-US" altLang="zh-CN" dirty="0">
+              <a:latin typeface="+mn-ea"/>
+              <a:cs typeface="OPPOSans R" panose="00020600040101010101" pitchFamily="18" charset="-122"/>
+              <a:sym typeface="Arial" panose="020B0604020202020204" pitchFamily="34" charset="0"/>
+            </a:endParaRPr>
+          </a:p>
+          <a:p>
+            <a:pPr>
+              <a:lnSpc>
+                <a:spcPct val="130000"/>
+              </a:lnSpc>
+              <a:buSzPct val="25000"/>
+            </a:pPr>
+            <a:r>
+              <a:rPr lang="zh-CN" altLang="en-US" dirty="0">
+                <a:latin typeface="+mn-ea"/>
+                <a:cs typeface="OPPOSans R" panose="00020600040101010101" pitchFamily="18" charset="-122"/>
+                <a:sym typeface="Arial" panose="020B0604020202020204" pitchFamily="34" charset="0"/>
+              </a:rPr>
+              <a:t>数据量指数级上升</a:t>
+            </a:r>
+            <a:endParaRPr lang="zh-CN" altLang="en-US" dirty="0">
+              <a:latin typeface="+mn-ea"/>
+              <a:cs typeface="OPPOSans R" panose="00020600040101010101" pitchFamily="18" charset="-122"/>
+              <a:sym typeface="Arial" panose="020B0604020202020204" pitchFamily="34" charset="0"/>
+            </a:endParaRPr>
+          </a:p>
+        </p:txBody>
+      </p:sp>
+      <p:cxnSp>
+        <p:nvCxnSpPr>
+          <p:cNvPr id="27" name="爱设计-19"/>
+          <p:cNvCxnSpPr/>
+          <p:nvPr/>
+        </p:nvCxnSpPr>
+        <p:spPr>
+          <a:xfrm>
+            <a:off x="660400" y="6390421"/>
+            <a:ext cx="10814415" cy="0"/>
+          </a:xfrm>
+          <a:prstGeom prst="line">
+            <a:avLst/>
+          </a:prstGeom>
+          <a:ln w="19050">
+            <a:solidFill>
+              <a:schemeClr val="tx1">
+                <a:lumMod val="75000"/>
+                <a:lumOff val="25000"/>
+              </a:schemeClr>
+            </a:solidFill>
+          </a:ln>
+        </p:spPr>
+        <p:style>
+          <a:lnRef idx="1">
+            <a:schemeClr val="accent1"/>
+          </a:lnRef>
+          <a:fillRef idx="0">
+            <a:schemeClr val="accent1"/>
+          </a:fillRef>
+          <a:effectRef idx="0">
+            <a:schemeClr val="accent1"/>
+          </a:effectRef>
+          <a:fontRef idx="minor">
+            <a:schemeClr val="tx1"/>
+          </a:fontRef>
+        </p:style>
+      </p:cxnSp>
+      <p:pic>
+        <p:nvPicPr>
+          <p:cNvPr id="24" name="图形 23"/>
+          <p:cNvPicPr>
+            <a:picLocks noChangeAspect="1"/>
+          </p:cNvPicPr>
+          <p:nvPr/>
+        </p:nvPicPr>
+        <p:blipFill>
+          <a:blip r:embed="rId1" cstate="print">
+            <a:extLst>
+              <a:ext uri="{28A0092B-C50C-407E-A947-70E740481C1C}">
+                <a14:useLocalDpi xmlns:a14="http://schemas.microsoft.com/office/drawing/2010/main" val="0"/>
+              </a:ext>
+            </a:extLst>
+          </a:blip>
+          <a:stretch>
+            <a:fillRect/>
+          </a:stretch>
+        </p:blipFill>
+        <p:spPr>
+          <a:xfrm>
+            <a:off x="10723900" y="0"/>
+            <a:ext cx="1468100" cy="1468100"/>
+          </a:xfrm>
+          <a:prstGeom prst="rect">
+            <a:avLst/>
+          </a:prstGeom>
+        </p:spPr>
+      </p:pic>
+      <p:pic>
+        <p:nvPicPr>
+          <p:cNvPr id="33" name="图片 32"/>
+          <p:cNvPicPr>
+            <a:picLocks noChangeAspect="1"/>
+          </p:cNvPicPr>
+          <p:nvPr/>
+        </p:nvPicPr>
+        <p:blipFill>
+          <a:blip r:embed="rId2">
+            <a:extLst>
+              <a:ext uri="{28A0092B-C50C-407E-A947-70E740481C1C}">
+                <a14:useLocalDpi xmlns:a14="http://schemas.microsoft.com/office/drawing/2010/main" val="0"/>
+              </a:ext>
+            </a:extLst>
+          </a:blip>
+          <a:stretch>
+            <a:fillRect/>
+          </a:stretch>
+        </p:blipFill>
+        <p:spPr>
+          <a:xfrm>
+            <a:off x="6461764" y="966828"/>
+            <a:ext cx="4328809" cy="3246607"/>
+          </a:xfrm>
+          <a:prstGeom prst="rect">
+            <a:avLst/>
+          </a:prstGeom>
+        </p:spPr>
+      </p:pic>
+      <p:sp>
+        <p:nvSpPr>
+          <p:cNvPr id="37" name="爱设计-11"/>
+          <p:cNvSpPr txBox="1"/>
+          <p:nvPr/>
+        </p:nvSpPr>
+        <p:spPr>
+          <a:xfrm>
+            <a:off x="1851003" y="2684458"/>
+            <a:ext cx="3104236" cy="1906192"/>
+          </a:xfrm>
+          <a:prstGeom prst="rect">
+            <a:avLst/>
+          </a:prstGeom>
+          <a:noFill/>
+          <a:ln>
+            <a:noFill/>
+          </a:ln>
+          <a:effectLst/>
+        </p:spPr>
+        <p:txBody>
+          <a:bodyPr wrap="square" lIns="64008" tIns="32004" rIns="64008" bIns="32004" anchor="t" anchorCtr="0">
+            <a:noAutofit/>
+          </a:bodyPr>
+          <a:lstStyle/>
+          <a:p>
+            <a:pPr>
+              <a:lnSpc>
+                <a:spcPct val="130000"/>
+              </a:lnSpc>
+              <a:buSzPct val="25000"/>
+            </a:pPr>
+            <a:r>
+              <a:rPr lang="zh-CN" altLang="en-US" dirty="0">
+                <a:latin typeface="+mn-ea"/>
+                <a:cs typeface="OPPOSans R" panose="00020600040101010101" pitchFamily="18" charset="-122"/>
+                <a:sym typeface="Arial" panose="020B0604020202020204" pitchFamily="34" charset="0"/>
+              </a:rPr>
+              <a:t>数据的存取？</a:t>
+            </a:r>
+            <a:endParaRPr lang="en-US" altLang="zh-CN" dirty="0">
+              <a:latin typeface="+mn-ea"/>
+              <a:cs typeface="OPPOSans R" panose="00020600040101010101" pitchFamily="18" charset="-122"/>
+              <a:sym typeface="Arial" panose="020B0604020202020204" pitchFamily="34" charset="0"/>
+            </a:endParaRPr>
+          </a:p>
+          <a:p>
+            <a:pPr>
+              <a:lnSpc>
+                <a:spcPct val="130000"/>
+              </a:lnSpc>
+              <a:buSzPct val="25000"/>
+            </a:pPr>
+            <a:r>
+              <a:rPr lang="zh-CN" altLang="en-US" dirty="0">
+                <a:latin typeface="+mn-ea"/>
+                <a:cs typeface="OPPOSans R" panose="00020600040101010101" pitchFamily="18" charset="-122"/>
+                <a:sym typeface="Arial" panose="020B0604020202020204" pitchFamily="34" charset="0"/>
+              </a:rPr>
+              <a:t>管理？</a:t>
+            </a:r>
+            <a:endParaRPr lang="en-US" altLang="zh-CN" dirty="0">
+              <a:latin typeface="+mn-ea"/>
+              <a:cs typeface="OPPOSans R" panose="00020600040101010101" pitchFamily="18" charset="-122"/>
+              <a:sym typeface="Arial" panose="020B0604020202020204" pitchFamily="34" charset="0"/>
+            </a:endParaRPr>
+          </a:p>
+          <a:p>
+            <a:pPr>
+              <a:lnSpc>
+                <a:spcPct val="130000"/>
+              </a:lnSpc>
+              <a:buSzPct val="25000"/>
+            </a:pPr>
+            <a:r>
+              <a:rPr lang="zh-CN" altLang="en-US" dirty="0">
+                <a:latin typeface="+mn-ea"/>
+                <a:cs typeface="OPPOSans R" panose="00020600040101010101" pitchFamily="18" charset="-122"/>
+                <a:sym typeface="Arial" panose="020B0604020202020204" pitchFamily="34" charset="0"/>
+              </a:rPr>
+              <a:t>安全性和一致性？</a:t>
+            </a:r>
+            <a:endParaRPr lang="en-US" altLang="zh-CN" dirty="0">
+              <a:latin typeface="+mn-ea"/>
+              <a:cs typeface="OPPOSans R" panose="00020600040101010101" pitchFamily="18" charset="-122"/>
+              <a:sym typeface="Arial" panose="020B0604020202020204" pitchFamily="34" charset="0"/>
+            </a:endParaRPr>
+          </a:p>
+          <a:p>
+            <a:pPr>
+              <a:lnSpc>
+                <a:spcPct val="130000"/>
+              </a:lnSpc>
+              <a:buSzPct val="25000"/>
+            </a:pPr>
+            <a:r>
+              <a:rPr lang="zh-CN" altLang="en-US" dirty="0">
+                <a:latin typeface="+mn-ea"/>
+                <a:cs typeface="OPPOSans R" panose="00020600040101010101" pitchFamily="18" charset="-122"/>
+                <a:sym typeface="Arial" panose="020B0604020202020204" pitchFamily="34" charset="0"/>
+              </a:rPr>
+              <a:t>访问方式？</a:t>
+            </a:r>
+            <a:endParaRPr lang="en-US" altLang="zh-CN" dirty="0">
+              <a:latin typeface="+mn-ea"/>
+              <a:cs typeface="OPPOSans R" panose="00020600040101010101" pitchFamily="18" charset="-122"/>
+              <a:sym typeface="Arial" panose="020B0604020202020204" pitchFamily="34" charset="0"/>
+            </a:endParaRPr>
+          </a:p>
+          <a:p>
+            <a:pPr>
+              <a:lnSpc>
+                <a:spcPct val="130000"/>
+              </a:lnSpc>
+              <a:buSzPct val="25000"/>
+            </a:pPr>
+            <a:r>
+              <a:rPr lang="en-US" altLang="zh-CN" dirty="0">
+                <a:latin typeface="+mn-ea"/>
+                <a:cs typeface="OPPOSans R" panose="00020600040101010101" pitchFamily="18" charset="-122"/>
+                <a:sym typeface="Arial" panose="020B0604020202020204" pitchFamily="34" charset="0"/>
+              </a:rPr>
+              <a:t>……</a:t>
+            </a:r>
+            <a:endParaRPr lang="zh-CN" altLang="en-US" dirty="0">
+              <a:latin typeface="+mn-ea"/>
+              <a:cs typeface="OPPOSans R" panose="00020600040101010101" pitchFamily="18" charset="-122"/>
+              <a:sym typeface="Arial" panose="020B0604020202020204" pitchFamily="34" charset="0"/>
+            </a:endParaRPr>
+          </a:p>
+        </p:txBody>
+      </p:sp>
+    </p:spTree>
+    <p:custDataLst>
+      <p:tags r:id="rId3"/>
+    </p:custDataLst>
+  </p:cSld>
+  <p:clrMapOvr>
+    <a:masterClrMapping/>
+  </p:clrMapOvr>
+</p:sld>
+</file>
+
+<file path=ppt/slides/slide15.xml><?xml version="1.0" encoding="utf-8"?>
+<p:sld xmlns:a="http://schemas.openxmlformats.org/drawingml/2006/main" xmlns:r="http://schemas.openxmlformats.org/officeDocument/2006/relationships" xmlns:p="http://schemas.openxmlformats.org/presentationml/2006/main">
+  <p:cSld>
+    <p:bg>
+      <p:bgPr>
+        <a:pattFill prst="lgGrid">
+          <a:fgClr>
+            <a:schemeClr val="bg1">
+              <a:lumMod val="95000"/>
+            </a:schemeClr>
+          </a:fgClr>
+          <a:bgClr>
+            <a:schemeClr val="bg1"/>
+          </a:bgClr>
+        </a:pattFill>
+        <a:effectLst/>
+      </p:bgPr>
+    </p:bg>
+    <p:spTree>
+      <p:nvGrpSpPr>
+        <p:cNvPr id="1" name=""/>
+        <p:cNvGrpSpPr/>
+        <p:nvPr/>
+      </p:nvGrpSpPr>
+      <p:grpSpPr>
+        <a:xfrm>
+          <a:off x="0" y="0"/>
+          <a:ext cx="0" cy="0"/>
+          <a:chOff x="0" y="0"/>
+          <a:chExt cx="0" cy="0"/>
+        </a:xfrm>
+      </p:grpSpPr>
+      <p:sp>
+        <p:nvSpPr>
+          <p:cNvPr id="3" name="爱设计-2"/>
+          <p:cNvSpPr txBox="1"/>
+          <p:nvPr/>
+        </p:nvSpPr>
+        <p:spPr>
+          <a:xfrm>
+            <a:off x="533554" y="546265"/>
+            <a:ext cx="5469903" cy="584775"/>
+          </a:xfrm>
+          <a:prstGeom prst="rect">
+            <a:avLst/>
+          </a:prstGeom>
+          <a:noFill/>
+        </p:spPr>
+        <p:txBody>
+          <a:bodyPr wrap="square">
+            <a:spAutoFit/>
+          </a:bodyPr>
+          <a:lstStyle/>
+          <a:p>
             <a:pPr marL="0" marR="0" lvl="0" indent="0" algn="l" defTabSz="914400" rtl="0" eaLnBrk="1" fontAlgn="auto" latinLnBrk="0" hangingPunct="1">
               <a:lnSpc>
                 <a:spcPct val="100000"/>
@@ -3518,6 +3829,20 @@
               </a:rPr>
               <a:t>数据持久机制</a:t>
             </a:r>
+            <a:endParaRPr kumimoji="0" lang="zh-CN" altLang="en-US" sz="3200" b="0" i="0" u="none" strike="noStrike" kern="1200" cap="none" spc="0" normalizeH="0" baseline="0" noProof="0" dirty="0">
+              <a:ln>
+                <a:noFill/>
+              </a:ln>
+              <a:solidFill>
+                <a:prstClr val="black"/>
+              </a:solidFill>
+              <a:effectLst/>
+              <a:uLnTx/>
+              <a:uFillTx/>
+              <a:latin typeface="+mj-ea"/>
+              <a:ea typeface="OPPOSans H"/>
+              <a:cs typeface="+mn-cs"/>
+            </a:endParaRPr>
           </a:p>
         </p:txBody>
       </p:sp>
@@ -3578,6 +3903,22 @@
               </a:rPr>
               <a:t>Data Persistence</a:t>
             </a:r>
+            <a:endParaRPr kumimoji="0" lang="en-US" altLang="zh-CN" sz="1800" b="0" i="0" u="none" strike="noStrike" kern="1200" cap="none" spc="0" normalizeH="0" baseline="0" noProof="0" dirty="0">
+              <a:ln>
+                <a:noFill/>
+              </a:ln>
+              <a:solidFill>
+                <a:prstClr val="black">
+                  <a:lumMod val="75000"/>
+                  <a:lumOff val="25000"/>
+                </a:prstClr>
+              </a:solidFill>
+              <a:effectLst/>
+              <a:uLnTx/>
+              <a:uFillTx/>
+              <a:latin typeface="OPPOSans L"/>
+              <a:cs typeface="OPPOSans M" panose="00020600040101010101" pitchFamily="18" charset="-122"/>
+            </a:endParaRPr>
           </a:p>
         </p:txBody>
       </p:sp>
@@ -3802,6 +4143,20 @@
               </a:rPr>
               <a:t>允许应用程序将数据从内存中持久化到物理存储介质中，以便在需要时进行读取和修改。</a:t>
             </a:r>
+            <a:endParaRPr kumimoji="0" lang="zh-CN" altLang="en-US" sz="1800" b="0" i="0" u="none" strike="noStrike" kern="1200" cap="none" spc="0" normalizeH="0" baseline="0" noProof="0" dirty="0">
+              <a:ln>
+                <a:noFill/>
+              </a:ln>
+              <a:solidFill>
+                <a:prstClr val="black"/>
+              </a:solidFill>
+              <a:effectLst/>
+              <a:uLnTx/>
+              <a:uFillTx/>
+              <a:latin typeface="OPPOSans L"/>
+              <a:cs typeface="OPPOSans R" panose="00020600040101010101" pitchFamily="18" charset="-122"/>
+              <a:sym typeface="Arial" panose="020B0604020202020204" pitchFamily="34" charset="0"/>
+            </a:endParaRPr>
           </a:p>
         </p:txBody>
       </p:sp>
@@ -3852,7 +4207,7 @@
           <p:nvPr/>
         </p:nvPicPr>
         <p:blipFill>
-          <a:blip r:embed="rId3" cstate="print">
+          <a:blip r:embed="rId1" cstate="print">
             <a:extLst>
               <a:ext uri="{28A0092B-C50C-407E-A947-70E740481C1C}">
                 <a14:useLocalDpi xmlns:a14="http://schemas.microsoft.com/office/drawing/2010/main" val="0"/>
@@ -4121,7 +4476,7 @@
           <p:nvPr/>
         </p:nvPicPr>
         <p:blipFill>
-          <a:blip r:embed="rId4"/>
+          <a:blip r:embed="rId2"/>
           <a:stretch>
             <a:fillRect/>
           </a:stretch>
@@ -4138,7 +4493,7 @@
       </p:pic>
     </p:spTree>
     <p:custDataLst>
-      <p:tags r:id="rId1"/>
+      <p:tags r:id="rId3"/>
     </p:custDataLst>
   </p:cSld>
   <p:clrMapOvr>
@@ -4147,7 +4502,7 @@
 </p:sld>
 </file>
 
-<file path=ppt/slides/slide15.xml><?xml version="1.0" encoding="utf-8"?>
+<file path=ppt/slides/slide16.xml><?xml version="1.0" encoding="utf-8"?>
 <p:sld xmlns:a="http://schemas.openxmlformats.org/drawingml/2006/main" xmlns:r="http://schemas.openxmlformats.org/officeDocument/2006/relationships" xmlns:p="http://schemas.openxmlformats.org/presentationml/2006/main">
   <p:cSld>
     <p:bg>
@@ -4234,6 +4589,20 @@
               </a:rPr>
               <a:t>数据持久机制</a:t>
             </a:r>
+            <a:endParaRPr kumimoji="0" lang="zh-CN" altLang="en-US" sz="3200" b="0" i="0" u="none" strike="noStrike" kern="1200" cap="none" spc="0" normalizeH="0" baseline="0" noProof="0" dirty="0">
+              <a:ln>
+                <a:noFill/>
+              </a:ln>
+              <a:solidFill>
+                <a:prstClr val="black"/>
+              </a:solidFill>
+              <a:effectLst/>
+              <a:uLnTx/>
+              <a:uFillTx/>
+              <a:latin typeface="+mj-ea"/>
+              <a:ea typeface="OPPOSans H"/>
+              <a:cs typeface="+mn-cs"/>
+            </a:endParaRPr>
           </a:p>
         </p:txBody>
       </p:sp>
@@ -4294,6 +4663,22 @@
               </a:rPr>
               <a:t>Data Persistence</a:t>
             </a:r>
+            <a:endParaRPr kumimoji="0" lang="en-US" altLang="zh-CN" sz="1800" b="0" i="0" u="none" strike="noStrike" kern="1200" cap="none" spc="0" normalizeH="0" baseline="0" noProof="0" dirty="0">
+              <a:ln>
+                <a:noFill/>
+              </a:ln>
+              <a:solidFill>
+                <a:prstClr val="black">
+                  <a:lumMod val="75000"/>
+                  <a:lumOff val="25000"/>
+                </a:prstClr>
+              </a:solidFill>
+              <a:effectLst/>
+              <a:uLnTx/>
+              <a:uFillTx/>
+              <a:latin typeface="OPPOSans L"/>
+              <a:cs typeface="OPPOSans M" panose="00020600040101010101" pitchFamily="18" charset="-122"/>
+            </a:endParaRPr>
           </a:p>
         </p:txBody>
       </p:sp>
@@ -4344,7 +4729,7 @@
           <p:nvPr/>
         </p:nvPicPr>
         <p:blipFill>
-          <a:blip r:embed="rId3"/>
+          <a:blip r:embed="rId1"/>
           <a:stretch>
             <a:fillRect/>
           </a:stretch>
@@ -4872,7 +5257,7 @@
           <p:nvPr/>
         </p:nvPicPr>
         <p:blipFill>
-          <a:blip r:embed="rId4" cstate="print">
+          <a:blip r:embed="rId2" cstate="print">
             <a:extLst>
               <a:ext uri="{28A0092B-C50C-407E-A947-70E740481C1C}">
                 <a14:useLocalDpi xmlns:a14="http://schemas.microsoft.com/office/drawing/2010/main" val="0"/>
@@ -4895,7 +5280,7 @@
       </p:pic>
     </p:spTree>
     <p:custDataLst>
-      <p:tags r:id="rId1"/>
+      <p:tags r:id="rId3"/>
     </p:custDataLst>
   </p:cSld>
   <p:clrMapOvr>
@@ -4904,7 +5289,7 @@
 </p:sld>
 </file>
 
-<file path=ppt/slides/slide16.xml><?xml version="1.0" encoding="utf-8"?>
+<file path=ppt/slides/slide17.xml><?xml version="1.0" encoding="utf-8"?>
 <p:sld xmlns:a="http://schemas.openxmlformats.org/drawingml/2006/main" xmlns:r="http://schemas.openxmlformats.org/officeDocument/2006/relationships" xmlns:p="http://schemas.openxmlformats.org/presentationml/2006/main">
   <p:cSld>
     <p:bg>
@@ -4991,6 +5376,20 @@
               </a:rPr>
               <a:t>好友私聊机制</a:t>
             </a:r>
+            <a:endParaRPr kumimoji="0" lang="zh-CN" altLang="en-US" sz="3200" b="0" i="0" u="none" strike="noStrike" kern="1200" cap="none" spc="0" normalizeH="0" baseline="0" noProof="0" dirty="0">
+              <a:ln>
+                <a:noFill/>
+              </a:ln>
+              <a:solidFill>
+                <a:prstClr val="black"/>
+              </a:solidFill>
+              <a:effectLst/>
+              <a:uLnTx/>
+              <a:uFillTx/>
+              <a:latin typeface="+mj-ea"/>
+              <a:ea typeface="OPPOSans H"/>
+              <a:cs typeface="+mn-cs"/>
+            </a:endParaRPr>
           </a:p>
         </p:txBody>
       </p:sp>
@@ -5051,6 +5450,22 @@
               </a:rPr>
               <a:t>Real time communication</a:t>
             </a:r>
+            <a:endParaRPr kumimoji="0" lang="en-US" altLang="zh-CN" sz="1800" b="0" i="0" u="none" strike="noStrike" kern="1200" cap="none" spc="0" normalizeH="0" baseline="0" noProof="0" dirty="0">
+              <a:ln>
+                <a:noFill/>
+              </a:ln>
+              <a:solidFill>
+                <a:prstClr val="black">
+                  <a:lumMod val="75000"/>
+                  <a:lumOff val="25000"/>
+                </a:prstClr>
+              </a:solidFill>
+              <a:effectLst/>
+              <a:uLnTx/>
+              <a:uFillTx/>
+              <a:latin typeface="OPPOSans L"/>
+              <a:cs typeface="OPPOSans M" panose="00020600040101010101" pitchFamily="18" charset="-122"/>
+            </a:endParaRPr>
           </a:p>
         </p:txBody>
       </p:sp>
@@ -5424,7 +5839,7 @@
           <p:nvPr/>
         </p:nvPicPr>
         <p:blipFill>
-          <a:blip r:embed="rId3" cstate="print">
+          <a:blip r:embed="rId1" cstate="print">
             <a:extLst>
               <a:ext uri="{28A0092B-C50C-407E-A947-70E740481C1C}">
                 <a14:useLocalDpi xmlns:a14="http://schemas.microsoft.com/office/drawing/2010/main" val="0"/>
@@ -5454,7 +5869,7 @@
           <p:nvPr/>
         </p:nvPicPr>
         <p:blipFill>
-          <a:blip r:embed="rId4"/>
+          <a:blip r:embed="rId2"/>
           <a:stretch>
             <a:fillRect/>
           </a:stretch>
@@ -5502,12 +5917,13 @@
               <a:rPr lang="zh-CN" altLang="en-US" dirty="0"/>
               <a:t>无谓请求，浪费带宽，效率低下</a:t>
             </a:r>
+            <a:endParaRPr lang="zh-CN" altLang="en-US" dirty="0"/>
           </a:p>
         </p:txBody>
       </p:sp>
     </p:spTree>
     <p:custDataLst>
-      <p:tags r:id="rId1"/>
+      <p:tags r:id="rId3"/>
     </p:custDataLst>
   </p:cSld>
   <p:clrMapOvr>
@@ -5516,7 +5932,7 @@
 </p:sld>
 </file>
 
-<file path=ppt/slides/slide17.xml><?xml version="1.0" encoding="utf-8"?>
+<file path=ppt/slides/slide18.xml><?xml version="1.0" encoding="utf-8"?>
 <p:sld xmlns:a="http://schemas.openxmlformats.org/drawingml/2006/main" xmlns:r="http://schemas.openxmlformats.org/officeDocument/2006/relationships" xmlns:p="http://schemas.openxmlformats.org/presentationml/2006/main">
   <p:cSld>
     <p:bg>
@@ -5557,7 +5973,7 @@
           <p:nvPr/>
         </p:nvPicPr>
         <p:blipFill>
-          <a:blip r:embed="rId3"/>
+          <a:blip r:embed="rId1"/>
           <a:stretch>
             <a:fillRect/>
           </a:stretch>
@@ -5782,7 +6198,7 @@
           <p:nvPr/>
         </p:nvPicPr>
         <p:blipFill>
-          <a:blip r:embed="rId4" cstate="print">
+          <a:blip r:embed="rId2" cstate="print">
             <a:extLst>
               <a:ext uri="{28A0092B-C50C-407E-A947-70E740481C1C}">
                 <a14:useLocalDpi xmlns:a14="http://schemas.microsoft.com/office/drawing/2010/main" val="0"/>
@@ -5899,6 +6315,7 @@
               <a:rPr lang="zh-CN" altLang="en-US" dirty="0"/>
               <a:t>建立连接、进行双向通信、保持连接和关闭连接</a:t>
             </a:r>
+            <a:endParaRPr lang="zh-CN" altLang="en-US" dirty="0"/>
           </a:p>
         </p:txBody>
       </p:sp>
@@ -5957,6 +6374,20 @@
               </a:rPr>
               <a:t>好友私聊机制</a:t>
             </a:r>
+            <a:endParaRPr kumimoji="0" lang="zh-CN" altLang="en-US" sz="3200" b="0" i="0" u="none" strike="noStrike" kern="1200" cap="none" spc="0" normalizeH="0" baseline="0" noProof="0" dirty="0">
+              <a:ln>
+                <a:noFill/>
+              </a:ln>
+              <a:solidFill>
+                <a:prstClr val="black"/>
+              </a:solidFill>
+              <a:effectLst/>
+              <a:uLnTx/>
+              <a:uFillTx/>
+              <a:latin typeface="+mj-ea"/>
+              <a:ea typeface="OPPOSans H"/>
+              <a:cs typeface="+mn-cs"/>
+            </a:endParaRPr>
           </a:p>
         </p:txBody>
       </p:sp>
@@ -6017,12 +6448,28 @@
               </a:rPr>
               <a:t>Real time communication</a:t>
             </a:r>
+            <a:endParaRPr kumimoji="0" lang="en-US" altLang="zh-CN" sz="1800" b="0" i="0" u="none" strike="noStrike" kern="1200" cap="none" spc="0" normalizeH="0" baseline="0" noProof="0" dirty="0">
+              <a:ln>
+                <a:noFill/>
+              </a:ln>
+              <a:solidFill>
+                <a:prstClr val="black">
+                  <a:lumMod val="75000"/>
+                  <a:lumOff val="25000"/>
+                </a:prstClr>
+              </a:solidFill>
+              <a:effectLst/>
+              <a:uLnTx/>
+              <a:uFillTx/>
+              <a:latin typeface="OPPOSans L"/>
+              <a:cs typeface="OPPOSans M" panose="00020600040101010101" pitchFamily="18" charset="-122"/>
+            </a:endParaRPr>
           </a:p>
         </p:txBody>
       </p:sp>
     </p:spTree>
     <p:custDataLst>
-      <p:tags r:id="rId1"/>
+      <p:tags r:id="rId3"/>
     </p:custDataLst>
   </p:cSld>
   <p:clrMapOvr>
@@ -6031,7 +6478,7 @@
 </p:sld>
 </file>
 
-<file path=ppt/slides/slide18.xml><?xml version="1.0" encoding="utf-8"?>
+<file path=ppt/slides/slide19.xml><?xml version="1.0" encoding="utf-8"?>
 <p:sld xmlns:a="http://schemas.openxmlformats.org/drawingml/2006/main" xmlns:r="http://schemas.openxmlformats.org/officeDocument/2006/relationships" xmlns:p="http://schemas.openxmlformats.org/presentationml/2006/main">
   <p:cSld>
     <p:bg>
@@ -6188,7 +6635,7 @@
           <p:nvPr/>
         </p:nvPicPr>
         <p:blipFill>
-          <a:blip r:embed="rId3" cstate="print">
+          <a:blip r:embed="rId1" cstate="print">
             <a:extLst>
               <a:ext uri="{28A0092B-C50C-407E-A947-70E740481C1C}">
                 <a14:useLocalDpi xmlns:a14="http://schemas.microsoft.com/office/drawing/2010/main" val="0"/>
@@ -6305,6 +6752,13 @@
               </a:rPr>
               <a:t>主要消息类型</a:t>
             </a:r>
+            <a:endParaRPr lang="zh-CN" altLang="en-US" sz="2400" b="0" i="0" dirty="0">
+              <a:solidFill>
+                <a:srgbClr val="333333"/>
+              </a:solidFill>
+              <a:effectLst/>
+              <a:latin typeface="-apple-system"/>
+            </a:endParaRPr>
           </a:p>
           <a:p>
             <a:pPr algn="l">
@@ -6359,19 +6813,6 @@
               </a:rPr>
               <a:t>（分片消息代表此消息是一个某个消息中的一部分，想想大文件分片）</a:t>
             </a:r>
-          </a:p>
-          <a:p>
-            <a:pPr algn="l">
-              <a:buFont typeface="+mj-lt"/>
-              <a:buAutoNum type="arabicPeriod"/>
-            </a:pPr>
-            <a:r>
-              <a:rPr lang="zh-CN" altLang="en-US" sz="2000" b="1" i="0" dirty="0">
-                <a:effectLst/>
-                <a:latin typeface="-apple-system"/>
-              </a:rPr>
-              <a:t>连接关闭消息</a:t>
-            </a:r>
             <a:endParaRPr lang="zh-CN" altLang="en-US" sz="2000" b="0" i="0" dirty="0">
               <a:effectLst/>
               <a:latin typeface="-apple-system"/>
@@ -6383,18 +6824,11 @@
               <a:buAutoNum type="arabicPeriod"/>
             </a:pPr>
             <a:r>
-              <a:rPr lang="en-US" altLang="zh-CN" sz="2000" b="1" i="0" dirty="0">
-                <a:effectLst/>
-                <a:latin typeface="-apple-system"/>
-              </a:rPr>
-              <a:t>PING </a:t>
-            </a:r>
-            <a:r>
               <a:rPr lang="zh-CN" altLang="en-US" sz="2000" b="1" i="0" dirty="0">
                 <a:effectLst/>
                 <a:latin typeface="-apple-system"/>
               </a:rPr>
-              <a:t>消息</a:t>
+              <a:t>连接关闭消息</a:t>
             </a:r>
             <a:endParaRPr lang="zh-CN" altLang="en-US" sz="2000" b="0" i="0" dirty="0">
               <a:effectLst/>
@@ -6411,7 +6845,7 @@
                 <a:effectLst/>
                 <a:latin typeface="-apple-system"/>
               </a:rPr>
-              <a:t>PONG </a:t>
+              <a:t>PING </a:t>
             </a:r>
             <a:r>
               <a:rPr lang="zh-CN" altLang="en-US" sz="2000" b="1" i="0" dirty="0">
@@ -6420,6 +6854,30 @@
               </a:rPr>
               <a:t>消息</a:t>
             </a:r>
+            <a:endParaRPr lang="zh-CN" altLang="en-US" sz="2000" b="0" i="0" dirty="0">
+              <a:effectLst/>
+              <a:latin typeface="-apple-system"/>
+            </a:endParaRPr>
+          </a:p>
+          <a:p>
+            <a:pPr algn="l">
+              <a:buFont typeface="+mj-lt"/>
+              <a:buAutoNum type="arabicPeriod"/>
+            </a:pPr>
+            <a:r>
+              <a:rPr lang="en-US" altLang="zh-CN" sz="2000" b="1" i="0" dirty="0">
+                <a:effectLst/>
+                <a:latin typeface="-apple-system"/>
+              </a:rPr>
+              <a:t>PONG </a:t>
+            </a:r>
+            <a:r>
+              <a:rPr lang="zh-CN" altLang="en-US" sz="2000" b="1" i="0" dirty="0">
+                <a:effectLst/>
+                <a:latin typeface="-apple-system"/>
+              </a:rPr>
+              <a:t>消息</a:t>
+            </a:r>
             <a:r>
               <a:rPr lang="zh-CN" altLang="en-US" sz="2000" b="0" i="0" dirty="0">
                 <a:effectLst/>
@@ -6455,6 +6913,10 @@
               </a:rPr>
               <a:t>）</a:t>
             </a:r>
+            <a:endParaRPr lang="zh-CN" altLang="en-US" sz="2000" b="0" i="0" dirty="0">
+              <a:effectLst/>
+              <a:latin typeface="-apple-system"/>
+            </a:endParaRPr>
           </a:p>
         </p:txBody>
       </p:sp>
@@ -6513,6 +6975,20 @@
               </a:rPr>
               <a:t>好友私聊机制</a:t>
             </a:r>
+            <a:endParaRPr kumimoji="0" lang="zh-CN" altLang="en-US" sz="3200" b="0" i="0" u="none" strike="noStrike" kern="1200" cap="none" spc="0" normalizeH="0" baseline="0" noProof="0" dirty="0">
+              <a:ln>
+                <a:noFill/>
+              </a:ln>
+              <a:solidFill>
+                <a:prstClr val="black"/>
+              </a:solidFill>
+              <a:effectLst/>
+              <a:uLnTx/>
+              <a:uFillTx/>
+              <a:latin typeface="+mj-ea"/>
+              <a:ea typeface="OPPOSans H"/>
+              <a:cs typeface="+mn-cs"/>
+            </a:endParaRPr>
           </a:p>
         </p:txBody>
       </p:sp>
@@ -6573,6 +7049,22 @@
               </a:rPr>
               <a:t>Real time communication</a:t>
             </a:r>
+            <a:endParaRPr kumimoji="0" lang="en-US" altLang="zh-CN" sz="1800" b="0" i="0" u="none" strike="noStrike" kern="1200" cap="none" spc="0" normalizeH="0" baseline="0" noProof="0" dirty="0">
+              <a:ln>
+                <a:noFill/>
+              </a:ln>
+              <a:solidFill>
+                <a:prstClr val="black">
+                  <a:lumMod val="75000"/>
+                  <a:lumOff val="25000"/>
+                </a:prstClr>
+              </a:solidFill>
+              <a:effectLst/>
+              <a:uLnTx/>
+              <a:uFillTx/>
+              <a:latin typeface="OPPOSans L"/>
+              <a:cs typeface="OPPOSans M" panose="00020600040101010101" pitchFamily="18" charset="-122"/>
+            </a:endParaRPr>
           </a:p>
         </p:txBody>
       </p:sp>
@@ -6632,6 +7124,10 @@
               </a:rPr>
               <a:t>ebSocket</a:t>
             </a:r>
+            <a:endParaRPr lang="en-US" altLang="zh-CN" sz="2000" i="0" dirty="0">
+              <a:effectLst/>
+              <a:latin typeface="+mj-lt"/>
+            </a:endParaRPr>
           </a:p>
           <a:p>
             <a:endParaRPr kumimoji="0" lang="en-US" altLang="zh-CN" sz="1800" b="0" i="0" u="none" strike="noStrike" cap="none" normalizeH="0" baseline="0" dirty="0">
@@ -6794,13 +7290,7 @@
       </p:sp>
       <p:sp>
         <p:nvSpPr>
-          <p:cNvPr id="3" name="爱设计-5">
-            <a:extLst>
-              <a:ext uri="{FF2B5EF4-FFF2-40B4-BE49-F238E27FC236}">
-                <a16:creationId xmlns:a16="http://schemas.microsoft.com/office/drawing/2014/main" id="{9C5D0CBF-35F6-002B-8C7E-8D5E26CCA8B8}"/>
-              </a:ext>
-            </a:extLst>
-          </p:cNvPr>
+          <p:cNvPr id="3" name="爱设计-5"/>
           <p:cNvSpPr txBox="1"/>
           <p:nvPr/>
         </p:nvSpPr>
@@ -6870,480 +7360,7 @@
       </p:sp>
     </p:spTree>
     <p:custDataLst>
-      <p:tags r:id="rId1"/>
-    </p:custDataLst>
-  </p:cSld>
-  <p:clrMapOvr>
-    <a:masterClrMapping/>
-  </p:clrMapOvr>
-</p:sld>
-</file>
-
-<file path=ppt/slides/slide19.xml><?xml version="1.0" encoding="utf-8"?>
-<p:sld xmlns:a="http://schemas.openxmlformats.org/drawingml/2006/main" xmlns:r="http://schemas.openxmlformats.org/officeDocument/2006/relationships" xmlns:p="http://schemas.openxmlformats.org/presentationml/2006/main">
-  <p:cSld>
-    <p:bg>
-      <p:bgPr>
-        <a:pattFill prst="lgGrid">
-          <a:fgClr>
-            <a:schemeClr val="bg1">
-              <a:lumMod val="95000"/>
-            </a:schemeClr>
-          </a:fgClr>
-          <a:bgClr>
-            <a:schemeClr val="bg1"/>
-          </a:bgClr>
-        </a:pattFill>
-        <a:effectLst/>
-      </p:bgPr>
-    </p:bg>
-    <p:spTree>
-      <p:nvGrpSpPr>
-        <p:cNvPr id="1" name=""/>
-        <p:cNvGrpSpPr/>
-        <p:nvPr/>
-      </p:nvGrpSpPr>
-      <p:grpSpPr>
-        <a:xfrm>
-          <a:off x="0" y="0"/>
-          <a:ext cx="0" cy="0"/>
-          <a:chOff x="0" y="0"/>
-          <a:chExt cx="0" cy="0"/>
-        </a:xfrm>
-      </p:grpSpPr>
-      <p:cxnSp>
-        <p:nvCxnSpPr>
-          <p:cNvPr id="20" name="爱设计-6"/>
-          <p:cNvCxnSpPr/>
-          <p:nvPr/>
-        </p:nvCxnSpPr>
-        <p:spPr>
-          <a:xfrm>
-            <a:off x="1737360" y="535499"/>
-            <a:ext cx="7559040" cy="0"/>
-          </a:xfrm>
-          <a:prstGeom prst="line">
-            <a:avLst/>
-          </a:prstGeom>
-          <a:ln>
-            <a:solidFill>
-              <a:schemeClr val="tx1">
-                <a:lumMod val="75000"/>
-                <a:lumOff val="25000"/>
-              </a:schemeClr>
-            </a:solidFill>
-          </a:ln>
-        </p:spPr>
-        <p:style>
-          <a:lnRef idx="1">
-            <a:schemeClr val="accent1"/>
-          </a:lnRef>
-          <a:fillRef idx="0">
-            <a:schemeClr val="accent1"/>
-          </a:fillRef>
-          <a:effectRef idx="0">
-            <a:schemeClr val="accent1"/>
-          </a:effectRef>
-          <a:fontRef idx="minor">
-            <a:schemeClr val="tx1"/>
-          </a:fontRef>
-        </p:style>
-      </p:cxnSp>
-      <p:pic>
-        <p:nvPicPr>
-          <p:cNvPr id="2" name="图形 1"/>
-          <p:cNvPicPr>
-            <a:picLocks noChangeAspect="1"/>
-          </p:cNvPicPr>
-          <p:nvPr/>
-        </p:nvPicPr>
-        <p:blipFill>
-          <a:blip r:embed="rId4" cstate="print">
-            <a:extLst>
-              <a:ext uri="{28A0092B-C50C-407E-A947-70E740481C1C}">
-                <a14:useLocalDpi xmlns:a14="http://schemas.microsoft.com/office/drawing/2010/main" val="0"/>
-              </a:ext>
-            </a:extLst>
-          </a:blip>
-          <a:stretch>
-            <a:fillRect/>
-          </a:stretch>
-        </p:blipFill>
-        <p:spPr>
-          <a:xfrm>
-            <a:off x="10723900" y="0"/>
-            <a:ext cx="1468100" cy="1468100"/>
-          </a:xfrm>
-          <a:prstGeom prst="rect">
-            <a:avLst/>
-          </a:prstGeom>
-        </p:spPr>
-      </p:pic>
-      <p:cxnSp>
-        <p:nvCxnSpPr>
-          <p:cNvPr id="3" name="爱设计-3"/>
-          <p:cNvCxnSpPr/>
-          <p:nvPr/>
-        </p:nvCxnSpPr>
-        <p:spPr>
-          <a:xfrm>
-            <a:off x="660400" y="6501195"/>
-            <a:ext cx="10814415" cy="0"/>
-          </a:xfrm>
-          <a:prstGeom prst="line">
-            <a:avLst/>
-          </a:prstGeom>
-          <a:ln w="19050">
-            <a:solidFill>
-              <a:schemeClr val="tx1">
-                <a:lumMod val="75000"/>
-                <a:lumOff val="25000"/>
-              </a:schemeClr>
-            </a:solidFill>
-          </a:ln>
-        </p:spPr>
-        <p:style>
-          <a:lnRef idx="1">
-            <a:schemeClr val="accent1"/>
-          </a:lnRef>
-          <a:fillRef idx="0">
-            <a:schemeClr val="accent1"/>
-          </a:fillRef>
-          <a:effectRef idx="0">
-            <a:schemeClr val="accent1"/>
-          </a:effectRef>
-          <a:fontRef idx="minor">
-            <a:schemeClr val="tx1"/>
-          </a:fontRef>
-        </p:style>
-      </p:cxnSp>
-      <p:sp>
-        <p:nvSpPr>
-          <p:cNvPr id="4" name="爱设计-10-1"/>
-          <p:cNvSpPr txBox="1"/>
-          <p:nvPr/>
-        </p:nvSpPr>
-        <p:spPr>
-          <a:xfrm>
-            <a:off x="1073471" y="1245216"/>
-            <a:ext cx="10045058" cy="1717393"/>
-          </a:xfrm>
-          <a:prstGeom prst="rect">
-            <a:avLst/>
-          </a:prstGeom>
-          <a:noFill/>
-        </p:spPr>
-        <p:txBody>
-          <a:bodyPr wrap="square">
-            <a:spAutoFit/>
-          </a:bodyPr>
-          <a:lstStyle/>
-          <a:p>
-            <a:pPr marL="0" marR="0" lvl="0" indent="0" algn="ctr" defTabSz="914400" rtl="0" eaLnBrk="1" fontAlgn="auto" latinLnBrk="0" hangingPunct="1">
-              <a:lnSpc>
-                <a:spcPct val="100000"/>
-              </a:lnSpc>
-              <a:spcBef>
-                <a:spcPts val="0"/>
-              </a:spcBef>
-              <a:spcAft>
-                <a:spcPts val="0"/>
-              </a:spcAft>
-              <a:buClrTx/>
-              <a:buSzTx/>
-              <a:buFontTx/>
-              <a:buNone/>
-              <a:defRPr/>
-            </a:pPr>
-            <a:r>
-              <a:rPr kumimoji="0" lang="en-US" altLang="zh-CN" sz="10560" b="0" i="0" u="none" strike="noStrike" kern="1200" cap="none" spc="0" normalizeH="0" baseline="0" noProof="0" dirty="0">
-                <a:ln w="10477">
-                  <a:solidFill>
-                    <a:prstClr val="black">
-                      <a:lumMod val="75000"/>
-                      <a:lumOff val="25000"/>
-                    </a:prstClr>
-                  </a:solidFill>
-                </a:ln>
-                <a:effectLst/>
-                <a:uLnTx/>
-                <a:uFillTx/>
-                <a:latin typeface="字由文艺黑" panose="00020600040101010101" pitchFamily="18" charset="-122"/>
-                <a:ea typeface="字由文艺黑" panose="00020600040101010101" pitchFamily="18" charset="-122"/>
-                <a:cs typeface="+mn-cs"/>
-              </a:rPr>
-              <a:t>03.</a:t>
-            </a:r>
-            <a:r>
-              <a:rPr kumimoji="0" lang="zh-CN" altLang="en-US" sz="10560" b="0" i="0" u="none" strike="noStrike" kern="1200" cap="none" spc="0" normalizeH="0" baseline="0" noProof="0" dirty="0">
-                <a:ln w="10477">
-                  <a:solidFill>
-                    <a:prstClr val="black">
-                      <a:lumMod val="75000"/>
-                      <a:lumOff val="25000"/>
-                    </a:prstClr>
-                  </a:solidFill>
-                </a:ln>
-                <a:effectLst/>
-                <a:uLnTx/>
-                <a:uFillTx/>
-                <a:latin typeface="字由文艺黑" panose="00020600040101010101" pitchFamily="18" charset="-122"/>
-                <a:ea typeface="字由文艺黑" panose="00020600040101010101" pitchFamily="18" charset="-122"/>
-                <a:cs typeface="+mn-cs"/>
-              </a:rPr>
-              <a:t>用例实现</a:t>
-            </a:r>
-          </a:p>
-        </p:txBody>
-      </p:sp>
-      <p:sp>
-        <p:nvSpPr>
-          <p:cNvPr id="7" name="爱设计-10-2"/>
-          <p:cNvSpPr txBox="1"/>
-          <p:nvPr>
-            <p:custDataLst>
-              <p:tags r:id="rId2"/>
-            </p:custDataLst>
-          </p:nvPr>
-        </p:nvSpPr>
-        <p:spPr>
-          <a:xfrm>
-            <a:off x="4095504" y="2790420"/>
-            <a:ext cx="4000987" cy="535531"/>
-          </a:xfrm>
-          <a:prstGeom prst="rect">
-            <a:avLst/>
-          </a:prstGeom>
-        </p:spPr>
-        <p:txBody>
-          <a:bodyPr wrap="square">
-            <a:spAutoFit/>
-          </a:bodyPr>
-          <a:lstStyle>
-            <a:lvl1pPr marL="228600" indent="-228600" algn="l" defTabSz="914400" rtl="0" eaLnBrk="1" latinLnBrk="0" hangingPunct="1">
-              <a:lnSpc>
-                <a:spcPct val="90000"/>
-              </a:lnSpc>
-              <a:spcBef>
-                <a:spcPts val="1000"/>
-              </a:spcBef>
-              <a:buFont typeface="Arial" panose="020B0604020202020204" pitchFamily="34" charset="0"/>
-              <a:buChar char="•"/>
-              <a:defRPr sz="1600" kern="1200">
-                <a:solidFill>
-                  <a:schemeClr val="tx1"/>
-                </a:solidFill>
-                <a:latin typeface="+mn-lt"/>
-                <a:ea typeface="+mn-ea"/>
-                <a:cs typeface="+mn-cs"/>
-              </a:defRPr>
-            </a:lvl1pPr>
-            <a:lvl2pPr marL="685800" indent="-228600" algn="l" defTabSz="914400" rtl="0" eaLnBrk="1" latinLnBrk="0" hangingPunct="1">
-              <a:lnSpc>
-                <a:spcPct val="90000"/>
-              </a:lnSpc>
-              <a:spcBef>
-                <a:spcPts val="500"/>
-              </a:spcBef>
-              <a:buFont typeface="Arial" panose="020B0604020202020204" pitchFamily="34" charset="0"/>
-              <a:buChar char="•"/>
-              <a:defRPr sz="1600" kern="1200">
-                <a:solidFill>
-                  <a:schemeClr val="tx1"/>
-                </a:solidFill>
-                <a:latin typeface="+mn-lt"/>
-                <a:ea typeface="+mn-ea"/>
-                <a:cs typeface="+mn-cs"/>
-              </a:defRPr>
-            </a:lvl2pPr>
-            <a:lvl3pPr marL="1143000" indent="-228600" algn="l" defTabSz="914400" rtl="0" eaLnBrk="1" latinLnBrk="0" hangingPunct="1">
-              <a:lnSpc>
-                <a:spcPct val="90000"/>
-              </a:lnSpc>
-              <a:spcBef>
-                <a:spcPts val="500"/>
-              </a:spcBef>
-              <a:buFont typeface="Arial" panose="020B0604020202020204" pitchFamily="34" charset="0"/>
-              <a:buChar char="•"/>
-              <a:defRPr sz="1600" kern="1200">
-                <a:solidFill>
-                  <a:schemeClr val="tx1"/>
-                </a:solidFill>
-                <a:latin typeface="+mn-lt"/>
-                <a:ea typeface="+mn-ea"/>
-                <a:cs typeface="+mn-cs"/>
-              </a:defRPr>
-            </a:lvl3pPr>
-            <a:lvl4pPr marL="1600200" indent="-228600" algn="l" defTabSz="914400" rtl="0" eaLnBrk="1" latinLnBrk="0" hangingPunct="1">
-              <a:lnSpc>
-                <a:spcPct val="90000"/>
-              </a:lnSpc>
-              <a:spcBef>
-                <a:spcPts val="500"/>
-              </a:spcBef>
-              <a:buFont typeface="Arial" panose="020B0604020202020204" pitchFamily="34" charset="0"/>
-              <a:buChar char="•"/>
-              <a:defRPr sz="1600" kern="1200">
-                <a:solidFill>
-                  <a:schemeClr val="tx1"/>
-                </a:solidFill>
-                <a:latin typeface="+mn-lt"/>
-                <a:ea typeface="+mn-ea"/>
-                <a:cs typeface="+mn-cs"/>
-              </a:defRPr>
-            </a:lvl4pPr>
-            <a:lvl5pPr marL="2057400" indent="-228600" algn="l" defTabSz="914400" rtl="0" eaLnBrk="1" latinLnBrk="0" hangingPunct="1">
-              <a:lnSpc>
-                <a:spcPct val="90000"/>
-              </a:lnSpc>
-              <a:spcBef>
-                <a:spcPts val="500"/>
-              </a:spcBef>
-              <a:buFont typeface="Arial" panose="020B0604020202020204" pitchFamily="34" charset="0"/>
-              <a:buChar char="•"/>
-              <a:defRPr sz="1600" kern="1200">
-                <a:solidFill>
-                  <a:schemeClr val="tx1"/>
-                </a:solidFill>
-                <a:latin typeface="+mn-lt"/>
-                <a:ea typeface="+mn-ea"/>
-                <a:cs typeface="+mn-cs"/>
-              </a:defRPr>
-            </a:lvl5pPr>
-            <a:lvl6pPr marL="2514600" indent="-228600" algn="l" defTabSz="914400" rtl="0" eaLnBrk="1" latinLnBrk="0" hangingPunct="1">
-              <a:lnSpc>
-                <a:spcPct val="90000"/>
-              </a:lnSpc>
-              <a:spcBef>
-                <a:spcPts val="500"/>
-              </a:spcBef>
-              <a:buFont typeface="Arial" panose="020B0604020202020204" pitchFamily="34" charset="0"/>
-              <a:buChar char="•"/>
-              <a:defRPr sz="1800" kern="1200">
-                <a:solidFill>
-                  <a:schemeClr val="tx1"/>
-                </a:solidFill>
-                <a:latin typeface="+mn-lt"/>
-                <a:ea typeface="+mn-ea"/>
-                <a:cs typeface="+mn-cs"/>
-              </a:defRPr>
-            </a:lvl6pPr>
-            <a:lvl7pPr marL="2971800" indent="-228600" algn="l" defTabSz="914400" rtl="0" eaLnBrk="1" latinLnBrk="0" hangingPunct="1">
-              <a:lnSpc>
-                <a:spcPct val="90000"/>
-              </a:lnSpc>
-              <a:spcBef>
-                <a:spcPts val="500"/>
-              </a:spcBef>
-              <a:buFont typeface="Arial" panose="020B0604020202020204" pitchFamily="34" charset="0"/>
-              <a:buChar char="•"/>
-              <a:defRPr sz="1800" kern="1200">
-                <a:solidFill>
-                  <a:schemeClr val="tx1"/>
-                </a:solidFill>
-                <a:latin typeface="+mn-lt"/>
-                <a:ea typeface="+mn-ea"/>
-                <a:cs typeface="+mn-cs"/>
-              </a:defRPr>
-            </a:lvl7pPr>
-            <a:lvl8pPr marL="3429000" indent="-228600" algn="l" defTabSz="914400" rtl="0" eaLnBrk="1" latinLnBrk="0" hangingPunct="1">
-              <a:lnSpc>
-                <a:spcPct val="90000"/>
-              </a:lnSpc>
-              <a:spcBef>
-                <a:spcPts val="500"/>
-              </a:spcBef>
-              <a:buFont typeface="Arial" panose="020B0604020202020204" pitchFamily="34" charset="0"/>
-              <a:buChar char="•"/>
-              <a:defRPr sz="1800" kern="1200">
-                <a:solidFill>
-                  <a:schemeClr val="tx1"/>
-                </a:solidFill>
-                <a:latin typeface="+mn-lt"/>
-                <a:ea typeface="+mn-ea"/>
-                <a:cs typeface="+mn-cs"/>
-              </a:defRPr>
-            </a:lvl8pPr>
-            <a:lvl9pPr marL="3886200" indent="-228600" algn="l" defTabSz="914400" rtl="0" eaLnBrk="1" latinLnBrk="0" hangingPunct="1">
-              <a:lnSpc>
-                <a:spcPct val="90000"/>
-              </a:lnSpc>
-              <a:spcBef>
-                <a:spcPts val="500"/>
-              </a:spcBef>
-              <a:buFont typeface="Arial" panose="020B0604020202020204" pitchFamily="34" charset="0"/>
-              <a:buChar char="•"/>
-              <a:defRPr sz="1800" kern="1200">
-                <a:solidFill>
-                  <a:schemeClr val="tx1"/>
-                </a:solidFill>
-                <a:latin typeface="+mn-lt"/>
-                <a:ea typeface="+mn-ea"/>
-                <a:cs typeface="+mn-cs"/>
-              </a:defRPr>
-            </a:lvl9pPr>
-          </a:lstStyle>
-          <a:p>
-            <a:pPr marL="0" marR="0" lvl="0" indent="0" algn="ctr" defTabSz="914400" rtl="0" eaLnBrk="1" fontAlgn="auto" latinLnBrk="0" hangingPunct="1">
-              <a:lnSpc>
-                <a:spcPct val="90000"/>
-              </a:lnSpc>
-              <a:spcBef>
-                <a:spcPts val="1000"/>
-              </a:spcBef>
-              <a:spcAft>
-                <a:spcPts val="0"/>
-              </a:spcAft>
-              <a:buClrTx/>
-              <a:buSzTx/>
-              <a:buFont typeface="Arial" panose="020B0604020202020204" pitchFamily="34" charset="0"/>
-              <a:buNone/>
-              <a:defRPr/>
-            </a:pPr>
-            <a:r>
-              <a:rPr lang="en-US" altLang="zh-CN" sz="3200" dirty="0">
-                <a:solidFill>
-                  <a:prstClr val="black"/>
-                </a:solidFill>
-                <a:latin typeface="OPPOSans L"/>
-              </a:rPr>
-              <a:t>use-case</a:t>
-            </a:r>
-            <a:r>
-              <a:rPr kumimoji="0" lang="en-US" altLang="zh-CN" sz="3200" b="0" i="0" u="none" strike="noStrike" kern="1200" cap="none" spc="0" normalizeH="0" baseline="0" noProof="0" dirty="0">
-                <a:ln>
-                  <a:noFill/>
-                </a:ln>
-                <a:solidFill>
-                  <a:prstClr val="black"/>
-                </a:solidFill>
-                <a:effectLst/>
-                <a:uLnTx/>
-                <a:uFillTx/>
-                <a:latin typeface="OPPOSans L"/>
-                <a:cs typeface="+mn-cs"/>
-              </a:rPr>
-              <a:t> realization</a:t>
-            </a:r>
-            <a:endParaRPr kumimoji="0" lang="zh-CN" altLang="en-US" sz="3200" b="0" i="0" u="none" strike="noStrike" kern="1200" cap="none" spc="0" normalizeH="0" baseline="0" noProof="0" dirty="0">
-              <a:ln>
-                <a:noFill/>
-              </a:ln>
-              <a:solidFill>
-                <a:prstClr val="black"/>
-              </a:solidFill>
-              <a:effectLst/>
-              <a:uLnTx/>
-              <a:uFillTx/>
-              <a:latin typeface="OPPOSans L"/>
-              <a:cs typeface="+mn-cs"/>
-            </a:endParaRPr>
-          </a:p>
-        </p:txBody>
-      </p:sp>
-    </p:spTree>
-    <p:custDataLst>
-      <p:tags r:id="rId1"/>
+      <p:tags r:id="rId2"/>
     </p:custDataLst>
   </p:cSld>
   <p:clrMapOvr>
@@ -7442,6 +7459,20 @@
               </a:rPr>
               <a:t>目录</a:t>
             </a:r>
+            <a:endParaRPr kumimoji="0" lang="zh-CN" altLang="en-US" sz="7200" b="0" i="0" u="none" strike="noStrike" kern="1200" cap="none" spc="0" normalizeH="0" baseline="0" noProof="0" dirty="0">
+              <a:ln>
+                <a:noFill/>
+              </a:ln>
+              <a:solidFill>
+                <a:prstClr val="black"/>
+              </a:solidFill>
+              <a:effectLst/>
+              <a:uLnTx/>
+              <a:uFillTx/>
+              <a:latin typeface="字由文艺黑" panose="00020600040101010101" pitchFamily="18" charset="-122"/>
+              <a:ea typeface="字由文艺黑" panose="00020600040101010101" pitchFamily="18" charset="-122"/>
+              <a:cs typeface="+mn-cs"/>
+            </a:endParaRPr>
           </a:p>
         </p:txBody>
       </p:sp>
@@ -8423,13 +8454,13 @@
           <p:nvPr/>
         </p:nvPicPr>
         <p:blipFill>
-          <a:blip r:embed="rId4" cstate="print">
+          <a:blip r:embed="rId1" cstate="print">
             <a:extLst>
               <a:ext uri="{28A0092B-C50C-407E-A947-70E740481C1C}">
                 <a14:useLocalDpi xmlns:a14="http://schemas.microsoft.com/office/drawing/2010/main" val="0"/>
               </a:ext>
               <a:ext uri="{96DAC541-7B7A-43D3-8B79-37D633B846F1}">
-                <asvg:svgBlip xmlns:asvg="http://schemas.microsoft.com/office/drawing/2016/SVG/main" r:embed="rId5"/>
+                <asvg:svgBlip xmlns:asvg="http://schemas.microsoft.com/office/drawing/2016/SVG/main" r:embed="rId2"/>
               </a:ext>
             </a:extLst>
           </a:blip>
@@ -8487,7 +8518,7 @@
       </p:cxnSp>
     </p:spTree>
     <p:custDataLst>
-      <p:tags r:id="rId1"/>
+      <p:tags r:id="rId3"/>
     </p:custDataLst>
   </p:cSld>
   <p:clrMapOvr>
@@ -8530,19 +8561,19 @@
       </p:grpSpPr>
       <p:cxnSp>
         <p:nvCxnSpPr>
-          <p:cNvPr id="5" name="爱设计-19"/>
+          <p:cNvPr id="20" name="爱设计-6"/>
           <p:cNvCxnSpPr/>
           <p:nvPr/>
         </p:nvCxnSpPr>
         <p:spPr>
           <a:xfrm>
-            <a:off x="660400" y="6390421"/>
-            <a:ext cx="10814415" cy="0"/>
+            <a:off x="1737360" y="535499"/>
+            <a:ext cx="7559040" cy="0"/>
           </a:xfrm>
           <a:prstGeom prst="line">
             <a:avLst/>
           </a:prstGeom>
-          <a:ln w="19050">
+          <a:ln>
             <a:solidFill>
               <a:schemeClr val="tx1">
                 <a:lumMod val="75000"/>
@@ -8568,14 +8599,14 @@
       </p:cxnSp>
       <p:pic>
         <p:nvPicPr>
-          <p:cNvPr id="8" name="图形 7"/>
+          <p:cNvPr id="2" name="图形 1"/>
           <p:cNvPicPr>
             <a:picLocks noChangeAspect="1"/>
           </p:cNvPicPr>
           <p:nvPr/>
         </p:nvPicPr>
         <p:blipFill>
-          <a:blip r:embed="rId3" cstate="print">
+          <a:blip r:embed="rId1" cstate="print">
             <a:extLst>
               <a:ext uri="{28A0092B-C50C-407E-A947-70E740481C1C}">
                 <a14:useLocalDpi xmlns:a14="http://schemas.microsoft.com/office/drawing/2010/main" val="0"/>
@@ -8596,16 +8627,54 @@
           </a:prstGeom>
         </p:spPr>
       </p:pic>
+      <p:cxnSp>
+        <p:nvCxnSpPr>
+          <p:cNvPr id="3" name="爱设计-3"/>
+          <p:cNvCxnSpPr/>
+          <p:nvPr/>
+        </p:nvCxnSpPr>
+        <p:spPr>
+          <a:xfrm>
+            <a:off x="660400" y="6501195"/>
+            <a:ext cx="10814415" cy="0"/>
+          </a:xfrm>
+          <a:prstGeom prst="line">
+            <a:avLst/>
+          </a:prstGeom>
+          <a:ln w="19050">
+            <a:solidFill>
+              <a:schemeClr val="tx1">
+                <a:lumMod val="75000"/>
+                <a:lumOff val="25000"/>
+              </a:schemeClr>
+            </a:solidFill>
+          </a:ln>
+        </p:spPr>
+        <p:style>
+          <a:lnRef idx="1">
+            <a:schemeClr val="accent1"/>
+          </a:lnRef>
+          <a:fillRef idx="0">
+            <a:schemeClr val="accent1"/>
+          </a:fillRef>
+          <a:effectRef idx="0">
+            <a:schemeClr val="accent1"/>
+          </a:effectRef>
+          <a:fontRef idx="minor">
+            <a:schemeClr val="tx1"/>
+          </a:fontRef>
+        </p:style>
+      </p:cxnSp>
       <p:sp>
         <p:nvSpPr>
-          <p:cNvPr id="3" name="爱设计-2"/>
+          <p:cNvPr id="4" name="爱设计-10-1"/>
           <p:cNvSpPr txBox="1"/>
           <p:nvPr/>
         </p:nvSpPr>
         <p:spPr>
           <a:xfrm>
-            <a:off x="621542" y="467578"/>
-            <a:ext cx="3249121" cy="584775"/>
+            <a:off x="1073471" y="1245216"/>
+            <a:ext cx="10045058" cy="1717393"/>
           </a:xfrm>
           <a:prstGeom prst="rect">
             <a:avLst/>
@@ -8618,78 +8687,327 @@
           </a:bodyPr>
           <a:lstStyle/>
           <a:p>
-            <a:r>
-              <a:rPr lang="zh-CN" altLang="en-US" sz="3200" dirty="0">
-                <a:ln/>
-                <a:solidFill>
-                  <a:schemeClr val="tx1"/>
-                </a:solidFill>
-                <a:effectLst>
-                  <a:outerShdw blurRad="38100" dist="19050" dir="2700000" algn="tl" rotWithShape="0">
-                    <a:schemeClr val="dk1">
-                      <a:alpha val="40000"/>
-                    </a:schemeClr>
-                  </a:outerShdw>
-                </a:effectLst>
-                <a:latin typeface="+mj-ea"/>
-                <a:ea typeface="+mj-ea"/>
-              </a:rPr>
-              <a:t>日程管理</a:t>
-            </a:r>
-            <a:r>
-              <a:rPr lang="zh-CN" altLang="en-US" sz="3200" dirty="0">
-                <a:ln/>
-                <a:solidFill>
-                  <a:schemeClr val="accent1"/>
-                </a:solidFill>
-                <a:effectLst>
-                  <a:outerShdw blurRad="38100" dist="25400" dir="5400000" algn="ctr" rotWithShape="0">
-                    <a:srgbClr val="6E747A">
-                      <a:alpha val="43000"/>
-                    </a:srgbClr>
-                  </a:outerShdw>
-                </a:effectLst>
-                <a:latin typeface="+mj-ea"/>
-                <a:ea typeface="+mj-ea"/>
-              </a:rPr>
-              <a:t>系统图</a:t>
-            </a:r>
+            <a:pPr marL="0" marR="0" lvl="0" indent="0" algn="ctr" defTabSz="914400" rtl="0" eaLnBrk="1" fontAlgn="auto" latinLnBrk="0" hangingPunct="1">
+              <a:lnSpc>
+                <a:spcPct val="100000"/>
+              </a:lnSpc>
+              <a:spcBef>
+                <a:spcPts val="0"/>
+              </a:spcBef>
+              <a:spcAft>
+                <a:spcPts val="0"/>
+              </a:spcAft>
+              <a:buClrTx/>
+              <a:buSzTx/>
+              <a:buFontTx/>
+              <a:buNone/>
+              <a:defRPr/>
+            </a:pPr>
+            <a:r>
+              <a:rPr kumimoji="0" lang="en-US" altLang="zh-CN" sz="10560" b="0" i="0" u="none" strike="noStrike" kern="1200" cap="none" spc="0" normalizeH="0" baseline="0" noProof="0" dirty="0">
+                <a:ln w="10477">
+                  <a:solidFill>
+                    <a:prstClr val="black">
+                      <a:lumMod val="75000"/>
+                      <a:lumOff val="25000"/>
+                    </a:prstClr>
+                  </a:solidFill>
+                </a:ln>
+                <a:effectLst/>
+                <a:uLnTx/>
+                <a:uFillTx/>
+                <a:latin typeface="字由文艺黑" panose="00020600040101010101" pitchFamily="18" charset="-122"/>
+                <a:ea typeface="字由文艺黑" panose="00020600040101010101" pitchFamily="18" charset="-122"/>
+                <a:cs typeface="+mn-cs"/>
+              </a:rPr>
+              <a:t>03.</a:t>
+            </a:r>
+            <a:r>
+              <a:rPr kumimoji="0" lang="zh-CN" altLang="en-US" sz="10560" b="0" i="0" u="none" strike="noStrike" kern="1200" cap="none" spc="0" normalizeH="0" baseline="0" noProof="0" dirty="0">
+                <a:ln w="10477">
+                  <a:solidFill>
+                    <a:prstClr val="black">
+                      <a:lumMod val="75000"/>
+                      <a:lumOff val="25000"/>
+                    </a:prstClr>
+                  </a:solidFill>
+                </a:ln>
+                <a:effectLst/>
+                <a:uLnTx/>
+                <a:uFillTx/>
+                <a:latin typeface="字由文艺黑" panose="00020600040101010101" pitchFamily="18" charset="-122"/>
+                <a:ea typeface="字由文艺黑" panose="00020600040101010101" pitchFamily="18" charset="-122"/>
+                <a:cs typeface="+mn-cs"/>
+              </a:rPr>
+              <a:t>用例实现</a:t>
+            </a:r>
+            <a:endParaRPr kumimoji="0" lang="zh-CN" altLang="en-US" sz="10560" b="0" i="0" u="none" strike="noStrike" kern="1200" cap="none" spc="0" normalizeH="0" baseline="0" noProof="0" dirty="0">
+              <a:ln w="10477">
+                <a:solidFill>
+                  <a:prstClr val="black">
+                    <a:lumMod val="75000"/>
+                    <a:lumOff val="25000"/>
+                  </a:prstClr>
+                </a:solidFill>
+              </a:ln>
+              <a:effectLst/>
+              <a:uLnTx/>
+              <a:uFillTx/>
+              <a:latin typeface="字由文艺黑" panose="00020600040101010101" pitchFamily="18" charset="-122"/>
+              <a:ea typeface="字由文艺黑" panose="00020600040101010101" pitchFamily="18" charset="-122"/>
+              <a:cs typeface="+mn-cs"/>
+            </a:endParaRPr>
           </a:p>
         </p:txBody>
       </p:sp>
-      <p:pic>
-        <p:nvPicPr>
-          <p:cNvPr id="4" name="图片 3"/>
-          <p:cNvPicPr>
-            <a:picLocks noChangeAspect="1"/>
-          </p:cNvPicPr>
-          <p:nvPr/>
-        </p:nvPicPr>
-        <p:blipFill>
-          <a:blip r:embed="rId4">
-            <a:extLst>
-              <a:ext uri="{28A0092B-C50C-407E-A947-70E740481C1C}">
-                <a14:useLocalDpi xmlns:a14="http://schemas.microsoft.com/office/drawing/2010/main" val="0"/>
-              </a:ext>
-            </a:extLst>
-          </a:blip>
-          <a:stretch>
-            <a:fillRect/>
-          </a:stretch>
-        </p:blipFill>
-        <p:spPr>
-          <a:xfrm>
-            <a:off x="3987324" y="172574"/>
-            <a:ext cx="4561872" cy="6548782"/>
+      <p:sp>
+        <p:nvSpPr>
+          <p:cNvPr id="7" name="爱设计-10-2"/>
+          <p:cNvSpPr txBox="1"/>
+          <p:nvPr>
+            <p:custDataLst>
+              <p:tags r:id="rId2"/>
+            </p:custDataLst>
+          </p:nvPr>
+        </p:nvSpPr>
+        <p:spPr>
+          <a:xfrm>
+            <a:off x="4095504" y="2790420"/>
+            <a:ext cx="4000987" cy="535531"/>
           </a:xfrm>
           <a:prstGeom prst="rect">
             <a:avLst/>
           </a:prstGeom>
         </p:spPr>
-      </p:pic>
+        <p:txBody>
+          <a:bodyPr wrap="square">
+            <a:spAutoFit/>
+          </a:bodyPr>
+          <a:lstStyle>
+            <a:lvl1pPr marL="228600" indent="-228600" algn="l" defTabSz="914400" rtl="0" eaLnBrk="1" latinLnBrk="0" hangingPunct="1">
+              <a:lnSpc>
+                <a:spcPct val="90000"/>
+              </a:lnSpc>
+              <a:spcBef>
+                <a:spcPts val="1000"/>
+              </a:spcBef>
+              <a:buFont typeface="Arial" panose="020B0604020202020204" pitchFamily="34" charset="0"/>
+              <a:buChar char="•"/>
+              <a:defRPr sz="1600" kern="1200">
+                <a:solidFill>
+                  <a:schemeClr val="tx1"/>
+                </a:solidFill>
+                <a:latin typeface="+mn-lt"/>
+                <a:ea typeface="+mn-ea"/>
+                <a:cs typeface="+mn-cs"/>
+              </a:defRPr>
+            </a:lvl1pPr>
+            <a:lvl2pPr marL="685800" indent="-228600" algn="l" defTabSz="914400" rtl="0" eaLnBrk="1" latinLnBrk="0" hangingPunct="1">
+              <a:lnSpc>
+                <a:spcPct val="90000"/>
+              </a:lnSpc>
+              <a:spcBef>
+                <a:spcPts val="500"/>
+              </a:spcBef>
+              <a:buFont typeface="Arial" panose="020B0604020202020204" pitchFamily="34" charset="0"/>
+              <a:buChar char="•"/>
+              <a:defRPr sz="1600" kern="1200">
+                <a:solidFill>
+                  <a:schemeClr val="tx1"/>
+                </a:solidFill>
+                <a:latin typeface="+mn-lt"/>
+                <a:ea typeface="+mn-ea"/>
+                <a:cs typeface="+mn-cs"/>
+              </a:defRPr>
+            </a:lvl2pPr>
+            <a:lvl3pPr marL="1143000" indent="-228600" algn="l" defTabSz="914400" rtl="0" eaLnBrk="1" latinLnBrk="0" hangingPunct="1">
+              <a:lnSpc>
+                <a:spcPct val="90000"/>
+              </a:lnSpc>
+              <a:spcBef>
+                <a:spcPts val="500"/>
+              </a:spcBef>
+              <a:buFont typeface="Arial" panose="020B0604020202020204" pitchFamily="34" charset="0"/>
+              <a:buChar char="•"/>
+              <a:defRPr sz="1600" kern="1200">
+                <a:solidFill>
+                  <a:schemeClr val="tx1"/>
+                </a:solidFill>
+                <a:latin typeface="+mn-lt"/>
+                <a:ea typeface="+mn-ea"/>
+                <a:cs typeface="+mn-cs"/>
+              </a:defRPr>
+            </a:lvl3pPr>
+            <a:lvl4pPr marL="1600200" indent="-228600" algn="l" defTabSz="914400" rtl="0" eaLnBrk="1" latinLnBrk="0" hangingPunct="1">
+              <a:lnSpc>
+                <a:spcPct val="90000"/>
+              </a:lnSpc>
+              <a:spcBef>
+                <a:spcPts val="500"/>
+              </a:spcBef>
+              <a:buFont typeface="Arial" panose="020B0604020202020204" pitchFamily="34" charset="0"/>
+              <a:buChar char="•"/>
+              <a:defRPr sz="1600" kern="1200">
+                <a:solidFill>
+                  <a:schemeClr val="tx1"/>
+                </a:solidFill>
+                <a:latin typeface="+mn-lt"/>
+                <a:ea typeface="+mn-ea"/>
+                <a:cs typeface="+mn-cs"/>
+              </a:defRPr>
+            </a:lvl4pPr>
+            <a:lvl5pPr marL="2057400" indent="-228600" algn="l" defTabSz="914400" rtl="0" eaLnBrk="1" latinLnBrk="0" hangingPunct="1">
+              <a:lnSpc>
+                <a:spcPct val="90000"/>
+              </a:lnSpc>
+              <a:spcBef>
+                <a:spcPts val="500"/>
+              </a:spcBef>
+              <a:buFont typeface="Arial" panose="020B0604020202020204" pitchFamily="34" charset="0"/>
+              <a:buChar char="•"/>
+              <a:defRPr sz="1600" kern="1200">
+                <a:solidFill>
+                  <a:schemeClr val="tx1"/>
+                </a:solidFill>
+                <a:latin typeface="+mn-lt"/>
+                <a:ea typeface="+mn-ea"/>
+                <a:cs typeface="+mn-cs"/>
+              </a:defRPr>
+            </a:lvl5pPr>
+            <a:lvl6pPr marL="2514600" indent="-228600" algn="l" defTabSz="914400" rtl="0" eaLnBrk="1" latinLnBrk="0" hangingPunct="1">
+              <a:lnSpc>
+                <a:spcPct val="90000"/>
+              </a:lnSpc>
+              <a:spcBef>
+                <a:spcPts val="500"/>
+              </a:spcBef>
+              <a:buFont typeface="Arial" panose="020B0604020202020204" pitchFamily="34" charset="0"/>
+              <a:buChar char="•"/>
+              <a:defRPr sz="1800" kern="1200">
+                <a:solidFill>
+                  <a:schemeClr val="tx1"/>
+                </a:solidFill>
+                <a:latin typeface="+mn-lt"/>
+                <a:ea typeface="+mn-ea"/>
+                <a:cs typeface="+mn-cs"/>
+              </a:defRPr>
+            </a:lvl6pPr>
+            <a:lvl7pPr marL="2971800" indent="-228600" algn="l" defTabSz="914400" rtl="0" eaLnBrk="1" latinLnBrk="0" hangingPunct="1">
+              <a:lnSpc>
+                <a:spcPct val="90000"/>
+              </a:lnSpc>
+              <a:spcBef>
+                <a:spcPts val="500"/>
+              </a:spcBef>
+              <a:buFont typeface="Arial" panose="020B0604020202020204" pitchFamily="34" charset="0"/>
+              <a:buChar char="•"/>
+              <a:defRPr sz="1800" kern="1200">
+                <a:solidFill>
+                  <a:schemeClr val="tx1"/>
+                </a:solidFill>
+                <a:latin typeface="+mn-lt"/>
+                <a:ea typeface="+mn-ea"/>
+                <a:cs typeface="+mn-cs"/>
+              </a:defRPr>
+            </a:lvl7pPr>
+            <a:lvl8pPr marL="3429000" indent="-228600" algn="l" defTabSz="914400" rtl="0" eaLnBrk="1" latinLnBrk="0" hangingPunct="1">
+              <a:lnSpc>
+                <a:spcPct val="90000"/>
+              </a:lnSpc>
+              <a:spcBef>
+                <a:spcPts val="500"/>
+              </a:spcBef>
+              <a:buFont typeface="Arial" panose="020B0604020202020204" pitchFamily="34" charset="0"/>
+              <a:buChar char="•"/>
+              <a:defRPr sz="1800" kern="1200">
+                <a:solidFill>
+                  <a:schemeClr val="tx1"/>
+                </a:solidFill>
+                <a:latin typeface="+mn-lt"/>
+                <a:ea typeface="+mn-ea"/>
+                <a:cs typeface="+mn-cs"/>
+              </a:defRPr>
+            </a:lvl8pPr>
+            <a:lvl9pPr marL="3886200" indent="-228600" algn="l" defTabSz="914400" rtl="0" eaLnBrk="1" latinLnBrk="0" hangingPunct="1">
+              <a:lnSpc>
+                <a:spcPct val="90000"/>
+              </a:lnSpc>
+              <a:spcBef>
+                <a:spcPts val="500"/>
+              </a:spcBef>
+              <a:buFont typeface="Arial" panose="020B0604020202020204" pitchFamily="34" charset="0"/>
+              <a:buChar char="•"/>
+              <a:defRPr sz="1800" kern="1200">
+                <a:solidFill>
+                  <a:schemeClr val="tx1"/>
+                </a:solidFill>
+                <a:latin typeface="+mn-lt"/>
+                <a:ea typeface="+mn-ea"/>
+                <a:cs typeface="+mn-cs"/>
+              </a:defRPr>
+            </a:lvl9pPr>
+          </a:lstStyle>
+          <a:p>
+            <a:pPr marL="0" marR="0" lvl="0" indent="0" algn="ctr" defTabSz="914400" rtl="0" eaLnBrk="1" fontAlgn="auto" latinLnBrk="0" hangingPunct="1">
+              <a:lnSpc>
+                <a:spcPct val="90000"/>
+              </a:lnSpc>
+              <a:spcBef>
+                <a:spcPts val="1000"/>
+              </a:spcBef>
+              <a:spcAft>
+                <a:spcPts val="0"/>
+              </a:spcAft>
+              <a:buClrTx/>
+              <a:buSzTx/>
+              <a:buFont typeface="Arial" panose="020B0604020202020204" pitchFamily="34" charset="0"/>
+              <a:buNone/>
+              <a:defRPr/>
+            </a:pPr>
+            <a:r>
+              <a:rPr lang="en-US" altLang="zh-CN" sz="3200" dirty="0">
+                <a:solidFill>
+                  <a:prstClr val="black"/>
+                </a:solidFill>
+                <a:latin typeface="OPPOSans L"/>
+              </a:rPr>
+              <a:t>use-case</a:t>
+            </a:r>
+            <a:r>
+              <a:rPr kumimoji="0" lang="en-US" altLang="zh-CN" sz="3200" b="0" i="0" u="none" strike="noStrike" kern="1200" cap="none" spc="0" normalizeH="0" baseline="0" noProof="0" dirty="0">
+                <a:ln>
+                  <a:noFill/>
+                </a:ln>
+                <a:solidFill>
+                  <a:prstClr val="black"/>
+                </a:solidFill>
+                <a:effectLst/>
+                <a:uLnTx/>
+                <a:uFillTx/>
+                <a:latin typeface="OPPOSans L"/>
+                <a:cs typeface="+mn-cs"/>
+              </a:rPr>
+              <a:t> realization</a:t>
+            </a:r>
+            <a:endParaRPr kumimoji="0" lang="zh-CN" altLang="en-US" sz="3200" b="0" i="0" u="none" strike="noStrike" kern="1200" cap="none" spc="0" normalizeH="0" baseline="0" noProof="0" dirty="0">
+              <a:ln>
+                <a:noFill/>
+              </a:ln>
+              <a:solidFill>
+                <a:prstClr val="black"/>
+              </a:solidFill>
+              <a:effectLst/>
+              <a:uLnTx/>
+              <a:uFillTx/>
+              <a:latin typeface="OPPOSans L"/>
+              <a:cs typeface="+mn-cs"/>
+            </a:endParaRPr>
+          </a:p>
+        </p:txBody>
+      </p:sp>
     </p:spTree>
     <p:custDataLst>
-      <p:tags r:id="rId1"/>
+      <p:tags r:id="rId3"/>
     </p:custDataLst>
   </p:cSld>
   <p:clrMapOvr>
@@ -8777,7 +9095,7 @@
           <p:nvPr/>
         </p:nvPicPr>
         <p:blipFill>
-          <a:blip r:embed="rId3" cstate="print">
+          <a:blip r:embed="rId1" cstate="print">
             <a:extLst>
               <a:ext uri="{28A0092B-C50C-407E-A947-70E740481C1C}">
                 <a14:useLocalDpi xmlns:a14="http://schemas.microsoft.com/office/drawing/2010/main" val="0"/>
@@ -8800,14 +9118,14 @@
       </p:pic>
       <p:sp>
         <p:nvSpPr>
-          <p:cNvPr id="12" name="爱设计-2"/>
+          <p:cNvPr id="3" name="爱设计-2"/>
           <p:cNvSpPr txBox="1"/>
           <p:nvPr/>
         </p:nvSpPr>
         <p:spPr>
           <a:xfrm>
-            <a:off x="523887" y="189992"/>
-            <a:ext cx="3245959" cy="584775"/>
+            <a:off x="621542" y="467578"/>
+            <a:ext cx="3249121" cy="584775"/>
           </a:xfrm>
           <a:prstGeom prst="rect">
             <a:avLst/>
@@ -8822,7 +9140,6 @@
           <a:p>
             <a:r>
               <a:rPr lang="zh-CN" altLang="en-US" sz="3200" dirty="0">
-                <a:ln/>
                 <a:solidFill>
                   <a:schemeClr val="tx1"/>
                 </a:solidFill>
@@ -8840,7 +9157,6 @@
             </a:r>
             <a:r>
               <a:rPr lang="zh-CN" altLang="en-US" sz="3200" dirty="0">
-                <a:ln/>
                 <a:solidFill>
                   <a:schemeClr val="accent1"/>
                 </a:solidFill>
@@ -8854,21 +9170,35 @@
                 <a:latin typeface="+mj-ea"/>
                 <a:ea typeface="+mj-ea"/>
               </a:rPr>
-              <a:t>序列图</a:t>
-            </a:r>
+              <a:t>系统图</a:t>
+            </a:r>
+            <a:endParaRPr lang="zh-CN" altLang="en-US" sz="3200" dirty="0">
+              <a:solidFill>
+                <a:schemeClr val="accent1"/>
+              </a:solidFill>
+              <a:effectLst>
+                <a:outerShdw blurRad="38100" dist="25400" dir="5400000" algn="ctr" rotWithShape="0">
+                  <a:srgbClr val="6E747A">
+                    <a:alpha val="43000"/>
+                  </a:srgbClr>
+                </a:outerShdw>
+              </a:effectLst>
+              <a:latin typeface="+mj-ea"/>
+              <a:ea typeface="+mj-ea"/>
+            </a:endParaRPr>
           </a:p>
         </p:txBody>
       </p:sp>
       <p:pic>
         <p:nvPicPr>
-          <p:cNvPr id="31" name="图片 30"/>
+          <p:cNvPr id="4" name="图片 3"/>
           <p:cNvPicPr>
             <a:picLocks noChangeAspect="1"/>
           </p:cNvPicPr>
           <p:nvPr/>
         </p:nvPicPr>
         <p:blipFill>
-          <a:blip r:embed="rId4">
+          <a:blip r:embed="rId2">
             <a:extLst>
               <a:ext uri="{28A0092B-C50C-407E-A947-70E740481C1C}">
                 <a14:useLocalDpi xmlns:a14="http://schemas.microsoft.com/office/drawing/2010/main" val="0"/>
@@ -8881,8 +9211,8 @@
         </p:blipFill>
         <p:spPr>
           <a:xfrm>
-            <a:off x="1016038" y="828702"/>
-            <a:ext cx="10458777" cy="5573886"/>
+            <a:off x="3987324" y="172574"/>
+            <a:ext cx="4561872" cy="6548782"/>
           </a:xfrm>
           <a:prstGeom prst="rect">
             <a:avLst/>
@@ -8891,7 +9221,7 @@
       </p:pic>
     </p:spTree>
     <p:custDataLst>
-      <p:tags r:id="rId1"/>
+      <p:tags r:id="rId3"/>
     </p:custDataLst>
   </p:cSld>
   <p:clrMapOvr>
@@ -8979,7 +9309,7 @@
           <p:nvPr/>
         </p:nvPicPr>
         <p:blipFill>
-          <a:blip r:embed="rId3" cstate="print">
+          <a:blip r:embed="rId1" cstate="print">
             <a:extLst>
               <a:ext uri="{28A0092B-C50C-407E-A947-70E740481C1C}">
                 <a14:useLocalDpi xmlns:a14="http://schemas.microsoft.com/office/drawing/2010/main" val="0"/>
@@ -9002,14 +9332,14 @@
       </p:pic>
       <p:sp>
         <p:nvSpPr>
-          <p:cNvPr id="2" name="爱设计-2"/>
+          <p:cNvPr id="12" name="爱设计-2"/>
           <p:cNvSpPr txBox="1"/>
           <p:nvPr/>
         </p:nvSpPr>
         <p:spPr>
           <a:xfrm>
-            <a:off x="621542" y="467578"/>
-            <a:ext cx="3249121" cy="583565"/>
+            <a:off x="523887" y="189992"/>
+            <a:ext cx="3245959" cy="584775"/>
           </a:xfrm>
           <a:prstGeom prst="rect">
             <a:avLst/>
@@ -9024,7 +9354,6 @@
           <a:p>
             <a:r>
               <a:rPr lang="zh-CN" altLang="en-US" sz="3200" dirty="0">
-                <a:ln/>
                 <a:solidFill>
                   <a:schemeClr val="tx1"/>
                 </a:solidFill>
@@ -9038,11 +9367,10 @@
                 <a:latin typeface="+mj-ea"/>
                 <a:ea typeface="+mj-ea"/>
               </a:rPr>
-              <a:t>专注模式</a:t>
+              <a:t>日程管理</a:t>
             </a:r>
             <a:r>
               <a:rPr lang="zh-CN" altLang="en-US" sz="3200" dirty="0">
-                <a:ln/>
                 <a:solidFill>
                   <a:schemeClr val="accent1"/>
                 </a:solidFill>
@@ -9056,21 +9384,35 @@
                 <a:latin typeface="+mj-ea"/>
                 <a:ea typeface="+mj-ea"/>
               </a:rPr>
-              <a:t>系统图</a:t>
-            </a:r>
+              <a:t>序列图</a:t>
+            </a:r>
+            <a:endParaRPr lang="zh-CN" altLang="en-US" sz="3200" dirty="0">
+              <a:solidFill>
+                <a:schemeClr val="accent1"/>
+              </a:solidFill>
+              <a:effectLst>
+                <a:outerShdw blurRad="38100" dist="25400" dir="5400000" algn="ctr" rotWithShape="0">
+                  <a:srgbClr val="6E747A">
+                    <a:alpha val="43000"/>
+                  </a:srgbClr>
+                </a:outerShdw>
+              </a:effectLst>
+              <a:latin typeface="+mj-ea"/>
+              <a:ea typeface="+mj-ea"/>
+            </a:endParaRPr>
           </a:p>
         </p:txBody>
       </p:sp>
       <p:pic>
         <p:nvPicPr>
-          <p:cNvPr id="7" name="图片 6"/>
+          <p:cNvPr id="31" name="图片 30"/>
           <p:cNvPicPr>
             <a:picLocks noChangeAspect="1"/>
           </p:cNvPicPr>
           <p:nvPr/>
         </p:nvPicPr>
         <p:blipFill>
-          <a:blip r:embed="rId4">
+          <a:blip r:embed="rId2">
             <a:extLst>
               <a:ext uri="{28A0092B-C50C-407E-A947-70E740481C1C}">
                 <a14:useLocalDpi xmlns:a14="http://schemas.microsoft.com/office/drawing/2010/main" val="0"/>
@@ -9083,8 +9425,8 @@
         </p:blipFill>
         <p:spPr>
           <a:xfrm>
-            <a:off x="2439151" y="1547526"/>
-            <a:ext cx="7256912" cy="4293787"/>
+            <a:off x="1016038" y="828702"/>
+            <a:ext cx="10458777" cy="5573886"/>
           </a:xfrm>
           <a:prstGeom prst="rect">
             <a:avLst/>
@@ -9093,7 +9435,7 @@
       </p:pic>
     </p:spTree>
     <p:custDataLst>
-      <p:tags r:id="rId1"/>
+      <p:tags r:id="rId3"/>
     </p:custDataLst>
   </p:cSld>
   <p:clrMapOvr>
@@ -9181,7 +9523,7 @@
           <p:nvPr/>
         </p:nvPicPr>
         <p:blipFill>
-          <a:blip r:embed="rId3" cstate="print">
+          <a:blip r:embed="rId1" cstate="print">
             <a:extLst>
               <a:ext uri="{28A0092B-C50C-407E-A947-70E740481C1C}">
                 <a14:useLocalDpi xmlns:a14="http://schemas.microsoft.com/office/drawing/2010/main" val="0"/>
@@ -9204,14 +9546,14 @@
       </p:pic>
       <p:sp>
         <p:nvSpPr>
-          <p:cNvPr id="6" name="爱设计-2"/>
+          <p:cNvPr id="2" name="爱设计-2"/>
           <p:cNvSpPr txBox="1"/>
           <p:nvPr/>
         </p:nvSpPr>
         <p:spPr>
           <a:xfrm>
-            <a:off x="523887" y="189992"/>
-            <a:ext cx="3245959" cy="583565"/>
+            <a:off x="621542" y="467578"/>
+            <a:ext cx="3249121" cy="583565"/>
           </a:xfrm>
           <a:prstGeom prst="rect">
             <a:avLst/>
@@ -9256,21 +9598,35 @@
                 <a:latin typeface="+mj-ea"/>
                 <a:ea typeface="+mj-ea"/>
               </a:rPr>
-              <a:t>序列图</a:t>
-            </a:r>
+              <a:t>系统图</a:t>
+            </a:r>
+            <a:endParaRPr lang="zh-CN" altLang="en-US" sz="3200" dirty="0">
+              <a:solidFill>
+                <a:schemeClr val="accent1"/>
+              </a:solidFill>
+              <a:effectLst>
+                <a:outerShdw blurRad="38100" dist="25400" dir="5400000" algn="ctr" rotWithShape="0">
+                  <a:srgbClr val="6E747A">
+                    <a:alpha val="43000"/>
+                  </a:srgbClr>
+                </a:outerShdw>
+              </a:effectLst>
+              <a:latin typeface="+mj-ea"/>
+              <a:ea typeface="+mj-ea"/>
+            </a:endParaRPr>
           </a:p>
         </p:txBody>
       </p:sp>
       <p:pic>
         <p:nvPicPr>
-          <p:cNvPr id="3" name="图片 2"/>
+          <p:cNvPr id="7" name="图片 6"/>
           <p:cNvPicPr>
             <a:picLocks noChangeAspect="1"/>
           </p:cNvPicPr>
           <p:nvPr/>
         </p:nvPicPr>
         <p:blipFill>
-          <a:blip r:embed="rId4">
+          <a:blip r:embed="rId2">
             <a:extLst>
               <a:ext uri="{28A0092B-C50C-407E-A947-70E740481C1C}">
                 <a14:useLocalDpi xmlns:a14="http://schemas.microsoft.com/office/drawing/2010/main" val="0"/>
@@ -9283,8 +9639,8 @@
         </p:blipFill>
         <p:spPr>
           <a:xfrm>
-            <a:off x="3858622" y="116191"/>
-            <a:ext cx="6643661" cy="6466665"/>
+            <a:off x="2439151" y="1547526"/>
+            <a:ext cx="7256912" cy="4293787"/>
           </a:xfrm>
           <a:prstGeom prst="rect">
             <a:avLst/>
@@ -9293,7 +9649,7 @@
       </p:pic>
     </p:spTree>
     <p:custDataLst>
-      <p:tags r:id="rId1"/>
+      <p:tags r:id="rId3"/>
     </p:custDataLst>
   </p:cSld>
   <p:clrMapOvr>
@@ -9336,19 +9692,19 @@
       </p:grpSpPr>
       <p:cxnSp>
         <p:nvCxnSpPr>
-          <p:cNvPr id="20" name="爱设计-6"/>
+          <p:cNvPr id="5" name="爱设计-19"/>
           <p:cNvCxnSpPr/>
           <p:nvPr/>
         </p:nvCxnSpPr>
         <p:spPr>
           <a:xfrm>
-            <a:off x="1737360" y="535499"/>
-            <a:ext cx="7559040" cy="0"/>
+            <a:off x="660400" y="6390421"/>
+            <a:ext cx="10814415" cy="0"/>
           </a:xfrm>
           <a:prstGeom prst="line">
             <a:avLst/>
           </a:prstGeom>
-          <a:ln>
+          <a:ln w="19050">
             <a:solidFill>
               <a:schemeClr val="tx1">
                 <a:lumMod val="75000"/>
@@ -9372,116 +9728,16 @@
           </a:fontRef>
         </p:style>
       </p:cxnSp>
-      <p:sp>
-        <p:nvSpPr>
-          <p:cNvPr id="33" name="爱设计-10-1"/>
-          <p:cNvSpPr txBox="1"/>
-          <p:nvPr/>
-        </p:nvSpPr>
-        <p:spPr>
-          <a:xfrm>
-            <a:off x="1073471" y="1245216"/>
-            <a:ext cx="10045058" cy="1717393"/>
-          </a:xfrm>
-          <a:prstGeom prst="rect">
-            <a:avLst/>
-          </a:prstGeom>
-          <a:noFill/>
-        </p:spPr>
-        <p:txBody>
-          <a:bodyPr wrap="square">
-            <a:spAutoFit/>
-          </a:bodyPr>
-          <a:lstStyle/>
-          <a:p>
-            <a:pPr marL="0" marR="0" lvl="0" indent="0" algn="ctr" defTabSz="914400" rtl="0" eaLnBrk="1" fontAlgn="auto" latinLnBrk="0" hangingPunct="1">
-              <a:lnSpc>
-                <a:spcPct val="100000"/>
-              </a:lnSpc>
-              <a:spcBef>
-                <a:spcPts val="0"/>
-              </a:spcBef>
-              <a:spcAft>
-                <a:spcPts val="0"/>
-              </a:spcAft>
-              <a:buClrTx/>
-              <a:buSzTx/>
-              <a:buFontTx/>
-              <a:buNone/>
-              <a:defRPr/>
-            </a:pPr>
-            <a:r>
-              <a:rPr kumimoji="0" lang="en-US" altLang="zh-CN" sz="10560" b="0" i="0" u="none" strike="noStrike" kern="1200" cap="none" spc="0" normalizeH="0" baseline="0" noProof="0" dirty="0">
-                <a:ln w="10477">
-                  <a:solidFill>
-                    <a:prstClr val="black">
-                      <a:lumMod val="75000"/>
-                      <a:lumOff val="25000"/>
-                    </a:prstClr>
-                  </a:solidFill>
-                </a:ln>
-                <a:solidFill>
-                  <a:prstClr val="black"/>
-                </a:solidFill>
-                <a:effectLst/>
-                <a:uLnTx/>
-                <a:uFillTx/>
-                <a:latin typeface="字由文艺黑" panose="00020600040101010101" pitchFamily="18" charset="-122"/>
-                <a:ea typeface="字由文艺黑" panose="00020600040101010101" pitchFamily="18" charset="-122"/>
-                <a:cs typeface="+mn-cs"/>
-              </a:rPr>
-              <a:t>04.</a:t>
-            </a:r>
-            <a:r>
-              <a:rPr lang="zh-CN" altLang="en-US" sz="10560" dirty="0">
-                <a:ln w="10477">
-                  <a:solidFill>
-                    <a:prstClr val="black">
-                      <a:lumMod val="75000"/>
-                      <a:lumOff val="25000"/>
-                    </a:prstClr>
-                  </a:solidFill>
-                </a:ln>
-                <a:solidFill>
-                  <a:prstClr val="black"/>
-                </a:solidFill>
-                <a:latin typeface="字由文艺黑" panose="00020600040101010101" pitchFamily="18" charset="-122"/>
-                <a:ea typeface="字由文艺黑" panose="00020600040101010101" pitchFamily="18" charset="-122"/>
-              </a:rPr>
-              <a:t>界面展示</a:t>
-            </a:r>
-            <a:endParaRPr kumimoji="0" lang="zh-CN" altLang="en-US" sz="10560" b="0" i="0" u="none" strike="noStrike" kern="1200" cap="none" spc="0" normalizeH="0" baseline="0" noProof="0" dirty="0">
-              <a:ln w="10477">
-                <a:solidFill>
-                  <a:prstClr val="black">
-                    <a:lumMod val="75000"/>
-                    <a:lumOff val="25000"/>
-                  </a:prstClr>
-                </a:solidFill>
-              </a:ln>
-              <a:solidFill>
-                <a:prstClr val="black"/>
-              </a:solidFill>
-              <a:effectLst/>
-              <a:uLnTx/>
-              <a:uFillTx/>
-              <a:latin typeface="字由文艺黑" panose="00020600040101010101" pitchFamily="18" charset="-122"/>
-              <a:ea typeface="字由文艺黑" panose="00020600040101010101" pitchFamily="18" charset="-122"/>
-              <a:cs typeface="+mn-cs"/>
-            </a:endParaRPr>
-          </a:p>
-        </p:txBody>
-      </p:sp>
       <p:pic>
         <p:nvPicPr>
-          <p:cNvPr id="2" name="图形 1"/>
+          <p:cNvPr id="8" name="图形 7"/>
           <p:cNvPicPr>
             <a:picLocks noChangeAspect="1"/>
           </p:cNvPicPr>
           <p:nvPr/>
         </p:nvPicPr>
         <p:blipFill>
-          <a:blip r:embed="rId4" cstate="print">
+          <a:blip r:embed="rId1" cstate="print">
             <a:extLst>
               <a:ext uri="{28A0092B-C50C-407E-A947-70E740481C1C}">
                 <a14:useLocalDpi xmlns:a14="http://schemas.microsoft.com/office/drawing/2010/main" val="0"/>
@@ -9502,283 +9758,112 @@
           </a:prstGeom>
         </p:spPr>
       </p:pic>
-      <p:cxnSp>
-        <p:nvCxnSpPr>
-          <p:cNvPr id="3" name="爱设计-3"/>
-          <p:cNvCxnSpPr/>
-          <p:nvPr/>
-        </p:nvCxnSpPr>
-        <p:spPr>
-          <a:xfrm>
-            <a:off x="660400" y="6501195"/>
-            <a:ext cx="10814415" cy="0"/>
-          </a:xfrm>
-          <a:prstGeom prst="line">
-            <a:avLst/>
-          </a:prstGeom>
-          <a:ln w="19050">
-            <a:solidFill>
-              <a:schemeClr val="tx1">
-                <a:lumMod val="75000"/>
-                <a:lumOff val="25000"/>
-              </a:schemeClr>
-            </a:solidFill>
-          </a:ln>
-        </p:spPr>
-        <p:style>
-          <a:lnRef idx="1">
-            <a:schemeClr val="accent1"/>
-          </a:lnRef>
-          <a:fillRef idx="0">
-            <a:schemeClr val="accent1"/>
-          </a:fillRef>
-          <a:effectRef idx="0">
-            <a:schemeClr val="accent1"/>
-          </a:effectRef>
-          <a:fontRef idx="minor">
-            <a:schemeClr val="tx1"/>
-          </a:fontRef>
-        </p:style>
-      </p:cxnSp>
       <p:sp>
         <p:nvSpPr>
-          <p:cNvPr id="6" name="爱设计-10-2"/>
+          <p:cNvPr id="6" name="爱设计-2"/>
           <p:cNvSpPr txBox="1"/>
-          <p:nvPr>
-            <p:custDataLst>
-              <p:tags r:id="rId2"/>
-            </p:custDataLst>
-          </p:nvPr>
+          <p:nvPr/>
         </p:nvSpPr>
         <p:spPr>
           <a:xfrm>
-            <a:off x="3742376" y="2815716"/>
-            <a:ext cx="4707248" cy="535531"/>
+            <a:off x="523887" y="189992"/>
+            <a:ext cx="3245959" cy="583565"/>
           </a:xfrm>
           <a:prstGeom prst="rect">
             <a:avLst/>
           </a:prstGeom>
+          <a:noFill/>
         </p:spPr>
         <p:txBody>
           <a:bodyPr wrap="square">
             <a:spAutoFit/>
           </a:bodyPr>
-          <a:lstStyle>
-            <a:lvl1pPr marL="228600" indent="-228600" algn="l" defTabSz="914400" rtl="0" eaLnBrk="1" latinLnBrk="0" hangingPunct="1">
-              <a:lnSpc>
-                <a:spcPct val="90000"/>
-              </a:lnSpc>
-              <a:spcBef>
-                <a:spcPts val="1000"/>
-              </a:spcBef>
-              <a:buFont typeface="Arial" panose="020B0604020202020204" pitchFamily="34" charset="0"/>
-              <a:buChar char="•"/>
-              <a:defRPr sz="1600" kern="1200">
+          <a:lstStyle/>
+          <a:p>
+            <a:r>
+              <a:rPr lang="zh-CN" altLang="en-US" sz="3200" dirty="0">
                 <a:solidFill>
                   <a:schemeClr val="tx1"/>
                 </a:solidFill>
-                <a:latin typeface="+mn-lt"/>
-                <a:ea typeface="+mn-ea"/>
-                <a:cs typeface="+mn-cs"/>
-              </a:defRPr>
-            </a:lvl1pPr>
-            <a:lvl2pPr marL="685800" indent="-228600" algn="l" defTabSz="914400" rtl="0" eaLnBrk="1" latinLnBrk="0" hangingPunct="1">
-              <a:lnSpc>
-                <a:spcPct val="90000"/>
-              </a:lnSpc>
-              <a:spcBef>
-                <a:spcPts val="500"/>
-              </a:spcBef>
-              <a:buFont typeface="Arial" panose="020B0604020202020204" pitchFamily="34" charset="0"/>
-              <a:buChar char="•"/>
-              <a:defRPr sz="1600" kern="1200">
-                <a:solidFill>
-                  <a:schemeClr val="tx1"/>
-                </a:solidFill>
-                <a:latin typeface="+mn-lt"/>
-                <a:ea typeface="+mn-ea"/>
-                <a:cs typeface="+mn-cs"/>
-              </a:defRPr>
-            </a:lvl2pPr>
-            <a:lvl3pPr marL="1143000" indent="-228600" algn="l" defTabSz="914400" rtl="0" eaLnBrk="1" latinLnBrk="0" hangingPunct="1">
-              <a:lnSpc>
-                <a:spcPct val="90000"/>
-              </a:lnSpc>
-              <a:spcBef>
-                <a:spcPts val="500"/>
-              </a:spcBef>
-              <a:buFont typeface="Arial" panose="020B0604020202020204" pitchFamily="34" charset="0"/>
-              <a:buChar char="•"/>
-              <a:defRPr sz="1600" kern="1200">
-                <a:solidFill>
-                  <a:schemeClr val="tx1"/>
-                </a:solidFill>
-                <a:latin typeface="+mn-lt"/>
-                <a:ea typeface="+mn-ea"/>
-                <a:cs typeface="+mn-cs"/>
-              </a:defRPr>
-            </a:lvl3pPr>
-            <a:lvl4pPr marL="1600200" indent="-228600" algn="l" defTabSz="914400" rtl="0" eaLnBrk="1" latinLnBrk="0" hangingPunct="1">
-              <a:lnSpc>
-                <a:spcPct val="90000"/>
-              </a:lnSpc>
-              <a:spcBef>
-                <a:spcPts val="500"/>
-              </a:spcBef>
-              <a:buFont typeface="Arial" panose="020B0604020202020204" pitchFamily="34" charset="0"/>
-              <a:buChar char="•"/>
-              <a:defRPr sz="1600" kern="1200">
-                <a:solidFill>
-                  <a:schemeClr val="tx1"/>
-                </a:solidFill>
-                <a:latin typeface="+mn-lt"/>
-                <a:ea typeface="+mn-ea"/>
-                <a:cs typeface="+mn-cs"/>
-              </a:defRPr>
-            </a:lvl4pPr>
-            <a:lvl5pPr marL="2057400" indent="-228600" algn="l" defTabSz="914400" rtl="0" eaLnBrk="1" latinLnBrk="0" hangingPunct="1">
-              <a:lnSpc>
-                <a:spcPct val="90000"/>
-              </a:lnSpc>
-              <a:spcBef>
-                <a:spcPts val="500"/>
-              </a:spcBef>
-              <a:buFont typeface="Arial" panose="020B0604020202020204" pitchFamily="34" charset="0"/>
-              <a:buChar char="•"/>
-              <a:defRPr sz="1600" kern="1200">
-                <a:solidFill>
-                  <a:schemeClr val="tx1"/>
-                </a:solidFill>
-                <a:latin typeface="+mn-lt"/>
-                <a:ea typeface="+mn-ea"/>
-                <a:cs typeface="+mn-cs"/>
-              </a:defRPr>
-            </a:lvl5pPr>
-            <a:lvl6pPr marL="2514600" indent="-228600" algn="l" defTabSz="914400" rtl="0" eaLnBrk="1" latinLnBrk="0" hangingPunct="1">
-              <a:lnSpc>
-                <a:spcPct val="90000"/>
-              </a:lnSpc>
-              <a:spcBef>
-                <a:spcPts val="500"/>
-              </a:spcBef>
-              <a:buFont typeface="Arial" panose="020B0604020202020204" pitchFamily="34" charset="0"/>
-              <a:buChar char="•"/>
-              <a:defRPr sz="1800" kern="1200">
-                <a:solidFill>
-                  <a:schemeClr val="tx1"/>
-                </a:solidFill>
-                <a:latin typeface="+mn-lt"/>
-                <a:ea typeface="+mn-ea"/>
-                <a:cs typeface="+mn-cs"/>
-              </a:defRPr>
-            </a:lvl6pPr>
-            <a:lvl7pPr marL="2971800" indent="-228600" algn="l" defTabSz="914400" rtl="0" eaLnBrk="1" latinLnBrk="0" hangingPunct="1">
-              <a:lnSpc>
-                <a:spcPct val="90000"/>
-              </a:lnSpc>
-              <a:spcBef>
-                <a:spcPts val="500"/>
-              </a:spcBef>
-              <a:buFont typeface="Arial" panose="020B0604020202020204" pitchFamily="34" charset="0"/>
-              <a:buChar char="•"/>
-              <a:defRPr sz="1800" kern="1200">
-                <a:solidFill>
-                  <a:schemeClr val="tx1"/>
-                </a:solidFill>
-                <a:latin typeface="+mn-lt"/>
-                <a:ea typeface="+mn-ea"/>
-                <a:cs typeface="+mn-cs"/>
-              </a:defRPr>
-            </a:lvl7pPr>
-            <a:lvl8pPr marL="3429000" indent="-228600" algn="l" defTabSz="914400" rtl="0" eaLnBrk="1" latinLnBrk="0" hangingPunct="1">
-              <a:lnSpc>
-                <a:spcPct val="90000"/>
-              </a:lnSpc>
-              <a:spcBef>
-                <a:spcPts val="500"/>
-              </a:spcBef>
-              <a:buFont typeface="Arial" panose="020B0604020202020204" pitchFamily="34" charset="0"/>
-              <a:buChar char="•"/>
-              <a:defRPr sz="1800" kern="1200">
-                <a:solidFill>
-                  <a:schemeClr val="tx1"/>
-                </a:solidFill>
-                <a:latin typeface="+mn-lt"/>
-                <a:ea typeface="+mn-ea"/>
-                <a:cs typeface="+mn-cs"/>
-              </a:defRPr>
-            </a:lvl8pPr>
-            <a:lvl9pPr marL="3886200" indent="-228600" algn="l" defTabSz="914400" rtl="0" eaLnBrk="1" latinLnBrk="0" hangingPunct="1">
-              <a:lnSpc>
-                <a:spcPct val="90000"/>
-              </a:lnSpc>
-              <a:spcBef>
-                <a:spcPts val="500"/>
-              </a:spcBef>
-              <a:buFont typeface="Arial" panose="020B0604020202020204" pitchFamily="34" charset="0"/>
-              <a:buChar char="•"/>
-              <a:defRPr sz="1800" kern="1200">
-                <a:solidFill>
-                  <a:schemeClr val="tx1"/>
-                </a:solidFill>
-                <a:latin typeface="+mn-lt"/>
-                <a:ea typeface="+mn-ea"/>
-                <a:cs typeface="+mn-cs"/>
-              </a:defRPr>
-            </a:lvl9pPr>
-          </a:lstStyle>
-          <a:p>
-            <a:pPr marL="0" marR="0" lvl="0" indent="0" algn="ctr" defTabSz="914400" rtl="0" eaLnBrk="1" fontAlgn="auto" latinLnBrk="0" hangingPunct="1">
-              <a:lnSpc>
-                <a:spcPct val="90000"/>
-              </a:lnSpc>
-              <a:spcBef>
-                <a:spcPts val="1000"/>
-              </a:spcBef>
-              <a:spcAft>
-                <a:spcPts val="0"/>
-              </a:spcAft>
-              <a:buClrTx/>
-              <a:buSzTx/>
-              <a:buFont typeface="Arial" panose="020B0604020202020204" pitchFamily="34" charset="0"/>
-              <a:buNone/>
-              <a:defRPr/>
-            </a:pPr>
-            <a:r>
-              <a:rPr kumimoji="0" lang="en-US" altLang="zh-CN" sz="3200" b="0" i="0" u="none" strike="noStrike" kern="1200" cap="none" spc="0" normalizeH="0" baseline="0" noProof="0" dirty="0">
-                <a:ln>
-                  <a:noFill/>
-                </a:ln>
-                <a:solidFill>
-                  <a:prstClr val="black"/>
-                </a:solidFill>
-                <a:effectLst/>
-                <a:uLnTx/>
-                <a:uFillTx/>
-                <a:latin typeface="OPPOSans L"/>
-                <a:cs typeface="+mn-cs"/>
-              </a:rPr>
-              <a:t>Interface display</a:t>
-            </a:r>
-            <a:endParaRPr kumimoji="0" lang="zh-CN" altLang="en-US" sz="3200" b="0" i="0" u="none" strike="noStrike" kern="1200" cap="none" spc="0" normalizeH="0" baseline="0" noProof="0" dirty="0">
-              <a:ln>
-                <a:noFill/>
-              </a:ln>
+                <a:effectLst>
+                  <a:outerShdw blurRad="38100" dist="19050" dir="2700000" algn="tl" rotWithShape="0">
+                    <a:schemeClr val="dk1">
+                      <a:alpha val="40000"/>
+                    </a:schemeClr>
+                  </a:outerShdw>
+                </a:effectLst>
+                <a:latin typeface="+mj-ea"/>
+                <a:ea typeface="+mj-ea"/>
+              </a:rPr>
+              <a:t>专注模式</a:t>
+            </a:r>
+            <a:r>
+              <a:rPr lang="zh-CN" altLang="en-US" sz="3200" dirty="0">
+                <a:solidFill>
+                  <a:schemeClr val="accent1"/>
+                </a:solidFill>
+                <a:effectLst>
+                  <a:outerShdw blurRad="38100" dist="25400" dir="5400000" algn="ctr" rotWithShape="0">
+                    <a:srgbClr val="6E747A">
+                      <a:alpha val="43000"/>
+                    </a:srgbClr>
+                  </a:outerShdw>
+                </a:effectLst>
+                <a:latin typeface="+mj-ea"/>
+                <a:ea typeface="+mj-ea"/>
+              </a:rPr>
+              <a:t>序列图</a:t>
+            </a:r>
+            <a:endParaRPr lang="zh-CN" altLang="en-US" sz="3200" dirty="0">
               <a:solidFill>
-                <a:prstClr val="black"/>
+                <a:schemeClr val="accent1"/>
               </a:solidFill>
-              <a:effectLst/>
-              <a:uLnTx/>
-              <a:uFillTx/>
-              <a:latin typeface="OPPOSans L"/>
-              <a:cs typeface="+mn-cs"/>
+              <a:effectLst>
+                <a:outerShdw blurRad="38100" dist="25400" dir="5400000" algn="ctr" rotWithShape="0">
+                  <a:srgbClr val="6E747A">
+                    <a:alpha val="43000"/>
+                  </a:srgbClr>
+                </a:outerShdw>
+              </a:effectLst>
+              <a:latin typeface="+mj-ea"/>
+              <a:ea typeface="+mj-ea"/>
             </a:endParaRPr>
           </a:p>
         </p:txBody>
       </p:sp>
+      <p:pic>
+        <p:nvPicPr>
+          <p:cNvPr id="3" name="图片 2"/>
+          <p:cNvPicPr>
+            <a:picLocks noChangeAspect="1"/>
+          </p:cNvPicPr>
+          <p:nvPr/>
+        </p:nvPicPr>
+        <p:blipFill>
+          <a:blip r:embed="rId2">
+            <a:extLst>
+              <a:ext uri="{28A0092B-C50C-407E-A947-70E740481C1C}">
+                <a14:useLocalDpi xmlns:a14="http://schemas.microsoft.com/office/drawing/2010/main" val="0"/>
+              </a:ext>
+            </a:extLst>
+          </a:blip>
+          <a:stretch>
+            <a:fillRect/>
+          </a:stretch>
+        </p:blipFill>
+        <p:spPr>
+          <a:xfrm>
+            <a:off x="3858622" y="116191"/>
+            <a:ext cx="6643661" cy="6466665"/>
+          </a:xfrm>
+          <a:prstGeom prst="rect">
+            <a:avLst/>
+          </a:prstGeom>
+        </p:spPr>
+      </p:pic>
     </p:spTree>
     <p:custDataLst>
-      <p:tags r:id="rId1"/>
+      <p:tags r:id="rId3"/>
     </p:custDataLst>
   </p:cSld>
   <p:clrMapOvr>
@@ -9865,8 +9950,8 @@
         </p:nvSpPr>
         <p:spPr>
           <a:xfrm>
-            <a:off x="819471" y="719427"/>
-            <a:ext cx="2086289" cy="584775"/>
+            <a:off x="1073471" y="1245216"/>
+            <a:ext cx="10045058" cy="1717393"/>
           </a:xfrm>
           <a:prstGeom prst="rect">
             <a:avLst/>
@@ -9879,7 +9964,7 @@
           </a:bodyPr>
           <a:lstStyle/>
           <a:p>
-            <a:pPr marL="0" marR="0" lvl="0" indent="0" algn="l" defTabSz="914400" rtl="0" eaLnBrk="1" fontAlgn="auto" latinLnBrk="0" hangingPunct="1">
+            <a:pPr marL="0" marR="0" lvl="0" indent="0" algn="ctr" defTabSz="914400" rtl="0" eaLnBrk="1" fontAlgn="auto" latinLnBrk="0" hangingPunct="1">
               <a:lnSpc>
                 <a:spcPct val="100000"/>
               </a:lnSpc>
@@ -9893,11 +9978,10 @@
               <a:buSzTx/>
               <a:buFontTx/>
               <a:buNone/>
-              <a:tabLst/>
               <a:defRPr/>
             </a:pPr>
             <a:r>
-              <a:rPr kumimoji="0" lang="zh-CN" altLang="en-US" sz="3200" b="0" i="0" u="none" strike="noStrike" kern="1200" cap="none" spc="0" normalizeH="0" baseline="0" noProof="0" dirty="0">
+              <a:rPr kumimoji="0" lang="en-US" altLang="zh-CN" sz="10560" b="0" i="0" u="none" strike="noStrike" kern="1200" cap="none" spc="0" normalizeH="0" baseline="0" noProof="0" dirty="0">
                 <a:ln w="10477">
                   <a:solidFill>
                     <a:prstClr val="black">
@@ -9916,8 +10000,45 @@
                 <a:ea typeface="字由文艺黑" panose="00020600040101010101" pitchFamily="18" charset="-122"/>
                 <a:cs typeface="+mn-cs"/>
               </a:rPr>
-              <a:t>界面更新</a:t>
-            </a:r>
+              <a:t>04.</a:t>
+            </a:r>
+            <a:r>
+              <a:rPr lang="zh-CN" altLang="en-US" sz="10560" dirty="0">
+                <a:ln w="10477">
+                  <a:solidFill>
+                    <a:prstClr val="black">
+                      <a:lumMod val="75000"/>
+                      <a:lumOff val="25000"/>
+                    </a:prstClr>
+                  </a:solidFill>
+                </a:ln>
+                <a:solidFill>
+                  <a:prstClr val="black"/>
+                </a:solidFill>
+                <a:latin typeface="字由文艺黑" panose="00020600040101010101" pitchFamily="18" charset="-122"/>
+                <a:ea typeface="字由文艺黑" panose="00020600040101010101" pitchFamily="18" charset="-122"/>
+              </a:rPr>
+              <a:t>界面展示</a:t>
+            </a:r>
+            <a:endParaRPr kumimoji="0" lang="zh-CN" altLang="en-US" sz="10560" b="0" i="0" u="none" strike="noStrike" kern="1200" cap="none" spc="0" normalizeH="0" baseline="0" noProof="0" dirty="0">
+              <a:ln w="10477">
+                <a:solidFill>
+                  <a:prstClr val="black">
+                    <a:lumMod val="75000"/>
+                    <a:lumOff val="25000"/>
+                  </a:prstClr>
+                </a:solidFill>
+              </a:ln>
+              <a:solidFill>
+                <a:prstClr val="black"/>
+              </a:solidFill>
+              <a:effectLst/>
+              <a:uLnTx/>
+              <a:uFillTx/>
+              <a:latin typeface="字由文艺黑" panose="00020600040101010101" pitchFamily="18" charset="-122"/>
+              <a:ea typeface="字由文艺黑" panose="00020600040101010101" pitchFamily="18" charset="-122"/>
+              <a:cs typeface="+mn-cs"/>
+            </a:endParaRPr>
           </a:p>
         </p:txBody>
       </p:sp>
@@ -9930,7 +10051,7 @@
           <p:nvPr/>
         </p:nvPicPr>
         <p:blipFill>
-          <a:blip r:embed="rId4" cstate="print">
+          <a:blip r:embed="rId1" cstate="print">
             <a:extLst>
               <a:ext uri="{28A0092B-C50C-407E-A947-70E740481C1C}">
                 <a14:useLocalDpi xmlns:a14="http://schemas.microsoft.com/office/drawing/2010/main" val="0"/>
@@ -9989,111 +10110,246 @@
           </a:fontRef>
         </p:style>
       </p:cxnSp>
-      <p:pic>
-        <p:nvPicPr>
-          <p:cNvPr id="5" name="图片 4"/>
-          <p:cNvPicPr>
-            <a:picLocks noChangeAspect="1"/>
-          </p:cNvPicPr>
-          <p:nvPr/>
-        </p:nvPicPr>
-        <p:blipFill>
-          <a:blip r:embed="rId5"/>
-          <a:stretch>
-            <a:fillRect/>
-          </a:stretch>
-        </p:blipFill>
-        <p:spPr>
-          <a:xfrm>
-            <a:off x="3998170" y="1581488"/>
-            <a:ext cx="2296680" cy="4873433"/>
+      <p:sp>
+        <p:nvSpPr>
+          <p:cNvPr id="6" name="爱设计-10-2"/>
+          <p:cNvSpPr txBox="1"/>
+          <p:nvPr>
+            <p:custDataLst>
+              <p:tags r:id="rId2"/>
+            </p:custDataLst>
+          </p:nvPr>
+        </p:nvSpPr>
+        <p:spPr>
+          <a:xfrm>
+            <a:off x="3742376" y="2815716"/>
+            <a:ext cx="4707248" cy="535531"/>
           </a:xfrm>
           <a:prstGeom prst="rect">
             <a:avLst/>
           </a:prstGeom>
         </p:spPr>
-      </p:pic>
-      <p:pic>
-        <p:nvPicPr>
-          <p:cNvPr id="14" name="图片 13">
-            <a:extLst>
-              <a:ext uri="{FF2B5EF4-FFF2-40B4-BE49-F238E27FC236}">
-                <a16:creationId xmlns:a16="http://schemas.microsoft.com/office/drawing/2014/main" id="{718ACCD0-260D-EBC8-10A5-015FB2C70F3C}"/>
-              </a:ext>
-            </a:extLst>
-          </p:cNvPr>
-          <p:cNvPicPr>
-            <a:picLocks noChangeAspect="1"/>
-          </p:cNvPicPr>
-          <p:nvPr/>
-        </p:nvPicPr>
-        <p:blipFill>
-          <a:blip r:embed="rId6">
-            <a:extLst>
-              <a:ext uri="{28A0092B-C50C-407E-A947-70E740481C1C}">
-                <a14:useLocalDpi xmlns:a14="http://schemas.microsoft.com/office/drawing/2010/main" val="0"/>
-              </a:ext>
-            </a:extLst>
-          </a:blip>
-          <a:stretch>
-            <a:fillRect/>
-          </a:stretch>
-        </p:blipFill>
-        <p:spPr>
-          <a:xfrm>
-            <a:off x="1511632" y="1592520"/>
-            <a:ext cx="2245894" cy="4843556"/>
-          </a:xfrm>
-          <a:prstGeom prst="rect">
-            <a:avLst/>
-          </a:prstGeom>
-        </p:spPr>
-      </p:pic>
-      <p:pic>
-        <p:nvPicPr>
-          <p:cNvPr id="18" name="图片 17">
-            <a:extLst>
-              <a:ext uri="{FF2B5EF4-FFF2-40B4-BE49-F238E27FC236}">
-                <a16:creationId xmlns:a16="http://schemas.microsoft.com/office/drawing/2014/main" id="{4795E4C0-F80D-865C-FF19-1CECA15299A5}"/>
-              </a:ext>
-            </a:extLst>
-          </p:cNvPr>
-          <p:cNvPicPr>
-            <a:picLocks noChangeAspect="1"/>
-          </p:cNvPicPr>
-          <p:nvPr/>
-        </p:nvPicPr>
-        <p:blipFill>
-          <a:blip r:embed="rId7">
-            <a:extLst>
-              <a:ext uri="{28A0092B-C50C-407E-A947-70E740481C1C}">
-                <a14:useLocalDpi xmlns:a14="http://schemas.microsoft.com/office/drawing/2010/main" val="0"/>
-              </a:ext>
-            </a:extLst>
-          </a:blip>
-          <a:stretch>
-            <a:fillRect/>
-          </a:stretch>
-        </p:blipFill>
-        <p:spPr>
-          <a:xfrm>
-            <a:off x="6441230" y="1583368"/>
-            <a:ext cx="2267432" cy="4896448"/>
-          </a:xfrm>
-          <a:prstGeom prst="rect">
-            <a:avLst/>
-          </a:prstGeom>
-        </p:spPr>
-      </p:pic>
+        <p:txBody>
+          <a:bodyPr wrap="square">
+            <a:spAutoFit/>
+          </a:bodyPr>
+          <a:lstStyle>
+            <a:lvl1pPr marL="228600" indent="-228600" algn="l" defTabSz="914400" rtl="0" eaLnBrk="1" latinLnBrk="0" hangingPunct="1">
+              <a:lnSpc>
+                <a:spcPct val="90000"/>
+              </a:lnSpc>
+              <a:spcBef>
+                <a:spcPts val="1000"/>
+              </a:spcBef>
+              <a:buFont typeface="Arial" panose="020B0604020202020204" pitchFamily="34" charset="0"/>
+              <a:buChar char="•"/>
+              <a:defRPr sz="1600" kern="1200">
+                <a:solidFill>
+                  <a:schemeClr val="tx1"/>
+                </a:solidFill>
+                <a:latin typeface="+mn-lt"/>
+                <a:ea typeface="+mn-ea"/>
+                <a:cs typeface="+mn-cs"/>
+              </a:defRPr>
+            </a:lvl1pPr>
+            <a:lvl2pPr marL="685800" indent="-228600" algn="l" defTabSz="914400" rtl="0" eaLnBrk="1" latinLnBrk="0" hangingPunct="1">
+              <a:lnSpc>
+                <a:spcPct val="90000"/>
+              </a:lnSpc>
+              <a:spcBef>
+                <a:spcPts val="500"/>
+              </a:spcBef>
+              <a:buFont typeface="Arial" panose="020B0604020202020204" pitchFamily="34" charset="0"/>
+              <a:buChar char="•"/>
+              <a:defRPr sz="1600" kern="1200">
+                <a:solidFill>
+                  <a:schemeClr val="tx1"/>
+                </a:solidFill>
+                <a:latin typeface="+mn-lt"/>
+                <a:ea typeface="+mn-ea"/>
+                <a:cs typeface="+mn-cs"/>
+              </a:defRPr>
+            </a:lvl2pPr>
+            <a:lvl3pPr marL="1143000" indent="-228600" algn="l" defTabSz="914400" rtl="0" eaLnBrk="1" latinLnBrk="0" hangingPunct="1">
+              <a:lnSpc>
+                <a:spcPct val="90000"/>
+              </a:lnSpc>
+              <a:spcBef>
+                <a:spcPts val="500"/>
+              </a:spcBef>
+              <a:buFont typeface="Arial" panose="020B0604020202020204" pitchFamily="34" charset="0"/>
+              <a:buChar char="•"/>
+              <a:defRPr sz="1600" kern="1200">
+                <a:solidFill>
+                  <a:schemeClr val="tx1"/>
+                </a:solidFill>
+                <a:latin typeface="+mn-lt"/>
+                <a:ea typeface="+mn-ea"/>
+                <a:cs typeface="+mn-cs"/>
+              </a:defRPr>
+            </a:lvl3pPr>
+            <a:lvl4pPr marL="1600200" indent="-228600" algn="l" defTabSz="914400" rtl="0" eaLnBrk="1" latinLnBrk="0" hangingPunct="1">
+              <a:lnSpc>
+                <a:spcPct val="90000"/>
+              </a:lnSpc>
+              <a:spcBef>
+                <a:spcPts val="500"/>
+              </a:spcBef>
+              <a:buFont typeface="Arial" panose="020B0604020202020204" pitchFamily="34" charset="0"/>
+              <a:buChar char="•"/>
+              <a:defRPr sz="1600" kern="1200">
+                <a:solidFill>
+                  <a:schemeClr val="tx1"/>
+                </a:solidFill>
+                <a:latin typeface="+mn-lt"/>
+                <a:ea typeface="+mn-ea"/>
+                <a:cs typeface="+mn-cs"/>
+              </a:defRPr>
+            </a:lvl4pPr>
+            <a:lvl5pPr marL="2057400" indent="-228600" algn="l" defTabSz="914400" rtl="0" eaLnBrk="1" latinLnBrk="0" hangingPunct="1">
+              <a:lnSpc>
+                <a:spcPct val="90000"/>
+              </a:lnSpc>
+              <a:spcBef>
+                <a:spcPts val="500"/>
+              </a:spcBef>
+              <a:buFont typeface="Arial" panose="020B0604020202020204" pitchFamily="34" charset="0"/>
+              <a:buChar char="•"/>
+              <a:defRPr sz="1600" kern="1200">
+                <a:solidFill>
+                  <a:schemeClr val="tx1"/>
+                </a:solidFill>
+                <a:latin typeface="+mn-lt"/>
+                <a:ea typeface="+mn-ea"/>
+                <a:cs typeface="+mn-cs"/>
+              </a:defRPr>
+            </a:lvl5pPr>
+            <a:lvl6pPr marL="2514600" indent="-228600" algn="l" defTabSz="914400" rtl="0" eaLnBrk="1" latinLnBrk="0" hangingPunct="1">
+              <a:lnSpc>
+                <a:spcPct val="90000"/>
+              </a:lnSpc>
+              <a:spcBef>
+                <a:spcPts val="500"/>
+              </a:spcBef>
+              <a:buFont typeface="Arial" panose="020B0604020202020204" pitchFamily="34" charset="0"/>
+              <a:buChar char="•"/>
+              <a:defRPr sz="1800" kern="1200">
+                <a:solidFill>
+                  <a:schemeClr val="tx1"/>
+                </a:solidFill>
+                <a:latin typeface="+mn-lt"/>
+                <a:ea typeface="+mn-ea"/>
+                <a:cs typeface="+mn-cs"/>
+              </a:defRPr>
+            </a:lvl6pPr>
+            <a:lvl7pPr marL="2971800" indent="-228600" algn="l" defTabSz="914400" rtl="0" eaLnBrk="1" latinLnBrk="0" hangingPunct="1">
+              <a:lnSpc>
+                <a:spcPct val="90000"/>
+              </a:lnSpc>
+              <a:spcBef>
+                <a:spcPts val="500"/>
+              </a:spcBef>
+              <a:buFont typeface="Arial" panose="020B0604020202020204" pitchFamily="34" charset="0"/>
+              <a:buChar char="•"/>
+              <a:defRPr sz="1800" kern="1200">
+                <a:solidFill>
+                  <a:schemeClr val="tx1"/>
+                </a:solidFill>
+                <a:latin typeface="+mn-lt"/>
+                <a:ea typeface="+mn-ea"/>
+                <a:cs typeface="+mn-cs"/>
+              </a:defRPr>
+            </a:lvl7pPr>
+            <a:lvl8pPr marL="3429000" indent="-228600" algn="l" defTabSz="914400" rtl="0" eaLnBrk="1" latinLnBrk="0" hangingPunct="1">
+              <a:lnSpc>
+                <a:spcPct val="90000"/>
+              </a:lnSpc>
+              <a:spcBef>
+                <a:spcPts val="500"/>
+              </a:spcBef>
+              <a:buFont typeface="Arial" panose="020B0604020202020204" pitchFamily="34" charset="0"/>
+              <a:buChar char="•"/>
+              <a:defRPr sz="1800" kern="1200">
+                <a:solidFill>
+                  <a:schemeClr val="tx1"/>
+                </a:solidFill>
+                <a:latin typeface="+mn-lt"/>
+                <a:ea typeface="+mn-ea"/>
+                <a:cs typeface="+mn-cs"/>
+              </a:defRPr>
+            </a:lvl8pPr>
+            <a:lvl9pPr marL="3886200" indent="-228600" algn="l" defTabSz="914400" rtl="0" eaLnBrk="1" latinLnBrk="0" hangingPunct="1">
+              <a:lnSpc>
+                <a:spcPct val="90000"/>
+              </a:lnSpc>
+              <a:spcBef>
+                <a:spcPts val="500"/>
+              </a:spcBef>
+              <a:buFont typeface="Arial" panose="020B0604020202020204" pitchFamily="34" charset="0"/>
+              <a:buChar char="•"/>
+              <a:defRPr sz="1800" kern="1200">
+                <a:solidFill>
+                  <a:schemeClr val="tx1"/>
+                </a:solidFill>
+                <a:latin typeface="+mn-lt"/>
+                <a:ea typeface="+mn-ea"/>
+                <a:cs typeface="+mn-cs"/>
+              </a:defRPr>
+            </a:lvl9pPr>
+          </a:lstStyle>
+          <a:p>
+            <a:pPr marL="0" marR="0" lvl="0" indent="0" algn="ctr" defTabSz="914400" rtl="0" eaLnBrk="1" fontAlgn="auto" latinLnBrk="0" hangingPunct="1">
+              <a:lnSpc>
+                <a:spcPct val="90000"/>
+              </a:lnSpc>
+              <a:spcBef>
+                <a:spcPts val="1000"/>
+              </a:spcBef>
+              <a:spcAft>
+                <a:spcPts val="0"/>
+              </a:spcAft>
+              <a:buClrTx/>
+              <a:buSzTx/>
+              <a:buFont typeface="Arial" panose="020B0604020202020204" pitchFamily="34" charset="0"/>
+              <a:buNone/>
+              <a:defRPr/>
+            </a:pPr>
+            <a:r>
+              <a:rPr kumimoji="0" lang="en-US" altLang="zh-CN" sz="3200" b="0" i="0" u="none" strike="noStrike" kern="1200" cap="none" spc="0" normalizeH="0" baseline="0" noProof="0" dirty="0">
+                <a:ln>
+                  <a:noFill/>
+                </a:ln>
+                <a:solidFill>
+                  <a:prstClr val="black"/>
+                </a:solidFill>
+                <a:effectLst/>
+                <a:uLnTx/>
+                <a:uFillTx/>
+                <a:latin typeface="OPPOSans L"/>
+                <a:cs typeface="+mn-cs"/>
+              </a:rPr>
+              <a:t>Interface display</a:t>
+            </a:r>
+            <a:endParaRPr kumimoji="0" lang="zh-CN" altLang="en-US" sz="3200" b="0" i="0" u="none" strike="noStrike" kern="1200" cap="none" spc="0" normalizeH="0" baseline="0" noProof="0" dirty="0">
+              <a:ln>
+                <a:noFill/>
+              </a:ln>
+              <a:solidFill>
+                <a:prstClr val="black"/>
+              </a:solidFill>
+              <a:effectLst/>
+              <a:uLnTx/>
+              <a:uFillTx/>
+              <a:latin typeface="OPPOSans L"/>
+              <a:cs typeface="+mn-cs"/>
+            </a:endParaRPr>
+          </a:p>
+        </p:txBody>
+      </p:sp>
     </p:spTree>
     <p:custDataLst>
-      <p:tags r:id="rId1"/>
+      <p:tags r:id="rId3"/>
     </p:custDataLst>
-    <p:extLst>
-      <p:ext uri="{BB962C8B-B14F-4D97-AF65-F5344CB8AC3E}">
-        <p14:creationId xmlns:p14="http://schemas.microsoft.com/office/powerpoint/2010/main" val="4179317140"/>
-      </p:ext>
-    </p:extLst>
   </p:cSld>
   <p:clrMapOvr>
     <a:masterClrMapping/>
@@ -10193,7 +10449,7 @@
           </a:bodyPr>
           <a:lstStyle/>
           <a:p>
-            <a:pPr marL="0" marR="0" lvl="0" indent="0" defTabSz="914400" rtl="0" eaLnBrk="1" fontAlgn="auto" latinLnBrk="0" hangingPunct="1">
+            <a:pPr marL="0" marR="0" lvl="0" indent="0" algn="l" defTabSz="914400" rtl="0" eaLnBrk="1" fontAlgn="auto" latinLnBrk="0" hangingPunct="1">
               <a:lnSpc>
                 <a:spcPct val="100000"/>
               </a:lnSpc>
@@ -10231,6 +10487,25 @@
               </a:rPr>
               <a:t>界面更新</a:t>
             </a:r>
+            <a:endParaRPr kumimoji="0" lang="zh-CN" altLang="en-US" sz="3200" b="0" i="0" u="none" strike="noStrike" kern="1200" cap="none" spc="0" normalizeH="0" baseline="0" noProof="0" dirty="0">
+              <a:ln w="10477">
+                <a:solidFill>
+                  <a:prstClr val="black">
+                    <a:lumMod val="75000"/>
+                    <a:lumOff val="25000"/>
+                  </a:prstClr>
+                </a:solidFill>
+              </a:ln>
+              <a:solidFill>
+                <a:prstClr val="black"/>
+              </a:solidFill>
+              <a:effectLst/>
+              <a:uLnTx/>
+              <a:uFillTx/>
+              <a:latin typeface="字由文艺黑" panose="00020600040101010101" pitchFamily="18" charset="-122"/>
+              <a:ea typeface="字由文艺黑" panose="00020600040101010101" pitchFamily="18" charset="-122"/>
+              <a:cs typeface="+mn-cs"/>
+            </a:endParaRPr>
           </a:p>
         </p:txBody>
       </p:sp>
@@ -10243,7 +10518,7 @@
           <p:nvPr/>
         </p:nvPicPr>
         <p:blipFill>
-          <a:blip r:embed="rId4" cstate="print">
+          <a:blip r:embed="rId1" cstate="print">
             <a:extLst>
               <a:ext uri="{28A0092B-C50C-407E-A947-70E740481C1C}">
                 <a14:useLocalDpi xmlns:a14="http://schemas.microsoft.com/office/drawing/2010/main" val="0"/>
@@ -10304,22 +10579,22 @@
       </p:cxnSp>
       <p:pic>
         <p:nvPicPr>
-          <p:cNvPr id="8" name="图片 7"/>
+          <p:cNvPr id="5" name="图片 4"/>
           <p:cNvPicPr>
             <a:picLocks noChangeAspect="1"/>
           </p:cNvPicPr>
           <p:nvPr/>
         </p:nvPicPr>
         <p:blipFill>
-          <a:blip r:embed="rId5"/>
+          <a:blip r:embed="rId2"/>
           <a:stretch>
             <a:fillRect/>
           </a:stretch>
         </p:blipFill>
         <p:spPr>
           <a:xfrm>
-            <a:off x="1225410" y="1530545"/>
-            <a:ext cx="2245894" cy="4786253"/>
+            <a:off x="3998170" y="1581488"/>
+            <a:ext cx="2296680" cy="4873433"/>
           </a:xfrm>
           <a:prstGeom prst="rect">
             <a:avLst/>
@@ -10328,20 +10603,14 @@
       </p:pic>
       <p:pic>
         <p:nvPicPr>
-          <p:cNvPr id="9" name="图片 8">
-            <a:extLst>
-              <a:ext uri="{FF2B5EF4-FFF2-40B4-BE49-F238E27FC236}">
-                <a16:creationId xmlns:a16="http://schemas.microsoft.com/office/drawing/2014/main" id="{47392811-CD44-1FD7-31F6-8ACFF43F1555}"/>
-              </a:ext>
-            </a:extLst>
-          </p:cNvPr>
+          <p:cNvPr id="14" name="图片 13"/>
           <p:cNvPicPr>
             <a:picLocks noChangeAspect="1"/>
           </p:cNvPicPr>
           <p:nvPr/>
         </p:nvPicPr>
         <p:blipFill>
-          <a:blip r:embed="rId6">
+          <a:blip r:embed="rId3">
             <a:extLst>
               <a:ext uri="{28A0092B-C50C-407E-A947-70E740481C1C}">
                 <a14:useLocalDpi xmlns:a14="http://schemas.microsoft.com/office/drawing/2010/main" val="0"/>
@@ -10354,8 +10623,8 @@
         </p:blipFill>
         <p:spPr>
           <a:xfrm>
-            <a:off x="3850105" y="1546597"/>
-            <a:ext cx="2245895" cy="4770200"/>
+            <a:off x="1511632" y="1592520"/>
+            <a:ext cx="2245894" cy="4843556"/>
           </a:xfrm>
           <a:prstGeom prst="rect">
             <a:avLst/>
@@ -10364,20 +10633,14 @@
       </p:pic>
       <p:pic>
         <p:nvPicPr>
-          <p:cNvPr id="22" name="图片 21">
-            <a:extLst>
-              <a:ext uri="{FF2B5EF4-FFF2-40B4-BE49-F238E27FC236}">
-                <a16:creationId xmlns:a16="http://schemas.microsoft.com/office/drawing/2014/main" id="{794C9CD6-D01A-00B9-20D3-68E24165D7B7}"/>
-              </a:ext>
-            </a:extLst>
-          </p:cNvPr>
+          <p:cNvPr id="18" name="图片 17"/>
           <p:cNvPicPr>
             <a:picLocks noChangeAspect="1"/>
           </p:cNvPicPr>
           <p:nvPr/>
         </p:nvPicPr>
         <p:blipFill>
-          <a:blip r:embed="rId7">
+          <a:blip r:embed="rId4">
             <a:extLst>
               <a:ext uri="{28A0092B-C50C-407E-A947-70E740481C1C}">
                 <a14:useLocalDpi xmlns:a14="http://schemas.microsoft.com/office/drawing/2010/main" val="0"/>
@@ -10390,44 +10653,8 @@
         </p:blipFill>
         <p:spPr>
           <a:xfrm>
-            <a:off x="8991600" y="1546181"/>
-            <a:ext cx="2210572" cy="4786253"/>
-          </a:xfrm>
-          <a:prstGeom prst="rect">
-            <a:avLst/>
-          </a:prstGeom>
-        </p:spPr>
-      </p:pic>
-      <p:pic>
-        <p:nvPicPr>
-          <p:cNvPr id="24" name="图片 23">
-            <a:extLst>
-              <a:ext uri="{FF2B5EF4-FFF2-40B4-BE49-F238E27FC236}">
-                <a16:creationId xmlns:a16="http://schemas.microsoft.com/office/drawing/2014/main" id="{D161518E-C4A8-ABB9-AAB3-2F5FDDB2EFDE}"/>
-              </a:ext>
-            </a:extLst>
-          </p:cNvPr>
-          <p:cNvPicPr>
-            <a:picLocks noChangeAspect="1"/>
-          </p:cNvPicPr>
-          <p:nvPr/>
-        </p:nvPicPr>
-        <p:blipFill>
-          <a:blip r:embed="rId8">
-            <a:extLst>
-              <a:ext uri="{28A0092B-C50C-407E-A947-70E740481C1C}">
-                <a14:useLocalDpi xmlns:a14="http://schemas.microsoft.com/office/drawing/2010/main" val="0"/>
-              </a:ext>
-            </a:extLst>
-          </a:blip>
-          <a:stretch>
-            <a:fillRect/>
-          </a:stretch>
-        </p:blipFill>
-        <p:spPr>
-          <a:xfrm>
-            <a:off x="6366904" y="1546597"/>
-            <a:ext cx="2207318" cy="4785837"/>
+            <a:off x="6441230" y="1583368"/>
+            <a:ext cx="2267432" cy="4896448"/>
           </a:xfrm>
           <a:prstGeom prst="rect">
             <a:avLst/>
@@ -10436,7 +10663,7 @@
       </p:pic>
     </p:spTree>
     <p:custDataLst>
-      <p:tags r:id="rId1"/>
+      <p:tags r:id="rId5"/>
     </p:custDataLst>
   </p:cSld>
   <p:clrMapOvr>
@@ -10477,6 +10704,351 @@
           <a:chExt cx="0" cy="0"/>
         </a:xfrm>
       </p:grpSpPr>
+      <p:cxnSp>
+        <p:nvCxnSpPr>
+          <p:cNvPr id="20" name="爱设计-6"/>
+          <p:cNvCxnSpPr/>
+          <p:nvPr/>
+        </p:nvCxnSpPr>
+        <p:spPr>
+          <a:xfrm>
+            <a:off x="1737360" y="535499"/>
+            <a:ext cx="7559040" cy="0"/>
+          </a:xfrm>
+          <a:prstGeom prst="line">
+            <a:avLst/>
+          </a:prstGeom>
+          <a:ln>
+            <a:solidFill>
+              <a:schemeClr val="tx1">
+                <a:lumMod val="75000"/>
+                <a:lumOff val="25000"/>
+              </a:schemeClr>
+            </a:solidFill>
+          </a:ln>
+        </p:spPr>
+        <p:style>
+          <a:lnRef idx="1">
+            <a:schemeClr val="accent1"/>
+          </a:lnRef>
+          <a:fillRef idx="0">
+            <a:schemeClr val="accent1"/>
+          </a:fillRef>
+          <a:effectRef idx="0">
+            <a:schemeClr val="accent1"/>
+          </a:effectRef>
+          <a:fontRef idx="minor">
+            <a:schemeClr val="tx1"/>
+          </a:fontRef>
+        </p:style>
+      </p:cxnSp>
+      <p:sp>
+        <p:nvSpPr>
+          <p:cNvPr id="33" name="爱设计-10-1"/>
+          <p:cNvSpPr txBox="1"/>
+          <p:nvPr/>
+        </p:nvSpPr>
+        <p:spPr>
+          <a:xfrm>
+            <a:off x="819471" y="719427"/>
+            <a:ext cx="2086289" cy="584775"/>
+          </a:xfrm>
+          <a:prstGeom prst="rect">
+            <a:avLst/>
+          </a:prstGeom>
+          <a:noFill/>
+        </p:spPr>
+        <p:txBody>
+          <a:bodyPr wrap="square">
+            <a:spAutoFit/>
+          </a:bodyPr>
+          <a:lstStyle/>
+          <a:p>
+            <a:pPr marL="0" marR="0" lvl="0" indent="0" defTabSz="914400" rtl="0" eaLnBrk="1" fontAlgn="auto" latinLnBrk="0" hangingPunct="1">
+              <a:lnSpc>
+                <a:spcPct val="100000"/>
+              </a:lnSpc>
+              <a:spcBef>
+                <a:spcPts val="0"/>
+              </a:spcBef>
+              <a:spcAft>
+                <a:spcPts val="0"/>
+              </a:spcAft>
+              <a:buClrTx/>
+              <a:buSzTx/>
+              <a:buFontTx/>
+              <a:buNone/>
+              <a:defRPr/>
+            </a:pPr>
+            <a:r>
+              <a:rPr kumimoji="0" lang="zh-CN" altLang="en-US" sz="3200" b="0" i="0" u="none" strike="noStrike" kern="1200" cap="none" spc="0" normalizeH="0" baseline="0" noProof="0" dirty="0">
+                <a:ln w="10477">
+                  <a:solidFill>
+                    <a:prstClr val="black">
+                      <a:lumMod val="75000"/>
+                      <a:lumOff val="25000"/>
+                    </a:prstClr>
+                  </a:solidFill>
+                </a:ln>
+                <a:solidFill>
+                  <a:prstClr val="black"/>
+                </a:solidFill>
+                <a:effectLst/>
+                <a:uLnTx/>
+                <a:uFillTx/>
+                <a:latin typeface="字由文艺黑" panose="00020600040101010101" pitchFamily="18" charset="-122"/>
+                <a:ea typeface="字由文艺黑" panose="00020600040101010101" pitchFamily="18" charset="-122"/>
+                <a:cs typeface="+mn-cs"/>
+              </a:rPr>
+              <a:t>界面更新</a:t>
+            </a:r>
+            <a:endParaRPr kumimoji="0" lang="zh-CN" altLang="en-US" sz="3200" b="0" i="0" u="none" strike="noStrike" kern="1200" cap="none" spc="0" normalizeH="0" baseline="0" noProof="0" dirty="0">
+              <a:ln w="10477">
+                <a:solidFill>
+                  <a:prstClr val="black">
+                    <a:lumMod val="75000"/>
+                    <a:lumOff val="25000"/>
+                  </a:prstClr>
+                </a:solidFill>
+              </a:ln>
+              <a:solidFill>
+                <a:prstClr val="black"/>
+              </a:solidFill>
+              <a:effectLst/>
+              <a:uLnTx/>
+              <a:uFillTx/>
+              <a:latin typeface="字由文艺黑" panose="00020600040101010101" pitchFamily="18" charset="-122"/>
+              <a:ea typeface="字由文艺黑" panose="00020600040101010101" pitchFamily="18" charset="-122"/>
+              <a:cs typeface="+mn-cs"/>
+            </a:endParaRPr>
+          </a:p>
+        </p:txBody>
+      </p:sp>
+      <p:pic>
+        <p:nvPicPr>
+          <p:cNvPr id="2" name="图形 1"/>
+          <p:cNvPicPr>
+            <a:picLocks noChangeAspect="1"/>
+          </p:cNvPicPr>
+          <p:nvPr/>
+        </p:nvPicPr>
+        <p:blipFill>
+          <a:blip r:embed="rId1" cstate="print">
+            <a:extLst>
+              <a:ext uri="{28A0092B-C50C-407E-A947-70E740481C1C}">
+                <a14:useLocalDpi xmlns:a14="http://schemas.microsoft.com/office/drawing/2010/main" val="0"/>
+              </a:ext>
+            </a:extLst>
+          </a:blip>
+          <a:stretch>
+            <a:fillRect/>
+          </a:stretch>
+        </p:blipFill>
+        <p:spPr>
+          <a:xfrm>
+            <a:off x="10723900" y="0"/>
+            <a:ext cx="1468100" cy="1468100"/>
+          </a:xfrm>
+          <a:prstGeom prst="rect">
+            <a:avLst/>
+          </a:prstGeom>
+        </p:spPr>
+      </p:pic>
+      <p:cxnSp>
+        <p:nvCxnSpPr>
+          <p:cNvPr id="3" name="爱设计-3"/>
+          <p:cNvCxnSpPr/>
+          <p:nvPr/>
+        </p:nvCxnSpPr>
+        <p:spPr>
+          <a:xfrm>
+            <a:off x="660400" y="6501195"/>
+            <a:ext cx="10814415" cy="0"/>
+          </a:xfrm>
+          <a:prstGeom prst="line">
+            <a:avLst/>
+          </a:prstGeom>
+          <a:ln w="19050">
+            <a:solidFill>
+              <a:schemeClr val="tx1">
+                <a:lumMod val="75000"/>
+                <a:lumOff val="25000"/>
+              </a:schemeClr>
+            </a:solidFill>
+          </a:ln>
+        </p:spPr>
+        <p:style>
+          <a:lnRef idx="1">
+            <a:schemeClr val="accent1"/>
+          </a:lnRef>
+          <a:fillRef idx="0">
+            <a:schemeClr val="accent1"/>
+          </a:fillRef>
+          <a:effectRef idx="0">
+            <a:schemeClr val="accent1"/>
+          </a:effectRef>
+          <a:fontRef idx="minor">
+            <a:schemeClr val="tx1"/>
+          </a:fontRef>
+        </p:style>
+      </p:cxnSp>
+      <p:pic>
+        <p:nvPicPr>
+          <p:cNvPr id="8" name="图片 7"/>
+          <p:cNvPicPr>
+            <a:picLocks noChangeAspect="1"/>
+          </p:cNvPicPr>
+          <p:nvPr/>
+        </p:nvPicPr>
+        <p:blipFill>
+          <a:blip r:embed="rId2"/>
+          <a:stretch>
+            <a:fillRect/>
+          </a:stretch>
+        </p:blipFill>
+        <p:spPr>
+          <a:xfrm>
+            <a:off x="1225410" y="1530545"/>
+            <a:ext cx="2245894" cy="4786253"/>
+          </a:xfrm>
+          <a:prstGeom prst="rect">
+            <a:avLst/>
+          </a:prstGeom>
+        </p:spPr>
+      </p:pic>
+      <p:pic>
+        <p:nvPicPr>
+          <p:cNvPr id="9" name="图片 8"/>
+          <p:cNvPicPr>
+            <a:picLocks noChangeAspect="1"/>
+          </p:cNvPicPr>
+          <p:nvPr/>
+        </p:nvPicPr>
+        <p:blipFill>
+          <a:blip r:embed="rId3">
+            <a:extLst>
+              <a:ext uri="{28A0092B-C50C-407E-A947-70E740481C1C}">
+                <a14:useLocalDpi xmlns:a14="http://schemas.microsoft.com/office/drawing/2010/main" val="0"/>
+              </a:ext>
+            </a:extLst>
+          </a:blip>
+          <a:stretch>
+            <a:fillRect/>
+          </a:stretch>
+        </p:blipFill>
+        <p:spPr>
+          <a:xfrm>
+            <a:off x="3850105" y="1546597"/>
+            <a:ext cx="2245895" cy="4770200"/>
+          </a:xfrm>
+          <a:prstGeom prst="rect">
+            <a:avLst/>
+          </a:prstGeom>
+        </p:spPr>
+      </p:pic>
+      <p:pic>
+        <p:nvPicPr>
+          <p:cNvPr id="22" name="图片 21"/>
+          <p:cNvPicPr>
+            <a:picLocks noChangeAspect="1"/>
+          </p:cNvPicPr>
+          <p:nvPr/>
+        </p:nvPicPr>
+        <p:blipFill>
+          <a:blip r:embed="rId4">
+            <a:extLst>
+              <a:ext uri="{28A0092B-C50C-407E-A947-70E740481C1C}">
+                <a14:useLocalDpi xmlns:a14="http://schemas.microsoft.com/office/drawing/2010/main" val="0"/>
+              </a:ext>
+            </a:extLst>
+          </a:blip>
+          <a:stretch>
+            <a:fillRect/>
+          </a:stretch>
+        </p:blipFill>
+        <p:spPr>
+          <a:xfrm>
+            <a:off x="8991600" y="1546181"/>
+            <a:ext cx="2210572" cy="4786253"/>
+          </a:xfrm>
+          <a:prstGeom prst="rect">
+            <a:avLst/>
+          </a:prstGeom>
+        </p:spPr>
+      </p:pic>
+      <p:pic>
+        <p:nvPicPr>
+          <p:cNvPr id="24" name="图片 23"/>
+          <p:cNvPicPr>
+            <a:picLocks noChangeAspect="1"/>
+          </p:cNvPicPr>
+          <p:nvPr/>
+        </p:nvPicPr>
+        <p:blipFill>
+          <a:blip r:embed="rId5">
+            <a:extLst>
+              <a:ext uri="{28A0092B-C50C-407E-A947-70E740481C1C}">
+                <a14:useLocalDpi xmlns:a14="http://schemas.microsoft.com/office/drawing/2010/main" val="0"/>
+              </a:ext>
+            </a:extLst>
+          </a:blip>
+          <a:stretch>
+            <a:fillRect/>
+          </a:stretch>
+        </p:blipFill>
+        <p:spPr>
+          <a:xfrm>
+            <a:off x="6366904" y="1546597"/>
+            <a:ext cx="2207318" cy="4785837"/>
+          </a:xfrm>
+          <a:prstGeom prst="rect">
+            <a:avLst/>
+          </a:prstGeom>
+        </p:spPr>
+      </p:pic>
+    </p:spTree>
+    <p:custDataLst>
+      <p:tags r:id="rId6"/>
+    </p:custDataLst>
+  </p:cSld>
+  <p:clrMapOvr>
+    <a:masterClrMapping/>
+  </p:clrMapOvr>
+</p:sld>
+</file>
+
+<file path=ppt/slides/slide28.xml><?xml version="1.0" encoding="utf-8"?>
+<p:sld xmlns:a="http://schemas.openxmlformats.org/drawingml/2006/main" xmlns:r="http://schemas.openxmlformats.org/officeDocument/2006/relationships" xmlns:p="http://schemas.openxmlformats.org/presentationml/2006/main">
+  <p:cSld>
+    <p:bg>
+      <p:bgPr>
+        <a:pattFill prst="lgGrid">
+          <a:fgClr>
+            <a:schemeClr val="bg1">
+              <a:lumMod val="95000"/>
+            </a:schemeClr>
+          </a:fgClr>
+          <a:bgClr>
+            <a:schemeClr val="bg1"/>
+          </a:bgClr>
+        </a:pattFill>
+        <a:effectLst/>
+      </p:bgPr>
+    </p:bg>
+    <p:spTree>
+      <p:nvGrpSpPr>
+        <p:cNvPr id="1" name=""/>
+        <p:cNvGrpSpPr/>
+        <p:nvPr/>
+      </p:nvGrpSpPr>
+      <p:grpSpPr>
+        <a:xfrm>
+          <a:off x="0" y="0"/>
+          <a:ext cx="0" cy="0"/>
+          <a:chOff x="0" y="0"/>
+          <a:chExt cx="0" cy="0"/>
+        </a:xfrm>
+      </p:grpSpPr>
       <p:pic>
         <p:nvPicPr>
           <p:cNvPr id="1974" name="爱设计-5"/>
@@ -10486,7 +11058,7 @@
           <p:nvPr/>
         </p:nvPicPr>
         <p:blipFill>
-          <a:blip r:embed="rId4" cstate="print">
+          <a:blip r:embed="rId1" cstate="print">
             <a:extLst>
               <a:ext uri="{28A0092B-C50C-407E-A947-70E740481C1C}">
                 <a14:useLocalDpi xmlns:a14="http://schemas.microsoft.com/office/drawing/2010/main" val="0"/>
@@ -10701,6 +11273,25 @@
                 </a:rPr>
                 <a:t>感谢您的观看</a:t>
               </a:r>
+              <a:endParaRPr kumimoji="0" lang="zh-CN" altLang="en-US" sz="10560" b="0" i="0" u="none" strike="noStrike" kern="1200" cap="none" spc="0" normalizeH="0" baseline="0" noProof="0" dirty="0">
+                <a:ln w="11430">
+                  <a:solidFill>
+                    <a:prstClr val="black">
+                      <a:lumMod val="75000"/>
+                      <a:lumOff val="25000"/>
+                    </a:prstClr>
+                  </a:solidFill>
+                </a:ln>
+                <a:solidFill>
+                  <a:prstClr val="black"/>
+                </a:solidFill>
+                <a:effectLst/>
+                <a:uLnTx/>
+                <a:uFillTx/>
+                <a:latin typeface="字由文艺黑" panose="00020600040101010101" pitchFamily="18" charset="-122"/>
+                <a:ea typeface="字由文艺黑" panose="00020600040101010101" pitchFamily="18" charset="-122"/>
+                <a:cs typeface="+mn-cs"/>
+              </a:endParaRPr>
             </a:p>
           </p:txBody>
         </p:sp>
@@ -10784,7 +11375,7 @@
           <p:nvPr/>
         </p:nvPicPr>
         <p:blipFill>
-          <a:blip r:embed="rId5" cstate="print">
+          <a:blip r:embed="rId3" cstate="print">
             <a:extLst>
               <a:ext uri="{28A0092B-C50C-407E-A947-70E740481C1C}">
                 <a14:useLocalDpi xmlns:a14="http://schemas.microsoft.com/office/drawing/2010/main" val="0"/>
@@ -10807,7 +11398,7 @@
       </p:pic>
     </p:spTree>
     <p:custDataLst>
-      <p:tags r:id="rId1"/>
+      <p:tags r:id="rId4"/>
     </p:custDataLst>
   </p:cSld>
   <p:clrMapOvr>
@@ -10982,6 +11573,25 @@
                 </a:rPr>
                 <a:t>架构完善</a:t>
               </a:r>
+              <a:endParaRPr kumimoji="0" lang="zh-CN" altLang="en-US" sz="10560" b="0" i="0" u="none" strike="noStrike" kern="1200" cap="none" spc="0" normalizeH="0" baseline="0" noProof="0" dirty="0">
+                <a:ln w="10477">
+                  <a:solidFill>
+                    <a:prstClr val="black">
+                      <a:lumMod val="75000"/>
+                      <a:lumOff val="25000"/>
+                    </a:prstClr>
+                  </a:solidFill>
+                </a:ln>
+                <a:solidFill>
+                  <a:prstClr val="black"/>
+                </a:solidFill>
+                <a:effectLst/>
+                <a:uLnTx/>
+                <a:uFillTx/>
+                <a:latin typeface="字由文艺黑" panose="00020600040101010101" pitchFamily="18" charset="-122"/>
+                <a:ea typeface="字由文艺黑" panose="00020600040101010101" pitchFamily="18" charset="-122"/>
+                <a:cs typeface="+mn-cs"/>
+              </a:endParaRPr>
             </a:p>
           </p:txBody>
         </p:sp>
@@ -10991,7 +11601,7 @@
             <p:cNvSpPr txBox="1"/>
             <p:nvPr>
               <p:custDataLst>
-                <p:tags r:id="rId2"/>
+                <p:tags r:id="rId1"/>
               </p:custDataLst>
             </p:nvPr>
           </p:nvSpPr>
@@ -11273,13 +11883,13 @@
           <p:nvPr/>
         </p:nvPicPr>
         <p:blipFill>
-          <a:blip r:embed="rId4" cstate="print">
+          <a:blip r:embed="rId2" cstate="print">
             <a:extLst>
               <a:ext uri="{28A0092B-C50C-407E-A947-70E740481C1C}">
                 <a14:useLocalDpi xmlns:a14="http://schemas.microsoft.com/office/drawing/2010/main" val="0"/>
               </a:ext>
               <a:ext uri="{96DAC541-7B7A-43D3-8B79-37D633B846F1}">
-                <asvg:svgBlip xmlns:asvg="http://schemas.microsoft.com/office/drawing/2016/SVG/main" r:embed="rId5"/>
+                <asvg:svgBlip xmlns:asvg="http://schemas.microsoft.com/office/drawing/2016/SVG/main" r:embed="rId3"/>
               </a:ext>
             </a:extLst>
           </a:blip>
@@ -11299,7 +11909,7 @@
       </p:pic>
     </p:spTree>
     <p:custDataLst>
-      <p:tags r:id="rId1"/>
+      <p:tags r:id="rId4"/>
     </p:custDataLst>
   </p:cSld>
   <p:clrMapOvr>
@@ -11395,6 +12005,20 @@
               </a:rPr>
               <a:t>架构改进</a:t>
             </a:r>
+            <a:endParaRPr kumimoji="0" lang="zh-CN" altLang="en-US" sz="3200" b="0" i="0" u="none" strike="noStrike" kern="1200" cap="none" spc="0" normalizeH="0" baseline="0" noProof="0" dirty="0">
+              <a:ln>
+                <a:noFill/>
+              </a:ln>
+              <a:solidFill>
+                <a:srgbClr val="33C16B"/>
+              </a:solidFill>
+              <a:effectLst/>
+              <a:uLnTx/>
+              <a:uFillTx/>
+              <a:latin typeface="OPPOSans H"/>
+              <a:ea typeface="+mj-ea"/>
+              <a:cs typeface="+mn-cs"/>
+            </a:endParaRPr>
           </a:p>
         </p:txBody>
       </p:sp>
@@ -11438,22 +12062,22 @@
       </p:cxnSp>
       <p:pic>
         <p:nvPicPr>
-          <p:cNvPr id="4" name="图片 3" descr="system-architeture-latest.drawio"/>
+          <p:cNvPr id="2" name="图片 1" descr="system-architeture.drawio"/>
           <p:cNvPicPr>
             <a:picLocks noChangeAspect="1"/>
           </p:cNvPicPr>
           <p:nvPr/>
         </p:nvPicPr>
         <p:blipFill>
-          <a:blip r:embed="rId3"/>
+          <a:blip r:embed="rId1"/>
           <a:stretch>
             <a:fillRect/>
           </a:stretch>
         </p:blipFill>
         <p:spPr>
           <a:xfrm>
-            <a:off x="5036820" y="231775"/>
-            <a:ext cx="6946900" cy="6035040"/>
+            <a:off x="4394200" y="337185"/>
+            <a:ext cx="6692265" cy="5814060"/>
           </a:xfrm>
           <a:prstGeom prst="rect">
             <a:avLst/>
@@ -11462,14 +12086,14 @@
       </p:pic>
       <p:sp>
         <p:nvSpPr>
-          <p:cNvPr id="9" name="文本框 8"/>
+          <p:cNvPr id="5" name="文本框 4"/>
           <p:cNvSpPr txBox="1"/>
           <p:nvPr/>
         </p:nvSpPr>
         <p:spPr>
           <a:xfrm>
-            <a:off x="881380" y="2155190"/>
-            <a:ext cx="3449955" cy="3138170"/>
+            <a:off x="958850" y="2420620"/>
+            <a:ext cx="2915285" cy="1198880"/>
           </a:xfrm>
           <a:prstGeom prst="rect">
             <a:avLst/>
@@ -11480,442 +12104,18 @@
           <a:bodyPr wrap="square" rtlCol="0">
             <a:spAutoFit/>
           </a:bodyPr>
-          <a:lstStyle/>
           <a:p>
-            <a:pPr marL="0" marR="0" lvl="0" indent="0" algn="l" defTabSz="914400" rtl="0" eaLnBrk="1" fontAlgn="auto" latinLnBrk="0" hangingPunct="1">
-              <a:lnSpc>
-                <a:spcPct val="100000"/>
-              </a:lnSpc>
-              <a:spcBef>
-                <a:spcPts val="0"/>
-              </a:spcBef>
-              <a:spcAft>
-                <a:spcPts val="0"/>
-              </a:spcAft>
-              <a:buClrTx/>
-              <a:buSzTx/>
-              <a:buFontTx/>
-              <a:buNone/>
-              <a:defRPr/>
-            </a:pPr>
-            <a:r>
-              <a:rPr kumimoji="0" lang="en-US" altLang="zh-CN" sz="1800" b="1" i="0" u="none" strike="noStrike" kern="1200" cap="none" spc="0" normalizeH="0" baseline="0" noProof="0">
-                <a:ln>
-                  <a:noFill/>
-                </a:ln>
-                <a:solidFill>
-                  <a:prstClr val="black"/>
-                </a:solidFill>
-                <a:effectLst/>
-                <a:uLnTx/>
-                <a:uFillTx/>
-                <a:latin typeface="OPPOSans L"/>
-                <a:cs typeface="+mn-cs"/>
-              </a:rPr>
-              <a:t>1. </a:t>
-            </a:r>
-            <a:r>
-              <a:rPr kumimoji="0" lang="zh-CN" altLang="en-US" sz="1800" b="1" i="0" u="none" strike="noStrike" kern="1200" cap="none" spc="0" normalizeH="0" baseline="0" noProof="0">
-                <a:ln>
-                  <a:noFill/>
-                </a:ln>
-                <a:solidFill>
-                  <a:prstClr val="black"/>
-                </a:solidFill>
-                <a:effectLst/>
-                <a:uLnTx/>
-                <a:uFillTx/>
-                <a:latin typeface="OPPOSans L"/>
-                <a:cs typeface="+mn-cs"/>
-              </a:rPr>
-              <a:t>移除了应用逻辑层中的控制层，由界面层直接调用子系统实现的接口</a:t>
-            </a:r>
-          </a:p>
-          <a:p>
-            <a:pPr marL="0" marR="0" lvl="0" indent="0" algn="l" defTabSz="914400" rtl="0" eaLnBrk="1" fontAlgn="auto" latinLnBrk="0" hangingPunct="1">
-              <a:lnSpc>
-                <a:spcPct val="100000"/>
-              </a:lnSpc>
-              <a:spcBef>
-                <a:spcPts val="0"/>
-              </a:spcBef>
-              <a:spcAft>
-                <a:spcPts val="0"/>
-              </a:spcAft>
-              <a:buClrTx/>
-              <a:buSzTx/>
-              <a:buFontTx/>
-              <a:buNone/>
-              <a:defRPr/>
-            </a:pPr>
-            <a:r>
-              <a:rPr kumimoji="0" lang="en-US" altLang="zh-CN" sz="1800" b="1" i="0" u="none" strike="noStrike" kern="1200" cap="none" spc="0" normalizeH="0" baseline="0" noProof="0">
-                <a:ln>
-                  <a:noFill/>
-                </a:ln>
-                <a:solidFill>
-                  <a:prstClr val="black"/>
-                </a:solidFill>
-                <a:effectLst/>
-                <a:uLnTx/>
-                <a:uFillTx/>
-                <a:latin typeface="OPPOSans L"/>
-                <a:cs typeface="+mn-cs"/>
-              </a:rPr>
-              <a:t>2. </a:t>
-            </a:r>
-            <a:r>
-              <a:rPr kumimoji="0" lang="zh-CN" altLang="en-US" sz="1800" b="1" i="0" u="none" strike="noStrike" kern="1200" cap="none" spc="0" normalizeH="0" baseline="0" noProof="0">
-                <a:ln>
-                  <a:noFill/>
-                </a:ln>
-                <a:solidFill>
-                  <a:prstClr val="black"/>
-                </a:solidFill>
-                <a:effectLst/>
-                <a:uLnTx/>
-                <a:uFillTx/>
-                <a:latin typeface="OPPOSans L"/>
-                <a:cs typeface="+mn-cs"/>
-              </a:rPr>
-              <a:t>将原有的三个子系统划分为</a:t>
-            </a:r>
-            <a:r>
-              <a:rPr kumimoji="0" lang="en-US" altLang="zh-CN" sz="1800" b="1" i="0" u="none" strike="noStrike" kern="1200" cap="none" spc="0" normalizeH="0" baseline="0" noProof="0">
-                <a:ln>
-                  <a:noFill/>
-                </a:ln>
-                <a:solidFill>
-                  <a:prstClr val="black"/>
-                </a:solidFill>
-                <a:effectLst/>
-                <a:uLnTx/>
-                <a:uFillTx/>
-                <a:latin typeface="OPPOSans L"/>
-                <a:cs typeface="+mn-cs"/>
-              </a:rPr>
-              <a:t>4</a:t>
-            </a:r>
-            <a:r>
-              <a:rPr kumimoji="0" lang="zh-CN" altLang="en-US" sz="1800" b="1" i="0" u="none" strike="noStrike" kern="1200" cap="none" spc="0" normalizeH="0" baseline="0" noProof="0">
-                <a:ln>
-                  <a:noFill/>
-                </a:ln>
-                <a:solidFill>
-                  <a:prstClr val="black"/>
-                </a:solidFill>
-                <a:effectLst/>
-                <a:uLnTx/>
-                <a:uFillTx/>
-                <a:latin typeface="OPPOSans L"/>
-                <a:cs typeface="+mn-cs"/>
-              </a:rPr>
-              <a:t>个，分别是：</a:t>
-            </a:r>
-          </a:p>
-          <a:p>
-            <a:pPr marL="0" marR="0" lvl="0" indent="0" algn="l" defTabSz="914400" rtl="0" eaLnBrk="1" fontAlgn="auto" latinLnBrk="0" hangingPunct="1">
-              <a:lnSpc>
-                <a:spcPct val="100000"/>
-              </a:lnSpc>
-              <a:spcBef>
-                <a:spcPts val="0"/>
-              </a:spcBef>
-              <a:spcAft>
-                <a:spcPts val="0"/>
-              </a:spcAft>
-              <a:buClrTx/>
-              <a:buSzTx/>
-              <a:buFontTx/>
-              <a:buNone/>
-              <a:defRPr/>
-            </a:pPr>
-            <a:r>
-              <a:rPr kumimoji="0" lang="en-US" altLang="zh-CN" sz="1800" b="1" i="0" u="none" strike="noStrike" kern="1200" cap="none" spc="0" normalizeH="0" baseline="0" noProof="0">
-                <a:ln>
-                  <a:noFill/>
-                </a:ln>
-                <a:solidFill>
-                  <a:prstClr val="black"/>
-                </a:solidFill>
-                <a:effectLst/>
-                <a:uLnTx/>
-                <a:uFillTx/>
-                <a:latin typeface="OPPOSans L"/>
-                <a:cs typeface="+mn-cs"/>
-              </a:rPr>
-              <a:t>    - </a:t>
-            </a:r>
-            <a:r>
-              <a:rPr kumimoji="0" lang="zh-CN" altLang="en-US" sz="1800" b="1" i="0" u="none" strike="noStrike" kern="1200" cap="none" spc="0" normalizeH="0" baseline="0" noProof="0">
-                <a:ln>
-                  <a:noFill/>
-                </a:ln>
-                <a:solidFill>
-                  <a:prstClr val="black"/>
-                </a:solidFill>
-                <a:effectLst/>
-                <a:uLnTx/>
-                <a:uFillTx/>
-                <a:latin typeface="OPPOSans L"/>
-                <a:cs typeface="+mn-cs"/>
-              </a:rPr>
-              <a:t>用户管理子系统</a:t>
-            </a:r>
-          </a:p>
-          <a:p>
-            <a:pPr marL="0" marR="0" lvl="0" indent="0" algn="l" defTabSz="914400" rtl="0" eaLnBrk="1" fontAlgn="auto" latinLnBrk="0" hangingPunct="1">
-              <a:lnSpc>
-                <a:spcPct val="100000"/>
-              </a:lnSpc>
-              <a:spcBef>
-                <a:spcPts val="0"/>
-              </a:spcBef>
-              <a:spcAft>
-                <a:spcPts val="0"/>
-              </a:spcAft>
-              <a:buClrTx/>
-              <a:buSzTx/>
-              <a:buFontTx/>
-              <a:buNone/>
-              <a:defRPr/>
-            </a:pPr>
-            <a:r>
-              <a:rPr kumimoji="0" lang="zh-CN" altLang="en-US" sz="1800" b="1" i="0" u="none" strike="noStrike" kern="1200" cap="none" spc="0" normalizeH="0" baseline="0" noProof="0">
-                <a:ln>
-                  <a:noFill/>
-                </a:ln>
-                <a:solidFill>
-                  <a:prstClr val="black"/>
-                </a:solidFill>
-                <a:effectLst/>
-                <a:uLnTx/>
-                <a:uFillTx/>
-                <a:latin typeface="OPPOSans L"/>
-                <a:cs typeface="+mn-cs"/>
-              </a:rPr>
-              <a:t> </a:t>
-            </a:r>
-            <a:r>
-              <a:rPr kumimoji="0" lang="en-US" altLang="zh-CN" sz="1800" b="1" i="0" u="none" strike="noStrike" kern="1200" cap="none" spc="0" normalizeH="0" baseline="0" noProof="0">
-                <a:ln>
-                  <a:noFill/>
-                </a:ln>
-                <a:solidFill>
-                  <a:prstClr val="black"/>
-                </a:solidFill>
-                <a:effectLst/>
-                <a:uLnTx/>
-                <a:uFillTx/>
-                <a:latin typeface="OPPOSans L"/>
-                <a:cs typeface="+mn-cs"/>
-              </a:rPr>
-              <a:t>   - </a:t>
-            </a:r>
-            <a:r>
-              <a:rPr kumimoji="0" lang="zh-CN" altLang="en-US" sz="1800" b="1" i="0" u="none" strike="noStrike" kern="1200" cap="none" spc="0" normalizeH="0" baseline="0" noProof="0">
-                <a:ln>
-                  <a:noFill/>
-                </a:ln>
-                <a:solidFill>
-                  <a:prstClr val="black"/>
-                </a:solidFill>
-                <a:effectLst/>
-                <a:uLnTx/>
-                <a:uFillTx/>
-                <a:latin typeface="OPPOSans L"/>
-                <a:cs typeface="+mn-cs"/>
-              </a:rPr>
-              <a:t>日程管理子系统</a:t>
-            </a:r>
-          </a:p>
-          <a:p>
-            <a:pPr marL="0" marR="0" lvl="0" indent="0" algn="l" defTabSz="914400" rtl="0" eaLnBrk="1" fontAlgn="auto" latinLnBrk="0" hangingPunct="1">
-              <a:lnSpc>
-                <a:spcPct val="100000"/>
-              </a:lnSpc>
-              <a:spcBef>
-                <a:spcPts val="0"/>
-              </a:spcBef>
-              <a:spcAft>
-                <a:spcPts val="0"/>
-              </a:spcAft>
-              <a:buClrTx/>
-              <a:buSzTx/>
-              <a:buFontTx/>
-              <a:buNone/>
-              <a:defRPr/>
-            </a:pPr>
-            <a:r>
-              <a:rPr kumimoji="0" lang="zh-CN" altLang="en-US" sz="1800" b="1" i="0" u="none" strike="noStrike" kern="1200" cap="none" spc="0" normalizeH="0" baseline="0" noProof="0">
-                <a:ln>
-                  <a:noFill/>
-                </a:ln>
-                <a:solidFill>
-                  <a:prstClr val="black"/>
-                </a:solidFill>
-                <a:effectLst/>
-                <a:uLnTx/>
-                <a:uFillTx/>
-                <a:latin typeface="OPPOSans L"/>
-                <a:cs typeface="+mn-cs"/>
-              </a:rPr>
-              <a:t> </a:t>
-            </a:r>
-            <a:r>
-              <a:rPr kumimoji="0" lang="en-US" altLang="zh-CN" sz="1800" b="1" i="0" u="none" strike="noStrike" kern="1200" cap="none" spc="0" normalizeH="0" baseline="0" noProof="0">
-                <a:ln>
-                  <a:noFill/>
-                </a:ln>
-                <a:solidFill>
-                  <a:prstClr val="black"/>
-                </a:solidFill>
-                <a:effectLst/>
-                <a:uLnTx/>
-                <a:uFillTx/>
-                <a:latin typeface="OPPOSans L"/>
-                <a:cs typeface="+mn-cs"/>
-              </a:rPr>
-              <a:t>   - </a:t>
-            </a:r>
-            <a:r>
-              <a:rPr kumimoji="0" lang="zh-CN" altLang="en-US" sz="1800" b="1" i="0" u="none" strike="noStrike" kern="1200" cap="none" spc="0" normalizeH="0" baseline="0" noProof="0">
-                <a:ln>
-                  <a:noFill/>
-                </a:ln>
-                <a:solidFill>
-                  <a:prstClr val="black"/>
-                </a:solidFill>
-                <a:effectLst/>
-                <a:uLnTx/>
-                <a:uFillTx/>
-                <a:latin typeface="OPPOSans L"/>
-                <a:cs typeface="+mn-cs"/>
-              </a:rPr>
-              <a:t>专注子系统</a:t>
-            </a:r>
-          </a:p>
-          <a:p>
-            <a:pPr marL="0" marR="0" lvl="0" indent="0" algn="l" defTabSz="914400" rtl="0" eaLnBrk="1" fontAlgn="auto" latinLnBrk="0" hangingPunct="1">
-              <a:lnSpc>
-                <a:spcPct val="100000"/>
-              </a:lnSpc>
-              <a:spcBef>
-                <a:spcPts val="0"/>
-              </a:spcBef>
-              <a:spcAft>
-                <a:spcPts val="0"/>
-              </a:spcAft>
-              <a:buClrTx/>
-              <a:buSzTx/>
-              <a:buFontTx/>
-              <a:buNone/>
-              <a:defRPr/>
-            </a:pPr>
-            <a:r>
-              <a:rPr kumimoji="0" lang="zh-CN" altLang="en-US" sz="1800" b="1" i="0" u="none" strike="noStrike" kern="1200" cap="none" spc="0" normalizeH="0" baseline="0" noProof="0">
-                <a:ln>
-                  <a:noFill/>
-                </a:ln>
-                <a:solidFill>
-                  <a:prstClr val="black"/>
-                </a:solidFill>
-                <a:effectLst/>
-                <a:uLnTx/>
-                <a:uFillTx/>
-                <a:latin typeface="OPPOSans L"/>
-                <a:cs typeface="+mn-cs"/>
-              </a:rPr>
-              <a:t> </a:t>
-            </a:r>
-            <a:r>
-              <a:rPr kumimoji="0" lang="en-US" altLang="zh-CN" sz="1800" b="1" i="0" u="none" strike="noStrike" kern="1200" cap="none" spc="0" normalizeH="0" baseline="0" noProof="0">
-                <a:ln>
-                  <a:noFill/>
-                </a:ln>
-                <a:solidFill>
-                  <a:prstClr val="black"/>
-                </a:solidFill>
-                <a:effectLst/>
-                <a:uLnTx/>
-                <a:uFillTx/>
-                <a:latin typeface="OPPOSans L"/>
-                <a:cs typeface="+mn-cs"/>
-              </a:rPr>
-              <a:t>   - </a:t>
-            </a:r>
-            <a:r>
-              <a:rPr kumimoji="0" lang="zh-CN" altLang="en-US" sz="1800" b="1" i="0" u="none" strike="noStrike" kern="1200" cap="none" spc="0" normalizeH="0" baseline="0" noProof="0">
-                <a:ln>
-                  <a:noFill/>
-                </a:ln>
-                <a:solidFill>
-                  <a:prstClr val="black"/>
-                </a:solidFill>
-                <a:effectLst/>
-                <a:uLnTx/>
-                <a:uFillTx/>
-                <a:latin typeface="OPPOSans L"/>
-                <a:cs typeface="+mn-cs"/>
-              </a:rPr>
-              <a:t>交流圈子系统</a:t>
-            </a:r>
-          </a:p>
-          <a:p>
-            <a:pPr marL="0" marR="0" lvl="0" indent="0" algn="l" defTabSz="914400" rtl="0" eaLnBrk="1" fontAlgn="auto" latinLnBrk="0" hangingPunct="1">
-              <a:lnSpc>
-                <a:spcPct val="100000"/>
-              </a:lnSpc>
-              <a:spcBef>
-                <a:spcPts val="0"/>
-              </a:spcBef>
-              <a:spcAft>
-                <a:spcPts val="0"/>
-              </a:spcAft>
-              <a:buClrTx/>
-              <a:buSzTx/>
-              <a:buFontTx/>
-              <a:buNone/>
-              <a:defRPr/>
-            </a:pPr>
-            <a:r>
-              <a:rPr kumimoji="0" lang="zh-CN" altLang="en-US" sz="1800" b="1" i="0" u="none" strike="noStrike" kern="1200" cap="none" spc="0" normalizeH="0" baseline="0" noProof="0">
-                <a:ln>
-                  <a:noFill/>
-                </a:ln>
-                <a:solidFill>
-                  <a:prstClr val="black"/>
-                </a:solidFill>
-                <a:effectLst/>
-                <a:uLnTx/>
-                <a:uFillTx/>
-                <a:latin typeface="OPPOSans L"/>
-                <a:cs typeface="+mn-cs"/>
-              </a:rPr>
-              <a:t>在交流圈子系统中添加了好友私聊的功能。</a:t>
-            </a:r>
-            <a:r>
-              <a:rPr kumimoji="0" lang="en-US" altLang="zh-CN" sz="1800" b="1" i="0" u="none" strike="noStrike" kern="1200" cap="none" spc="0" normalizeH="0" baseline="0" noProof="0">
-                <a:ln>
-                  <a:noFill/>
-                </a:ln>
-                <a:solidFill>
-                  <a:prstClr val="black"/>
-                </a:solidFill>
-                <a:effectLst/>
-                <a:uLnTx/>
-                <a:uFillTx/>
-                <a:latin typeface="OPPOSans L"/>
-                <a:cs typeface="+mn-cs"/>
-              </a:rPr>
-              <a:t> </a:t>
-            </a:r>
+            <a:r>
+              <a:rPr lang="zh-CN" altLang="en-US" b="1"/>
+              <a:t>这是上一次作业中的架构设计，分层较多，同时功能，子系统划分也较不合理。</a:t>
+            </a:r>
+            <a:endParaRPr lang="zh-CN" altLang="en-US" b="1"/>
           </a:p>
         </p:txBody>
       </p:sp>
     </p:spTree>
     <p:custDataLst>
-      <p:tags r:id="rId1"/>
+      <p:tags r:id="rId2"/>
     </p:custDataLst>
   </p:cSld>
   <p:clrMapOvr>
@@ -11996,7 +12196,727 @@
             </a:pPr>
             <a:r>
               <a:rPr kumimoji="0" lang="zh-CN" altLang="en-US" sz="3200" b="0" i="0" u="none" strike="noStrike" kern="1200" cap="none" spc="0" normalizeH="0" baseline="0" noProof="0" dirty="0">
-                <a:ln/>
+                <a:ln>
+                  <a:noFill/>
+                </a:ln>
+                <a:solidFill>
+                  <a:srgbClr val="33C16B"/>
+                </a:solidFill>
+                <a:effectLst/>
+                <a:uLnTx/>
+                <a:uFillTx/>
+                <a:latin typeface="OPPOSans H"/>
+                <a:ea typeface="+mj-ea"/>
+                <a:cs typeface="+mn-cs"/>
+              </a:rPr>
+              <a:t>架构改进</a:t>
+            </a:r>
+            <a:endParaRPr kumimoji="0" lang="zh-CN" altLang="en-US" sz="3200" b="0" i="0" u="none" strike="noStrike" kern="1200" cap="none" spc="0" normalizeH="0" baseline="0" noProof="0" dirty="0">
+              <a:ln>
+                <a:noFill/>
+              </a:ln>
+              <a:solidFill>
+                <a:srgbClr val="33C16B"/>
+              </a:solidFill>
+              <a:effectLst/>
+              <a:uLnTx/>
+              <a:uFillTx/>
+              <a:latin typeface="OPPOSans H"/>
+              <a:ea typeface="+mj-ea"/>
+              <a:cs typeface="+mn-cs"/>
+            </a:endParaRPr>
+          </a:p>
+        </p:txBody>
+      </p:sp>
+      <p:cxnSp>
+        <p:nvCxnSpPr>
+          <p:cNvPr id="189" name="爱设计-16"/>
+          <p:cNvCxnSpPr/>
+          <p:nvPr/>
+        </p:nvCxnSpPr>
+        <p:spPr>
+          <a:xfrm>
+            <a:off x="660400" y="6390421"/>
+            <a:ext cx="10814415" cy="0"/>
+          </a:xfrm>
+          <a:prstGeom prst="line">
+            <a:avLst/>
+          </a:prstGeom>
+          <a:ln w="19050">
+            <a:solidFill>
+              <a:schemeClr val="tx1">
+                <a:lumMod val="75000"/>
+                <a:lumOff val="25000"/>
+              </a:schemeClr>
+            </a:solidFill>
+          </a:ln>
+        </p:spPr>
+        <p:style>
+          <a:lnRef idx="1">
+            <a:schemeClr val="accent1"/>
+          </a:lnRef>
+          <a:fillRef idx="0">
+            <a:schemeClr val="accent1"/>
+          </a:fillRef>
+          <a:effectRef idx="0">
+            <a:schemeClr val="accent1"/>
+          </a:effectRef>
+          <a:fontRef idx="minor">
+            <a:schemeClr val="tx1"/>
+          </a:fontRef>
+        </p:style>
+      </p:cxnSp>
+      <p:pic>
+        <p:nvPicPr>
+          <p:cNvPr id="4" name="图片 3" descr="system-architeture-latest.drawio"/>
+          <p:cNvPicPr>
+            <a:picLocks noChangeAspect="1"/>
+          </p:cNvPicPr>
+          <p:nvPr/>
+        </p:nvPicPr>
+        <p:blipFill>
+          <a:blip r:embed="rId1"/>
+          <a:stretch>
+            <a:fillRect/>
+          </a:stretch>
+        </p:blipFill>
+        <p:spPr>
+          <a:xfrm>
+            <a:off x="5036820" y="231775"/>
+            <a:ext cx="6946900" cy="6035040"/>
+          </a:xfrm>
+          <a:prstGeom prst="rect">
+            <a:avLst/>
+          </a:prstGeom>
+        </p:spPr>
+      </p:pic>
+      <p:sp>
+        <p:nvSpPr>
+          <p:cNvPr id="9" name="文本框 8"/>
+          <p:cNvSpPr txBox="1"/>
+          <p:nvPr/>
+        </p:nvSpPr>
+        <p:spPr>
+          <a:xfrm>
+            <a:off x="881380" y="2155190"/>
+            <a:ext cx="3449955" cy="3138170"/>
+          </a:xfrm>
+          <a:prstGeom prst="rect">
+            <a:avLst/>
+          </a:prstGeom>
+          <a:noFill/>
+        </p:spPr>
+        <p:txBody>
+          <a:bodyPr wrap="square" rtlCol="0">
+            <a:spAutoFit/>
+          </a:bodyPr>
+          <a:lstStyle/>
+          <a:p>
+            <a:pPr marL="0" marR="0" lvl="0" indent="0" algn="l" defTabSz="914400" rtl="0" eaLnBrk="1" fontAlgn="auto" latinLnBrk="0" hangingPunct="1">
+              <a:lnSpc>
+                <a:spcPct val="100000"/>
+              </a:lnSpc>
+              <a:spcBef>
+                <a:spcPts val="0"/>
+              </a:spcBef>
+              <a:spcAft>
+                <a:spcPts val="0"/>
+              </a:spcAft>
+              <a:buClrTx/>
+              <a:buSzTx/>
+              <a:buFontTx/>
+              <a:buNone/>
+              <a:defRPr/>
+            </a:pPr>
+            <a:r>
+              <a:rPr kumimoji="0" lang="en-US" altLang="zh-CN" sz="1800" b="1" i="0" u="none" strike="noStrike" kern="1200" cap="none" spc="0" normalizeH="0" baseline="0" noProof="0">
+                <a:ln>
+                  <a:noFill/>
+                </a:ln>
+                <a:solidFill>
+                  <a:prstClr val="black"/>
+                </a:solidFill>
+                <a:effectLst/>
+                <a:uLnTx/>
+                <a:uFillTx/>
+                <a:latin typeface="OPPOSans L"/>
+                <a:cs typeface="+mn-cs"/>
+              </a:rPr>
+              <a:t>1. </a:t>
+            </a:r>
+            <a:r>
+              <a:rPr kumimoji="0" lang="zh-CN" altLang="en-US" sz="1800" b="1" i="0" u="none" strike="noStrike" kern="1200" cap="none" spc="0" normalizeH="0" baseline="0" noProof="0">
+                <a:ln>
+                  <a:noFill/>
+                </a:ln>
+                <a:solidFill>
+                  <a:prstClr val="black"/>
+                </a:solidFill>
+                <a:effectLst/>
+                <a:uLnTx/>
+                <a:uFillTx/>
+                <a:latin typeface="OPPOSans L"/>
+                <a:cs typeface="+mn-cs"/>
+              </a:rPr>
+              <a:t>移除了应用逻辑层中的控制层，由界面层直接调用子系统实现的接口</a:t>
+            </a:r>
+            <a:endParaRPr kumimoji="0" lang="zh-CN" altLang="en-US" sz="1800" b="1" i="0" u="none" strike="noStrike" kern="1200" cap="none" spc="0" normalizeH="0" baseline="0" noProof="0">
+              <a:ln>
+                <a:noFill/>
+              </a:ln>
+              <a:solidFill>
+                <a:prstClr val="black"/>
+              </a:solidFill>
+              <a:effectLst/>
+              <a:uLnTx/>
+              <a:uFillTx/>
+              <a:latin typeface="OPPOSans L"/>
+              <a:cs typeface="+mn-cs"/>
+            </a:endParaRPr>
+          </a:p>
+          <a:p>
+            <a:pPr marL="0" marR="0" lvl="0" indent="0" algn="l" defTabSz="914400" rtl="0" eaLnBrk="1" fontAlgn="auto" latinLnBrk="0" hangingPunct="1">
+              <a:lnSpc>
+                <a:spcPct val="100000"/>
+              </a:lnSpc>
+              <a:spcBef>
+                <a:spcPts val="0"/>
+              </a:spcBef>
+              <a:spcAft>
+                <a:spcPts val="0"/>
+              </a:spcAft>
+              <a:buClrTx/>
+              <a:buSzTx/>
+              <a:buFontTx/>
+              <a:buNone/>
+              <a:defRPr/>
+            </a:pPr>
+            <a:r>
+              <a:rPr kumimoji="0" lang="en-US" altLang="zh-CN" sz="1800" b="1" i="0" u="none" strike="noStrike" kern="1200" cap="none" spc="0" normalizeH="0" baseline="0" noProof="0">
+                <a:ln>
+                  <a:noFill/>
+                </a:ln>
+                <a:solidFill>
+                  <a:prstClr val="black"/>
+                </a:solidFill>
+                <a:effectLst/>
+                <a:uLnTx/>
+                <a:uFillTx/>
+                <a:latin typeface="OPPOSans L"/>
+                <a:cs typeface="+mn-cs"/>
+              </a:rPr>
+              <a:t>2. </a:t>
+            </a:r>
+            <a:r>
+              <a:rPr kumimoji="0" lang="zh-CN" altLang="en-US" sz="1800" b="1" i="0" u="none" strike="noStrike" kern="1200" cap="none" spc="0" normalizeH="0" baseline="0" noProof="0">
+                <a:ln>
+                  <a:noFill/>
+                </a:ln>
+                <a:solidFill>
+                  <a:prstClr val="black"/>
+                </a:solidFill>
+                <a:effectLst/>
+                <a:uLnTx/>
+                <a:uFillTx/>
+                <a:latin typeface="OPPOSans L"/>
+                <a:cs typeface="+mn-cs"/>
+              </a:rPr>
+              <a:t>将原有的三个子系统划分为</a:t>
+            </a:r>
+            <a:r>
+              <a:rPr kumimoji="0" lang="en-US" altLang="zh-CN" sz="1800" b="1" i="0" u="none" strike="noStrike" kern="1200" cap="none" spc="0" normalizeH="0" baseline="0" noProof="0">
+                <a:ln>
+                  <a:noFill/>
+                </a:ln>
+                <a:solidFill>
+                  <a:prstClr val="black"/>
+                </a:solidFill>
+                <a:effectLst/>
+                <a:uLnTx/>
+                <a:uFillTx/>
+                <a:latin typeface="OPPOSans L"/>
+                <a:cs typeface="+mn-cs"/>
+              </a:rPr>
+              <a:t>4</a:t>
+            </a:r>
+            <a:r>
+              <a:rPr kumimoji="0" lang="zh-CN" altLang="en-US" sz="1800" b="1" i="0" u="none" strike="noStrike" kern="1200" cap="none" spc="0" normalizeH="0" baseline="0" noProof="0">
+                <a:ln>
+                  <a:noFill/>
+                </a:ln>
+                <a:solidFill>
+                  <a:prstClr val="black"/>
+                </a:solidFill>
+                <a:effectLst/>
+                <a:uLnTx/>
+                <a:uFillTx/>
+                <a:latin typeface="OPPOSans L"/>
+                <a:cs typeface="+mn-cs"/>
+              </a:rPr>
+              <a:t>个，分别是：</a:t>
+            </a:r>
+            <a:endParaRPr kumimoji="0" lang="zh-CN" altLang="en-US" sz="1800" b="1" i="0" u="none" strike="noStrike" kern="1200" cap="none" spc="0" normalizeH="0" baseline="0" noProof="0">
+              <a:ln>
+                <a:noFill/>
+              </a:ln>
+              <a:solidFill>
+                <a:prstClr val="black"/>
+              </a:solidFill>
+              <a:effectLst/>
+              <a:uLnTx/>
+              <a:uFillTx/>
+              <a:latin typeface="OPPOSans L"/>
+              <a:cs typeface="+mn-cs"/>
+            </a:endParaRPr>
+          </a:p>
+          <a:p>
+            <a:pPr marL="0" marR="0" lvl="0" indent="0" algn="l" defTabSz="914400" rtl="0" eaLnBrk="1" fontAlgn="auto" latinLnBrk="0" hangingPunct="1">
+              <a:lnSpc>
+                <a:spcPct val="100000"/>
+              </a:lnSpc>
+              <a:spcBef>
+                <a:spcPts val="0"/>
+              </a:spcBef>
+              <a:spcAft>
+                <a:spcPts val="0"/>
+              </a:spcAft>
+              <a:buClrTx/>
+              <a:buSzTx/>
+              <a:buFontTx/>
+              <a:buNone/>
+              <a:defRPr/>
+            </a:pPr>
+            <a:r>
+              <a:rPr kumimoji="0" lang="en-US" altLang="zh-CN" sz="1800" b="1" i="0" u="none" strike="noStrike" kern="1200" cap="none" spc="0" normalizeH="0" baseline="0" noProof="0">
+                <a:ln>
+                  <a:noFill/>
+                </a:ln>
+                <a:solidFill>
+                  <a:prstClr val="black"/>
+                </a:solidFill>
+                <a:effectLst/>
+                <a:uLnTx/>
+                <a:uFillTx/>
+                <a:latin typeface="OPPOSans L"/>
+                <a:cs typeface="+mn-cs"/>
+              </a:rPr>
+              <a:t>    - </a:t>
+            </a:r>
+            <a:r>
+              <a:rPr kumimoji="0" lang="zh-CN" altLang="en-US" sz="1800" b="1" i="0" u="none" strike="noStrike" kern="1200" cap="none" spc="0" normalizeH="0" baseline="0" noProof="0">
+                <a:ln>
+                  <a:noFill/>
+                </a:ln>
+                <a:solidFill>
+                  <a:prstClr val="black"/>
+                </a:solidFill>
+                <a:effectLst/>
+                <a:uLnTx/>
+                <a:uFillTx/>
+                <a:latin typeface="OPPOSans L"/>
+                <a:cs typeface="+mn-cs"/>
+              </a:rPr>
+              <a:t>用户管理子系统</a:t>
+            </a:r>
+            <a:endParaRPr kumimoji="0" lang="zh-CN" altLang="en-US" sz="1800" b="1" i="0" u="none" strike="noStrike" kern="1200" cap="none" spc="0" normalizeH="0" baseline="0" noProof="0">
+              <a:ln>
+                <a:noFill/>
+              </a:ln>
+              <a:solidFill>
+                <a:prstClr val="black"/>
+              </a:solidFill>
+              <a:effectLst/>
+              <a:uLnTx/>
+              <a:uFillTx/>
+              <a:latin typeface="OPPOSans L"/>
+              <a:cs typeface="+mn-cs"/>
+            </a:endParaRPr>
+          </a:p>
+          <a:p>
+            <a:pPr marL="0" marR="0" lvl="0" indent="0" algn="l" defTabSz="914400" rtl="0" eaLnBrk="1" fontAlgn="auto" latinLnBrk="0" hangingPunct="1">
+              <a:lnSpc>
+                <a:spcPct val="100000"/>
+              </a:lnSpc>
+              <a:spcBef>
+                <a:spcPts val="0"/>
+              </a:spcBef>
+              <a:spcAft>
+                <a:spcPts val="0"/>
+              </a:spcAft>
+              <a:buClrTx/>
+              <a:buSzTx/>
+              <a:buFontTx/>
+              <a:buNone/>
+              <a:defRPr/>
+            </a:pPr>
+            <a:r>
+              <a:rPr kumimoji="0" lang="zh-CN" altLang="en-US" sz="1800" b="1" i="0" u="none" strike="noStrike" kern="1200" cap="none" spc="0" normalizeH="0" baseline="0" noProof="0">
+                <a:ln>
+                  <a:noFill/>
+                </a:ln>
+                <a:solidFill>
+                  <a:prstClr val="black"/>
+                </a:solidFill>
+                <a:effectLst/>
+                <a:uLnTx/>
+                <a:uFillTx/>
+                <a:latin typeface="OPPOSans L"/>
+                <a:cs typeface="+mn-cs"/>
+              </a:rPr>
+              <a:t> </a:t>
+            </a:r>
+            <a:r>
+              <a:rPr kumimoji="0" lang="en-US" altLang="zh-CN" sz="1800" b="1" i="0" u="none" strike="noStrike" kern="1200" cap="none" spc="0" normalizeH="0" baseline="0" noProof="0">
+                <a:ln>
+                  <a:noFill/>
+                </a:ln>
+                <a:solidFill>
+                  <a:prstClr val="black"/>
+                </a:solidFill>
+                <a:effectLst/>
+                <a:uLnTx/>
+                <a:uFillTx/>
+                <a:latin typeface="OPPOSans L"/>
+                <a:cs typeface="+mn-cs"/>
+              </a:rPr>
+              <a:t>   - </a:t>
+            </a:r>
+            <a:r>
+              <a:rPr kumimoji="0" lang="zh-CN" altLang="en-US" sz="1800" b="1" i="0" u="none" strike="noStrike" kern="1200" cap="none" spc="0" normalizeH="0" baseline="0" noProof="0">
+                <a:ln>
+                  <a:noFill/>
+                </a:ln>
+                <a:solidFill>
+                  <a:prstClr val="black"/>
+                </a:solidFill>
+                <a:effectLst/>
+                <a:uLnTx/>
+                <a:uFillTx/>
+                <a:latin typeface="OPPOSans L"/>
+                <a:cs typeface="+mn-cs"/>
+              </a:rPr>
+              <a:t>日程管理子系统</a:t>
+            </a:r>
+            <a:endParaRPr kumimoji="0" lang="zh-CN" altLang="en-US" sz="1800" b="1" i="0" u="none" strike="noStrike" kern="1200" cap="none" spc="0" normalizeH="0" baseline="0" noProof="0">
+              <a:ln>
+                <a:noFill/>
+              </a:ln>
+              <a:solidFill>
+                <a:prstClr val="black"/>
+              </a:solidFill>
+              <a:effectLst/>
+              <a:uLnTx/>
+              <a:uFillTx/>
+              <a:latin typeface="OPPOSans L"/>
+              <a:cs typeface="+mn-cs"/>
+            </a:endParaRPr>
+          </a:p>
+          <a:p>
+            <a:pPr marL="0" marR="0" lvl="0" indent="0" algn="l" defTabSz="914400" rtl="0" eaLnBrk="1" fontAlgn="auto" latinLnBrk="0" hangingPunct="1">
+              <a:lnSpc>
+                <a:spcPct val="100000"/>
+              </a:lnSpc>
+              <a:spcBef>
+                <a:spcPts val="0"/>
+              </a:spcBef>
+              <a:spcAft>
+                <a:spcPts val="0"/>
+              </a:spcAft>
+              <a:buClrTx/>
+              <a:buSzTx/>
+              <a:buFontTx/>
+              <a:buNone/>
+              <a:defRPr/>
+            </a:pPr>
+            <a:r>
+              <a:rPr kumimoji="0" lang="zh-CN" altLang="en-US" sz="1800" b="1" i="0" u="none" strike="noStrike" kern="1200" cap="none" spc="0" normalizeH="0" baseline="0" noProof="0">
+                <a:ln>
+                  <a:noFill/>
+                </a:ln>
+                <a:solidFill>
+                  <a:prstClr val="black"/>
+                </a:solidFill>
+                <a:effectLst/>
+                <a:uLnTx/>
+                <a:uFillTx/>
+                <a:latin typeface="OPPOSans L"/>
+                <a:cs typeface="+mn-cs"/>
+              </a:rPr>
+              <a:t> </a:t>
+            </a:r>
+            <a:r>
+              <a:rPr kumimoji="0" lang="en-US" altLang="zh-CN" sz="1800" b="1" i="0" u="none" strike="noStrike" kern="1200" cap="none" spc="0" normalizeH="0" baseline="0" noProof="0">
+                <a:ln>
+                  <a:noFill/>
+                </a:ln>
+                <a:solidFill>
+                  <a:prstClr val="black"/>
+                </a:solidFill>
+                <a:effectLst/>
+                <a:uLnTx/>
+                <a:uFillTx/>
+                <a:latin typeface="OPPOSans L"/>
+                <a:cs typeface="+mn-cs"/>
+              </a:rPr>
+              <a:t>   - </a:t>
+            </a:r>
+            <a:r>
+              <a:rPr kumimoji="0" lang="zh-CN" altLang="en-US" sz="1800" b="1" i="0" u="none" strike="noStrike" kern="1200" cap="none" spc="0" normalizeH="0" baseline="0" noProof="0">
+                <a:ln>
+                  <a:noFill/>
+                </a:ln>
+                <a:solidFill>
+                  <a:prstClr val="black"/>
+                </a:solidFill>
+                <a:effectLst/>
+                <a:uLnTx/>
+                <a:uFillTx/>
+                <a:latin typeface="OPPOSans L"/>
+                <a:cs typeface="+mn-cs"/>
+              </a:rPr>
+              <a:t>专注子系统</a:t>
+            </a:r>
+            <a:endParaRPr kumimoji="0" lang="zh-CN" altLang="en-US" sz="1800" b="1" i="0" u="none" strike="noStrike" kern="1200" cap="none" spc="0" normalizeH="0" baseline="0" noProof="0">
+              <a:ln>
+                <a:noFill/>
+              </a:ln>
+              <a:solidFill>
+                <a:prstClr val="black"/>
+              </a:solidFill>
+              <a:effectLst/>
+              <a:uLnTx/>
+              <a:uFillTx/>
+              <a:latin typeface="OPPOSans L"/>
+              <a:cs typeface="+mn-cs"/>
+            </a:endParaRPr>
+          </a:p>
+          <a:p>
+            <a:pPr marL="0" marR="0" lvl="0" indent="0" algn="l" defTabSz="914400" rtl="0" eaLnBrk="1" fontAlgn="auto" latinLnBrk="0" hangingPunct="1">
+              <a:lnSpc>
+                <a:spcPct val="100000"/>
+              </a:lnSpc>
+              <a:spcBef>
+                <a:spcPts val="0"/>
+              </a:spcBef>
+              <a:spcAft>
+                <a:spcPts val="0"/>
+              </a:spcAft>
+              <a:buClrTx/>
+              <a:buSzTx/>
+              <a:buFontTx/>
+              <a:buNone/>
+              <a:defRPr/>
+            </a:pPr>
+            <a:r>
+              <a:rPr kumimoji="0" lang="zh-CN" altLang="en-US" sz="1800" b="1" i="0" u="none" strike="noStrike" kern="1200" cap="none" spc="0" normalizeH="0" baseline="0" noProof="0">
+                <a:ln>
+                  <a:noFill/>
+                </a:ln>
+                <a:solidFill>
+                  <a:prstClr val="black"/>
+                </a:solidFill>
+                <a:effectLst/>
+                <a:uLnTx/>
+                <a:uFillTx/>
+                <a:latin typeface="OPPOSans L"/>
+                <a:cs typeface="+mn-cs"/>
+              </a:rPr>
+              <a:t> </a:t>
+            </a:r>
+            <a:r>
+              <a:rPr kumimoji="0" lang="en-US" altLang="zh-CN" sz="1800" b="1" i="0" u="none" strike="noStrike" kern="1200" cap="none" spc="0" normalizeH="0" baseline="0" noProof="0">
+                <a:ln>
+                  <a:noFill/>
+                </a:ln>
+                <a:solidFill>
+                  <a:prstClr val="black"/>
+                </a:solidFill>
+                <a:effectLst/>
+                <a:uLnTx/>
+                <a:uFillTx/>
+                <a:latin typeface="OPPOSans L"/>
+                <a:cs typeface="+mn-cs"/>
+              </a:rPr>
+              <a:t>   - </a:t>
+            </a:r>
+            <a:r>
+              <a:rPr kumimoji="0" lang="zh-CN" altLang="en-US" sz="1800" b="1" i="0" u="none" strike="noStrike" kern="1200" cap="none" spc="0" normalizeH="0" baseline="0" noProof="0">
+                <a:ln>
+                  <a:noFill/>
+                </a:ln>
+                <a:solidFill>
+                  <a:prstClr val="black"/>
+                </a:solidFill>
+                <a:effectLst/>
+                <a:uLnTx/>
+                <a:uFillTx/>
+                <a:latin typeface="OPPOSans L"/>
+                <a:cs typeface="+mn-cs"/>
+              </a:rPr>
+              <a:t>交流圈子系统</a:t>
+            </a:r>
+            <a:endParaRPr kumimoji="0" lang="zh-CN" altLang="en-US" sz="1800" b="1" i="0" u="none" strike="noStrike" kern="1200" cap="none" spc="0" normalizeH="0" baseline="0" noProof="0">
+              <a:ln>
+                <a:noFill/>
+              </a:ln>
+              <a:solidFill>
+                <a:prstClr val="black"/>
+              </a:solidFill>
+              <a:effectLst/>
+              <a:uLnTx/>
+              <a:uFillTx/>
+              <a:latin typeface="OPPOSans L"/>
+              <a:cs typeface="+mn-cs"/>
+            </a:endParaRPr>
+          </a:p>
+          <a:p>
+            <a:pPr marL="0" marR="0" lvl="0" indent="0" algn="l" defTabSz="914400" rtl="0" eaLnBrk="1" fontAlgn="auto" latinLnBrk="0" hangingPunct="1">
+              <a:lnSpc>
+                <a:spcPct val="100000"/>
+              </a:lnSpc>
+              <a:spcBef>
+                <a:spcPts val="0"/>
+              </a:spcBef>
+              <a:spcAft>
+                <a:spcPts val="0"/>
+              </a:spcAft>
+              <a:buClrTx/>
+              <a:buSzTx/>
+              <a:buFontTx/>
+              <a:buNone/>
+              <a:defRPr/>
+            </a:pPr>
+            <a:r>
+              <a:rPr kumimoji="0" lang="zh-CN" altLang="en-US" sz="1800" b="1" i="0" u="none" strike="noStrike" kern="1200" cap="none" spc="0" normalizeH="0" baseline="0" noProof="0">
+                <a:ln>
+                  <a:noFill/>
+                </a:ln>
+                <a:solidFill>
+                  <a:prstClr val="black"/>
+                </a:solidFill>
+                <a:effectLst/>
+                <a:uLnTx/>
+                <a:uFillTx/>
+                <a:latin typeface="OPPOSans L"/>
+                <a:cs typeface="+mn-cs"/>
+              </a:rPr>
+              <a:t>在交流圈子系统中添加了好友私聊的功能。</a:t>
+            </a:r>
+            <a:r>
+              <a:rPr kumimoji="0" lang="en-US" altLang="zh-CN" sz="1800" b="1" i="0" u="none" strike="noStrike" kern="1200" cap="none" spc="0" normalizeH="0" baseline="0" noProof="0">
+                <a:ln>
+                  <a:noFill/>
+                </a:ln>
+                <a:solidFill>
+                  <a:prstClr val="black"/>
+                </a:solidFill>
+                <a:effectLst/>
+                <a:uLnTx/>
+                <a:uFillTx/>
+                <a:latin typeface="OPPOSans L"/>
+                <a:cs typeface="+mn-cs"/>
+              </a:rPr>
+              <a:t> </a:t>
+            </a:r>
+            <a:endParaRPr kumimoji="0" lang="en-US" altLang="zh-CN" sz="1800" b="1" i="0" u="none" strike="noStrike" kern="1200" cap="none" spc="0" normalizeH="0" baseline="0" noProof="0">
+              <a:ln>
+                <a:noFill/>
+              </a:ln>
+              <a:solidFill>
+                <a:prstClr val="black"/>
+              </a:solidFill>
+              <a:effectLst/>
+              <a:uLnTx/>
+              <a:uFillTx/>
+              <a:latin typeface="OPPOSans L"/>
+              <a:cs typeface="+mn-cs"/>
+            </a:endParaRPr>
+          </a:p>
+        </p:txBody>
+      </p:sp>
+    </p:spTree>
+    <p:custDataLst>
+      <p:tags r:id="rId2"/>
+    </p:custDataLst>
+  </p:cSld>
+  <p:clrMapOvr>
+    <a:masterClrMapping/>
+  </p:clrMapOvr>
+</p:sld>
+</file>
+
+<file path=ppt/slides/slide6.xml><?xml version="1.0" encoding="utf-8"?>
+<p:sld xmlns:a="http://schemas.openxmlformats.org/drawingml/2006/main" xmlns:r="http://schemas.openxmlformats.org/officeDocument/2006/relationships" xmlns:p="http://schemas.openxmlformats.org/presentationml/2006/main">
+  <p:cSld>
+    <p:bg>
+      <p:bgPr>
+        <a:pattFill prst="lgGrid">
+          <a:fgClr>
+            <a:schemeClr val="bg1">
+              <a:lumMod val="95000"/>
+            </a:schemeClr>
+          </a:fgClr>
+          <a:bgClr>
+            <a:schemeClr val="bg1"/>
+          </a:bgClr>
+        </a:pattFill>
+        <a:effectLst/>
+      </p:bgPr>
+    </p:bg>
+    <p:spTree>
+      <p:nvGrpSpPr>
+        <p:cNvPr id="1" name=""/>
+        <p:cNvGrpSpPr/>
+        <p:nvPr/>
+      </p:nvGrpSpPr>
+      <p:grpSpPr>
+        <a:xfrm>
+          <a:off x="0" y="0"/>
+          <a:ext cx="0" cy="0"/>
+          <a:chOff x="0" y="0"/>
+          <a:chExt cx="0" cy="0"/>
+        </a:xfrm>
+      </p:grpSpPr>
+      <p:sp>
+        <p:nvSpPr>
+          <p:cNvPr id="3" name="爱设计-2"/>
+          <p:cNvSpPr txBox="1"/>
+          <p:nvPr/>
+        </p:nvSpPr>
+        <p:spPr>
+          <a:xfrm>
+            <a:off x="533554" y="546265"/>
+            <a:ext cx="5469903" cy="583565"/>
+          </a:xfrm>
+          <a:prstGeom prst="rect">
+            <a:avLst/>
+          </a:prstGeom>
+          <a:noFill/>
+        </p:spPr>
+        <p:txBody>
+          <a:bodyPr wrap="square">
+            <a:spAutoFit/>
+          </a:bodyPr>
+          <a:lstStyle/>
+          <a:p>
+            <a:pPr marL="0" marR="0" lvl="0" indent="0" algn="l" defTabSz="914400" rtl="0" eaLnBrk="1" fontAlgn="auto" latinLnBrk="0" hangingPunct="1">
+              <a:lnSpc>
+                <a:spcPct val="100000"/>
+              </a:lnSpc>
+              <a:spcBef>
+                <a:spcPts val="0"/>
+              </a:spcBef>
+              <a:spcAft>
+                <a:spcPts val="0"/>
+              </a:spcAft>
+              <a:buClrTx/>
+              <a:buSzTx/>
+              <a:buFontTx/>
+              <a:buNone/>
+              <a:defRPr/>
+            </a:pPr>
+            <a:r>
+              <a:rPr kumimoji="0" lang="zh-CN" altLang="en-US" sz="3200" b="0" i="0" u="none" strike="noStrike" kern="1200" cap="none" spc="0" normalizeH="0" baseline="0" noProof="0" dirty="0">
                 <a:solidFill>
                   <a:schemeClr val="tx1"/>
                 </a:solidFill>
@@ -12017,7 +12937,6 @@
             </a:r>
             <a:r>
               <a:rPr kumimoji="0" lang="zh-CN" altLang="en-US" sz="3200" b="0" i="0" u="none" strike="noStrike" kern="1200" cap="none" spc="0" normalizeH="0" baseline="0" noProof="0" dirty="0">
-                <a:ln/>
                 <a:solidFill>
                   <a:schemeClr val="accent1"/>
                 </a:solidFill>
@@ -12036,6 +12955,23 @@
               </a:rPr>
               <a:t>系统架构</a:t>
             </a:r>
+            <a:endParaRPr kumimoji="0" lang="zh-CN" altLang="en-US" sz="3200" b="0" i="0" u="none" strike="noStrike" kern="1200" cap="none" spc="0" normalizeH="0" baseline="0" noProof="0" dirty="0">
+              <a:solidFill>
+                <a:schemeClr val="accent1"/>
+              </a:solidFill>
+              <a:effectLst>
+                <a:outerShdw blurRad="38100" dist="25400" dir="5400000" algn="ctr" rotWithShape="0">
+                  <a:srgbClr val="6E747A">
+                    <a:alpha val="43000"/>
+                  </a:srgbClr>
+                </a:outerShdw>
+              </a:effectLst>
+              <a:uLnTx/>
+              <a:uFillTx/>
+              <a:latin typeface="OPPOSans H"/>
+              <a:ea typeface="+mj-ea"/>
+              <a:cs typeface="+mn-cs"/>
+            </a:endParaRPr>
           </a:p>
         </p:txBody>
       </p:sp>
@@ -12086,7 +13022,7 @@
           <p:nvPr/>
         </p:nvPicPr>
         <p:blipFill>
-          <a:blip r:embed="rId3"/>
+          <a:blip r:embed="rId1"/>
           <a:stretch>
             <a:fillRect/>
           </a:stretch>
@@ -12110,7 +13046,7 @@
         <p:spPr>
           <a:xfrm>
             <a:off x="737870" y="1645285"/>
-            <a:ext cx="3661410" cy="3969385"/>
+            <a:ext cx="3933190" cy="4246245"/>
           </a:xfrm>
           <a:prstGeom prst="rect">
             <a:avLst/>
@@ -12153,8 +13089,21 @@
                 <a:latin typeface="OPPOSans L"/>
                 <a:cs typeface="+mn-cs"/>
               </a:rPr>
-              <a:t>我们采用C/S架构设计，客户端使用`Android SDK`相关api绘制界面，应用逻辑层中四个子系统，调用`Android SDK`相关api进行逻辑操作，比如禁用通知，音频播放等功能。</a:t>
-            </a:r>
+              <a:t>我们采用C/S架构设计，客户端使用`Android SDK`相关api绘制界面，应用逻辑层中四个子系统，调用`Android SDK`相关api进行逻辑操作，比如禁用通知，音频播放等功能。使用开源框架`Apache ECharts`来实现统计数据的可视化。</a:t>
+            </a:r>
+            <a:endParaRPr kumimoji="0" lang="zh-CN" altLang="en-US" sz="1800" b="1" i="0" u="none" strike="noStrike" kern="1200" cap="none" spc="0" normalizeH="0" baseline="0" noProof="0">
+              <a:ln>
+                <a:noFill/>
+              </a:ln>
+              <a:solidFill>
+                <a:prstClr val="black"/>
+              </a:solidFill>
+              <a:effectLst/>
+              <a:uLnTx/>
+              <a:uFillTx/>
+              <a:latin typeface="OPPOSans L"/>
+              <a:cs typeface="+mn-cs"/>
+            </a:endParaRPr>
           </a:p>
           <a:p>
             <a:pPr marL="0" marR="0" lvl="0" indent="0" algn="l" defTabSz="914400" rtl="0" eaLnBrk="1" fontAlgn="auto" latinLnBrk="0" hangingPunct="1">
@@ -12220,324 +13169,25 @@
               </a:rPr>
               <a:t>服务器端通过`Spring Boot`框架部署`Rest Api`与客户端进行通信，通过开源框架`MyBatis`封装`JDBC`，进行数据库的访问与写入。同时，通用服务层使用`Log4j`进行日志输出，使用`Redis`提供数据缓存服务，满足高并发数据库查询需求。</a:t>
             </a:r>
+            <a:endParaRPr kumimoji="0" lang="zh-CN" altLang="en-US" sz="1800" b="1" i="0" u="none" strike="noStrike" kern="1200" cap="none" spc="0" normalizeH="0" baseline="0" noProof="0">
+              <a:ln>
+                <a:noFill/>
+              </a:ln>
+              <a:solidFill>
+                <a:prstClr val="black"/>
+              </a:solidFill>
+              <a:effectLst/>
+              <a:uLnTx/>
+              <a:uFillTx/>
+              <a:latin typeface="OPPOSans L"/>
+              <a:cs typeface="+mn-cs"/>
+            </a:endParaRPr>
           </a:p>
         </p:txBody>
       </p:sp>
     </p:spTree>
     <p:custDataLst>
-      <p:tags r:id="rId1"/>
-    </p:custDataLst>
-  </p:cSld>
-  <p:clrMapOvr>
-    <a:masterClrMapping/>
-  </p:clrMapOvr>
-</p:sld>
-</file>
-
-<file path=ppt/slides/slide6.xml><?xml version="1.0" encoding="utf-8"?>
-<p:sld xmlns:a="http://schemas.openxmlformats.org/drawingml/2006/main" xmlns:r="http://schemas.openxmlformats.org/officeDocument/2006/relationships" xmlns:p="http://schemas.openxmlformats.org/presentationml/2006/main">
-  <p:cSld>
-    <p:bg>
-      <p:bgPr>
-        <a:pattFill prst="lgGrid">
-          <a:fgClr>
-            <a:schemeClr val="bg1">
-              <a:lumMod val="95000"/>
-            </a:schemeClr>
-          </a:fgClr>
-          <a:bgClr>
-            <a:schemeClr val="bg1"/>
-          </a:bgClr>
-        </a:pattFill>
-        <a:effectLst/>
-      </p:bgPr>
-    </p:bg>
-    <p:spTree>
-      <p:nvGrpSpPr>
-        <p:cNvPr id="1" name=""/>
-        <p:cNvGrpSpPr/>
-        <p:nvPr/>
-      </p:nvGrpSpPr>
-      <p:grpSpPr>
-        <a:xfrm>
-          <a:off x="0" y="0"/>
-          <a:ext cx="0" cy="0"/>
-          <a:chOff x="0" y="0"/>
-          <a:chExt cx="0" cy="0"/>
-        </a:xfrm>
-      </p:grpSpPr>
-      <p:sp>
-        <p:nvSpPr>
-          <p:cNvPr id="3" name="爱设计-2"/>
-          <p:cNvSpPr txBox="1"/>
-          <p:nvPr/>
-        </p:nvSpPr>
-        <p:spPr>
-          <a:xfrm>
-            <a:off x="533554" y="546265"/>
-            <a:ext cx="5469903" cy="583565"/>
-          </a:xfrm>
-          <a:prstGeom prst="rect">
-            <a:avLst/>
-          </a:prstGeom>
-          <a:noFill/>
-        </p:spPr>
-        <p:txBody>
-          <a:bodyPr wrap="square">
-            <a:spAutoFit/>
-          </a:bodyPr>
-          <a:lstStyle/>
-          <a:p>
-            <a:pPr marL="0" marR="0" lvl="0" indent="0" algn="l" defTabSz="914400" rtl="0" eaLnBrk="1" fontAlgn="auto" latinLnBrk="0" hangingPunct="1">
-              <a:lnSpc>
-                <a:spcPct val="100000"/>
-              </a:lnSpc>
-              <a:spcBef>
-                <a:spcPts val="0"/>
-              </a:spcBef>
-              <a:spcAft>
-                <a:spcPts val="0"/>
-              </a:spcAft>
-              <a:buClrTx/>
-              <a:buSzTx/>
-              <a:buFontTx/>
-              <a:buNone/>
-              <a:defRPr/>
-            </a:pPr>
-            <a:r>
-              <a:rPr kumimoji="0" lang="zh-CN" altLang="en-US" sz="3200" b="0" i="0" u="none" strike="noStrike" kern="1200" cap="none" spc="0" normalizeH="0" baseline="0" noProof="0" dirty="0">
-                <a:ln/>
-                <a:solidFill>
-                  <a:schemeClr val="tx1"/>
-                </a:solidFill>
-                <a:effectLst>
-                  <a:outerShdw blurRad="38100" dist="19050" dir="2700000" algn="tl" rotWithShape="0">
-                    <a:schemeClr val="dk1">
-                      <a:alpha val="40000"/>
-                    </a:schemeClr>
-                  </a:outerShdw>
-                </a:effectLst>
-                <a:uLnTx/>
-                <a:uFillTx/>
-                <a:latin typeface="OPPOSans H"/>
-                <a:ea typeface="+mj-ea"/>
-                <a:cs typeface="+mn-cs"/>
-              </a:rPr>
-              <a:t>子系统</a:t>
-            </a:r>
-            <a:r>
-              <a:rPr kumimoji="0" lang="zh-CN" altLang="en-US" sz="3200" b="0" i="0" u="none" strike="noStrike" kern="1200" cap="none" spc="0" normalizeH="0" baseline="0" noProof="0" dirty="0">
-                <a:ln>
-                  <a:noFill/>
-                </a:ln>
-                <a:solidFill>
-                  <a:srgbClr val="33C16B"/>
-                </a:solidFill>
-                <a:effectLst/>
-                <a:uLnTx/>
-                <a:uFillTx/>
-                <a:latin typeface="OPPOSans H"/>
-                <a:ea typeface="+mj-ea"/>
-                <a:cs typeface="+mn-cs"/>
-              </a:rPr>
-              <a:t>与接口</a:t>
-            </a:r>
-          </a:p>
-        </p:txBody>
-      </p:sp>
-      <p:cxnSp>
-        <p:nvCxnSpPr>
-          <p:cNvPr id="189" name="爱设计-16"/>
-          <p:cNvCxnSpPr/>
-          <p:nvPr/>
-        </p:nvCxnSpPr>
-        <p:spPr>
-          <a:xfrm>
-            <a:off x="660400" y="6390421"/>
-            <a:ext cx="10814415" cy="0"/>
-          </a:xfrm>
-          <a:prstGeom prst="line">
-            <a:avLst/>
-          </a:prstGeom>
-          <a:ln w="19050">
-            <a:solidFill>
-              <a:schemeClr val="tx1">
-                <a:lumMod val="75000"/>
-                <a:lumOff val="25000"/>
-              </a:schemeClr>
-            </a:solidFill>
-          </a:ln>
-        </p:spPr>
-        <p:style>
-          <a:lnRef idx="1">
-            <a:schemeClr val="accent1"/>
-          </a:lnRef>
-          <a:fillRef idx="0">
-            <a:schemeClr val="accent1"/>
-          </a:fillRef>
-          <a:effectRef idx="0">
-            <a:schemeClr val="accent1"/>
-          </a:effectRef>
-          <a:fontRef idx="minor">
-            <a:schemeClr val="tx1"/>
-          </a:fontRef>
-        </p:style>
-      </p:cxnSp>
-      <p:sp>
-        <p:nvSpPr>
-          <p:cNvPr id="2" name="文本框 1"/>
-          <p:cNvSpPr txBox="1"/>
-          <p:nvPr/>
-        </p:nvSpPr>
-        <p:spPr>
-          <a:xfrm>
-            <a:off x="780415" y="1137920"/>
-            <a:ext cx="8223885" cy="368300"/>
-          </a:xfrm>
-          <a:prstGeom prst="rect">
-            <a:avLst/>
-          </a:prstGeom>
-          <a:noFill/>
-        </p:spPr>
-        <p:txBody>
-          <a:bodyPr wrap="square" rtlCol="0">
-            <a:spAutoFit/>
-          </a:bodyPr>
-          <a:lstStyle/>
-          <a:p>
-            <a:pPr marL="0" marR="0" lvl="0" indent="0" algn="l" defTabSz="914400" rtl="0" eaLnBrk="1" fontAlgn="auto" latinLnBrk="0" hangingPunct="1">
-              <a:lnSpc>
-                <a:spcPct val="100000"/>
-              </a:lnSpc>
-              <a:spcBef>
-                <a:spcPts val="0"/>
-              </a:spcBef>
-              <a:spcAft>
-                <a:spcPts val="0"/>
-              </a:spcAft>
-              <a:buClrTx/>
-              <a:buSzTx/>
-              <a:buFontTx/>
-              <a:buNone/>
-              <a:defRPr/>
-            </a:pPr>
-            <a:r>
-              <a:rPr kumimoji="0" lang="zh-CN" altLang="en-US" sz="1800" b="0" i="0" u="none" strike="noStrike" kern="1200" cap="none" spc="0" normalizeH="0" baseline="0" noProof="0">
-                <a:ln>
-                  <a:noFill/>
-                </a:ln>
-                <a:solidFill>
-                  <a:prstClr val="black"/>
-                </a:solidFill>
-                <a:effectLst/>
-                <a:uLnTx/>
-                <a:uFillTx/>
-                <a:latin typeface="OPPOSans L"/>
-                <a:cs typeface="+mn-cs"/>
-              </a:rPr>
-              <a:t>客户端与服务器之间通过</a:t>
-            </a:r>
-            <a:r>
-              <a:rPr kumimoji="0" lang="en-US" altLang="zh-CN" sz="1800" b="0" i="0" u="none" strike="noStrike" kern="1200" cap="none" spc="0" normalizeH="0" baseline="0" noProof="0">
-                <a:ln>
-                  <a:noFill/>
-                </a:ln>
-                <a:solidFill>
-                  <a:prstClr val="black"/>
-                </a:solidFill>
-                <a:effectLst/>
-                <a:uLnTx/>
-                <a:uFillTx/>
-                <a:latin typeface="OPPOSans L"/>
-                <a:cs typeface="+mn-cs"/>
-              </a:rPr>
-              <a:t>http</a:t>
-            </a:r>
-            <a:r>
-              <a:rPr kumimoji="0" lang="zh-CN" altLang="en-US" sz="1800" b="0" i="0" u="none" strike="noStrike" kern="1200" cap="none" spc="0" normalizeH="0" baseline="0" noProof="0">
-                <a:ln>
-                  <a:noFill/>
-                </a:ln>
-                <a:solidFill>
-                  <a:prstClr val="black"/>
-                </a:solidFill>
-                <a:effectLst/>
-                <a:uLnTx/>
-                <a:uFillTx/>
-                <a:latin typeface="OPPOSans L"/>
-                <a:cs typeface="+mn-cs"/>
-              </a:rPr>
-              <a:t>协议进行通信，以专注子系统为例，接口如下：</a:t>
-            </a:r>
-          </a:p>
-        </p:txBody>
-      </p:sp>
-      <p:pic>
-        <p:nvPicPr>
-          <p:cNvPr id="7" name="图片 6"/>
-          <p:cNvPicPr>
-            <a:picLocks noChangeAspect="1"/>
-          </p:cNvPicPr>
-          <p:nvPr/>
-        </p:nvPicPr>
-        <p:blipFill>
-          <a:blip r:embed="rId3"/>
-          <a:stretch>
-            <a:fillRect/>
-          </a:stretch>
-        </p:blipFill>
-        <p:spPr>
-          <a:xfrm>
-            <a:off x="1932940" y="1647190"/>
-            <a:ext cx="8326755" cy="4602480"/>
-          </a:xfrm>
-          <a:prstGeom prst="rect">
-            <a:avLst/>
-          </a:prstGeom>
-        </p:spPr>
-      </p:pic>
-      <p:pic>
-        <p:nvPicPr>
-          <p:cNvPr id="4" name="图形 3">
-            <a:extLst>
-              <a:ext uri="{FF2B5EF4-FFF2-40B4-BE49-F238E27FC236}">
-                <a16:creationId xmlns:a16="http://schemas.microsoft.com/office/drawing/2014/main" id="{9BE50720-9335-C157-E920-9B60452C5ED7}"/>
-              </a:ext>
-            </a:extLst>
-          </p:cNvPr>
-          <p:cNvPicPr>
-            <a:picLocks noChangeAspect="1"/>
-          </p:cNvPicPr>
-          <p:nvPr/>
-        </p:nvPicPr>
-        <p:blipFill>
-          <a:blip r:embed="rId4" cstate="print">
-            <a:extLst>
-              <a:ext uri="{28A0092B-C50C-407E-A947-70E740481C1C}">
-                <a14:useLocalDpi xmlns:a14="http://schemas.microsoft.com/office/drawing/2010/main" val="0"/>
-              </a:ext>
-              <a:ext uri="{96DAC541-7B7A-43D3-8B79-37D633B846F1}">
-                <asvg:svgBlip xmlns:asvg="http://schemas.microsoft.com/office/drawing/2016/SVG/main" r:embed="rId5"/>
-              </a:ext>
-            </a:extLst>
-          </a:blip>
-          <a:stretch>
-            <a:fillRect/>
-          </a:stretch>
-        </p:blipFill>
-        <p:spPr>
-          <a:xfrm>
-            <a:off x="10723900" y="0"/>
-            <a:ext cx="1468100" cy="1468100"/>
-          </a:xfrm>
-          <a:prstGeom prst="rect">
-            <a:avLst/>
-          </a:prstGeom>
-        </p:spPr>
-      </p:pic>
-    </p:spTree>
-    <p:custDataLst>
-      <p:tags r:id="rId1"/>
+      <p:tags r:id="rId2"/>
     </p:custDataLst>
   </p:cSld>
   <p:clrMapOvr>
@@ -12586,7 +13236,7 @@
         </p:nvSpPr>
         <p:spPr>
           <a:xfrm>
-            <a:off x="524664" y="393230"/>
+            <a:off x="533554" y="546265"/>
             <a:ext cx="5469903" cy="583565"/>
           </a:xfrm>
           <a:prstGeom prst="rect">
@@ -12618,7 +13268,6 @@
             </a:pPr>
             <a:r>
               <a:rPr kumimoji="0" lang="zh-CN" altLang="en-US" sz="3200" b="0" i="0" u="none" strike="noStrike" kern="1200" cap="none" spc="0" normalizeH="0" baseline="0" noProof="0" dirty="0">
-                <a:ln/>
                 <a:solidFill>
                   <a:schemeClr val="tx1"/>
                 </a:solidFill>
@@ -12635,7 +13284,7 @@
                 <a:ea typeface="+mj-ea"/>
                 <a:cs typeface="+mn-cs"/>
               </a:rPr>
-              <a:t>日程管理子系统</a:t>
+              <a:t>子系统</a:t>
             </a:r>
             <a:r>
               <a:rPr kumimoji="0" lang="zh-CN" altLang="en-US" sz="3200" b="0" i="0" u="none" strike="noStrike" kern="1200" cap="none" spc="0" normalizeH="0" baseline="0" noProof="0" dirty="0">
@@ -12652,8 +13301,22 @@
                 <a:ea typeface="+mj-ea"/>
                 <a:cs typeface="+mn-cs"/>
               </a:rPr>
-              <a:t>接口示例</a:t>
-            </a:r>
+              <a:t>与接口</a:t>
+            </a:r>
+            <a:endParaRPr kumimoji="0" lang="zh-CN" altLang="en-US" sz="3200" b="0" i="0" u="none" strike="noStrike" kern="1200" cap="none" spc="0" normalizeH="0" baseline="0" noProof="0" dirty="0">
+              <a:ln>
+                <a:noFill/>
+              </a:ln>
+              <a:solidFill>
+                <a:srgbClr val="33C16B"/>
+              </a:solidFill>
+              <a:effectLst/>
+              <a:uLnTx/>
+              <a:uFillTx/>
+              <a:latin typeface="OPPOSans H"/>
+              <a:ea typeface="+mj-ea"/>
+              <a:cs typeface="+mn-cs"/>
+            </a:endParaRPr>
           </a:p>
         </p:txBody>
       </p:sp>
@@ -12695,24 +13358,126 @@
           </a:fontRef>
         </p:style>
       </p:cxnSp>
+      <p:sp>
+        <p:nvSpPr>
+          <p:cNvPr id="2" name="文本框 1"/>
+          <p:cNvSpPr txBox="1"/>
+          <p:nvPr/>
+        </p:nvSpPr>
+        <p:spPr>
+          <a:xfrm>
+            <a:off x="780415" y="1137920"/>
+            <a:ext cx="8223885" cy="368300"/>
+          </a:xfrm>
+          <a:prstGeom prst="rect">
+            <a:avLst/>
+          </a:prstGeom>
+          <a:noFill/>
+        </p:spPr>
+        <p:txBody>
+          <a:bodyPr wrap="square" rtlCol="0">
+            <a:spAutoFit/>
+          </a:bodyPr>
+          <a:lstStyle/>
+          <a:p>
+            <a:pPr marL="0" marR="0" lvl="0" indent="0" algn="l" defTabSz="914400" rtl="0" eaLnBrk="1" fontAlgn="auto" latinLnBrk="0" hangingPunct="1">
+              <a:lnSpc>
+                <a:spcPct val="100000"/>
+              </a:lnSpc>
+              <a:spcBef>
+                <a:spcPts val="0"/>
+              </a:spcBef>
+              <a:spcAft>
+                <a:spcPts val="0"/>
+              </a:spcAft>
+              <a:buClrTx/>
+              <a:buSzTx/>
+              <a:buFontTx/>
+              <a:buNone/>
+              <a:defRPr/>
+            </a:pPr>
+            <a:r>
+              <a:rPr kumimoji="0" lang="zh-CN" altLang="en-US" sz="1800" b="0" i="0" u="none" strike="noStrike" kern="1200" cap="none" spc="0" normalizeH="0" baseline="0" noProof="0">
+                <a:ln>
+                  <a:noFill/>
+                </a:ln>
+                <a:solidFill>
+                  <a:prstClr val="black"/>
+                </a:solidFill>
+                <a:effectLst/>
+                <a:uLnTx/>
+                <a:uFillTx/>
+                <a:latin typeface="OPPOSans L"/>
+                <a:cs typeface="+mn-cs"/>
+              </a:rPr>
+              <a:t>客户端与服务器之间通过</a:t>
+            </a:r>
+            <a:r>
+              <a:rPr kumimoji="0" lang="en-US" altLang="zh-CN" sz="1800" b="0" i="0" u="none" strike="noStrike" kern="1200" cap="none" spc="0" normalizeH="0" baseline="0" noProof="0">
+                <a:ln>
+                  <a:noFill/>
+                </a:ln>
+                <a:solidFill>
+                  <a:prstClr val="black"/>
+                </a:solidFill>
+                <a:effectLst/>
+                <a:uLnTx/>
+                <a:uFillTx/>
+                <a:latin typeface="OPPOSans L"/>
+                <a:cs typeface="+mn-cs"/>
+              </a:rPr>
+              <a:t>http</a:t>
+            </a:r>
+            <a:r>
+              <a:rPr kumimoji="0" lang="zh-CN" altLang="en-US" sz="1800" b="0" i="0" u="none" strike="noStrike" kern="1200" cap="none" spc="0" normalizeH="0" baseline="0" noProof="0">
+                <a:ln>
+                  <a:noFill/>
+                </a:ln>
+                <a:solidFill>
+                  <a:prstClr val="black"/>
+                </a:solidFill>
+                <a:effectLst/>
+                <a:uLnTx/>
+                <a:uFillTx/>
+                <a:latin typeface="OPPOSans L"/>
+                <a:cs typeface="+mn-cs"/>
+              </a:rPr>
+              <a:t>协议进行通信，以专注子系统为例，接口如下：</a:t>
+            </a:r>
+            <a:endParaRPr kumimoji="0" lang="zh-CN" altLang="en-US" sz="1800" b="0" i="0" u="none" strike="noStrike" kern="1200" cap="none" spc="0" normalizeH="0" baseline="0" noProof="0">
+              <a:ln>
+                <a:noFill/>
+              </a:ln>
+              <a:solidFill>
+                <a:prstClr val="black"/>
+              </a:solidFill>
+              <a:effectLst/>
+              <a:uLnTx/>
+              <a:uFillTx/>
+              <a:latin typeface="OPPOSans L"/>
+              <a:cs typeface="+mn-cs"/>
+            </a:endParaRPr>
+          </a:p>
+        </p:txBody>
+      </p:sp>
       <p:pic>
         <p:nvPicPr>
-          <p:cNvPr id="4" name="图片 3"/>
+          <p:cNvPr id="7" name="图片 6"/>
           <p:cNvPicPr>
             <a:picLocks noChangeAspect="1"/>
           </p:cNvPicPr>
           <p:nvPr/>
         </p:nvPicPr>
         <p:blipFill>
-          <a:blip r:embed="rId3"/>
+          <a:blip r:embed="rId1"/>
           <a:stretch>
             <a:fillRect/>
           </a:stretch>
         </p:blipFill>
         <p:spPr>
           <a:xfrm>
-            <a:off x="1651000" y="1097915"/>
-            <a:ext cx="8890635" cy="5102225"/>
+            <a:off x="1932940" y="1647190"/>
+            <a:ext cx="8326755" cy="4602480"/>
           </a:xfrm>
           <a:prstGeom prst="rect">
             <a:avLst/>
@@ -12721,26 +13486,20 @@
       </p:pic>
       <p:pic>
         <p:nvPicPr>
-          <p:cNvPr id="2" name="图形 1">
-            <a:extLst>
-              <a:ext uri="{FF2B5EF4-FFF2-40B4-BE49-F238E27FC236}">
-                <a16:creationId xmlns:a16="http://schemas.microsoft.com/office/drawing/2014/main" id="{241BB3DF-3911-6781-A3DD-555093100611}"/>
-              </a:ext>
-            </a:extLst>
-          </p:cNvPr>
+          <p:cNvPr id="4" name="图形 3"/>
           <p:cNvPicPr>
             <a:picLocks noChangeAspect="1"/>
           </p:cNvPicPr>
           <p:nvPr/>
         </p:nvPicPr>
         <p:blipFill>
-          <a:blip r:embed="rId4" cstate="print">
+          <a:blip r:embed="rId2" cstate="print">
             <a:extLst>
               <a:ext uri="{28A0092B-C50C-407E-A947-70E740481C1C}">
                 <a14:useLocalDpi xmlns:a14="http://schemas.microsoft.com/office/drawing/2010/main" val="0"/>
               </a:ext>
               <a:ext uri="{96DAC541-7B7A-43D3-8B79-37D633B846F1}">
-                <asvg:svgBlip xmlns:asvg="http://schemas.microsoft.com/office/drawing/2016/SVG/main" r:embed="rId5"/>
+                <asvg:svgBlip xmlns:asvg="http://schemas.microsoft.com/office/drawing/2016/SVG/main" r:embed="rId3"/>
               </a:ext>
             </a:extLst>
           </a:blip>
@@ -12760,7 +13519,7 @@
       </p:pic>
     </p:spTree>
     <p:custDataLst>
-      <p:tags r:id="rId1"/>
+      <p:tags r:id="rId4"/>
     </p:custDataLst>
   </p:cSld>
   <p:clrMapOvr>
@@ -12841,7 +13600,6 @@
             </a:pPr>
             <a:r>
               <a:rPr kumimoji="0" lang="zh-CN" altLang="en-US" sz="3200" b="0" i="0" u="none" strike="noStrike" kern="1200" cap="none" spc="0" normalizeH="0" baseline="0" noProof="0" dirty="0">
-                <a:ln/>
                 <a:solidFill>
                   <a:schemeClr val="tx1"/>
                 </a:solidFill>
@@ -12877,6 +13635,20 @@
               </a:rPr>
               <a:t>接口示例</a:t>
             </a:r>
+            <a:endParaRPr kumimoji="0" lang="zh-CN" altLang="en-US" sz="3200" b="0" i="0" u="none" strike="noStrike" kern="1200" cap="none" spc="0" normalizeH="0" baseline="0" noProof="0" dirty="0">
+              <a:ln>
+                <a:noFill/>
+              </a:ln>
+              <a:solidFill>
+                <a:srgbClr val="33C16B"/>
+              </a:solidFill>
+              <a:effectLst/>
+              <a:uLnTx/>
+              <a:uFillTx/>
+              <a:latin typeface="OPPOSans H"/>
+              <a:ea typeface="+mj-ea"/>
+              <a:cs typeface="+mn-cs"/>
+            </a:endParaRPr>
           </a:p>
         </p:txBody>
       </p:sp>
@@ -12920,22 +13692,22 @@
       </p:cxnSp>
       <p:pic>
         <p:nvPicPr>
-          <p:cNvPr id="5" name="图片 4"/>
+          <p:cNvPr id="4" name="图片 3"/>
           <p:cNvPicPr>
             <a:picLocks noChangeAspect="1"/>
           </p:cNvPicPr>
           <p:nvPr/>
         </p:nvPicPr>
         <p:blipFill>
-          <a:blip r:embed="rId3"/>
+          <a:blip r:embed="rId1"/>
           <a:stretch>
             <a:fillRect/>
           </a:stretch>
         </p:blipFill>
         <p:spPr>
           <a:xfrm>
-            <a:off x="1628775" y="976630"/>
-            <a:ext cx="9110345" cy="5259070"/>
+            <a:off x="1651000" y="1097915"/>
+            <a:ext cx="8890635" cy="5102225"/>
           </a:xfrm>
           <a:prstGeom prst="rect">
             <a:avLst/>
@@ -12944,26 +13716,17 @@
       </p:pic>
       <p:pic>
         <p:nvPicPr>
-          <p:cNvPr id="2" name="图形 1">
-            <a:extLst>
-              <a:ext uri="{FF2B5EF4-FFF2-40B4-BE49-F238E27FC236}">
-                <a16:creationId xmlns:a16="http://schemas.microsoft.com/office/drawing/2014/main" id="{863F1457-31C4-862C-44EF-E0D734E7D644}"/>
-              </a:ext>
-            </a:extLst>
-          </p:cNvPr>
+          <p:cNvPr id="2" name="图形 1"/>
           <p:cNvPicPr>
             <a:picLocks noChangeAspect="1"/>
           </p:cNvPicPr>
           <p:nvPr/>
         </p:nvPicPr>
         <p:blipFill>
-          <a:blip r:embed="rId4" cstate="print">
+          <a:blip r:embed="rId2" cstate="print">
             <a:extLst>
               <a:ext uri="{28A0092B-C50C-407E-A947-70E740481C1C}">
                 <a14:useLocalDpi xmlns:a14="http://schemas.microsoft.com/office/drawing/2010/main" val="0"/>
-              </a:ext>
-              <a:ext uri="{96DAC541-7B7A-43D3-8B79-37D633B846F1}">
-                <asvg:svgBlip xmlns:asvg="http://schemas.microsoft.com/office/drawing/2016/SVG/main" r:embed="rId5"/>
               </a:ext>
             </a:extLst>
           </a:blip>
@@ -12983,7 +13746,7 @@
       </p:pic>
     </p:spTree>
     <p:custDataLst>
-      <p:tags r:id="rId1"/>
+      <p:tags r:id="rId3"/>
     </p:custDataLst>
   </p:cSld>
   <p:clrMapOvr>
@@ -13064,7 +13827,6 @@
             </a:pPr>
             <a:r>
               <a:rPr kumimoji="0" lang="zh-CN" altLang="en-US" sz="3200" b="0" i="0" u="none" strike="noStrike" kern="1200" cap="none" spc="0" normalizeH="0" baseline="0" noProof="0" dirty="0">
-                <a:ln/>
                 <a:solidFill>
                   <a:schemeClr val="tx1"/>
                 </a:solidFill>
@@ -13100,6 +13862,20 @@
               </a:rPr>
               <a:t>接口示例</a:t>
             </a:r>
+            <a:endParaRPr kumimoji="0" lang="zh-CN" altLang="en-US" sz="3200" b="0" i="0" u="none" strike="noStrike" kern="1200" cap="none" spc="0" normalizeH="0" baseline="0" noProof="0" dirty="0">
+              <a:ln>
+                <a:noFill/>
+              </a:ln>
+              <a:solidFill>
+                <a:srgbClr val="33C16B"/>
+              </a:solidFill>
+              <a:effectLst/>
+              <a:uLnTx/>
+              <a:uFillTx/>
+              <a:latin typeface="OPPOSans H"/>
+              <a:ea typeface="+mj-ea"/>
+              <a:cs typeface="+mn-cs"/>
+            </a:endParaRPr>
           </a:p>
         </p:txBody>
       </p:sp>
@@ -13143,22 +13919,22 @@
       </p:cxnSp>
       <p:pic>
         <p:nvPicPr>
-          <p:cNvPr id="2" name="图片 1"/>
+          <p:cNvPr id="5" name="图片 4"/>
           <p:cNvPicPr>
             <a:picLocks noChangeAspect="1"/>
           </p:cNvPicPr>
           <p:nvPr/>
         </p:nvPicPr>
         <p:blipFill>
-          <a:blip r:embed="rId3"/>
+          <a:blip r:embed="rId1"/>
           <a:stretch>
             <a:fillRect/>
           </a:stretch>
         </p:blipFill>
         <p:spPr>
           <a:xfrm>
-            <a:off x="1322705" y="1090930"/>
-            <a:ext cx="9665335" cy="5099685"/>
+            <a:off x="1628775" y="976630"/>
+            <a:ext cx="9110345" cy="5259070"/>
           </a:xfrm>
           <a:prstGeom prst="rect">
             <a:avLst/>
@@ -13167,26 +13943,17 @@
       </p:pic>
       <p:pic>
         <p:nvPicPr>
-          <p:cNvPr id="4" name="图形 3">
-            <a:extLst>
-              <a:ext uri="{FF2B5EF4-FFF2-40B4-BE49-F238E27FC236}">
-                <a16:creationId xmlns:a16="http://schemas.microsoft.com/office/drawing/2014/main" id="{6BA8499B-00BF-6DC4-9220-EA9346A1E77B}"/>
-              </a:ext>
-            </a:extLst>
-          </p:cNvPr>
+          <p:cNvPr id="2" name="图形 1"/>
           <p:cNvPicPr>
             <a:picLocks noChangeAspect="1"/>
           </p:cNvPicPr>
           <p:nvPr/>
         </p:nvPicPr>
         <p:blipFill>
-          <a:blip r:embed="rId4" cstate="print">
+          <a:blip r:embed="rId2" cstate="print">
             <a:extLst>
               <a:ext uri="{28A0092B-C50C-407E-A947-70E740481C1C}">
                 <a14:useLocalDpi xmlns:a14="http://schemas.microsoft.com/office/drawing/2010/main" val="0"/>
-              </a:ext>
-              <a:ext uri="{96DAC541-7B7A-43D3-8B79-37D633B846F1}">
-                <asvg:svgBlip xmlns:asvg="http://schemas.microsoft.com/office/drawing/2016/SVG/main" r:embed="rId5"/>
               </a:ext>
             </a:extLst>
           </a:blip>
@@ -13206,7 +13973,7 @@
       </p:pic>
     </p:spTree>
     <p:custDataLst>
-      <p:tags r:id="rId1"/>
+      <p:tags r:id="rId3"/>
     </p:custDataLst>
   </p:cSld>
   <p:clrMapOvr>
@@ -13216,43 +13983,37 @@
 </file>
 
 <file path=ppt/tags/tag1.xml><?xml version="1.0" encoding="utf-8"?>
-<p:tagLst xmlns:a="http://schemas.openxmlformats.org/drawingml/2006/main" xmlns:r="http://schemas.openxmlformats.org/officeDocument/2006/relationships" xmlns:p="http://schemas.openxmlformats.org/presentationml/2006/main">
-  <p:tag name="ISLIDE.GUIDESSETTING" val="{&quot;Id&quot;:&quot;GuidesStyle_Normal&quot;,&quot;Name&quot;:&quot;GuidesStyle_Normal&quot;,&quot;Kind&quot;:&quot;System&quot;,&quot;OldGuidesSetting&quot;:{&quot;HeaderHeight&quot;:15.0,&quot;FooterHeight&quot;:9.0,&quot;SideMargin&quot;:5.5,&quot;TopMargin&quot;:0.0,&quot;BottomMargin&quot;:0.0,&quot;IntervalMargin&quot;:1.5}}"/>
+<p:tagLst xmlns:p="http://schemas.openxmlformats.org/presentationml/2006/main">
+  <p:tag name="ISLIDE.ICON" val="#893193;#893189;#893182;#893186;"/>
 </p:tagLst>
 </file>
 
 <file path=ppt/tags/tag10.xml><?xml version="1.0" encoding="utf-8"?>
-<p:tagLst xmlns:a="http://schemas.openxmlformats.org/drawingml/2006/main" xmlns:r="http://schemas.openxmlformats.org/officeDocument/2006/relationships" xmlns:p="http://schemas.openxmlformats.org/presentationml/2006/main">
+<p:tagLst xmlns:p="http://schemas.openxmlformats.org/presentationml/2006/main">
   <p:tag name="ISLIDE.ICON" val="#893193;#893189;#893182;#893186;"/>
 </p:tagLst>
 </file>
 
 <file path=ppt/tags/tag11.xml><?xml version="1.0" encoding="utf-8"?>
-<p:tagLst xmlns:a="http://schemas.openxmlformats.org/drawingml/2006/main" xmlns:r="http://schemas.openxmlformats.org/officeDocument/2006/relationships" xmlns:p="http://schemas.openxmlformats.org/presentationml/2006/main">
+<p:tagLst xmlns:p="http://schemas.openxmlformats.org/presentationml/2006/main">
   <p:tag name="ISLIDE.ICON" val="#893193;#893189;#893182;#893186;"/>
 </p:tagLst>
 </file>
 
 <file path=ppt/tags/tag12.xml><?xml version="1.0" encoding="utf-8"?>
-<p:tagLst xmlns:a="http://schemas.openxmlformats.org/drawingml/2006/main" xmlns:r="http://schemas.openxmlformats.org/officeDocument/2006/relationships" xmlns:p="http://schemas.openxmlformats.org/presentationml/2006/main">
+<p:tagLst xmlns:p="http://schemas.openxmlformats.org/presentationml/2006/main">
   <p:tag name="ISLIDE.ICON" val="#893193;#893189;#893182;#893186;"/>
 </p:tagLst>
 </file>
 
 <file path=ppt/tags/tag13.xml><?xml version="1.0" encoding="utf-8"?>
-<p:tagLst xmlns:a="http://schemas.openxmlformats.org/drawingml/2006/main" xmlns:r="http://schemas.openxmlformats.org/officeDocument/2006/relationships" xmlns:p="http://schemas.openxmlformats.org/presentationml/2006/main">
+<p:tagLst xmlns:p="http://schemas.openxmlformats.org/presentationml/2006/main">
   <p:tag name="ISLIDE.ICON" val="#893193;#893189;#893182;#893186;"/>
 </p:tagLst>
 </file>
 
 <file path=ppt/tags/tag14.xml><?xml version="1.0" encoding="utf-8"?>
-<p:tagLst xmlns:a="http://schemas.openxmlformats.org/drawingml/2006/main" xmlns:r="http://schemas.openxmlformats.org/officeDocument/2006/relationships" xmlns:p="http://schemas.openxmlformats.org/presentationml/2006/main">
-  <p:tag name="ISLIDE.ICON" val="#893193;#893189;#893182;#893186;"/>
-</p:tagLst>
-</file>
-
-<file path=ppt/tags/tag15.xml><?xml version="1.0" encoding="utf-8"?>
-<p:tagLst xmlns:a="http://schemas.openxmlformats.org/drawingml/2006/main" xmlns:r="http://schemas.openxmlformats.org/officeDocument/2006/relationships" xmlns:p="http://schemas.openxmlformats.org/presentationml/2006/main">
+<p:tagLst xmlns:p="http://schemas.openxmlformats.org/presentationml/2006/main">
   <p:tag name="Z_ZOOM_35" val="1"/>
   <p:tag name="Z_HASTEXT" val="1"/>
   <p:tag name="Z_LEFT" val="336.8007"/>
@@ -13290,56 +14051,56 @@
 </p:tagLst>
 </file>
 
+<file path=ppt/tags/tag15.xml><?xml version="1.0" encoding="utf-8"?>
+<p:tagLst xmlns:p="http://schemas.openxmlformats.org/presentationml/2006/main">
+  <p:tag name="ISLIDE.ICON" val="#893193;#893189;#893182;#893186;"/>
+</p:tagLst>
+</file>
+
 <file path=ppt/tags/tag16.xml><?xml version="1.0" encoding="utf-8"?>
-<p:tagLst xmlns:a="http://schemas.openxmlformats.org/drawingml/2006/main" xmlns:r="http://schemas.openxmlformats.org/officeDocument/2006/relationships" xmlns:p="http://schemas.openxmlformats.org/presentationml/2006/main">
+<p:tagLst xmlns:p="http://schemas.openxmlformats.org/presentationml/2006/main">
   <p:tag name="ISLIDE.ICON" val="#893193;#893189;#893182;#893186;"/>
 </p:tagLst>
 </file>
 
 <file path=ppt/tags/tag17.xml><?xml version="1.0" encoding="utf-8"?>
-<p:tagLst xmlns:a="http://schemas.openxmlformats.org/drawingml/2006/main" xmlns:r="http://schemas.openxmlformats.org/officeDocument/2006/relationships" xmlns:p="http://schemas.openxmlformats.org/presentationml/2006/main">
+<p:tagLst xmlns:p="http://schemas.openxmlformats.org/presentationml/2006/main">
   <p:tag name="ISLIDE.ICON" val="#893193;#893189;#893182;#893186;"/>
 </p:tagLst>
 </file>
 
 <file path=ppt/tags/tag18.xml><?xml version="1.0" encoding="utf-8"?>
-<p:tagLst xmlns:a="http://schemas.openxmlformats.org/drawingml/2006/main" xmlns:r="http://schemas.openxmlformats.org/officeDocument/2006/relationships" xmlns:p="http://schemas.openxmlformats.org/presentationml/2006/main">
+<p:tagLst xmlns:p="http://schemas.openxmlformats.org/presentationml/2006/main">
   <p:tag name="ISLIDE.ICON" val="#893193;#893189;#893182;#893186;"/>
 </p:tagLst>
 </file>
 
 <file path=ppt/tags/tag19.xml><?xml version="1.0" encoding="utf-8"?>
-<p:tagLst xmlns:a="http://schemas.openxmlformats.org/drawingml/2006/main" xmlns:r="http://schemas.openxmlformats.org/officeDocument/2006/relationships" xmlns:p="http://schemas.openxmlformats.org/presentationml/2006/main">
+<p:tagLst xmlns:p="http://schemas.openxmlformats.org/presentationml/2006/main">
   <p:tag name="ISLIDE.ICON" val="#893193;#893189;#893182;#893186;"/>
 </p:tagLst>
 </file>
 
 <file path=ppt/tags/tag2.xml><?xml version="1.0" encoding="utf-8"?>
-<p:tagLst xmlns:a="http://schemas.openxmlformats.org/drawingml/2006/main" xmlns:r="http://schemas.openxmlformats.org/officeDocument/2006/relationships" xmlns:p="http://schemas.openxmlformats.org/presentationml/2006/main">
+<p:tagLst xmlns:p="http://schemas.openxmlformats.org/presentationml/2006/main">
   <p:tag name="ISLIDE.ICON" val="#893193;#893189;#893182;#893186;"/>
 </p:tagLst>
 </file>
 
 <file path=ppt/tags/tag20.xml><?xml version="1.0" encoding="utf-8"?>
-<p:tagLst xmlns:a="http://schemas.openxmlformats.org/drawingml/2006/main" xmlns:r="http://schemas.openxmlformats.org/officeDocument/2006/relationships" xmlns:p="http://schemas.openxmlformats.org/presentationml/2006/main">
+<p:tagLst xmlns:p="http://schemas.openxmlformats.org/presentationml/2006/main">
   <p:tag name="ISLIDE.ICON" val="#893193;#893189;#893182;#893186;"/>
 </p:tagLst>
 </file>
 
 <file path=ppt/tags/tag21.xml><?xml version="1.0" encoding="utf-8"?>
-<p:tagLst xmlns:a="http://schemas.openxmlformats.org/drawingml/2006/main" xmlns:r="http://schemas.openxmlformats.org/officeDocument/2006/relationships" xmlns:p="http://schemas.openxmlformats.org/presentationml/2006/main">
+<p:tagLst xmlns:p="http://schemas.openxmlformats.org/presentationml/2006/main">
   <p:tag name="ISLIDE.ICON" val="#893193;#893189;#893182;#893186;"/>
 </p:tagLst>
 </file>
 
 <file path=ppt/tags/tag22.xml><?xml version="1.0" encoding="utf-8"?>
-<p:tagLst xmlns:a="http://schemas.openxmlformats.org/drawingml/2006/main" xmlns:r="http://schemas.openxmlformats.org/officeDocument/2006/relationships" xmlns:p="http://schemas.openxmlformats.org/presentationml/2006/main">
-  <p:tag name="ISLIDE.ICON" val="#893193;#893189;#893182;#893186;"/>
-</p:tagLst>
-</file>
-
-<file path=ppt/tags/tag23.xml><?xml version="1.0" encoding="utf-8"?>
-<p:tagLst xmlns:a="http://schemas.openxmlformats.org/drawingml/2006/main" xmlns:r="http://schemas.openxmlformats.org/officeDocument/2006/relationships" xmlns:p="http://schemas.openxmlformats.org/presentationml/2006/main">
+<p:tagLst xmlns:p="http://schemas.openxmlformats.org/presentationml/2006/main">
   <p:tag name="Z_ZOOM_35" val="1"/>
   <p:tag name="Z_HASTEXT" val="1"/>
   <p:tag name="Z_LEFT" val="336.8007"/>
@@ -13377,38 +14138,38 @@
 </p:tagLst>
 </file>
 
+<file path=ppt/tags/tag23.xml><?xml version="1.0" encoding="utf-8"?>
+<p:tagLst xmlns:p="http://schemas.openxmlformats.org/presentationml/2006/main">
+  <p:tag name="ISLIDE.ICON" val="#893193;#893189;#893182;#893186;"/>
+</p:tagLst>
+</file>
+
 <file path=ppt/tags/tag24.xml><?xml version="1.0" encoding="utf-8"?>
-<p:tagLst xmlns:a="http://schemas.openxmlformats.org/drawingml/2006/main" xmlns:r="http://schemas.openxmlformats.org/officeDocument/2006/relationships" xmlns:p="http://schemas.openxmlformats.org/presentationml/2006/main">
+<p:tagLst xmlns:p="http://schemas.openxmlformats.org/presentationml/2006/main">
   <p:tag name="ISLIDE.ICON" val="#893193;#893189;#893182;#893186;"/>
 </p:tagLst>
 </file>
 
 <file path=ppt/tags/tag25.xml><?xml version="1.0" encoding="utf-8"?>
-<p:tagLst xmlns:a="http://schemas.openxmlformats.org/drawingml/2006/main" xmlns:r="http://schemas.openxmlformats.org/officeDocument/2006/relationships" xmlns:p="http://schemas.openxmlformats.org/presentationml/2006/main">
+<p:tagLst xmlns:p="http://schemas.openxmlformats.org/presentationml/2006/main">
   <p:tag name="ISLIDE.ICON" val="#893193;#893189;#893182;#893186;"/>
 </p:tagLst>
 </file>
 
 <file path=ppt/tags/tag26.xml><?xml version="1.0" encoding="utf-8"?>
-<p:tagLst xmlns:a="http://schemas.openxmlformats.org/drawingml/2006/main" xmlns:r="http://schemas.openxmlformats.org/officeDocument/2006/relationships" xmlns:p="http://schemas.openxmlformats.org/presentationml/2006/main">
+<p:tagLst xmlns:p="http://schemas.openxmlformats.org/presentationml/2006/main">
   <p:tag name="ISLIDE.ICON" val="#893193;#893189;#893182;#893186;"/>
 </p:tagLst>
 </file>
 
 <file path=ppt/tags/tag27.xml><?xml version="1.0" encoding="utf-8"?>
-<p:tagLst xmlns:a="http://schemas.openxmlformats.org/drawingml/2006/main" xmlns:r="http://schemas.openxmlformats.org/officeDocument/2006/relationships" xmlns:p="http://schemas.openxmlformats.org/presentationml/2006/main">
+<p:tagLst xmlns:p="http://schemas.openxmlformats.org/presentationml/2006/main">
   <p:tag name="ISLIDE.ICON" val="#893193;#893189;#893182;#893186;"/>
 </p:tagLst>
 </file>
 
 <file path=ppt/tags/tag28.xml><?xml version="1.0" encoding="utf-8"?>
-<p:tagLst xmlns:a="http://schemas.openxmlformats.org/drawingml/2006/main" xmlns:r="http://schemas.openxmlformats.org/officeDocument/2006/relationships" xmlns:p="http://schemas.openxmlformats.org/presentationml/2006/main">
-  <p:tag name="ISLIDE.ICON" val="#893193;#893189;#893182;#893186;"/>
-</p:tagLst>
-</file>
-
-<file path=ppt/tags/tag29.xml><?xml version="1.0" encoding="utf-8"?>
-<p:tagLst xmlns:a="http://schemas.openxmlformats.org/drawingml/2006/main" xmlns:r="http://schemas.openxmlformats.org/officeDocument/2006/relationships" xmlns:p="http://schemas.openxmlformats.org/presentationml/2006/main">
+<p:tagLst xmlns:p="http://schemas.openxmlformats.org/presentationml/2006/main">
   <p:tag name="Z_ZOOM_35" val="1"/>
   <p:tag name="Z_HASTEXT" val="1"/>
   <p:tag name="Z_LEFT" val="336.8007"/>
@@ -13446,64 +14207,14 @@
 </p:tagLst>
 </file>
 
-<file path=ppt/tags/tag3.xml><?xml version="1.0" encoding="utf-8"?>
-<p:tagLst xmlns:a="http://schemas.openxmlformats.org/drawingml/2006/main" xmlns:r="http://schemas.openxmlformats.org/officeDocument/2006/relationships" xmlns:p="http://schemas.openxmlformats.org/presentationml/2006/main">
+<file path=ppt/tags/tag29.xml><?xml version="1.0" encoding="utf-8"?>
+<p:tagLst xmlns:p="http://schemas.openxmlformats.org/presentationml/2006/main">
   <p:tag name="ISLIDE.ICON" val="#893193;#893189;#893182;#893186;"/>
 </p:tagLst>
 </file>
 
-<file path=ppt/tags/tag30.xml><?xml version="1.0" encoding="utf-8"?>
-<p:tagLst xmlns:a="http://schemas.openxmlformats.org/drawingml/2006/main" xmlns:r="http://schemas.openxmlformats.org/officeDocument/2006/relationships" xmlns:p="http://schemas.openxmlformats.org/presentationml/2006/main">
-  <p:tag name="ISLIDE.ICON" val="#893193;#893189;#893182;#893186;"/>
-</p:tagLst>
-</file>
-
-<file path=ppt/tags/tag31.xml><?xml version="1.0" encoding="utf-8"?>
-<p:tagLst xmlns:a="http://schemas.openxmlformats.org/drawingml/2006/main" xmlns:r="http://schemas.openxmlformats.org/officeDocument/2006/relationships" xmlns:p="http://schemas.openxmlformats.org/presentationml/2006/main">
-  <p:tag name="ISLIDE.ICON" val="#893193;#893189;#893182;#893186;"/>
-</p:tagLst>
-</file>
-
-<file path=ppt/tags/tag32.xml><?xml version="1.0" encoding="utf-8"?>
-<p:tagLst xmlns:a="http://schemas.openxmlformats.org/drawingml/2006/main" xmlns:r="http://schemas.openxmlformats.org/officeDocument/2006/relationships" xmlns:p="http://schemas.openxmlformats.org/presentationml/2006/main">
-  <p:tag name="ISLIDE.ICON" val="#893193;#893189;#893182;#893186;"/>
-</p:tagLst>
-</file>
-
-<file path=ppt/tags/tag33.xml><?xml version="1.0" encoding="utf-8"?>
-<p:tagLst xmlns:a="http://schemas.openxmlformats.org/drawingml/2006/main" xmlns:r="http://schemas.openxmlformats.org/officeDocument/2006/relationships" xmlns:p="http://schemas.openxmlformats.org/presentationml/2006/main">
-  <p:tag name="Z_ZOOM_2025" val="1"/>
-  <p:tag name="Z_HASTEXT" val="1"/>
-  <p:tag name="Z_LEFT" val="193.5971"/>
-  <p:tag name="Z_TOP" val="97.39111"/>
-  <p:tag name="Z_WIDTH" val="98.49016"/>
-  <p:tag name="Z_HEIGHT" val="59.38795"/>
-  <p:tag name="Z_LINEWEIGHT" val="0.9"/>
-  <p:tag name="Z_FONTCOLOR" val="System.__ComObject"/>
-  <p:tag name="Z_FONTNAME" val="字由文艺黑"/>
-  <p:tag name="Z_FONTNAMEASCII" val="字由文艺黑"/>
-  <p:tag name="Z_NAMECOMPLEXSCRIPT" val="+mn-cs"/>
-  <p:tag name="Z_NAMEFAREAST" val="字由文艺黑"/>
-  <p:tag name="Z_FONTBOLD" val="msoFalse"/>
-  <p:tag name="Z_FONTSIZE" val="16"/>
-  <p:tag name="Z_FONTUNDERLINE" val="msoFalse"/>
-  <p:tag name="Z_FONTITALIC" val="msoFalse"/>
-  <p:tag name="Z_TEXTALIGNMENT" val="ppAlignCenter"/>
-  <p:tag name="Z_SPACEBEFORE" val="0"/>
-  <p:tag name="Z_SPACEWITHIN" val="1"/>
-  <p:tag name="Z_SPACEAFTER" val="0"/>
-  <p:tag name="Z_LINERULEBEFORE" val="msoTrue"/>
-</p:tagLst>
-</file>
-
-<file path=ppt/tags/tag4.xml><?xml version="1.0" encoding="utf-8"?>
-<p:tagLst xmlns:a="http://schemas.openxmlformats.org/drawingml/2006/main" xmlns:r="http://schemas.openxmlformats.org/officeDocument/2006/relationships" xmlns:p="http://schemas.openxmlformats.org/presentationml/2006/main">
-  <p:tag name="ISLIDE.ICON" val="#893193;#893189;#893182;#893186;"/>
-</p:tagLst>
-</file>
-
-<file path=ppt/tags/tag5.xml><?xml version="1.0" encoding="utf-8"?>
-<p:tagLst xmlns:a="http://schemas.openxmlformats.org/drawingml/2006/main" xmlns:r="http://schemas.openxmlformats.org/officeDocument/2006/relationships" xmlns:p="http://schemas.openxmlformats.org/presentationml/2006/main">
+<file path=ppt/tags/tag3.xml><?xml version="1.0" encoding="utf-8"?>
+<p:tagLst xmlns:p="http://schemas.openxmlformats.org/presentationml/2006/main">
   <p:tag name="Z_ZOOM_35" val="1"/>
   <p:tag name="Z_HASTEXT" val="1"/>
   <p:tag name="Z_LEFT" val="336.8007"/>
@@ -13541,26 +14252,88 @@
 </p:tagLst>
 </file>
 
+<file path=ppt/tags/tag30.xml><?xml version="1.0" encoding="utf-8"?>
+<p:tagLst xmlns:p="http://schemas.openxmlformats.org/presentationml/2006/main">
+  <p:tag name="ISLIDE.ICON" val="#893193;#893189;#893182;#893186;"/>
+</p:tagLst>
+</file>
+
+<file path=ppt/tags/tag31.xml><?xml version="1.0" encoding="utf-8"?>
+<p:tagLst xmlns:p="http://schemas.openxmlformats.org/presentationml/2006/main">
+  <p:tag name="ISLIDE.ICON" val="#893193;#893189;#893182;#893186;"/>
+</p:tagLst>
+</file>
+
+<file path=ppt/tags/tag32.xml><?xml version="1.0" encoding="utf-8"?>
+<p:tagLst xmlns:p="http://schemas.openxmlformats.org/presentationml/2006/main">
+  <p:tag name="Z_ZOOM_2025" val="1"/>
+  <p:tag name="Z_HASTEXT" val="1"/>
+  <p:tag name="Z_LEFT" val="193.5971"/>
+  <p:tag name="Z_TOP" val="97.39111"/>
+  <p:tag name="Z_WIDTH" val="98.49016"/>
+  <p:tag name="Z_HEIGHT" val="59.38795"/>
+  <p:tag name="Z_LINEWEIGHT" val="0.9"/>
+  <p:tag name="Z_FONTCOLOR" val="System.__ComObject"/>
+  <p:tag name="Z_FONTNAME" val="字由文艺黑"/>
+  <p:tag name="Z_FONTNAMEASCII" val="字由文艺黑"/>
+  <p:tag name="Z_NAMECOMPLEXSCRIPT" val="+mn-cs"/>
+  <p:tag name="Z_NAMEFAREAST" val="字由文艺黑"/>
+  <p:tag name="Z_FONTBOLD" val="msoFalse"/>
+  <p:tag name="Z_FONTSIZE" val="16"/>
+  <p:tag name="Z_FONTUNDERLINE" val="msoFalse"/>
+  <p:tag name="Z_FONTITALIC" val="msoFalse"/>
+  <p:tag name="Z_TEXTALIGNMENT" val="ppAlignCenter"/>
+  <p:tag name="Z_SPACEBEFORE" val="0"/>
+  <p:tag name="Z_SPACEWITHIN" val="1"/>
+  <p:tag name="Z_SPACEAFTER" val="0"/>
+  <p:tag name="Z_LINERULEBEFORE" val="msoTrue"/>
+</p:tagLst>
+</file>
+
+<file path=ppt/tags/tag33.xml><?xml version="1.0" encoding="utf-8"?>
+<p:tagLst xmlns:p="http://schemas.openxmlformats.org/presentationml/2006/main">
+  <p:tag name="ISLIDE.ICON" val="#893193;#893189;#893182;#893186;"/>
+</p:tagLst>
+</file>
+
+<file path=ppt/tags/tag34.xml><?xml version="1.0" encoding="utf-8"?>
+<p:tagLst xmlns:p="http://schemas.openxmlformats.org/presentationml/2006/main">
+  <p:tag name="ISLIDE.GUIDESSETTING" val="{&quot;Id&quot;:&quot;GuidesStyle_Normal&quot;,&quot;Name&quot;:&quot;GuidesStyle_Normal&quot;,&quot;Kind&quot;:&quot;System&quot;,&quot;OldGuidesSetting&quot;:{&quot;HeaderHeight&quot;:15.0,&quot;FooterHeight&quot;:9.0,&quot;SideMargin&quot;:5.5,&quot;TopMargin&quot;:0.0,&quot;BottomMargin&quot;:0.0,&quot;IntervalMargin&quot;:1.5}}"/>
+</p:tagLst>
+</file>
+
+<file path=ppt/tags/tag4.xml><?xml version="1.0" encoding="utf-8"?>
+<p:tagLst xmlns:p="http://schemas.openxmlformats.org/presentationml/2006/main">
+  <p:tag name="ISLIDE.ICON" val="#893193;#893189;#893182;#893186;"/>
+</p:tagLst>
+</file>
+
+<file path=ppt/tags/tag5.xml><?xml version="1.0" encoding="utf-8"?>
+<p:tagLst xmlns:p="http://schemas.openxmlformats.org/presentationml/2006/main">
+  <p:tag name="ISLIDE.ICON" val="#893193;#893189;#893182;#893186;"/>
+</p:tagLst>
+</file>
+
 <file path=ppt/tags/tag6.xml><?xml version="1.0" encoding="utf-8"?>
-<p:tagLst xmlns:a="http://schemas.openxmlformats.org/drawingml/2006/main" xmlns:r="http://schemas.openxmlformats.org/officeDocument/2006/relationships" xmlns:p="http://schemas.openxmlformats.org/presentationml/2006/main">
+<p:tagLst xmlns:p="http://schemas.openxmlformats.org/presentationml/2006/main">
   <p:tag name="ISLIDE.ICON" val="#893193;#893189;#893182;#893186;"/>
 </p:tagLst>
 </file>
 
 <file path=ppt/tags/tag7.xml><?xml version="1.0" encoding="utf-8"?>
-<p:tagLst xmlns:a="http://schemas.openxmlformats.org/drawingml/2006/main" xmlns:r="http://schemas.openxmlformats.org/officeDocument/2006/relationships" xmlns:p="http://schemas.openxmlformats.org/presentationml/2006/main">
+<p:tagLst xmlns:p="http://schemas.openxmlformats.org/presentationml/2006/main">
   <p:tag name="ISLIDE.ICON" val="#893193;#893189;#893182;#893186;"/>
 </p:tagLst>
 </file>
 
 <file path=ppt/tags/tag8.xml><?xml version="1.0" encoding="utf-8"?>
-<p:tagLst xmlns:a="http://schemas.openxmlformats.org/drawingml/2006/main" xmlns:r="http://schemas.openxmlformats.org/officeDocument/2006/relationships" xmlns:p="http://schemas.openxmlformats.org/presentationml/2006/main">
+<p:tagLst xmlns:p="http://schemas.openxmlformats.org/presentationml/2006/main">
   <p:tag name="ISLIDE.ICON" val="#893193;#893189;#893182;#893186;"/>
 </p:tagLst>
 </file>
 
 <file path=ppt/tags/tag9.xml><?xml version="1.0" encoding="utf-8"?>
-<p:tagLst xmlns:a="http://schemas.openxmlformats.org/drawingml/2006/main" xmlns:r="http://schemas.openxmlformats.org/officeDocument/2006/relationships" xmlns:p="http://schemas.openxmlformats.org/presentationml/2006/main">
+<p:tagLst xmlns:p="http://schemas.openxmlformats.org/presentationml/2006/main">
   <p:tag name="ISLIDE.ICON" val="#893193;#893189;#893182;#893186;"/>
 </p:tagLst>
 </file>
@@ -13756,8 +14529,6 @@
       </a:bgFillStyleLst>
     </a:fmtScheme>
   </a:themeElements>
-  <a:objectDefaults/>
-  <a:extraClrSchemeLst/>
   <a:extLst>
     <a:ext uri="{05A4C25C-085E-4340-85A3-A5531E510DB2}">
       <thm15:themeFamily xmlns:thm15="http://schemas.microsoft.com/office/thememl/2012/main" name="Office Theme" id="{62F939B6-93AF-4DB8-9C6B-D6C7DFDC589F}" vid="{4A3C46E8-61CC-4603-A589-7422A47A8E4A}"/>
@@ -14017,8 +14788,6 @@
       </a:bgFillStyleLst>
     </a:fmtScheme>
   </a:themeElements>
-  <a:objectDefaults/>
-  <a:extraClrSchemeLst/>
   <a:extLst>
     <a:ext uri="{05A4C25C-085E-4340-85A3-A5531E510DB2}">
       <thm15:themeFamily xmlns:thm15="http://schemas.microsoft.com/office/thememl/2012/main" name="Office Theme" id="{62F939B6-93AF-4DB8-9C6B-D6C7DFDC589F}" vid="{4A3C46E8-61CC-4603-A589-7422A47A8E4A}"/>

--- a/assignment3/期末展示.pptx
+++ b/assignment3/期末展示.pptx
@@ -5,42 +5,42 @@
     <p:sldMasterId id="2147483648" r:id="rId1"/>
   </p:sldMasterIdLst>
   <p:notesMasterIdLst>
-    <p:notesMasterId r:id="rId5"/>
+    <p:notesMasterId r:id="rId30"/>
   </p:notesMasterIdLst>
   <p:sldIdLst>
-    <p:sldId id="277" r:id="rId3"/>
-    <p:sldId id="280" r:id="rId4"/>
-    <p:sldId id="281" r:id="rId6"/>
-    <p:sldId id="353" r:id="rId7"/>
-    <p:sldId id="297" r:id="rId8"/>
-    <p:sldId id="318" r:id="rId9"/>
-    <p:sldId id="319" r:id="rId10"/>
-    <p:sldId id="320" r:id="rId11"/>
-    <p:sldId id="321" r:id="rId12"/>
-    <p:sldId id="322" r:id="rId13"/>
-    <p:sldId id="323" r:id="rId14"/>
-    <p:sldId id="324" r:id="rId15"/>
-    <p:sldId id="285" r:id="rId16"/>
-    <p:sldId id="298" r:id="rId17"/>
-    <p:sldId id="308" r:id="rId18"/>
-    <p:sldId id="309" r:id="rId19"/>
-    <p:sldId id="310" r:id="rId20"/>
-    <p:sldId id="313" r:id="rId21"/>
-    <p:sldId id="325" r:id="rId22"/>
-    <p:sldId id="344" r:id="rId23"/>
-    <p:sldId id="345" r:id="rId24"/>
-    <p:sldId id="346" r:id="rId25"/>
-    <p:sldId id="347" r:id="rId26"/>
-    <p:sldId id="348" r:id="rId27"/>
-    <p:sldId id="311" r:id="rId28"/>
-    <p:sldId id="349" r:id="rId29"/>
-    <p:sldId id="326" r:id="rId30"/>
-    <p:sldId id="279" r:id="rId31"/>
+    <p:sldId id="277" r:id="rId2"/>
+    <p:sldId id="280" r:id="rId3"/>
+    <p:sldId id="281" r:id="rId4"/>
+    <p:sldId id="353" r:id="rId5"/>
+    <p:sldId id="297" r:id="rId6"/>
+    <p:sldId id="318" r:id="rId7"/>
+    <p:sldId id="319" r:id="rId8"/>
+    <p:sldId id="320" r:id="rId9"/>
+    <p:sldId id="321" r:id="rId10"/>
+    <p:sldId id="322" r:id="rId11"/>
+    <p:sldId id="323" r:id="rId12"/>
+    <p:sldId id="324" r:id="rId13"/>
+    <p:sldId id="285" r:id="rId14"/>
+    <p:sldId id="298" r:id="rId15"/>
+    <p:sldId id="308" r:id="rId16"/>
+    <p:sldId id="309" r:id="rId17"/>
+    <p:sldId id="310" r:id="rId18"/>
+    <p:sldId id="313" r:id="rId19"/>
+    <p:sldId id="325" r:id="rId20"/>
+    <p:sldId id="344" r:id="rId21"/>
+    <p:sldId id="345" r:id="rId22"/>
+    <p:sldId id="346" r:id="rId23"/>
+    <p:sldId id="347" r:id="rId24"/>
+    <p:sldId id="348" r:id="rId25"/>
+    <p:sldId id="311" r:id="rId26"/>
+    <p:sldId id="349" r:id="rId27"/>
+    <p:sldId id="326" r:id="rId28"/>
+    <p:sldId id="279" r:id="rId29"/>
   </p:sldIdLst>
   <p:sldSz cx="12192000" cy="6858000"/>
   <p:notesSz cx="6858000" cy="9144000"/>
   <p:custDataLst>
-    <p:tags r:id="rId35"/>
+    <p:tags r:id="rId31"/>
   </p:custDataLst>
   <p:defaultTextStyle>
     <a:defPPr>
@@ -137,6 +137,22 @@
       </a:defRPr>
     </a:lvl9pPr>
   </p:defaultTextStyle>
+  <p:extLst>
+    <p:ext uri="{EFAFB233-063F-42B5-8137-9DF3F51BA10A}">
+      <p15:sldGuideLst xmlns:p15="http://schemas.microsoft.com/office/powerpoint/2012/main">
+        <p15:guide id="1" pos="555">
+          <p15:clr>
+            <a:srgbClr val="A4A3A4"/>
+          </p15:clr>
+        </p15:guide>
+        <p15:guide id="2" orient="horz" pos="2159">
+          <p15:clr>
+            <a:srgbClr val="A4A3A4"/>
+          </p15:clr>
+        </p15:guide>
+      </p15:sldGuideLst>
+    </p:ext>
+  </p:extLst>
 </p:presentation>
 </file>
 
@@ -222,6 +238,7 @@
           <a:p>
             <a:fld id="{112FEECB-D083-4523-B10F-023CE357BB11}" type="datetimeFigureOut">
               <a:rPr lang="zh-CN" altLang="en-US" smtClean="0"/>
+              <a:t>2023/6/15</a:t>
             </a:fld>
             <a:endParaRPr lang="zh-CN" altLang="en-US"/>
           </a:p>
@@ -288,7 +305,6 @@
               <a:rPr lang="zh-CN" altLang="en-US"/>
               <a:t>单击此处编辑母版文本样式</a:t>
             </a:r>
-            <a:endParaRPr lang="zh-CN" altLang="en-US"/>
           </a:p>
           <a:p>
             <a:pPr lvl="1"/>
@@ -296,7 +312,6 @@
               <a:rPr lang="zh-CN" altLang="en-US"/>
               <a:t>二级</a:t>
             </a:r>
-            <a:endParaRPr lang="zh-CN" altLang="en-US"/>
           </a:p>
           <a:p>
             <a:pPr lvl="2"/>
@@ -304,7 +319,6 @@
               <a:rPr lang="zh-CN" altLang="en-US"/>
               <a:t>三级</a:t>
             </a:r>
-            <a:endParaRPr lang="zh-CN" altLang="en-US"/>
           </a:p>
           <a:p>
             <a:pPr lvl="3"/>
@@ -312,7 +326,6 @@
               <a:rPr lang="zh-CN" altLang="en-US"/>
               <a:t>四级</a:t>
             </a:r>
-            <a:endParaRPr lang="zh-CN" altLang="en-US"/>
           </a:p>
           <a:p>
             <a:pPr lvl="4"/>
@@ -320,7 +333,6 @@
               <a:rPr lang="zh-CN" altLang="en-US"/>
               <a:t>五级</a:t>
             </a:r>
-            <a:endParaRPr lang="zh-CN" altLang="en-US"/>
           </a:p>
         </p:txBody>
       </p:sp>
@@ -384,6 +396,7 @@
           <a:p>
             <a:fld id="{1097FAFE-CDAF-403B-A73D-03F099EBF44E}" type="slidenum">
               <a:rPr lang="zh-CN" altLang="en-US" smtClean="0"/>
+              <a:t>‹#›</a:t>
             </a:fld>
             <a:endParaRPr lang="zh-CN" altLang="en-US"/>
           </a:p>
@@ -585,6 +598,7 @@
                 <a:ea typeface="等线" panose="02010600030101010101" charset="-122"/>
                 <a:cs typeface="+mn-cs"/>
               </a:rPr>
+              <a:t>2</a:t>
             </a:fld>
             <a:endParaRPr kumimoji="0" lang="zh-CN" altLang="en-US" sz="1200" b="0" i="0" u="none" strike="noStrike" kern="1200" cap="none" spc="0" normalizeH="0" baseline="0" noProof="0">
               <a:ln>
@@ -705,6 +719,7 @@
                 <a:ea typeface="等线" panose="02010600030101010101" charset="-122"/>
                 <a:cs typeface="+mn-cs"/>
               </a:rPr>
+              <a:t>26</a:t>
             </a:fld>
             <a:endParaRPr kumimoji="0" lang="zh-CN" altLang="en-US" sz="1200" b="0" i="0" u="none" strike="noStrike" kern="1200" cap="none" spc="0" normalizeH="0" baseline="0" noProof="0">
               <a:ln>
@@ -796,6 +811,7 @@
           <a:p>
             <a:fld id="{1097FAFE-CDAF-403B-A73D-03F099EBF44E}" type="slidenum">
               <a:rPr lang="zh-CN" altLang="en-US" smtClean="0"/>
+              <a:t>27</a:t>
             </a:fld>
             <a:endParaRPr lang="zh-CN" altLang="en-US"/>
           </a:p>
@@ -810,7 +826,7 @@
 </file>
 
 <file path=ppt/slideLayouts/slideLayout1.xml><?xml version="1.0" encoding="utf-8"?>
-<p:sldLayout xmlns:a="http://schemas.openxmlformats.org/drawingml/2006/main" xmlns:r="http://schemas.openxmlformats.org/officeDocument/2006/relationships" xmlns:p="http://schemas.openxmlformats.org/presentationml/2006/main" preserve="1" userDrawn="1" matchingName="爱设计-1">
+<p:sldLayout xmlns:a="http://schemas.openxmlformats.org/drawingml/2006/main" xmlns:r="http://schemas.openxmlformats.org/officeDocument/2006/relationships" xmlns:p="http://schemas.openxmlformats.org/presentationml/2006/main" matchingName="爱设计-1" preserve="1" userDrawn="1">
   <p:cSld name="自定义版式">
     <p:spTree>
       <p:nvGrpSpPr>
@@ -1322,25 +1338,6 @@
               </a:rPr>
               <a:t>期末展示</a:t>
             </a:r>
-            <a:endParaRPr kumimoji="0" lang="zh-CN" altLang="en-US" sz="6600" b="0" i="0" u="none" strike="noStrike" kern="1200" cap="none" spc="0" normalizeH="0" baseline="0" noProof="0" dirty="0">
-              <a:ln>
-                <a:solidFill>
-                  <a:prstClr val="black">
-                    <a:lumMod val="75000"/>
-                    <a:lumOff val="25000"/>
-                  </a:prstClr>
-                </a:solidFill>
-              </a:ln>
-              <a:solidFill>
-                <a:prstClr val="black"/>
-              </a:solidFill>
-              <a:effectLst/>
-              <a:uLnTx/>
-              <a:uFillTx/>
-              <a:latin typeface="字由文艺黑" panose="00020600040101010101" pitchFamily="18" charset="-122"/>
-              <a:ea typeface="字由文艺黑" panose="00020600040101010101" pitchFamily="18" charset="-122"/>
-              <a:cs typeface="+mn-cs"/>
-            </a:endParaRPr>
           </a:p>
         </p:txBody>
       </p:sp>
@@ -1498,13 +1495,13 @@
           <p:nvPr/>
         </p:nvPicPr>
         <p:blipFill>
-          <a:blip r:embed="rId1" cstate="print">
+          <a:blip r:embed="rId3" cstate="print">
             <a:extLst>
               <a:ext uri="{28A0092B-C50C-407E-A947-70E740481C1C}">
                 <a14:useLocalDpi xmlns:a14="http://schemas.microsoft.com/office/drawing/2010/main" val="0"/>
               </a:ext>
               <a:ext uri="{96DAC541-7B7A-43D3-8B79-37D633B846F1}">
-                <asvg:svgBlip xmlns:asvg="http://schemas.microsoft.com/office/drawing/2016/SVG/main" r:embed="rId2"/>
+                <asvg:svgBlip xmlns:asvg="http://schemas.microsoft.com/office/drawing/2016/SVG/main" r:embed="rId4"/>
               </a:ext>
             </a:extLst>
           </a:blip>
@@ -1736,7 +1733,7 @@
       </p:sp>
     </p:spTree>
     <p:custDataLst>
-      <p:tags r:id="rId3"/>
+      <p:tags r:id="rId1"/>
     </p:custDataLst>
   </p:cSld>
   <p:clrMapOvr>
@@ -1852,20 +1849,6 @@
               </a:rPr>
               <a:t>接口示例</a:t>
             </a:r>
-            <a:endParaRPr kumimoji="0" lang="zh-CN" altLang="en-US" sz="3200" b="0" i="0" u="none" strike="noStrike" kern="1200" cap="none" spc="0" normalizeH="0" baseline="0" noProof="0" dirty="0">
-              <a:ln>
-                <a:noFill/>
-              </a:ln>
-              <a:solidFill>
-                <a:srgbClr val="33C16B"/>
-              </a:solidFill>
-              <a:effectLst/>
-              <a:uLnTx/>
-              <a:uFillTx/>
-              <a:latin typeface="OPPOSans H"/>
-              <a:ea typeface="+mj-ea"/>
-              <a:cs typeface="+mn-cs"/>
-            </a:endParaRPr>
           </a:p>
         </p:txBody>
       </p:sp>
@@ -1916,7 +1899,7 @@
           <p:nvPr/>
         </p:nvPicPr>
         <p:blipFill>
-          <a:blip r:embed="rId1"/>
+          <a:blip r:embed="rId3"/>
           <a:stretch>
             <a:fillRect/>
           </a:stretch>
@@ -1940,7 +1923,7 @@
           <p:nvPr/>
         </p:nvPicPr>
         <p:blipFill>
-          <a:blip r:embed="rId2" cstate="print">
+          <a:blip r:embed="rId4" cstate="print">
             <a:extLst>
               <a:ext uri="{28A0092B-C50C-407E-A947-70E740481C1C}">
                 <a14:useLocalDpi xmlns:a14="http://schemas.microsoft.com/office/drawing/2010/main" val="0"/>
@@ -1963,7 +1946,7 @@
       </p:pic>
     </p:spTree>
     <p:custDataLst>
-      <p:tags r:id="rId3"/>
+      <p:tags r:id="rId1"/>
     </p:custDataLst>
   </p:cSld>
   <p:clrMapOvr>
@@ -2079,20 +2062,6 @@
               </a:rPr>
               <a:t>接口示例</a:t>
             </a:r>
-            <a:endParaRPr kumimoji="0" lang="zh-CN" altLang="en-US" sz="3200" b="0" i="0" u="none" strike="noStrike" kern="1200" cap="none" spc="0" normalizeH="0" baseline="0" noProof="0" dirty="0">
-              <a:ln>
-                <a:noFill/>
-              </a:ln>
-              <a:solidFill>
-                <a:srgbClr val="33C16B"/>
-              </a:solidFill>
-              <a:effectLst/>
-              <a:uLnTx/>
-              <a:uFillTx/>
-              <a:latin typeface="OPPOSans H"/>
-              <a:ea typeface="+mj-ea"/>
-              <a:cs typeface="+mn-cs"/>
-            </a:endParaRPr>
           </a:p>
         </p:txBody>
       </p:sp>
@@ -2143,7 +2112,7 @@
           <p:nvPr/>
         </p:nvPicPr>
         <p:blipFill>
-          <a:blip r:embed="rId1"/>
+          <a:blip r:embed="rId3"/>
           <a:stretch>
             <a:fillRect/>
           </a:stretch>
@@ -2167,7 +2136,7 @@
           <p:nvPr/>
         </p:nvPicPr>
         <p:blipFill>
-          <a:blip r:embed="rId2" cstate="print">
+          <a:blip r:embed="rId4" cstate="print">
             <a:extLst>
               <a:ext uri="{28A0092B-C50C-407E-A947-70E740481C1C}">
                 <a14:useLocalDpi xmlns:a14="http://schemas.microsoft.com/office/drawing/2010/main" val="0"/>
@@ -2190,7 +2159,7 @@
       </p:pic>
     </p:spTree>
     <p:custDataLst>
-      <p:tags r:id="rId3"/>
+      <p:tags r:id="rId1"/>
     </p:custDataLst>
   </p:cSld>
   <p:clrMapOvr>
@@ -2306,20 +2275,6 @@
               </a:rPr>
               <a:t>接口示例</a:t>
             </a:r>
-            <a:endParaRPr kumimoji="0" lang="zh-CN" altLang="en-US" sz="3200" b="0" i="0" u="none" strike="noStrike" kern="1200" cap="none" spc="0" normalizeH="0" baseline="0" noProof="0" dirty="0">
-              <a:ln>
-                <a:noFill/>
-              </a:ln>
-              <a:solidFill>
-                <a:srgbClr val="33C16B"/>
-              </a:solidFill>
-              <a:effectLst/>
-              <a:uLnTx/>
-              <a:uFillTx/>
-              <a:latin typeface="OPPOSans H"/>
-              <a:ea typeface="+mj-ea"/>
-              <a:cs typeface="+mn-cs"/>
-            </a:endParaRPr>
           </a:p>
         </p:txBody>
       </p:sp>
@@ -2415,19 +2370,6 @@
               </a:rPr>
               <a:t>查询当前用户日程列表操作流程</a:t>
             </a:r>
-            <a:endParaRPr kumimoji="0" lang="zh-CN" altLang="en-US" sz="1800" b="1" i="0" u="none" strike="noStrike" kern="1200" cap="none" spc="0" normalizeH="0" baseline="0" noProof="0">
-              <a:ln>
-                <a:noFill/>
-              </a:ln>
-              <a:solidFill>
-                <a:prstClr val="black"/>
-              </a:solidFill>
-              <a:effectLst/>
-              <a:uLnTx/>
-              <a:uFillTx/>
-              <a:latin typeface="OPPOSans L"/>
-              <a:cs typeface="+mn-cs"/>
-            </a:endParaRPr>
           </a:p>
           <a:p>
             <a:pPr marL="0" marR="0" lvl="0" indent="0" algn="l" defTabSz="914400" rtl="0" eaLnBrk="1" fontAlgn="auto" latinLnBrk="0" hangingPunct="1">
@@ -2493,19 +2435,6 @@
               </a:rPr>
               <a:t>1. 用户登陆后获取到userID</a:t>
             </a:r>
-            <a:endParaRPr kumimoji="0" lang="zh-CN" altLang="en-US" sz="1800" b="0" i="0" u="none" strike="noStrike" kern="1200" cap="none" spc="0" normalizeH="0" baseline="0" noProof="0">
-              <a:ln>
-                <a:noFill/>
-              </a:ln>
-              <a:solidFill>
-                <a:prstClr val="black"/>
-              </a:solidFill>
-              <a:effectLst/>
-              <a:uLnTx/>
-              <a:uFillTx/>
-              <a:latin typeface="OPPOSans L"/>
-              <a:cs typeface="+mn-cs"/>
-            </a:endParaRPr>
           </a:p>
           <a:p>
             <a:pPr marL="0" marR="0" lvl="0" indent="0" algn="l" defTabSz="914400" rtl="0" eaLnBrk="1" fontAlgn="auto" latinLnBrk="0" hangingPunct="1">
@@ -2571,19 +2500,6 @@
               </a:rPr>
               <a:t>2. 调用`ScheduleUtil.getScheduleList(userID: String):List&lt;Schedule&gt;`接口</a:t>
             </a:r>
-            <a:endParaRPr kumimoji="0" lang="zh-CN" altLang="en-US" sz="1800" b="0" i="0" u="none" strike="noStrike" kern="1200" cap="none" spc="0" normalizeH="0" baseline="0" noProof="0">
-              <a:ln>
-                <a:noFill/>
-              </a:ln>
-              <a:solidFill>
-                <a:prstClr val="black"/>
-              </a:solidFill>
-              <a:effectLst/>
-              <a:uLnTx/>
-              <a:uFillTx/>
-              <a:latin typeface="OPPOSans L"/>
-              <a:cs typeface="+mn-cs"/>
-            </a:endParaRPr>
           </a:p>
           <a:p>
             <a:pPr marL="0" marR="0" lvl="0" indent="0" algn="l" defTabSz="914400" rtl="0" eaLnBrk="1" fontAlgn="auto" latinLnBrk="0" hangingPunct="1">
@@ -2649,19 +2565,6 @@
               </a:rPr>
               <a:t>3. 得到调用结果，返回给前端绘制日程列表</a:t>
             </a:r>
-            <a:endParaRPr kumimoji="0" lang="zh-CN" altLang="en-US" sz="1800" b="0" i="0" u="none" strike="noStrike" kern="1200" cap="none" spc="0" normalizeH="0" baseline="0" noProof="0">
-              <a:ln>
-                <a:noFill/>
-              </a:ln>
-              <a:solidFill>
-                <a:prstClr val="black"/>
-              </a:solidFill>
-              <a:effectLst/>
-              <a:uLnTx/>
-              <a:uFillTx/>
-              <a:latin typeface="OPPOSans L"/>
-              <a:cs typeface="+mn-cs"/>
-            </a:endParaRPr>
           </a:p>
         </p:txBody>
       </p:sp>
@@ -2674,7 +2577,7 @@
           <p:nvPr/>
         </p:nvPicPr>
         <p:blipFill>
-          <a:blip r:embed="rId1"/>
+          <a:blip r:embed="rId3"/>
           <a:stretch>
             <a:fillRect/>
           </a:stretch>
@@ -2698,7 +2601,7 @@
           <p:nvPr/>
         </p:nvPicPr>
         <p:blipFill>
-          <a:blip r:embed="rId2" cstate="print">
+          <a:blip r:embed="rId4" cstate="print">
             <a:extLst>
               <a:ext uri="{28A0092B-C50C-407E-A947-70E740481C1C}">
                 <a14:useLocalDpi xmlns:a14="http://schemas.microsoft.com/office/drawing/2010/main" val="0"/>
@@ -2721,7 +2624,7 @@
       </p:pic>
     </p:spTree>
     <p:custDataLst>
-      <p:tags r:id="rId3"/>
+      <p:tags r:id="rId1"/>
     </p:custDataLst>
   </p:cSld>
   <p:clrMapOvr>
@@ -2853,18 +2756,6 @@
               </a:rPr>
               <a:t>设计机制</a:t>
             </a:r>
-            <a:endParaRPr lang="zh-CN" altLang="en-US" sz="10560" dirty="0">
-              <a:ln w="10477">
-                <a:solidFill>
-                  <a:schemeClr val="tx1">
-                    <a:lumMod val="75000"/>
-                    <a:lumOff val="25000"/>
-                  </a:schemeClr>
-                </a:solidFill>
-              </a:ln>
-              <a:latin typeface="字由文艺黑" panose="00020600040101010101" pitchFamily="18" charset="-122"/>
-              <a:ea typeface="字由文艺黑" panose="00020600040101010101" pitchFamily="18" charset="-122"/>
-            </a:endParaRPr>
           </a:p>
         </p:txBody>
       </p:sp>
@@ -2877,7 +2768,7 @@
           <p:nvPr/>
         </p:nvPicPr>
         <p:blipFill>
-          <a:blip r:embed="rId1" cstate="print">
+          <a:blip r:embed="rId4" cstate="print">
             <a:extLst>
               <a:ext uri="{28A0092B-C50C-407E-A947-70E740481C1C}">
                 <a14:useLocalDpi xmlns:a14="http://schemas.microsoft.com/office/drawing/2010/main" val="0"/>
@@ -3144,7 +3035,7 @@
           <p:nvPr/>
         </p:nvPicPr>
         <p:blipFill>
-          <a:blip r:embed="rId3"/>
+          <a:blip r:embed="rId5"/>
           <a:stretch>
             <a:fillRect/>
           </a:stretch>
@@ -3161,7 +3052,7 @@
       </p:pic>
     </p:spTree>
     <p:custDataLst>
-      <p:tags r:id="rId4"/>
+      <p:tags r:id="rId1"/>
     </p:custDataLst>
   </p:cSld>
   <p:clrMapOvr>
@@ -3231,10 +3122,6 @@
               </a:rPr>
               <a:t>数据持久机制</a:t>
             </a:r>
-            <a:endParaRPr lang="zh-CN" altLang="en-US" sz="3200" dirty="0">
-              <a:latin typeface="+mj-ea"/>
-              <a:ea typeface="+mj-ea"/>
-            </a:endParaRPr>
           </a:p>
         </p:txBody>
       </p:sp>
@@ -3295,22 +3182,6 @@
               </a:rPr>
               <a:t>Data Persistence</a:t>
             </a:r>
-            <a:endParaRPr kumimoji="0" lang="en-US" altLang="zh-CN" b="0" i="0" u="none" strike="noStrike" kern="1200" cap="none" spc="0" normalizeH="0" baseline="0" noProof="0" dirty="0">
-              <a:ln>
-                <a:noFill/>
-              </a:ln>
-              <a:solidFill>
-                <a:schemeClr val="tx1">
-                  <a:lumMod val="75000"/>
-                  <a:lumOff val="25000"/>
-                </a:schemeClr>
-              </a:solidFill>
-              <a:effectLst/>
-              <a:uLnTx/>
-              <a:uFillTx/>
-              <a:latin typeface="+mn-ea"/>
-              <a:cs typeface="OPPOSans M" panose="00020600040101010101" pitchFamily="18" charset="-122"/>
-            </a:endParaRPr>
           </a:p>
         </p:txBody>
       </p:sp>
@@ -3418,17 +3289,6 @@
               </a:rPr>
               <a:t>分析</a:t>
             </a:r>
-            <a:endParaRPr kumimoji="0" lang="zh-CN" altLang="en-US" sz="2400" i="0" u="none" strike="noStrike" kern="1200" cap="none" spc="0" normalizeH="0" baseline="0" noProof="0" dirty="0">
-              <a:ln>
-                <a:noFill/>
-              </a:ln>
-              <a:uLnTx/>
-              <a:uFillTx/>
-              <a:latin typeface="OPPOSans H" panose="00020600040101010101" pitchFamily="18" charset="-122"/>
-              <a:ea typeface="OPPOSans H" panose="00020600040101010101" pitchFamily="18" charset="-122"/>
-              <a:cs typeface="OPPOSans H" panose="00020600040101010101" pitchFamily="18" charset="-122"/>
-              <a:sym typeface="Arial" panose="020B0604020202020204" pitchFamily="34" charset="0"/>
-            </a:endParaRPr>
           </a:p>
         </p:txBody>
       </p:sp>
@@ -3493,11 +3353,6 @@
               </a:rPr>
               <a:t>数据量指数级上升</a:t>
             </a:r>
-            <a:endParaRPr lang="zh-CN" altLang="en-US" dirty="0">
-              <a:latin typeface="+mn-ea"/>
-              <a:cs typeface="OPPOSans R" panose="00020600040101010101" pitchFamily="18" charset="-122"/>
-              <a:sym typeface="Arial" panose="020B0604020202020204" pitchFamily="34" charset="0"/>
-            </a:endParaRPr>
           </a:p>
         </p:txBody>
       </p:sp>
@@ -3548,7 +3403,7 @@
           <p:nvPr/>
         </p:nvPicPr>
         <p:blipFill>
-          <a:blip r:embed="rId1" cstate="print">
+          <a:blip r:embed="rId3" cstate="print">
             <a:extLst>
               <a:ext uri="{28A0092B-C50C-407E-A947-70E740481C1C}">
                 <a14:useLocalDpi xmlns:a14="http://schemas.microsoft.com/office/drawing/2010/main" val="0"/>
@@ -3578,7 +3433,7 @@
           <p:nvPr/>
         </p:nvPicPr>
         <p:blipFill>
-          <a:blip r:embed="rId2">
+          <a:blip r:embed="rId4">
             <a:extLst>
               <a:ext uri="{28A0092B-C50C-407E-A947-70E740481C1C}">
                 <a14:useLocalDpi xmlns:a14="http://schemas.microsoft.com/office/drawing/2010/main" val="0"/>
@@ -3733,7 +3588,7 @@
       </p:sp>
     </p:spTree>
     <p:custDataLst>
-      <p:tags r:id="rId3"/>
+      <p:tags r:id="rId1"/>
     </p:custDataLst>
   </p:cSld>
   <p:clrMapOvr>
@@ -3829,20 +3684,6 @@
               </a:rPr>
               <a:t>数据持久机制</a:t>
             </a:r>
-            <a:endParaRPr kumimoji="0" lang="zh-CN" altLang="en-US" sz="3200" b="0" i="0" u="none" strike="noStrike" kern="1200" cap="none" spc="0" normalizeH="0" baseline="0" noProof="0" dirty="0">
-              <a:ln>
-                <a:noFill/>
-              </a:ln>
-              <a:solidFill>
-                <a:prstClr val="black"/>
-              </a:solidFill>
-              <a:effectLst/>
-              <a:uLnTx/>
-              <a:uFillTx/>
-              <a:latin typeface="+mj-ea"/>
-              <a:ea typeface="OPPOSans H"/>
-              <a:cs typeface="+mn-cs"/>
-            </a:endParaRPr>
           </a:p>
         </p:txBody>
       </p:sp>
@@ -3903,22 +3744,6 @@
               </a:rPr>
               <a:t>Data Persistence</a:t>
             </a:r>
-            <a:endParaRPr kumimoji="0" lang="en-US" altLang="zh-CN" sz="1800" b="0" i="0" u="none" strike="noStrike" kern="1200" cap="none" spc="0" normalizeH="0" baseline="0" noProof="0" dirty="0">
-              <a:ln>
-                <a:noFill/>
-              </a:ln>
-              <a:solidFill>
-                <a:prstClr val="black">
-                  <a:lumMod val="75000"/>
-                  <a:lumOff val="25000"/>
-                </a:prstClr>
-              </a:solidFill>
-              <a:effectLst/>
-              <a:uLnTx/>
-              <a:uFillTx/>
-              <a:latin typeface="OPPOSans L"/>
-              <a:cs typeface="OPPOSans M" panose="00020600040101010101" pitchFamily="18" charset="-122"/>
-            </a:endParaRPr>
           </a:p>
         </p:txBody>
       </p:sp>
@@ -4143,20 +3968,6 @@
               </a:rPr>
               <a:t>允许应用程序将数据从内存中持久化到物理存储介质中，以便在需要时进行读取和修改。</a:t>
             </a:r>
-            <a:endParaRPr kumimoji="0" lang="zh-CN" altLang="en-US" sz="1800" b="0" i="0" u="none" strike="noStrike" kern="1200" cap="none" spc="0" normalizeH="0" baseline="0" noProof="0" dirty="0">
-              <a:ln>
-                <a:noFill/>
-              </a:ln>
-              <a:solidFill>
-                <a:prstClr val="black"/>
-              </a:solidFill>
-              <a:effectLst/>
-              <a:uLnTx/>
-              <a:uFillTx/>
-              <a:latin typeface="OPPOSans L"/>
-              <a:cs typeface="OPPOSans R" panose="00020600040101010101" pitchFamily="18" charset="-122"/>
-              <a:sym typeface="Arial" panose="020B0604020202020204" pitchFamily="34" charset="0"/>
-            </a:endParaRPr>
           </a:p>
         </p:txBody>
       </p:sp>
@@ -4207,7 +4018,7 @@
           <p:nvPr/>
         </p:nvPicPr>
         <p:blipFill>
-          <a:blip r:embed="rId1" cstate="print">
+          <a:blip r:embed="rId3" cstate="print">
             <a:extLst>
               <a:ext uri="{28A0092B-C50C-407E-A947-70E740481C1C}">
                 <a14:useLocalDpi xmlns:a14="http://schemas.microsoft.com/office/drawing/2010/main" val="0"/>
@@ -4476,7 +4287,7 @@
           <p:nvPr/>
         </p:nvPicPr>
         <p:blipFill>
-          <a:blip r:embed="rId2"/>
+          <a:blip r:embed="rId4"/>
           <a:stretch>
             <a:fillRect/>
           </a:stretch>
@@ -4493,7 +4304,7 @@
       </p:pic>
     </p:spTree>
     <p:custDataLst>
-      <p:tags r:id="rId3"/>
+      <p:tags r:id="rId1"/>
     </p:custDataLst>
   </p:cSld>
   <p:clrMapOvr>
@@ -4589,20 +4400,6 @@
               </a:rPr>
               <a:t>数据持久机制</a:t>
             </a:r>
-            <a:endParaRPr kumimoji="0" lang="zh-CN" altLang="en-US" sz="3200" b="0" i="0" u="none" strike="noStrike" kern="1200" cap="none" spc="0" normalizeH="0" baseline="0" noProof="0" dirty="0">
-              <a:ln>
-                <a:noFill/>
-              </a:ln>
-              <a:solidFill>
-                <a:prstClr val="black"/>
-              </a:solidFill>
-              <a:effectLst/>
-              <a:uLnTx/>
-              <a:uFillTx/>
-              <a:latin typeface="+mj-ea"/>
-              <a:ea typeface="OPPOSans H"/>
-              <a:cs typeface="+mn-cs"/>
-            </a:endParaRPr>
           </a:p>
         </p:txBody>
       </p:sp>
@@ -4663,22 +4460,6 @@
               </a:rPr>
               <a:t>Data Persistence</a:t>
             </a:r>
-            <a:endParaRPr kumimoji="0" lang="en-US" altLang="zh-CN" sz="1800" b="0" i="0" u="none" strike="noStrike" kern="1200" cap="none" spc="0" normalizeH="0" baseline="0" noProof="0" dirty="0">
-              <a:ln>
-                <a:noFill/>
-              </a:ln>
-              <a:solidFill>
-                <a:prstClr val="black">
-                  <a:lumMod val="75000"/>
-                  <a:lumOff val="25000"/>
-                </a:prstClr>
-              </a:solidFill>
-              <a:effectLst/>
-              <a:uLnTx/>
-              <a:uFillTx/>
-              <a:latin typeface="OPPOSans L"/>
-              <a:cs typeface="OPPOSans M" panose="00020600040101010101" pitchFamily="18" charset="-122"/>
-            </a:endParaRPr>
           </a:p>
         </p:txBody>
       </p:sp>
@@ -4729,7 +4510,7 @@
           <p:nvPr/>
         </p:nvPicPr>
         <p:blipFill>
-          <a:blip r:embed="rId1"/>
+          <a:blip r:embed="rId3"/>
           <a:stretch>
             <a:fillRect/>
           </a:stretch>
@@ -5257,7 +5038,7 @@
           <p:nvPr/>
         </p:nvPicPr>
         <p:blipFill>
-          <a:blip r:embed="rId2" cstate="print">
+          <a:blip r:embed="rId4" cstate="print">
             <a:extLst>
               <a:ext uri="{28A0092B-C50C-407E-A947-70E740481C1C}">
                 <a14:useLocalDpi xmlns:a14="http://schemas.microsoft.com/office/drawing/2010/main" val="0"/>
@@ -5280,7 +5061,7 @@
       </p:pic>
     </p:spTree>
     <p:custDataLst>
-      <p:tags r:id="rId3"/>
+      <p:tags r:id="rId1"/>
     </p:custDataLst>
   </p:cSld>
   <p:clrMapOvr>
@@ -5376,20 +5157,6 @@
               </a:rPr>
               <a:t>好友私聊机制</a:t>
             </a:r>
-            <a:endParaRPr kumimoji="0" lang="zh-CN" altLang="en-US" sz="3200" b="0" i="0" u="none" strike="noStrike" kern="1200" cap="none" spc="0" normalizeH="0" baseline="0" noProof="0" dirty="0">
-              <a:ln>
-                <a:noFill/>
-              </a:ln>
-              <a:solidFill>
-                <a:prstClr val="black"/>
-              </a:solidFill>
-              <a:effectLst/>
-              <a:uLnTx/>
-              <a:uFillTx/>
-              <a:latin typeface="+mj-ea"/>
-              <a:ea typeface="OPPOSans H"/>
-              <a:cs typeface="+mn-cs"/>
-            </a:endParaRPr>
           </a:p>
         </p:txBody>
       </p:sp>
@@ -5450,22 +5217,6 @@
               </a:rPr>
               <a:t>Real time communication</a:t>
             </a:r>
-            <a:endParaRPr kumimoji="0" lang="en-US" altLang="zh-CN" sz="1800" b="0" i="0" u="none" strike="noStrike" kern="1200" cap="none" spc="0" normalizeH="0" baseline="0" noProof="0" dirty="0">
-              <a:ln>
-                <a:noFill/>
-              </a:ln>
-              <a:solidFill>
-                <a:prstClr val="black">
-                  <a:lumMod val="75000"/>
-                  <a:lumOff val="25000"/>
-                </a:prstClr>
-              </a:solidFill>
-              <a:effectLst/>
-              <a:uLnTx/>
-              <a:uFillTx/>
-              <a:latin typeface="OPPOSans L"/>
-              <a:cs typeface="OPPOSans M" panose="00020600040101010101" pitchFamily="18" charset="-122"/>
-            </a:endParaRPr>
           </a:p>
         </p:txBody>
       </p:sp>
@@ -5839,7 +5590,7 @@
           <p:nvPr/>
         </p:nvPicPr>
         <p:blipFill>
-          <a:blip r:embed="rId1" cstate="print">
+          <a:blip r:embed="rId3" cstate="print">
             <a:extLst>
               <a:ext uri="{28A0092B-C50C-407E-A947-70E740481C1C}">
                 <a14:useLocalDpi xmlns:a14="http://schemas.microsoft.com/office/drawing/2010/main" val="0"/>
@@ -5869,7 +5620,7 @@
           <p:nvPr/>
         </p:nvPicPr>
         <p:blipFill>
-          <a:blip r:embed="rId2"/>
+          <a:blip r:embed="rId4"/>
           <a:stretch>
             <a:fillRect/>
           </a:stretch>
@@ -5917,13 +5668,12 @@
               <a:rPr lang="zh-CN" altLang="en-US" dirty="0"/>
               <a:t>无谓请求，浪费带宽，效率低下</a:t>
             </a:r>
-            <a:endParaRPr lang="zh-CN" altLang="en-US" dirty="0"/>
           </a:p>
         </p:txBody>
       </p:sp>
     </p:spTree>
     <p:custDataLst>
-      <p:tags r:id="rId3"/>
+      <p:tags r:id="rId1"/>
     </p:custDataLst>
   </p:cSld>
   <p:clrMapOvr>
@@ -5973,7 +5723,7 @@
           <p:nvPr/>
         </p:nvPicPr>
         <p:blipFill>
-          <a:blip r:embed="rId1"/>
+          <a:blip r:embed="rId3"/>
           <a:stretch>
             <a:fillRect/>
           </a:stretch>
@@ -6198,7 +5948,7 @@
           <p:nvPr/>
         </p:nvPicPr>
         <p:blipFill>
-          <a:blip r:embed="rId2" cstate="print">
+          <a:blip r:embed="rId4" cstate="print">
             <a:extLst>
               <a:ext uri="{28A0092B-C50C-407E-A947-70E740481C1C}">
                 <a14:useLocalDpi xmlns:a14="http://schemas.microsoft.com/office/drawing/2010/main" val="0"/>
@@ -6315,7 +6065,6 @@
               <a:rPr lang="zh-CN" altLang="en-US" dirty="0"/>
               <a:t>建立连接、进行双向通信、保持连接和关闭连接</a:t>
             </a:r>
-            <a:endParaRPr lang="zh-CN" altLang="en-US" dirty="0"/>
           </a:p>
         </p:txBody>
       </p:sp>
@@ -6374,20 +6123,6 @@
               </a:rPr>
               <a:t>好友私聊机制</a:t>
             </a:r>
-            <a:endParaRPr kumimoji="0" lang="zh-CN" altLang="en-US" sz="3200" b="0" i="0" u="none" strike="noStrike" kern="1200" cap="none" spc="0" normalizeH="0" baseline="0" noProof="0" dirty="0">
-              <a:ln>
-                <a:noFill/>
-              </a:ln>
-              <a:solidFill>
-                <a:prstClr val="black"/>
-              </a:solidFill>
-              <a:effectLst/>
-              <a:uLnTx/>
-              <a:uFillTx/>
-              <a:latin typeface="+mj-ea"/>
-              <a:ea typeface="OPPOSans H"/>
-              <a:cs typeface="+mn-cs"/>
-            </a:endParaRPr>
           </a:p>
         </p:txBody>
       </p:sp>
@@ -6448,28 +6183,12 @@
               </a:rPr>
               <a:t>Real time communication</a:t>
             </a:r>
-            <a:endParaRPr kumimoji="0" lang="en-US" altLang="zh-CN" sz="1800" b="0" i="0" u="none" strike="noStrike" kern="1200" cap="none" spc="0" normalizeH="0" baseline="0" noProof="0" dirty="0">
-              <a:ln>
-                <a:noFill/>
-              </a:ln>
-              <a:solidFill>
-                <a:prstClr val="black">
-                  <a:lumMod val="75000"/>
-                  <a:lumOff val="25000"/>
-                </a:prstClr>
-              </a:solidFill>
-              <a:effectLst/>
-              <a:uLnTx/>
-              <a:uFillTx/>
-              <a:latin typeface="OPPOSans L"/>
-              <a:cs typeface="OPPOSans M" panose="00020600040101010101" pitchFamily="18" charset="-122"/>
-            </a:endParaRPr>
           </a:p>
         </p:txBody>
       </p:sp>
     </p:spTree>
     <p:custDataLst>
-      <p:tags r:id="rId3"/>
+      <p:tags r:id="rId1"/>
     </p:custDataLst>
   </p:cSld>
   <p:clrMapOvr>
@@ -6635,7 +6354,7 @@
           <p:nvPr/>
         </p:nvPicPr>
         <p:blipFill>
-          <a:blip r:embed="rId1" cstate="print">
+          <a:blip r:embed="rId3" cstate="print">
             <a:extLst>
               <a:ext uri="{28A0092B-C50C-407E-A947-70E740481C1C}">
                 <a14:useLocalDpi xmlns:a14="http://schemas.microsoft.com/office/drawing/2010/main" val="0"/>
@@ -6752,13 +6471,6 @@
               </a:rPr>
               <a:t>主要消息类型</a:t>
             </a:r>
-            <a:endParaRPr lang="zh-CN" altLang="en-US" sz="2400" b="0" i="0" dirty="0">
-              <a:solidFill>
-                <a:srgbClr val="333333"/>
-              </a:solidFill>
-              <a:effectLst/>
-              <a:latin typeface="-apple-system"/>
-            </a:endParaRPr>
           </a:p>
           <a:p>
             <a:pPr algn="l">
@@ -6813,6 +6525,19 @@
               </a:rPr>
               <a:t>（分片消息代表此消息是一个某个消息中的一部分，想想大文件分片）</a:t>
             </a:r>
+          </a:p>
+          <a:p>
+            <a:pPr algn="l">
+              <a:buFont typeface="+mj-lt"/>
+              <a:buAutoNum type="arabicPeriod"/>
+            </a:pPr>
+            <a:r>
+              <a:rPr lang="zh-CN" altLang="en-US" sz="2000" b="1" i="0" dirty="0">
+                <a:effectLst/>
+                <a:latin typeface="-apple-system"/>
+              </a:rPr>
+              <a:t>连接关闭消息</a:t>
+            </a:r>
             <a:endParaRPr lang="zh-CN" altLang="en-US" sz="2000" b="0" i="0" dirty="0">
               <a:effectLst/>
               <a:latin typeface="-apple-system"/>
@@ -6824,11 +6549,18 @@
               <a:buAutoNum type="arabicPeriod"/>
             </a:pPr>
             <a:r>
+              <a:rPr lang="en-US" altLang="zh-CN" sz="2000" b="1" i="0" dirty="0">
+                <a:effectLst/>
+                <a:latin typeface="-apple-system"/>
+              </a:rPr>
+              <a:t>PING </a:t>
+            </a:r>
+            <a:r>
               <a:rPr lang="zh-CN" altLang="en-US" sz="2000" b="1" i="0" dirty="0">
                 <a:effectLst/>
                 <a:latin typeface="-apple-system"/>
               </a:rPr>
-              <a:t>连接关闭消息</a:t>
+              <a:t>消息</a:t>
             </a:r>
             <a:endParaRPr lang="zh-CN" altLang="en-US" sz="2000" b="0" i="0" dirty="0">
               <a:effectLst/>
@@ -6845,7 +6577,7 @@
                 <a:effectLst/>
                 <a:latin typeface="-apple-system"/>
               </a:rPr>
-              <a:t>PING </a:t>
+              <a:t>PONG </a:t>
             </a:r>
             <a:r>
               <a:rPr lang="zh-CN" altLang="en-US" sz="2000" b="1" i="0" dirty="0">
@@ -6854,30 +6586,6 @@
               </a:rPr>
               <a:t>消息</a:t>
             </a:r>
-            <a:endParaRPr lang="zh-CN" altLang="en-US" sz="2000" b="0" i="0" dirty="0">
-              <a:effectLst/>
-              <a:latin typeface="-apple-system"/>
-            </a:endParaRPr>
-          </a:p>
-          <a:p>
-            <a:pPr algn="l">
-              <a:buFont typeface="+mj-lt"/>
-              <a:buAutoNum type="arabicPeriod"/>
-            </a:pPr>
-            <a:r>
-              <a:rPr lang="en-US" altLang="zh-CN" sz="2000" b="1" i="0" dirty="0">
-                <a:effectLst/>
-                <a:latin typeface="-apple-system"/>
-              </a:rPr>
-              <a:t>PONG </a:t>
-            </a:r>
-            <a:r>
-              <a:rPr lang="zh-CN" altLang="en-US" sz="2000" b="1" i="0" dirty="0">
-                <a:effectLst/>
-                <a:latin typeface="-apple-system"/>
-              </a:rPr>
-              <a:t>消息</a:t>
-            </a:r>
             <a:r>
               <a:rPr lang="zh-CN" altLang="en-US" sz="2000" b="0" i="0" dirty="0">
                 <a:effectLst/>
@@ -6913,10 +6621,6 @@
               </a:rPr>
               <a:t>）</a:t>
             </a:r>
-            <a:endParaRPr lang="zh-CN" altLang="en-US" sz="2000" b="0" i="0" dirty="0">
-              <a:effectLst/>
-              <a:latin typeface="-apple-system"/>
-            </a:endParaRPr>
           </a:p>
         </p:txBody>
       </p:sp>
@@ -6975,20 +6679,6 @@
               </a:rPr>
               <a:t>好友私聊机制</a:t>
             </a:r>
-            <a:endParaRPr kumimoji="0" lang="zh-CN" altLang="en-US" sz="3200" b="0" i="0" u="none" strike="noStrike" kern="1200" cap="none" spc="0" normalizeH="0" baseline="0" noProof="0" dirty="0">
-              <a:ln>
-                <a:noFill/>
-              </a:ln>
-              <a:solidFill>
-                <a:prstClr val="black"/>
-              </a:solidFill>
-              <a:effectLst/>
-              <a:uLnTx/>
-              <a:uFillTx/>
-              <a:latin typeface="+mj-ea"/>
-              <a:ea typeface="OPPOSans H"/>
-              <a:cs typeface="+mn-cs"/>
-            </a:endParaRPr>
           </a:p>
         </p:txBody>
       </p:sp>
@@ -7049,22 +6739,6 @@
               </a:rPr>
               <a:t>Real time communication</a:t>
             </a:r>
-            <a:endParaRPr kumimoji="0" lang="en-US" altLang="zh-CN" sz="1800" b="0" i="0" u="none" strike="noStrike" kern="1200" cap="none" spc="0" normalizeH="0" baseline="0" noProof="0" dirty="0">
-              <a:ln>
-                <a:noFill/>
-              </a:ln>
-              <a:solidFill>
-                <a:prstClr val="black">
-                  <a:lumMod val="75000"/>
-                  <a:lumOff val="25000"/>
-                </a:prstClr>
-              </a:solidFill>
-              <a:effectLst/>
-              <a:uLnTx/>
-              <a:uFillTx/>
-              <a:latin typeface="OPPOSans L"/>
-              <a:cs typeface="OPPOSans M" panose="00020600040101010101" pitchFamily="18" charset="-122"/>
-            </a:endParaRPr>
           </a:p>
         </p:txBody>
       </p:sp>
@@ -7124,10 +6798,6 @@
               </a:rPr>
               <a:t>ebSocket</a:t>
             </a:r>
-            <a:endParaRPr lang="en-US" altLang="zh-CN" sz="2000" i="0" dirty="0">
-              <a:effectLst/>
-              <a:latin typeface="+mj-lt"/>
-            </a:endParaRPr>
           </a:p>
           <a:p>
             <a:endParaRPr kumimoji="0" lang="en-US" altLang="zh-CN" sz="1800" b="0" i="0" u="none" strike="noStrike" cap="none" normalizeH="0" baseline="0" dirty="0">
@@ -7360,7 +7030,7 @@
       </p:sp>
     </p:spTree>
     <p:custDataLst>
-      <p:tags r:id="rId2"/>
+      <p:tags r:id="rId1"/>
     </p:custDataLst>
   </p:cSld>
   <p:clrMapOvr>
@@ -7459,20 +7129,6 @@
               </a:rPr>
               <a:t>目录</a:t>
             </a:r>
-            <a:endParaRPr kumimoji="0" lang="zh-CN" altLang="en-US" sz="7200" b="0" i="0" u="none" strike="noStrike" kern="1200" cap="none" spc="0" normalizeH="0" baseline="0" noProof="0" dirty="0">
-              <a:ln>
-                <a:noFill/>
-              </a:ln>
-              <a:solidFill>
-                <a:prstClr val="black"/>
-              </a:solidFill>
-              <a:effectLst/>
-              <a:uLnTx/>
-              <a:uFillTx/>
-              <a:latin typeface="字由文艺黑" panose="00020600040101010101" pitchFamily="18" charset="-122"/>
-              <a:ea typeface="字由文艺黑" panose="00020600040101010101" pitchFamily="18" charset="-122"/>
-              <a:cs typeface="+mn-cs"/>
-            </a:endParaRPr>
           </a:p>
         </p:txBody>
       </p:sp>
@@ -8454,13 +8110,13 @@
           <p:nvPr/>
         </p:nvPicPr>
         <p:blipFill>
-          <a:blip r:embed="rId1" cstate="print">
+          <a:blip r:embed="rId4" cstate="print">
             <a:extLst>
               <a:ext uri="{28A0092B-C50C-407E-A947-70E740481C1C}">
                 <a14:useLocalDpi xmlns:a14="http://schemas.microsoft.com/office/drawing/2010/main" val="0"/>
               </a:ext>
               <a:ext uri="{96DAC541-7B7A-43D3-8B79-37D633B846F1}">
-                <asvg:svgBlip xmlns:asvg="http://schemas.microsoft.com/office/drawing/2016/SVG/main" r:embed="rId2"/>
+                <asvg:svgBlip xmlns:asvg="http://schemas.microsoft.com/office/drawing/2016/SVG/main" r:embed="rId5"/>
               </a:ext>
             </a:extLst>
           </a:blip>
@@ -8518,7 +8174,7 @@
       </p:cxnSp>
     </p:spTree>
     <p:custDataLst>
-      <p:tags r:id="rId3"/>
+      <p:tags r:id="rId1"/>
     </p:custDataLst>
   </p:cSld>
   <p:clrMapOvr>
@@ -8606,7 +8262,7 @@
           <p:nvPr/>
         </p:nvPicPr>
         <p:blipFill>
-          <a:blip r:embed="rId1" cstate="print">
+          <a:blip r:embed="rId4" cstate="print">
             <a:extLst>
               <a:ext uri="{28A0092B-C50C-407E-A947-70E740481C1C}">
                 <a14:useLocalDpi xmlns:a14="http://schemas.microsoft.com/office/drawing/2010/main" val="0"/>
@@ -8741,22 +8397,6 @@
               </a:rPr>
               <a:t>用例实现</a:t>
             </a:r>
-            <a:endParaRPr kumimoji="0" lang="zh-CN" altLang="en-US" sz="10560" b="0" i="0" u="none" strike="noStrike" kern="1200" cap="none" spc="0" normalizeH="0" baseline="0" noProof="0" dirty="0">
-              <a:ln w="10477">
-                <a:solidFill>
-                  <a:prstClr val="black">
-                    <a:lumMod val="75000"/>
-                    <a:lumOff val="25000"/>
-                  </a:prstClr>
-                </a:solidFill>
-              </a:ln>
-              <a:effectLst/>
-              <a:uLnTx/>
-              <a:uFillTx/>
-              <a:latin typeface="字由文艺黑" panose="00020600040101010101" pitchFamily="18" charset="-122"/>
-              <a:ea typeface="字由文艺黑" panose="00020600040101010101" pitchFamily="18" charset="-122"/>
-              <a:cs typeface="+mn-cs"/>
-            </a:endParaRPr>
           </a:p>
         </p:txBody>
       </p:sp>
@@ -9007,7 +8647,7 @@
       </p:sp>
     </p:spTree>
     <p:custDataLst>
-      <p:tags r:id="rId3"/>
+      <p:tags r:id="rId1"/>
     </p:custDataLst>
   </p:cSld>
   <p:clrMapOvr>
@@ -9095,7 +8735,7 @@
           <p:nvPr/>
         </p:nvPicPr>
         <p:blipFill>
-          <a:blip r:embed="rId1" cstate="print">
+          <a:blip r:embed="rId3" cstate="print">
             <a:extLst>
               <a:ext uri="{28A0092B-C50C-407E-A947-70E740481C1C}">
                 <a14:useLocalDpi xmlns:a14="http://schemas.microsoft.com/office/drawing/2010/main" val="0"/>
@@ -9172,20 +8812,6 @@
               </a:rPr>
               <a:t>系统图</a:t>
             </a:r>
-            <a:endParaRPr lang="zh-CN" altLang="en-US" sz="3200" dirty="0">
-              <a:solidFill>
-                <a:schemeClr val="accent1"/>
-              </a:solidFill>
-              <a:effectLst>
-                <a:outerShdw blurRad="38100" dist="25400" dir="5400000" algn="ctr" rotWithShape="0">
-                  <a:srgbClr val="6E747A">
-                    <a:alpha val="43000"/>
-                  </a:srgbClr>
-                </a:outerShdw>
-              </a:effectLst>
-              <a:latin typeface="+mj-ea"/>
-              <a:ea typeface="+mj-ea"/>
-            </a:endParaRPr>
           </a:p>
         </p:txBody>
       </p:sp>
@@ -9198,7 +8824,7 @@
           <p:nvPr/>
         </p:nvPicPr>
         <p:blipFill>
-          <a:blip r:embed="rId2">
+          <a:blip r:embed="rId4">
             <a:extLst>
               <a:ext uri="{28A0092B-C50C-407E-A947-70E740481C1C}">
                 <a14:useLocalDpi xmlns:a14="http://schemas.microsoft.com/office/drawing/2010/main" val="0"/>
@@ -9221,7 +8847,7 @@
       </p:pic>
     </p:spTree>
     <p:custDataLst>
-      <p:tags r:id="rId3"/>
+      <p:tags r:id="rId1"/>
     </p:custDataLst>
   </p:cSld>
   <p:clrMapOvr>
@@ -9309,7 +8935,7 @@
           <p:nvPr/>
         </p:nvPicPr>
         <p:blipFill>
-          <a:blip r:embed="rId1" cstate="print">
+          <a:blip r:embed="rId3" cstate="print">
             <a:extLst>
               <a:ext uri="{28A0092B-C50C-407E-A947-70E740481C1C}">
                 <a14:useLocalDpi xmlns:a14="http://schemas.microsoft.com/office/drawing/2010/main" val="0"/>
@@ -9386,20 +9012,6 @@
               </a:rPr>
               <a:t>序列图</a:t>
             </a:r>
-            <a:endParaRPr lang="zh-CN" altLang="en-US" sz="3200" dirty="0">
-              <a:solidFill>
-                <a:schemeClr val="accent1"/>
-              </a:solidFill>
-              <a:effectLst>
-                <a:outerShdw blurRad="38100" dist="25400" dir="5400000" algn="ctr" rotWithShape="0">
-                  <a:srgbClr val="6E747A">
-                    <a:alpha val="43000"/>
-                  </a:srgbClr>
-                </a:outerShdw>
-              </a:effectLst>
-              <a:latin typeface="+mj-ea"/>
-              <a:ea typeface="+mj-ea"/>
-            </a:endParaRPr>
           </a:p>
         </p:txBody>
       </p:sp>
@@ -9412,7 +9024,7 @@
           <p:nvPr/>
         </p:nvPicPr>
         <p:blipFill>
-          <a:blip r:embed="rId2">
+          <a:blip r:embed="rId4">
             <a:extLst>
               <a:ext uri="{28A0092B-C50C-407E-A947-70E740481C1C}">
                 <a14:useLocalDpi xmlns:a14="http://schemas.microsoft.com/office/drawing/2010/main" val="0"/>
@@ -9435,7 +9047,7 @@
       </p:pic>
     </p:spTree>
     <p:custDataLst>
-      <p:tags r:id="rId3"/>
+      <p:tags r:id="rId1"/>
     </p:custDataLst>
   </p:cSld>
   <p:clrMapOvr>
@@ -9523,7 +9135,7 @@
           <p:nvPr/>
         </p:nvPicPr>
         <p:blipFill>
-          <a:blip r:embed="rId1" cstate="print">
+          <a:blip r:embed="rId3" cstate="print">
             <a:extLst>
               <a:ext uri="{28A0092B-C50C-407E-A947-70E740481C1C}">
                 <a14:useLocalDpi xmlns:a14="http://schemas.microsoft.com/office/drawing/2010/main" val="0"/>
@@ -9600,20 +9212,6 @@
               </a:rPr>
               <a:t>系统图</a:t>
             </a:r>
-            <a:endParaRPr lang="zh-CN" altLang="en-US" sz="3200" dirty="0">
-              <a:solidFill>
-                <a:schemeClr val="accent1"/>
-              </a:solidFill>
-              <a:effectLst>
-                <a:outerShdw blurRad="38100" dist="25400" dir="5400000" algn="ctr" rotWithShape="0">
-                  <a:srgbClr val="6E747A">
-                    <a:alpha val="43000"/>
-                  </a:srgbClr>
-                </a:outerShdw>
-              </a:effectLst>
-              <a:latin typeface="+mj-ea"/>
-              <a:ea typeface="+mj-ea"/>
-            </a:endParaRPr>
           </a:p>
         </p:txBody>
       </p:sp>
@@ -9626,7 +9224,7 @@
           <p:nvPr/>
         </p:nvPicPr>
         <p:blipFill>
-          <a:blip r:embed="rId2">
+          <a:blip r:embed="rId4">
             <a:extLst>
               <a:ext uri="{28A0092B-C50C-407E-A947-70E740481C1C}">
                 <a14:useLocalDpi xmlns:a14="http://schemas.microsoft.com/office/drawing/2010/main" val="0"/>
@@ -9649,7 +9247,7 @@
       </p:pic>
     </p:spTree>
     <p:custDataLst>
-      <p:tags r:id="rId3"/>
+      <p:tags r:id="rId1"/>
     </p:custDataLst>
   </p:cSld>
   <p:clrMapOvr>
@@ -9737,7 +9335,7 @@
           <p:nvPr/>
         </p:nvPicPr>
         <p:blipFill>
-          <a:blip r:embed="rId1" cstate="print">
+          <a:blip r:embed="rId3" cstate="print">
             <a:extLst>
               <a:ext uri="{28A0092B-C50C-407E-A947-70E740481C1C}">
                 <a14:useLocalDpi xmlns:a14="http://schemas.microsoft.com/office/drawing/2010/main" val="0"/>
@@ -9814,20 +9412,6 @@
               </a:rPr>
               <a:t>序列图</a:t>
             </a:r>
-            <a:endParaRPr lang="zh-CN" altLang="en-US" sz="3200" dirty="0">
-              <a:solidFill>
-                <a:schemeClr val="accent1"/>
-              </a:solidFill>
-              <a:effectLst>
-                <a:outerShdw blurRad="38100" dist="25400" dir="5400000" algn="ctr" rotWithShape="0">
-                  <a:srgbClr val="6E747A">
-                    <a:alpha val="43000"/>
-                  </a:srgbClr>
-                </a:outerShdw>
-              </a:effectLst>
-              <a:latin typeface="+mj-ea"/>
-              <a:ea typeface="+mj-ea"/>
-            </a:endParaRPr>
           </a:p>
         </p:txBody>
       </p:sp>
@@ -9840,7 +9424,7 @@
           <p:nvPr/>
         </p:nvPicPr>
         <p:blipFill>
-          <a:blip r:embed="rId2">
+          <a:blip r:embed="rId4">
             <a:extLst>
               <a:ext uri="{28A0092B-C50C-407E-A947-70E740481C1C}">
                 <a14:useLocalDpi xmlns:a14="http://schemas.microsoft.com/office/drawing/2010/main" val="0"/>
@@ -9863,7 +9447,7 @@
       </p:pic>
     </p:spTree>
     <p:custDataLst>
-      <p:tags r:id="rId3"/>
+      <p:tags r:id="rId1"/>
     </p:custDataLst>
   </p:cSld>
   <p:clrMapOvr>
@@ -10051,7 +9635,7 @@
           <p:nvPr/>
         </p:nvPicPr>
         <p:blipFill>
-          <a:blip r:embed="rId1" cstate="print">
+          <a:blip r:embed="rId4" cstate="print">
             <a:extLst>
               <a:ext uri="{28A0092B-C50C-407E-A947-70E740481C1C}">
                 <a14:useLocalDpi xmlns:a14="http://schemas.microsoft.com/office/drawing/2010/main" val="0"/>
@@ -10348,7 +9932,7 @@
       </p:sp>
     </p:spTree>
     <p:custDataLst>
-      <p:tags r:id="rId3"/>
+      <p:tags r:id="rId1"/>
     </p:custDataLst>
   </p:cSld>
   <p:clrMapOvr>
@@ -10487,25 +10071,6 @@
               </a:rPr>
               <a:t>界面更新</a:t>
             </a:r>
-            <a:endParaRPr kumimoji="0" lang="zh-CN" altLang="en-US" sz="3200" b="0" i="0" u="none" strike="noStrike" kern="1200" cap="none" spc="0" normalizeH="0" baseline="0" noProof="0" dirty="0">
-              <a:ln w="10477">
-                <a:solidFill>
-                  <a:prstClr val="black">
-                    <a:lumMod val="75000"/>
-                    <a:lumOff val="25000"/>
-                  </a:prstClr>
-                </a:solidFill>
-              </a:ln>
-              <a:solidFill>
-                <a:prstClr val="black"/>
-              </a:solidFill>
-              <a:effectLst/>
-              <a:uLnTx/>
-              <a:uFillTx/>
-              <a:latin typeface="字由文艺黑" panose="00020600040101010101" pitchFamily="18" charset="-122"/>
-              <a:ea typeface="字由文艺黑" panose="00020600040101010101" pitchFamily="18" charset="-122"/>
-              <a:cs typeface="+mn-cs"/>
-            </a:endParaRPr>
           </a:p>
         </p:txBody>
       </p:sp>
@@ -10518,7 +10083,7 @@
           <p:nvPr/>
         </p:nvPicPr>
         <p:blipFill>
-          <a:blip r:embed="rId1" cstate="print">
+          <a:blip r:embed="rId4" cstate="print">
             <a:extLst>
               <a:ext uri="{28A0092B-C50C-407E-A947-70E740481C1C}">
                 <a14:useLocalDpi xmlns:a14="http://schemas.microsoft.com/office/drawing/2010/main" val="0"/>
@@ -10586,14 +10151,14 @@
           <p:nvPr/>
         </p:nvPicPr>
         <p:blipFill>
-          <a:blip r:embed="rId2"/>
+          <a:blip r:embed="rId5"/>
           <a:stretch>
             <a:fillRect/>
           </a:stretch>
         </p:blipFill>
         <p:spPr>
           <a:xfrm>
-            <a:off x="3998170" y="1581488"/>
+            <a:off x="4884098" y="1565858"/>
             <a:ext cx="2296680" cy="4873433"/>
           </a:xfrm>
           <a:prstGeom prst="rect">
@@ -10610,7 +10175,7 @@
           <p:nvPr/>
         </p:nvPicPr>
         <p:blipFill>
-          <a:blip r:embed="rId3">
+          <a:blip r:embed="rId6">
             <a:extLst>
               <a:ext uri="{28A0092B-C50C-407E-A947-70E740481C1C}">
                 <a14:useLocalDpi xmlns:a14="http://schemas.microsoft.com/office/drawing/2010/main" val="0"/>
@@ -10640,7 +10205,7 @@
           <p:nvPr/>
         </p:nvPicPr>
         <p:blipFill>
-          <a:blip r:embed="rId4">
+          <a:blip r:embed="rId7">
             <a:extLst>
               <a:ext uri="{28A0092B-C50C-407E-A947-70E740481C1C}">
                 <a14:useLocalDpi xmlns:a14="http://schemas.microsoft.com/office/drawing/2010/main" val="0"/>
@@ -10653,7 +10218,7 @@
         </p:blipFill>
         <p:spPr>
           <a:xfrm>
-            <a:off x="6441230" y="1583368"/>
+            <a:off x="8162684" y="1536424"/>
             <a:ext cx="2267432" cy="4896448"/>
           </a:xfrm>
           <a:prstGeom prst="rect">
@@ -10663,7 +10228,7 @@
       </p:pic>
     </p:spTree>
     <p:custDataLst>
-      <p:tags r:id="rId5"/>
+      <p:tags r:id="rId1"/>
     </p:custDataLst>
   </p:cSld>
   <p:clrMapOvr>
@@ -10802,25 +10367,6 @@
               </a:rPr>
               <a:t>界面更新</a:t>
             </a:r>
-            <a:endParaRPr kumimoji="0" lang="zh-CN" altLang="en-US" sz="3200" b="0" i="0" u="none" strike="noStrike" kern="1200" cap="none" spc="0" normalizeH="0" baseline="0" noProof="0" dirty="0">
-              <a:ln w="10477">
-                <a:solidFill>
-                  <a:prstClr val="black">
-                    <a:lumMod val="75000"/>
-                    <a:lumOff val="25000"/>
-                  </a:prstClr>
-                </a:solidFill>
-              </a:ln>
-              <a:solidFill>
-                <a:prstClr val="black"/>
-              </a:solidFill>
-              <a:effectLst/>
-              <a:uLnTx/>
-              <a:uFillTx/>
-              <a:latin typeface="字由文艺黑" panose="00020600040101010101" pitchFamily="18" charset="-122"/>
-              <a:ea typeface="字由文艺黑" panose="00020600040101010101" pitchFamily="18" charset="-122"/>
-              <a:cs typeface="+mn-cs"/>
-            </a:endParaRPr>
           </a:p>
         </p:txBody>
       </p:sp>
@@ -10833,7 +10379,7 @@
           <p:nvPr/>
         </p:nvPicPr>
         <p:blipFill>
-          <a:blip r:embed="rId1" cstate="print">
+          <a:blip r:embed="rId4" cstate="print">
             <a:extLst>
               <a:ext uri="{28A0092B-C50C-407E-A947-70E740481C1C}">
                 <a14:useLocalDpi xmlns:a14="http://schemas.microsoft.com/office/drawing/2010/main" val="0"/>
@@ -10901,7 +10447,7 @@
           <p:nvPr/>
         </p:nvPicPr>
         <p:blipFill>
-          <a:blip r:embed="rId2"/>
+          <a:blip r:embed="rId5"/>
           <a:stretch>
             <a:fillRect/>
           </a:stretch>
@@ -10925,7 +10471,7 @@
           <p:nvPr/>
         </p:nvPicPr>
         <p:blipFill>
-          <a:blip r:embed="rId3">
+          <a:blip r:embed="rId6">
             <a:extLst>
               <a:ext uri="{28A0092B-C50C-407E-A947-70E740481C1C}">
                 <a14:useLocalDpi xmlns:a14="http://schemas.microsoft.com/office/drawing/2010/main" val="0"/>
@@ -10955,7 +10501,7 @@
           <p:nvPr/>
         </p:nvPicPr>
         <p:blipFill>
-          <a:blip r:embed="rId4">
+          <a:blip r:embed="rId7">
             <a:extLst>
               <a:ext uri="{28A0092B-C50C-407E-A947-70E740481C1C}">
                 <a14:useLocalDpi xmlns:a14="http://schemas.microsoft.com/office/drawing/2010/main" val="0"/>
@@ -10985,7 +10531,7 @@
           <p:nvPr/>
         </p:nvPicPr>
         <p:blipFill>
-          <a:blip r:embed="rId5">
+          <a:blip r:embed="rId8">
             <a:extLst>
               <a:ext uri="{28A0092B-C50C-407E-A947-70E740481C1C}">
                 <a14:useLocalDpi xmlns:a14="http://schemas.microsoft.com/office/drawing/2010/main" val="0"/>
@@ -11008,7 +10554,7 @@
       </p:pic>
     </p:spTree>
     <p:custDataLst>
-      <p:tags r:id="rId6"/>
+      <p:tags r:id="rId1"/>
     </p:custDataLst>
   </p:cSld>
   <p:clrMapOvr>
@@ -11058,7 +10604,7 @@
           <p:nvPr/>
         </p:nvPicPr>
         <p:blipFill>
-          <a:blip r:embed="rId1" cstate="print">
+          <a:blip r:embed="rId4" cstate="print">
             <a:extLst>
               <a:ext uri="{28A0092B-C50C-407E-A947-70E740481C1C}">
                 <a14:useLocalDpi xmlns:a14="http://schemas.microsoft.com/office/drawing/2010/main" val="0"/>
@@ -11273,25 +10819,6 @@
                 </a:rPr>
                 <a:t>感谢您的观看</a:t>
               </a:r>
-              <a:endParaRPr kumimoji="0" lang="zh-CN" altLang="en-US" sz="10560" b="0" i="0" u="none" strike="noStrike" kern="1200" cap="none" spc="0" normalizeH="0" baseline="0" noProof="0" dirty="0">
-                <a:ln w="11430">
-                  <a:solidFill>
-                    <a:prstClr val="black">
-                      <a:lumMod val="75000"/>
-                      <a:lumOff val="25000"/>
-                    </a:prstClr>
-                  </a:solidFill>
-                </a:ln>
-                <a:solidFill>
-                  <a:prstClr val="black"/>
-                </a:solidFill>
-                <a:effectLst/>
-                <a:uLnTx/>
-                <a:uFillTx/>
-                <a:latin typeface="字由文艺黑" panose="00020600040101010101" pitchFamily="18" charset="-122"/>
-                <a:ea typeface="字由文艺黑" panose="00020600040101010101" pitchFamily="18" charset="-122"/>
-                <a:cs typeface="+mn-cs"/>
-              </a:endParaRPr>
             </a:p>
           </p:txBody>
         </p:sp>
@@ -11375,7 +10902,7 @@
           <p:nvPr/>
         </p:nvPicPr>
         <p:blipFill>
-          <a:blip r:embed="rId3" cstate="print">
+          <a:blip r:embed="rId5" cstate="print">
             <a:extLst>
               <a:ext uri="{28A0092B-C50C-407E-A947-70E740481C1C}">
                 <a14:useLocalDpi xmlns:a14="http://schemas.microsoft.com/office/drawing/2010/main" val="0"/>
@@ -11398,7 +10925,7 @@
       </p:pic>
     </p:spTree>
     <p:custDataLst>
-      <p:tags r:id="rId4"/>
+      <p:tags r:id="rId1"/>
     </p:custDataLst>
   </p:cSld>
   <p:clrMapOvr>
@@ -11573,25 +11100,6 @@
                 </a:rPr>
                 <a:t>架构完善</a:t>
               </a:r>
-              <a:endParaRPr kumimoji="0" lang="zh-CN" altLang="en-US" sz="10560" b="0" i="0" u="none" strike="noStrike" kern="1200" cap="none" spc="0" normalizeH="0" baseline="0" noProof="0" dirty="0">
-                <a:ln w="10477">
-                  <a:solidFill>
-                    <a:prstClr val="black">
-                      <a:lumMod val="75000"/>
-                      <a:lumOff val="25000"/>
-                    </a:prstClr>
-                  </a:solidFill>
-                </a:ln>
-                <a:solidFill>
-                  <a:prstClr val="black"/>
-                </a:solidFill>
-                <a:effectLst/>
-                <a:uLnTx/>
-                <a:uFillTx/>
-                <a:latin typeface="字由文艺黑" panose="00020600040101010101" pitchFamily="18" charset="-122"/>
-                <a:ea typeface="字由文艺黑" panose="00020600040101010101" pitchFamily="18" charset="-122"/>
-                <a:cs typeface="+mn-cs"/>
-              </a:endParaRPr>
             </a:p>
           </p:txBody>
         </p:sp>
@@ -11601,7 +11109,7 @@
             <p:cNvSpPr txBox="1"/>
             <p:nvPr>
               <p:custDataLst>
-                <p:tags r:id="rId1"/>
+                <p:tags r:id="rId2"/>
               </p:custDataLst>
             </p:nvPr>
           </p:nvSpPr>
@@ -11883,13 +11391,13 @@
           <p:nvPr/>
         </p:nvPicPr>
         <p:blipFill>
-          <a:blip r:embed="rId2" cstate="print">
+          <a:blip r:embed="rId4" cstate="print">
             <a:extLst>
               <a:ext uri="{28A0092B-C50C-407E-A947-70E740481C1C}">
                 <a14:useLocalDpi xmlns:a14="http://schemas.microsoft.com/office/drawing/2010/main" val="0"/>
               </a:ext>
               <a:ext uri="{96DAC541-7B7A-43D3-8B79-37D633B846F1}">
-                <asvg:svgBlip xmlns:asvg="http://schemas.microsoft.com/office/drawing/2016/SVG/main" r:embed="rId3"/>
+                <asvg:svgBlip xmlns:asvg="http://schemas.microsoft.com/office/drawing/2016/SVG/main" r:embed="rId5"/>
               </a:ext>
             </a:extLst>
           </a:blip>
@@ -11909,7 +11417,7 @@
       </p:pic>
     </p:spTree>
     <p:custDataLst>
-      <p:tags r:id="rId4"/>
+      <p:tags r:id="rId1"/>
     </p:custDataLst>
   </p:cSld>
   <p:clrMapOvr>
@@ -12005,20 +11513,6 @@
               </a:rPr>
               <a:t>架构改进</a:t>
             </a:r>
-            <a:endParaRPr kumimoji="0" lang="zh-CN" altLang="en-US" sz="3200" b="0" i="0" u="none" strike="noStrike" kern="1200" cap="none" spc="0" normalizeH="0" baseline="0" noProof="0" dirty="0">
-              <a:ln>
-                <a:noFill/>
-              </a:ln>
-              <a:solidFill>
-                <a:srgbClr val="33C16B"/>
-              </a:solidFill>
-              <a:effectLst/>
-              <a:uLnTx/>
-              <a:uFillTx/>
-              <a:latin typeface="OPPOSans H"/>
-              <a:ea typeface="+mj-ea"/>
-              <a:cs typeface="+mn-cs"/>
-            </a:endParaRPr>
           </a:p>
         </p:txBody>
       </p:sp>
@@ -12069,7 +11563,7 @@
           <p:nvPr/>
         </p:nvPicPr>
         <p:blipFill>
-          <a:blip r:embed="rId1"/>
+          <a:blip r:embed="rId3"/>
           <a:stretch>
             <a:fillRect/>
           </a:stretch>
@@ -12104,18 +11598,18 @@
           <a:bodyPr wrap="square" rtlCol="0">
             <a:spAutoFit/>
           </a:bodyPr>
+          <a:lstStyle/>
           <a:p>
             <a:r>
               <a:rPr lang="zh-CN" altLang="en-US" b="1"/>
               <a:t>这是上一次作业中的架构设计，分层较多，同时功能，子系统划分也较不合理。</a:t>
             </a:r>
-            <a:endParaRPr lang="zh-CN" altLang="en-US" b="1"/>
           </a:p>
         </p:txBody>
       </p:sp>
     </p:spTree>
     <p:custDataLst>
-      <p:tags r:id="rId2"/>
+      <p:tags r:id="rId1"/>
     </p:custDataLst>
   </p:cSld>
   <p:clrMapOvr>
@@ -12211,20 +11705,6 @@
               </a:rPr>
               <a:t>架构改进</a:t>
             </a:r>
-            <a:endParaRPr kumimoji="0" lang="zh-CN" altLang="en-US" sz="3200" b="0" i="0" u="none" strike="noStrike" kern="1200" cap="none" spc="0" normalizeH="0" baseline="0" noProof="0" dirty="0">
-              <a:ln>
-                <a:noFill/>
-              </a:ln>
-              <a:solidFill>
-                <a:srgbClr val="33C16B"/>
-              </a:solidFill>
-              <a:effectLst/>
-              <a:uLnTx/>
-              <a:uFillTx/>
-              <a:latin typeface="OPPOSans H"/>
-              <a:ea typeface="+mj-ea"/>
-              <a:cs typeface="+mn-cs"/>
-            </a:endParaRPr>
           </a:p>
         </p:txBody>
       </p:sp>
@@ -12275,7 +11755,7 @@
           <p:nvPr/>
         </p:nvPicPr>
         <p:blipFill>
-          <a:blip r:embed="rId1"/>
+          <a:blip r:embed="rId3"/>
           <a:stretch>
             <a:fillRect/>
           </a:stretch>
@@ -12360,19 +11840,6 @@
               </a:rPr>
               <a:t>移除了应用逻辑层中的控制层，由界面层直接调用子系统实现的接口</a:t>
             </a:r>
-            <a:endParaRPr kumimoji="0" lang="zh-CN" altLang="en-US" sz="1800" b="1" i="0" u="none" strike="noStrike" kern="1200" cap="none" spc="0" normalizeH="0" baseline="0" noProof="0">
-              <a:ln>
-                <a:noFill/>
-              </a:ln>
-              <a:solidFill>
-                <a:prstClr val="black"/>
-              </a:solidFill>
-              <a:effectLst/>
-              <a:uLnTx/>
-              <a:uFillTx/>
-              <a:latin typeface="OPPOSans L"/>
-              <a:cs typeface="+mn-cs"/>
-            </a:endParaRPr>
           </a:p>
           <a:p>
             <a:pPr marL="0" marR="0" lvl="0" indent="0" algn="l" defTabSz="914400" rtl="0" eaLnBrk="1" fontAlgn="auto" latinLnBrk="0" hangingPunct="1">
@@ -12455,19 +11922,6 @@
               </a:rPr>
               <a:t>个，分别是：</a:t>
             </a:r>
-            <a:endParaRPr kumimoji="0" lang="zh-CN" altLang="en-US" sz="1800" b="1" i="0" u="none" strike="noStrike" kern="1200" cap="none" spc="0" normalizeH="0" baseline="0" noProof="0">
-              <a:ln>
-                <a:noFill/>
-              </a:ln>
-              <a:solidFill>
-                <a:prstClr val="black"/>
-              </a:solidFill>
-              <a:effectLst/>
-              <a:uLnTx/>
-              <a:uFillTx/>
-              <a:latin typeface="OPPOSans L"/>
-              <a:cs typeface="+mn-cs"/>
-            </a:endParaRPr>
           </a:p>
           <a:p>
             <a:pPr marL="0" marR="0" lvl="0" indent="0" algn="l" defTabSz="914400" rtl="0" eaLnBrk="1" fontAlgn="auto" latinLnBrk="0" hangingPunct="1">
@@ -12518,19 +11972,6 @@
               </a:rPr>
               <a:t>用户管理子系统</a:t>
             </a:r>
-            <a:endParaRPr kumimoji="0" lang="zh-CN" altLang="en-US" sz="1800" b="1" i="0" u="none" strike="noStrike" kern="1200" cap="none" spc="0" normalizeH="0" baseline="0" noProof="0">
-              <a:ln>
-                <a:noFill/>
-              </a:ln>
-              <a:solidFill>
-                <a:prstClr val="black"/>
-              </a:solidFill>
-              <a:effectLst/>
-              <a:uLnTx/>
-              <a:uFillTx/>
-              <a:latin typeface="OPPOSans L"/>
-              <a:cs typeface="+mn-cs"/>
-            </a:endParaRPr>
           </a:p>
           <a:p>
             <a:pPr marL="0" marR="0" lvl="0" indent="0" algn="l" defTabSz="914400" rtl="0" eaLnBrk="1" fontAlgn="auto" latinLnBrk="0" hangingPunct="1">
@@ -12597,19 +12038,6 @@
               </a:rPr>
               <a:t>日程管理子系统</a:t>
             </a:r>
-            <a:endParaRPr kumimoji="0" lang="zh-CN" altLang="en-US" sz="1800" b="1" i="0" u="none" strike="noStrike" kern="1200" cap="none" spc="0" normalizeH="0" baseline="0" noProof="0">
-              <a:ln>
-                <a:noFill/>
-              </a:ln>
-              <a:solidFill>
-                <a:prstClr val="black"/>
-              </a:solidFill>
-              <a:effectLst/>
-              <a:uLnTx/>
-              <a:uFillTx/>
-              <a:latin typeface="OPPOSans L"/>
-              <a:cs typeface="+mn-cs"/>
-            </a:endParaRPr>
           </a:p>
           <a:p>
             <a:pPr marL="0" marR="0" lvl="0" indent="0" algn="l" defTabSz="914400" rtl="0" eaLnBrk="1" fontAlgn="auto" latinLnBrk="0" hangingPunct="1">
@@ -12676,19 +12104,6 @@
               </a:rPr>
               <a:t>专注子系统</a:t>
             </a:r>
-            <a:endParaRPr kumimoji="0" lang="zh-CN" altLang="en-US" sz="1800" b="1" i="0" u="none" strike="noStrike" kern="1200" cap="none" spc="0" normalizeH="0" baseline="0" noProof="0">
-              <a:ln>
-                <a:noFill/>
-              </a:ln>
-              <a:solidFill>
-                <a:prstClr val="black"/>
-              </a:solidFill>
-              <a:effectLst/>
-              <a:uLnTx/>
-              <a:uFillTx/>
-              <a:latin typeface="OPPOSans L"/>
-              <a:cs typeface="+mn-cs"/>
-            </a:endParaRPr>
           </a:p>
           <a:p>
             <a:pPr marL="0" marR="0" lvl="0" indent="0" algn="l" defTabSz="914400" rtl="0" eaLnBrk="1" fontAlgn="auto" latinLnBrk="0" hangingPunct="1">
@@ -12755,19 +12170,6 @@
               </a:rPr>
               <a:t>交流圈子系统</a:t>
             </a:r>
-            <a:endParaRPr kumimoji="0" lang="zh-CN" altLang="en-US" sz="1800" b="1" i="0" u="none" strike="noStrike" kern="1200" cap="none" spc="0" normalizeH="0" baseline="0" noProof="0">
-              <a:ln>
-                <a:noFill/>
-              </a:ln>
-              <a:solidFill>
-                <a:prstClr val="black"/>
-              </a:solidFill>
-              <a:effectLst/>
-              <a:uLnTx/>
-              <a:uFillTx/>
-              <a:latin typeface="OPPOSans L"/>
-              <a:cs typeface="+mn-cs"/>
-            </a:endParaRPr>
           </a:p>
           <a:p>
             <a:pPr marL="0" marR="0" lvl="0" indent="0" algn="l" defTabSz="914400" rtl="0" eaLnBrk="1" fontAlgn="auto" latinLnBrk="0" hangingPunct="1">
@@ -12818,25 +12220,12 @@
               </a:rPr>
               <a:t> </a:t>
             </a:r>
-            <a:endParaRPr kumimoji="0" lang="en-US" altLang="zh-CN" sz="1800" b="1" i="0" u="none" strike="noStrike" kern="1200" cap="none" spc="0" normalizeH="0" baseline="0" noProof="0">
-              <a:ln>
-                <a:noFill/>
-              </a:ln>
-              <a:solidFill>
-                <a:prstClr val="black"/>
-              </a:solidFill>
-              <a:effectLst/>
-              <a:uLnTx/>
-              <a:uFillTx/>
-              <a:latin typeface="OPPOSans L"/>
-              <a:cs typeface="+mn-cs"/>
-            </a:endParaRPr>
           </a:p>
         </p:txBody>
       </p:sp>
     </p:spTree>
     <p:custDataLst>
-      <p:tags r:id="rId2"/>
+      <p:tags r:id="rId1"/>
     </p:custDataLst>
   </p:cSld>
   <p:clrMapOvr>
@@ -12955,23 +12344,6 @@
               </a:rPr>
               <a:t>系统架构</a:t>
             </a:r>
-            <a:endParaRPr kumimoji="0" lang="zh-CN" altLang="en-US" sz="3200" b="0" i="0" u="none" strike="noStrike" kern="1200" cap="none" spc="0" normalizeH="0" baseline="0" noProof="0" dirty="0">
-              <a:solidFill>
-                <a:schemeClr val="accent1"/>
-              </a:solidFill>
-              <a:effectLst>
-                <a:outerShdw blurRad="38100" dist="25400" dir="5400000" algn="ctr" rotWithShape="0">
-                  <a:srgbClr val="6E747A">
-                    <a:alpha val="43000"/>
-                  </a:srgbClr>
-                </a:outerShdw>
-              </a:effectLst>
-              <a:uLnTx/>
-              <a:uFillTx/>
-              <a:latin typeface="OPPOSans H"/>
-              <a:ea typeface="+mj-ea"/>
-              <a:cs typeface="+mn-cs"/>
-            </a:endParaRPr>
           </a:p>
         </p:txBody>
       </p:sp>
@@ -13022,7 +12394,7 @@
           <p:nvPr/>
         </p:nvPicPr>
         <p:blipFill>
-          <a:blip r:embed="rId1"/>
+          <a:blip r:embed="rId3"/>
           <a:stretch>
             <a:fillRect/>
           </a:stretch>
@@ -13091,19 +12463,6 @@
               </a:rPr>
               <a:t>我们采用C/S架构设计，客户端使用`Android SDK`相关api绘制界面，应用逻辑层中四个子系统，调用`Android SDK`相关api进行逻辑操作，比如禁用通知，音频播放等功能。使用开源框架`Apache ECharts`来实现统计数据的可视化。</a:t>
             </a:r>
-            <a:endParaRPr kumimoji="0" lang="zh-CN" altLang="en-US" sz="1800" b="1" i="0" u="none" strike="noStrike" kern="1200" cap="none" spc="0" normalizeH="0" baseline="0" noProof="0">
-              <a:ln>
-                <a:noFill/>
-              </a:ln>
-              <a:solidFill>
-                <a:prstClr val="black"/>
-              </a:solidFill>
-              <a:effectLst/>
-              <a:uLnTx/>
-              <a:uFillTx/>
-              <a:latin typeface="OPPOSans L"/>
-              <a:cs typeface="+mn-cs"/>
-            </a:endParaRPr>
           </a:p>
           <a:p>
             <a:pPr marL="0" marR="0" lvl="0" indent="0" algn="l" defTabSz="914400" rtl="0" eaLnBrk="1" fontAlgn="auto" latinLnBrk="0" hangingPunct="1">
@@ -13169,25 +12528,12 @@
               </a:rPr>
               <a:t>服务器端通过`Spring Boot`框架部署`Rest Api`与客户端进行通信，通过开源框架`MyBatis`封装`JDBC`，进行数据库的访问与写入。同时，通用服务层使用`Log4j`进行日志输出，使用`Redis`提供数据缓存服务，满足高并发数据库查询需求。</a:t>
             </a:r>
-            <a:endParaRPr kumimoji="0" lang="zh-CN" altLang="en-US" sz="1800" b="1" i="0" u="none" strike="noStrike" kern="1200" cap="none" spc="0" normalizeH="0" baseline="0" noProof="0">
-              <a:ln>
-                <a:noFill/>
-              </a:ln>
-              <a:solidFill>
-                <a:prstClr val="black"/>
-              </a:solidFill>
-              <a:effectLst/>
-              <a:uLnTx/>
-              <a:uFillTx/>
-              <a:latin typeface="OPPOSans L"/>
-              <a:cs typeface="+mn-cs"/>
-            </a:endParaRPr>
           </a:p>
         </p:txBody>
       </p:sp>
     </p:spTree>
     <p:custDataLst>
-      <p:tags r:id="rId2"/>
+      <p:tags r:id="rId1"/>
     </p:custDataLst>
   </p:cSld>
   <p:clrMapOvr>
@@ -13303,20 +12649,6 @@
               </a:rPr>
               <a:t>与接口</a:t>
             </a:r>
-            <a:endParaRPr kumimoji="0" lang="zh-CN" altLang="en-US" sz="3200" b="0" i="0" u="none" strike="noStrike" kern="1200" cap="none" spc="0" normalizeH="0" baseline="0" noProof="0" dirty="0">
-              <a:ln>
-                <a:noFill/>
-              </a:ln>
-              <a:solidFill>
-                <a:srgbClr val="33C16B"/>
-              </a:solidFill>
-              <a:effectLst/>
-              <a:uLnTx/>
-              <a:uFillTx/>
-              <a:latin typeface="OPPOSans H"/>
-              <a:ea typeface="+mj-ea"/>
-              <a:cs typeface="+mn-cs"/>
-            </a:endParaRPr>
           </a:p>
         </p:txBody>
       </p:sp>
@@ -13444,19 +12776,6 @@
               </a:rPr>
               <a:t>协议进行通信，以专注子系统为例，接口如下：</a:t>
             </a:r>
-            <a:endParaRPr kumimoji="0" lang="zh-CN" altLang="en-US" sz="1800" b="0" i="0" u="none" strike="noStrike" kern="1200" cap="none" spc="0" normalizeH="0" baseline="0" noProof="0">
-              <a:ln>
-                <a:noFill/>
-              </a:ln>
-              <a:solidFill>
-                <a:prstClr val="black"/>
-              </a:solidFill>
-              <a:effectLst/>
-              <a:uLnTx/>
-              <a:uFillTx/>
-              <a:latin typeface="OPPOSans L"/>
-              <a:cs typeface="+mn-cs"/>
-            </a:endParaRPr>
           </a:p>
         </p:txBody>
       </p:sp>
@@ -13469,7 +12788,7 @@
           <p:nvPr/>
         </p:nvPicPr>
         <p:blipFill>
-          <a:blip r:embed="rId1"/>
+          <a:blip r:embed="rId3"/>
           <a:stretch>
             <a:fillRect/>
           </a:stretch>
@@ -13493,13 +12812,13 @@
           <p:nvPr/>
         </p:nvPicPr>
         <p:blipFill>
-          <a:blip r:embed="rId2" cstate="print">
+          <a:blip r:embed="rId4" cstate="print">
             <a:extLst>
               <a:ext uri="{28A0092B-C50C-407E-A947-70E740481C1C}">
                 <a14:useLocalDpi xmlns:a14="http://schemas.microsoft.com/office/drawing/2010/main" val="0"/>
               </a:ext>
               <a:ext uri="{96DAC541-7B7A-43D3-8B79-37D633B846F1}">
-                <asvg:svgBlip xmlns:asvg="http://schemas.microsoft.com/office/drawing/2016/SVG/main" r:embed="rId3"/>
+                <asvg:svgBlip xmlns:asvg="http://schemas.microsoft.com/office/drawing/2016/SVG/main" r:embed="rId5"/>
               </a:ext>
             </a:extLst>
           </a:blip>
@@ -13519,7 +12838,7 @@
       </p:pic>
     </p:spTree>
     <p:custDataLst>
-      <p:tags r:id="rId4"/>
+      <p:tags r:id="rId1"/>
     </p:custDataLst>
   </p:cSld>
   <p:clrMapOvr>
@@ -13635,20 +12954,6 @@
               </a:rPr>
               <a:t>接口示例</a:t>
             </a:r>
-            <a:endParaRPr kumimoji="0" lang="zh-CN" altLang="en-US" sz="3200" b="0" i="0" u="none" strike="noStrike" kern="1200" cap="none" spc="0" normalizeH="0" baseline="0" noProof="0" dirty="0">
-              <a:ln>
-                <a:noFill/>
-              </a:ln>
-              <a:solidFill>
-                <a:srgbClr val="33C16B"/>
-              </a:solidFill>
-              <a:effectLst/>
-              <a:uLnTx/>
-              <a:uFillTx/>
-              <a:latin typeface="OPPOSans H"/>
-              <a:ea typeface="+mj-ea"/>
-              <a:cs typeface="+mn-cs"/>
-            </a:endParaRPr>
           </a:p>
         </p:txBody>
       </p:sp>
@@ -13699,7 +13004,7 @@
           <p:nvPr/>
         </p:nvPicPr>
         <p:blipFill>
-          <a:blip r:embed="rId1"/>
+          <a:blip r:embed="rId3"/>
           <a:stretch>
             <a:fillRect/>
           </a:stretch>
@@ -13723,7 +13028,7 @@
           <p:nvPr/>
         </p:nvPicPr>
         <p:blipFill>
-          <a:blip r:embed="rId2" cstate="print">
+          <a:blip r:embed="rId4" cstate="print">
             <a:extLst>
               <a:ext uri="{28A0092B-C50C-407E-A947-70E740481C1C}">
                 <a14:useLocalDpi xmlns:a14="http://schemas.microsoft.com/office/drawing/2010/main" val="0"/>
@@ -13746,7 +13051,7 @@
       </p:pic>
     </p:spTree>
     <p:custDataLst>
-      <p:tags r:id="rId3"/>
+      <p:tags r:id="rId1"/>
     </p:custDataLst>
   </p:cSld>
   <p:clrMapOvr>
@@ -13862,20 +13167,6 @@
               </a:rPr>
               <a:t>接口示例</a:t>
             </a:r>
-            <a:endParaRPr kumimoji="0" lang="zh-CN" altLang="en-US" sz="3200" b="0" i="0" u="none" strike="noStrike" kern="1200" cap="none" spc="0" normalizeH="0" baseline="0" noProof="0" dirty="0">
-              <a:ln>
-                <a:noFill/>
-              </a:ln>
-              <a:solidFill>
-                <a:srgbClr val="33C16B"/>
-              </a:solidFill>
-              <a:effectLst/>
-              <a:uLnTx/>
-              <a:uFillTx/>
-              <a:latin typeface="OPPOSans H"/>
-              <a:ea typeface="+mj-ea"/>
-              <a:cs typeface="+mn-cs"/>
-            </a:endParaRPr>
           </a:p>
         </p:txBody>
       </p:sp>
@@ -13926,7 +13217,7 @@
           <p:nvPr/>
         </p:nvPicPr>
         <p:blipFill>
-          <a:blip r:embed="rId1"/>
+          <a:blip r:embed="rId3"/>
           <a:stretch>
             <a:fillRect/>
           </a:stretch>
@@ -13950,7 +13241,7 @@
           <p:nvPr/>
         </p:nvPicPr>
         <p:blipFill>
-          <a:blip r:embed="rId2" cstate="print">
+          <a:blip r:embed="rId4" cstate="print">
             <a:extLst>
               <a:ext uri="{28A0092B-C50C-407E-A947-70E740481C1C}">
                 <a14:useLocalDpi xmlns:a14="http://schemas.microsoft.com/office/drawing/2010/main" val="0"/>
@@ -13973,7 +13264,7 @@
       </p:pic>
     </p:spTree>
     <p:custDataLst>
-      <p:tags r:id="rId3"/>
+      <p:tags r:id="rId1"/>
     </p:custDataLst>
   </p:cSld>
   <p:clrMapOvr>
@@ -13983,37 +13274,49 @@
 </file>
 
 <file path=ppt/tags/tag1.xml><?xml version="1.0" encoding="utf-8"?>
-<p:tagLst xmlns:p="http://schemas.openxmlformats.org/presentationml/2006/main">
-  <p:tag name="ISLIDE.ICON" val="#893193;#893189;#893182;#893186;"/>
+<p:tagLst xmlns:a="http://schemas.openxmlformats.org/drawingml/2006/main" xmlns:r="http://schemas.openxmlformats.org/officeDocument/2006/relationships" xmlns:p="http://schemas.openxmlformats.org/presentationml/2006/main">
+  <p:tag name="ISLIDE.GUIDESSETTING" val="{&quot;Id&quot;:&quot;GuidesStyle_Normal&quot;,&quot;Name&quot;:&quot;GuidesStyle_Normal&quot;,&quot;Kind&quot;:&quot;System&quot;,&quot;OldGuidesSetting&quot;:{&quot;HeaderHeight&quot;:15.0,&quot;FooterHeight&quot;:9.0,&quot;SideMargin&quot;:5.5,&quot;TopMargin&quot;:0.0,&quot;BottomMargin&quot;:0.0,&quot;IntervalMargin&quot;:1.5}}"/>
 </p:tagLst>
 </file>
 
 <file path=ppt/tags/tag10.xml><?xml version="1.0" encoding="utf-8"?>
-<p:tagLst xmlns:p="http://schemas.openxmlformats.org/presentationml/2006/main">
+<p:tagLst xmlns:a="http://schemas.openxmlformats.org/drawingml/2006/main" xmlns:r="http://schemas.openxmlformats.org/officeDocument/2006/relationships" xmlns:p="http://schemas.openxmlformats.org/presentationml/2006/main">
   <p:tag name="ISLIDE.ICON" val="#893193;#893189;#893182;#893186;"/>
 </p:tagLst>
 </file>
 
 <file path=ppt/tags/tag11.xml><?xml version="1.0" encoding="utf-8"?>
-<p:tagLst xmlns:p="http://schemas.openxmlformats.org/presentationml/2006/main">
+<p:tagLst xmlns:a="http://schemas.openxmlformats.org/drawingml/2006/main" xmlns:r="http://schemas.openxmlformats.org/officeDocument/2006/relationships" xmlns:p="http://schemas.openxmlformats.org/presentationml/2006/main">
   <p:tag name="ISLIDE.ICON" val="#893193;#893189;#893182;#893186;"/>
 </p:tagLst>
 </file>
 
 <file path=ppt/tags/tag12.xml><?xml version="1.0" encoding="utf-8"?>
-<p:tagLst xmlns:p="http://schemas.openxmlformats.org/presentationml/2006/main">
+<p:tagLst xmlns:a="http://schemas.openxmlformats.org/drawingml/2006/main" xmlns:r="http://schemas.openxmlformats.org/officeDocument/2006/relationships" xmlns:p="http://schemas.openxmlformats.org/presentationml/2006/main">
   <p:tag name="ISLIDE.ICON" val="#893193;#893189;#893182;#893186;"/>
 </p:tagLst>
 </file>
 
 <file path=ppt/tags/tag13.xml><?xml version="1.0" encoding="utf-8"?>
-<p:tagLst xmlns:p="http://schemas.openxmlformats.org/presentationml/2006/main">
+<p:tagLst xmlns:a="http://schemas.openxmlformats.org/drawingml/2006/main" xmlns:r="http://schemas.openxmlformats.org/officeDocument/2006/relationships" xmlns:p="http://schemas.openxmlformats.org/presentationml/2006/main">
   <p:tag name="ISLIDE.ICON" val="#893193;#893189;#893182;#893186;"/>
 </p:tagLst>
 </file>
 
 <file path=ppt/tags/tag14.xml><?xml version="1.0" encoding="utf-8"?>
-<p:tagLst xmlns:p="http://schemas.openxmlformats.org/presentationml/2006/main">
+<p:tagLst xmlns:a="http://schemas.openxmlformats.org/drawingml/2006/main" xmlns:r="http://schemas.openxmlformats.org/officeDocument/2006/relationships" xmlns:p="http://schemas.openxmlformats.org/presentationml/2006/main">
+  <p:tag name="ISLIDE.ICON" val="#893193;#893189;#893182;#893186;"/>
+</p:tagLst>
+</file>
+
+<file path=ppt/tags/tag15.xml><?xml version="1.0" encoding="utf-8"?>
+<p:tagLst xmlns:a="http://schemas.openxmlformats.org/drawingml/2006/main" xmlns:r="http://schemas.openxmlformats.org/officeDocument/2006/relationships" xmlns:p="http://schemas.openxmlformats.org/presentationml/2006/main">
+  <p:tag name="ISLIDE.ICON" val="#893193;#893189;#893182;#893186;"/>
+</p:tagLst>
+</file>
+
+<file path=ppt/tags/tag16.xml><?xml version="1.0" encoding="utf-8"?>
+<p:tagLst xmlns:a="http://schemas.openxmlformats.org/drawingml/2006/main" xmlns:r="http://schemas.openxmlformats.org/officeDocument/2006/relationships" xmlns:p="http://schemas.openxmlformats.org/presentationml/2006/main">
   <p:tag name="Z_ZOOM_35" val="1"/>
   <p:tag name="Z_HASTEXT" val="1"/>
   <p:tag name="Z_LEFT" val="336.8007"/>
@@ -14051,56 +13354,56 @@
 </p:tagLst>
 </file>
 
-<file path=ppt/tags/tag15.xml><?xml version="1.0" encoding="utf-8"?>
-<p:tagLst xmlns:p="http://schemas.openxmlformats.org/presentationml/2006/main">
-  <p:tag name="ISLIDE.ICON" val="#893193;#893189;#893182;#893186;"/>
-</p:tagLst>
-</file>
-
-<file path=ppt/tags/tag16.xml><?xml version="1.0" encoding="utf-8"?>
-<p:tagLst xmlns:p="http://schemas.openxmlformats.org/presentationml/2006/main">
-  <p:tag name="ISLIDE.ICON" val="#893193;#893189;#893182;#893186;"/>
-</p:tagLst>
-</file>
-
 <file path=ppt/tags/tag17.xml><?xml version="1.0" encoding="utf-8"?>
-<p:tagLst xmlns:p="http://schemas.openxmlformats.org/presentationml/2006/main">
+<p:tagLst xmlns:a="http://schemas.openxmlformats.org/drawingml/2006/main" xmlns:r="http://schemas.openxmlformats.org/officeDocument/2006/relationships" xmlns:p="http://schemas.openxmlformats.org/presentationml/2006/main">
   <p:tag name="ISLIDE.ICON" val="#893193;#893189;#893182;#893186;"/>
 </p:tagLst>
 </file>
 
 <file path=ppt/tags/tag18.xml><?xml version="1.0" encoding="utf-8"?>
-<p:tagLst xmlns:p="http://schemas.openxmlformats.org/presentationml/2006/main">
+<p:tagLst xmlns:a="http://schemas.openxmlformats.org/drawingml/2006/main" xmlns:r="http://schemas.openxmlformats.org/officeDocument/2006/relationships" xmlns:p="http://schemas.openxmlformats.org/presentationml/2006/main">
   <p:tag name="ISLIDE.ICON" val="#893193;#893189;#893182;#893186;"/>
 </p:tagLst>
 </file>
 
 <file path=ppt/tags/tag19.xml><?xml version="1.0" encoding="utf-8"?>
-<p:tagLst xmlns:p="http://schemas.openxmlformats.org/presentationml/2006/main">
+<p:tagLst xmlns:a="http://schemas.openxmlformats.org/drawingml/2006/main" xmlns:r="http://schemas.openxmlformats.org/officeDocument/2006/relationships" xmlns:p="http://schemas.openxmlformats.org/presentationml/2006/main">
   <p:tag name="ISLIDE.ICON" val="#893193;#893189;#893182;#893186;"/>
 </p:tagLst>
 </file>
 
 <file path=ppt/tags/tag2.xml><?xml version="1.0" encoding="utf-8"?>
-<p:tagLst xmlns:p="http://schemas.openxmlformats.org/presentationml/2006/main">
+<p:tagLst xmlns:a="http://schemas.openxmlformats.org/drawingml/2006/main" xmlns:r="http://schemas.openxmlformats.org/officeDocument/2006/relationships" xmlns:p="http://schemas.openxmlformats.org/presentationml/2006/main">
   <p:tag name="ISLIDE.ICON" val="#893193;#893189;#893182;#893186;"/>
 </p:tagLst>
 </file>
 
 <file path=ppt/tags/tag20.xml><?xml version="1.0" encoding="utf-8"?>
-<p:tagLst xmlns:p="http://schemas.openxmlformats.org/presentationml/2006/main">
+<p:tagLst xmlns:a="http://schemas.openxmlformats.org/drawingml/2006/main" xmlns:r="http://schemas.openxmlformats.org/officeDocument/2006/relationships" xmlns:p="http://schemas.openxmlformats.org/presentationml/2006/main">
   <p:tag name="ISLIDE.ICON" val="#893193;#893189;#893182;#893186;"/>
 </p:tagLst>
 </file>
 
 <file path=ppt/tags/tag21.xml><?xml version="1.0" encoding="utf-8"?>
-<p:tagLst xmlns:p="http://schemas.openxmlformats.org/presentationml/2006/main">
+<p:tagLst xmlns:a="http://schemas.openxmlformats.org/drawingml/2006/main" xmlns:r="http://schemas.openxmlformats.org/officeDocument/2006/relationships" xmlns:p="http://schemas.openxmlformats.org/presentationml/2006/main">
   <p:tag name="ISLIDE.ICON" val="#893193;#893189;#893182;#893186;"/>
 </p:tagLst>
 </file>
 
 <file path=ppt/tags/tag22.xml><?xml version="1.0" encoding="utf-8"?>
-<p:tagLst xmlns:p="http://schemas.openxmlformats.org/presentationml/2006/main">
+<p:tagLst xmlns:a="http://schemas.openxmlformats.org/drawingml/2006/main" xmlns:r="http://schemas.openxmlformats.org/officeDocument/2006/relationships" xmlns:p="http://schemas.openxmlformats.org/presentationml/2006/main">
+  <p:tag name="ISLIDE.ICON" val="#893193;#893189;#893182;#893186;"/>
+</p:tagLst>
+</file>
+
+<file path=ppt/tags/tag23.xml><?xml version="1.0" encoding="utf-8"?>
+<p:tagLst xmlns:a="http://schemas.openxmlformats.org/drawingml/2006/main" xmlns:r="http://schemas.openxmlformats.org/officeDocument/2006/relationships" xmlns:p="http://schemas.openxmlformats.org/presentationml/2006/main">
+  <p:tag name="ISLIDE.ICON" val="#893193;#893189;#893182;#893186;"/>
+</p:tagLst>
+</file>
+
+<file path=ppt/tags/tag24.xml><?xml version="1.0" encoding="utf-8"?>
+<p:tagLst xmlns:a="http://schemas.openxmlformats.org/drawingml/2006/main" xmlns:r="http://schemas.openxmlformats.org/officeDocument/2006/relationships" xmlns:p="http://schemas.openxmlformats.org/presentationml/2006/main">
   <p:tag name="Z_ZOOM_35" val="1"/>
   <p:tag name="Z_HASTEXT" val="1"/>
   <p:tag name="Z_LEFT" val="336.8007"/>
@@ -14138,38 +13441,44 @@
 </p:tagLst>
 </file>
 
-<file path=ppt/tags/tag23.xml><?xml version="1.0" encoding="utf-8"?>
-<p:tagLst xmlns:p="http://schemas.openxmlformats.org/presentationml/2006/main">
-  <p:tag name="ISLIDE.ICON" val="#893193;#893189;#893182;#893186;"/>
-</p:tagLst>
-</file>
-
-<file path=ppt/tags/tag24.xml><?xml version="1.0" encoding="utf-8"?>
-<p:tagLst xmlns:p="http://schemas.openxmlformats.org/presentationml/2006/main">
-  <p:tag name="ISLIDE.ICON" val="#893193;#893189;#893182;#893186;"/>
-</p:tagLst>
-</file>
-
 <file path=ppt/tags/tag25.xml><?xml version="1.0" encoding="utf-8"?>
-<p:tagLst xmlns:p="http://schemas.openxmlformats.org/presentationml/2006/main">
+<p:tagLst xmlns:a="http://schemas.openxmlformats.org/drawingml/2006/main" xmlns:r="http://schemas.openxmlformats.org/officeDocument/2006/relationships" xmlns:p="http://schemas.openxmlformats.org/presentationml/2006/main">
   <p:tag name="ISLIDE.ICON" val="#893193;#893189;#893182;#893186;"/>
 </p:tagLst>
 </file>
 
 <file path=ppt/tags/tag26.xml><?xml version="1.0" encoding="utf-8"?>
-<p:tagLst xmlns:p="http://schemas.openxmlformats.org/presentationml/2006/main">
+<p:tagLst xmlns:a="http://schemas.openxmlformats.org/drawingml/2006/main" xmlns:r="http://schemas.openxmlformats.org/officeDocument/2006/relationships" xmlns:p="http://schemas.openxmlformats.org/presentationml/2006/main">
   <p:tag name="ISLIDE.ICON" val="#893193;#893189;#893182;#893186;"/>
 </p:tagLst>
 </file>
 
 <file path=ppt/tags/tag27.xml><?xml version="1.0" encoding="utf-8"?>
-<p:tagLst xmlns:p="http://schemas.openxmlformats.org/presentationml/2006/main">
+<p:tagLst xmlns:a="http://schemas.openxmlformats.org/drawingml/2006/main" xmlns:r="http://schemas.openxmlformats.org/officeDocument/2006/relationships" xmlns:p="http://schemas.openxmlformats.org/presentationml/2006/main">
   <p:tag name="ISLIDE.ICON" val="#893193;#893189;#893182;#893186;"/>
 </p:tagLst>
 </file>
 
 <file path=ppt/tags/tag28.xml><?xml version="1.0" encoding="utf-8"?>
-<p:tagLst xmlns:p="http://schemas.openxmlformats.org/presentationml/2006/main">
+<p:tagLst xmlns:a="http://schemas.openxmlformats.org/drawingml/2006/main" xmlns:r="http://schemas.openxmlformats.org/officeDocument/2006/relationships" xmlns:p="http://schemas.openxmlformats.org/presentationml/2006/main">
+  <p:tag name="ISLIDE.ICON" val="#893193;#893189;#893182;#893186;"/>
+</p:tagLst>
+</file>
+
+<file path=ppt/tags/tag29.xml><?xml version="1.0" encoding="utf-8"?>
+<p:tagLst xmlns:a="http://schemas.openxmlformats.org/drawingml/2006/main" xmlns:r="http://schemas.openxmlformats.org/officeDocument/2006/relationships" xmlns:p="http://schemas.openxmlformats.org/presentationml/2006/main">
+  <p:tag name="ISLIDE.ICON" val="#893193;#893189;#893182;#893186;"/>
+</p:tagLst>
+</file>
+
+<file path=ppt/tags/tag3.xml><?xml version="1.0" encoding="utf-8"?>
+<p:tagLst xmlns:a="http://schemas.openxmlformats.org/drawingml/2006/main" xmlns:r="http://schemas.openxmlformats.org/officeDocument/2006/relationships" xmlns:p="http://schemas.openxmlformats.org/presentationml/2006/main">
+  <p:tag name="ISLIDE.ICON" val="#893193;#893189;#893182;#893186;"/>
+</p:tagLst>
+</file>
+
+<file path=ppt/tags/tag30.xml><?xml version="1.0" encoding="utf-8"?>
+<p:tagLst xmlns:a="http://schemas.openxmlformats.org/drawingml/2006/main" xmlns:r="http://schemas.openxmlformats.org/officeDocument/2006/relationships" xmlns:p="http://schemas.openxmlformats.org/presentationml/2006/main">
   <p:tag name="Z_ZOOM_35" val="1"/>
   <p:tag name="Z_HASTEXT" val="1"/>
   <p:tag name="Z_LEFT" val="336.8007"/>
@@ -14207,14 +13516,58 @@
 </p:tagLst>
 </file>
 
-<file path=ppt/tags/tag29.xml><?xml version="1.0" encoding="utf-8"?>
-<p:tagLst xmlns:p="http://schemas.openxmlformats.org/presentationml/2006/main">
+<file path=ppt/tags/tag31.xml><?xml version="1.0" encoding="utf-8"?>
+<p:tagLst xmlns:a="http://schemas.openxmlformats.org/drawingml/2006/main" xmlns:r="http://schemas.openxmlformats.org/officeDocument/2006/relationships" xmlns:p="http://schemas.openxmlformats.org/presentationml/2006/main">
   <p:tag name="ISLIDE.ICON" val="#893193;#893189;#893182;#893186;"/>
 </p:tagLst>
 </file>
 
-<file path=ppt/tags/tag3.xml><?xml version="1.0" encoding="utf-8"?>
-<p:tagLst xmlns:p="http://schemas.openxmlformats.org/presentationml/2006/main">
+<file path=ppt/tags/tag32.xml><?xml version="1.0" encoding="utf-8"?>
+<p:tagLst xmlns:a="http://schemas.openxmlformats.org/drawingml/2006/main" xmlns:r="http://schemas.openxmlformats.org/officeDocument/2006/relationships" xmlns:p="http://schemas.openxmlformats.org/presentationml/2006/main">
+  <p:tag name="ISLIDE.ICON" val="#893193;#893189;#893182;#893186;"/>
+</p:tagLst>
+</file>
+
+<file path=ppt/tags/tag33.xml><?xml version="1.0" encoding="utf-8"?>
+<p:tagLst xmlns:a="http://schemas.openxmlformats.org/drawingml/2006/main" xmlns:r="http://schemas.openxmlformats.org/officeDocument/2006/relationships" xmlns:p="http://schemas.openxmlformats.org/presentationml/2006/main">
+  <p:tag name="ISLIDE.ICON" val="#893193;#893189;#893182;#893186;"/>
+</p:tagLst>
+</file>
+
+<file path=ppt/tags/tag34.xml><?xml version="1.0" encoding="utf-8"?>
+<p:tagLst xmlns:a="http://schemas.openxmlformats.org/drawingml/2006/main" xmlns:r="http://schemas.openxmlformats.org/officeDocument/2006/relationships" xmlns:p="http://schemas.openxmlformats.org/presentationml/2006/main">
+  <p:tag name="Z_ZOOM_2025" val="1"/>
+  <p:tag name="Z_HASTEXT" val="1"/>
+  <p:tag name="Z_LEFT" val="193.5971"/>
+  <p:tag name="Z_TOP" val="97.39111"/>
+  <p:tag name="Z_WIDTH" val="98.49016"/>
+  <p:tag name="Z_HEIGHT" val="59.38795"/>
+  <p:tag name="Z_LINEWEIGHT" val="0.9"/>
+  <p:tag name="Z_FONTCOLOR" val="System.__ComObject"/>
+  <p:tag name="Z_FONTNAME" val="字由文艺黑"/>
+  <p:tag name="Z_FONTNAMEASCII" val="字由文艺黑"/>
+  <p:tag name="Z_NAMECOMPLEXSCRIPT" val="+mn-cs"/>
+  <p:tag name="Z_NAMEFAREAST" val="字由文艺黑"/>
+  <p:tag name="Z_FONTBOLD" val="msoFalse"/>
+  <p:tag name="Z_FONTSIZE" val="16"/>
+  <p:tag name="Z_FONTUNDERLINE" val="msoFalse"/>
+  <p:tag name="Z_FONTITALIC" val="msoFalse"/>
+  <p:tag name="Z_TEXTALIGNMENT" val="ppAlignCenter"/>
+  <p:tag name="Z_SPACEBEFORE" val="0"/>
+  <p:tag name="Z_SPACEWITHIN" val="1"/>
+  <p:tag name="Z_SPACEAFTER" val="0"/>
+  <p:tag name="Z_LINERULEBEFORE" val="msoTrue"/>
+</p:tagLst>
+</file>
+
+<file path=ppt/tags/tag4.xml><?xml version="1.0" encoding="utf-8"?>
+<p:tagLst xmlns:a="http://schemas.openxmlformats.org/drawingml/2006/main" xmlns:r="http://schemas.openxmlformats.org/officeDocument/2006/relationships" xmlns:p="http://schemas.openxmlformats.org/presentationml/2006/main">
+  <p:tag name="ISLIDE.ICON" val="#893193;#893189;#893182;#893186;"/>
+</p:tagLst>
+</file>
+
+<file path=ppt/tags/tag5.xml><?xml version="1.0" encoding="utf-8"?>
+<p:tagLst xmlns:a="http://schemas.openxmlformats.org/drawingml/2006/main" xmlns:r="http://schemas.openxmlformats.org/officeDocument/2006/relationships" xmlns:p="http://schemas.openxmlformats.org/presentationml/2006/main">
   <p:tag name="Z_ZOOM_35" val="1"/>
   <p:tag name="Z_HASTEXT" val="1"/>
   <p:tag name="Z_LEFT" val="336.8007"/>
@@ -14252,88 +13605,26 @@
 </p:tagLst>
 </file>
 
-<file path=ppt/tags/tag30.xml><?xml version="1.0" encoding="utf-8"?>
-<p:tagLst xmlns:p="http://schemas.openxmlformats.org/presentationml/2006/main">
-  <p:tag name="ISLIDE.ICON" val="#893193;#893189;#893182;#893186;"/>
-</p:tagLst>
-</file>
-
-<file path=ppt/tags/tag31.xml><?xml version="1.0" encoding="utf-8"?>
-<p:tagLst xmlns:p="http://schemas.openxmlformats.org/presentationml/2006/main">
-  <p:tag name="ISLIDE.ICON" val="#893193;#893189;#893182;#893186;"/>
-</p:tagLst>
-</file>
-
-<file path=ppt/tags/tag32.xml><?xml version="1.0" encoding="utf-8"?>
-<p:tagLst xmlns:p="http://schemas.openxmlformats.org/presentationml/2006/main">
-  <p:tag name="Z_ZOOM_2025" val="1"/>
-  <p:tag name="Z_HASTEXT" val="1"/>
-  <p:tag name="Z_LEFT" val="193.5971"/>
-  <p:tag name="Z_TOP" val="97.39111"/>
-  <p:tag name="Z_WIDTH" val="98.49016"/>
-  <p:tag name="Z_HEIGHT" val="59.38795"/>
-  <p:tag name="Z_LINEWEIGHT" val="0.9"/>
-  <p:tag name="Z_FONTCOLOR" val="System.__ComObject"/>
-  <p:tag name="Z_FONTNAME" val="字由文艺黑"/>
-  <p:tag name="Z_FONTNAMEASCII" val="字由文艺黑"/>
-  <p:tag name="Z_NAMECOMPLEXSCRIPT" val="+mn-cs"/>
-  <p:tag name="Z_NAMEFAREAST" val="字由文艺黑"/>
-  <p:tag name="Z_FONTBOLD" val="msoFalse"/>
-  <p:tag name="Z_FONTSIZE" val="16"/>
-  <p:tag name="Z_FONTUNDERLINE" val="msoFalse"/>
-  <p:tag name="Z_FONTITALIC" val="msoFalse"/>
-  <p:tag name="Z_TEXTALIGNMENT" val="ppAlignCenter"/>
-  <p:tag name="Z_SPACEBEFORE" val="0"/>
-  <p:tag name="Z_SPACEWITHIN" val="1"/>
-  <p:tag name="Z_SPACEAFTER" val="0"/>
-  <p:tag name="Z_LINERULEBEFORE" val="msoTrue"/>
-</p:tagLst>
-</file>
-
-<file path=ppt/tags/tag33.xml><?xml version="1.0" encoding="utf-8"?>
-<p:tagLst xmlns:p="http://schemas.openxmlformats.org/presentationml/2006/main">
-  <p:tag name="ISLIDE.ICON" val="#893193;#893189;#893182;#893186;"/>
-</p:tagLst>
-</file>
-
-<file path=ppt/tags/tag34.xml><?xml version="1.0" encoding="utf-8"?>
-<p:tagLst xmlns:p="http://schemas.openxmlformats.org/presentationml/2006/main">
-  <p:tag name="ISLIDE.GUIDESSETTING" val="{&quot;Id&quot;:&quot;GuidesStyle_Normal&quot;,&quot;Name&quot;:&quot;GuidesStyle_Normal&quot;,&quot;Kind&quot;:&quot;System&quot;,&quot;OldGuidesSetting&quot;:{&quot;HeaderHeight&quot;:15.0,&quot;FooterHeight&quot;:9.0,&quot;SideMargin&quot;:5.5,&quot;TopMargin&quot;:0.0,&quot;BottomMargin&quot;:0.0,&quot;IntervalMargin&quot;:1.5}}"/>
-</p:tagLst>
-</file>
-
-<file path=ppt/tags/tag4.xml><?xml version="1.0" encoding="utf-8"?>
-<p:tagLst xmlns:p="http://schemas.openxmlformats.org/presentationml/2006/main">
-  <p:tag name="ISLIDE.ICON" val="#893193;#893189;#893182;#893186;"/>
-</p:tagLst>
-</file>
-
-<file path=ppt/tags/tag5.xml><?xml version="1.0" encoding="utf-8"?>
-<p:tagLst xmlns:p="http://schemas.openxmlformats.org/presentationml/2006/main">
-  <p:tag name="ISLIDE.ICON" val="#893193;#893189;#893182;#893186;"/>
-</p:tagLst>
-</file>
-
 <file path=ppt/tags/tag6.xml><?xml version="1.0" encoding="utf-8"?>
-<p:tagLst xmlns:p="http://schemas.openxmlformats.org/presentationml/2006/main">
+<p:tagLst xmlns:a="http://schemas.openxmlformats.org/drawingml/2006/main" xmlns:r="http://schemas.openxmlformats.org/officeDocument/2006/relationships" xmlns:p="http://schemas.openxmlformats.org/presentationml/2006/main">
   <p:tag name="ISLIDE.ICON" val="#893193;#893189;#893182;#893186;"/>
 </p:tagLst>
 </file>
 
 <file path=ppt/tags/tag7.xml><?xml version="1.0" encoding="utf-8"?>
-<p:tagLst xmlns:p="http://schemas.openxmlformats.org/presentationml/2006/main">
+<p:tagLst xmlns:a="http://schemas.openxmlformats.org/drawingml/2006/main" xmlns:r="http://schemas.openxmlformats.org/officeDocument/2006/relationships" xmlns:p="http://schemas.openxmlformats.org/presentationml/2006/main">
   <p:tag name="ISLIDE.ICON" val="#893193;#893189;#893182;#893186;"/>
 </p:tagLst>
 </file>
 
 <file path=ppt/tags/tag8.xml><?xml version="1.0" encoding="utf-8"?>
-<p:tagLst xmlns:p="http://schemas.openxmlformats.org/presentationml/2006/main">
+<p:tagLst xmlns:a="http://schemas.openxmlformats.org/drawingml/2006/main" xmlns:r="http://schemas.openxmlformats.org/officeDocument/2006/relationships" xmlns:p="http://schemas.openxmlformats.org/presentationml/2006/main">
   <p:tag name="ISLIDE.ICON" val="#893193;#893189;#893182;#893186;"/>
 </p:tagLst>
 </file>
 
 <file path=ppt/tags/tag9.xml><?xml version="1.0" encoding="utf-8"?>
-<p:tagLst xmlns:p="http://schemas.openxmlformats.org/presentationml/2006/main">
+<p:tagLst xmlns:a="http://schemas.openxmlformats.org/drawingml/2006/main" xmlns:r="http://schemas.openxmlformats.org/officeDocument/2006/relationships" xmlns:p="http://schemas.openxmlformats.org/presentationml/2006/main">
   <p:tag name="ISLIDE.ICON" val="#893193;#893189;#893182;#893186;"/>
 </p:tagLst>
 </file>
@@ -14529,6 +13820,8 @@
       </a:bgFillStyleLst>
     </a:fmtScheme>
   </a:themeElements>
+  <a:objectDefaults/>
+  <a:extraClrSchemeLst/>
   <a:extLst>
     <a:ext uri="{05A4C25C-085E-4340-85A3-A5531E510DB2}">
       <thm15:themeFamily xmlns:thm15="http://schemas.microsoft.com/office/thememl/2012/main" name="Office Theme" id="{62F939B6-93AF-4DB8-9C6B-D6C7DFDC589F}" vid="{4A3C46E8-61CC-4603-A589-7422A47A8E4A}"/>
@@ -14788,6 +14081,8 @@
       </a:bgFillStyleLst>
     </a:fmtScheme>
   </a:themeElements>
+  <a:objectDefaults/>
+  <a:extraClrSchemeLst/>
   <a:extLst>
     <a:ext uri="{05A4C25C-085E-4340-85A3-A5531E510DB2}">
       <thm15:themeFamily xmlns:thm15="http://schemas.microsoft.com/office/thememl/2012/main" name="Office Theme" id="{62F939B6-93AF-4DB8-9C6B-D6C7DFDC589F}" vid="{4A3C46E8-61CC-4603-A589-7422A47A8E4A}"/>
